--- a/embedding/graph embedding/Representation Learning on Graphs.pptx
+++ b/embedding/graph embedding/Representation Learning on Graphs.pptx
@@ -8,6 +8,30 @@
     <p:sldId id="256" r:id="rId2"/>
     <p:sldId id="257" r:id="rId3"/>
     <p:sldId id="258" r:id="rId4"/>
+    <p:sldId id="259" r:id="rId5"/>
+    <p:sldId id="260" r:id="rId6"/>
+    <p:sldId id="261" r:id="rId7"/>
+    <p:sldId id="262" r:id="rId8"/>
+    <p:sldId id="263" r:id="rId9"/>
+    <p:sldId id="264" r:id="rId10"/>
+    <p:sldId id="265" r:id="rId11"/>
+    <p:sldId id="266" r:id="rId12"/>
+    <p:sldId id="267" r:id="rId13"/>
+    <p:sldId id="268" r:id="rId14"/>
+    <p:sldId id="269" r:id="rId15"/>
+    <p:sldId id="270" r:id="rId16"/>
+    <p:sldId id="271" r:id="rId17"/>
+    <p:sldId id="272" r:id="rId18"/>
+    <p:sldId id="273" r:id="rId19"/>
+    <p:sldId id="274" r:id="rId20"/>
+    <p:sldId id="275" r:id="rId21"/>
+    <p:sldId id="276" r:id="rId22"/>
+    <p:sldId id="277" r:id="rId23"/>
+    <p:sldId id="278" r:id="rId24"/>
+    <p:sldId id="279" r:id="rId25"/>
+    <p:sldId id="280" r:id="rId26"/>
+    <p:sldId id="281" r:id="rId27"/>
+    <p:sldId id="282" r:id="rId28"/>
   </p:sldIdLst>
   <p:sldSz cx="12192000" cy="6858000"/>
   <p:notesSz cx="6858000" cy="9144000"/>
@@ -261,7 +285,7 @@
           <a:p>
             <a:fld id="{0970952A-3E36-4BF0-A887-8C95F2072C57}" type="datetimeFigureOut">
               <a:rPr lang="zh-CN" altLang="en-US" smtClean="0"/>
-              <a:t>2018/12/14</a:t>
+              <a:t>2018/12/17</a:t>
             </a:fld>
             <a:endParaRPr lang="zh-CN" altLang="en-US"/>
           </a:p>
@@ -459,7 +483,7 @@
           <a:p>
             <a:fld id="{0970952A-3E36-4BF0-A887-8C95F2072C57}" type="datetimeFigureOut">
               <a:rPr lang="zh-CN" altLang="en-US" smtClean="0"/>
-              <a:t>2018/12/14</a:t>
+              <a:t>2018/12/17</a:t>
             </a:fld>
             <a:endParaRPr lang="zh-CN" altLang="en-US"/>
           </a:p>
@@ -667,7 +691,7 @@
           <a:p>
             <a:fld id="{0970952A-3E36-4BF0-A887-8C95F2072C57}" type="datetimeFigureOut">
               <a:rPr lang="zh-CN" altLang="en-US" smtClean="0"/>
-              <a:t>2018/12/14</a:t>
+              <a:t>2018/12/17</a:t>
             </a:fld>
             <a:endParaRPr lang="zh-CN" altLang="en-US"/>
           </a:p>
@@ -865,7 +889,7 @@
           <a:p>
             <a:fld id="{6D3E5801-11D0-45A1-931F-AC6DF7231B37}" type="datetimeFigureOut">
               <a:rPr lang="zh-CN" altLang="en-US" smtClean="0"/>
-              <a:t>2018/12/14</a:t>
+              <a:t>2018/12/17</a:t>
             </a:fld>
             <a:endParaRPr lang="zh-CN" altLang="en-US"/>
           </a:p>
@@ -1140,7 +1164,7 @@
           <a:p>
             <a:fld id="{0970952A-3E36-4BF0-A887-8C95F2072C57}" type="datetimeFigureOut">
               <a:rPr lang="zh-CN" altLang="en-US" smtClean="0"/>
-              <a:t>2018/12/14</a:t>
+              <a:t>2018/12/17</a:t>
             </a:fld>
             <a:endParaRPr lang="zh-CN" altLang="en-US"/>
           </a:p>
@@ -1405,7 +1429,7 @@
           <a:p>
             <a:fld id="{0970952A-3E36-4BF0-A887-8C95F2072C57}" type="datetimeFigureOut">
               <a:rPr lang="zh-CN" altLang="en-US" smtClean="0"/>
-              <a:t>2018/12/14</a:t>
+              <a:t>2018/12/17</a:t>
             </a:fld>
             <a:endParaRPr lang="zh-CN" altLang="en-US"/>
           </a:p>
@@ -1817,7 +1841,7 @@
           <a:p>
             <a:fld id="{0970952A-3E36-4BF0-A887-8C95F2072C57}" type="datetimeFigureOut">
               <a:rPr lang="zh-CN" altLang="en-US" smtClean="0"/>
-              <a:t>2018/12/14</a:t>
+              <a:t>2018/12/17</a:t>
             </a:fld>
             <a:endParaRPr lang="zh-CN" altLang="en-US"/>
           </a:p>
@@ -1958,7 +1982,7 @@
           <a:p>
             <a:fld id="{0970952A-3E36-4BF0-A887-8C95F2072C57}" type="datetimeFigureOut">
               <a:rPr lang="zh-CN" altLang="en-US" smtClean="0"/>
-              <a:t>2018/12/14</a:t>
+              <a:t>2018/12/17</a:t>
             </a:fld>
             <a:endParaRPr lang="zh-CN" altLang="en-US"/>
           </a:p>
@@ -2071,7 +2095,7 @@
           <a:p>
             <a:fld id="{0970952A-3E36-4BF0-A887-8C95F2072C57}" type="datetimeFigureOut">
               <a:rPr lang="zh-CN" altLang="en-US" smtClean="0"/>
-              <a:t>2018/12/14</a:t>
+              <a:t>2018/12/17</a:t>
             </a:fld>
             <a:endParaRPr lang="zh-CN" altLang="en-US"/>
           </a:p>
@@ -2382,7 +2406,7 @@
           <a:p>
             <a:fld id="{0970952A-3E36-4BF0-A887-8C95F2072C57}" type="datetimeFigureOut">
               <a:rPr lang="zh-CN" altLang="en-US" smtClean="0"/>
-              <a:t>2018/12/14</a:t>
+              <a:t>2018/12/17</a:t>
             </a:fld>
             <a:endParaRPr lang="zh-CN" altLang="en-US"/>
           </a:p>
@@ -2670,7 +2694,7 @@
           <a:p>
             <a:fld id="{0970952A-3E36-4BF0-A887-8C95F2072C57}" type="datetimeFigureOut">
               <a:rPr lang="zh-CN" altLang="en-US" smtClean="0"/>
-              <a:t>2018/12/14</a:t>
+              <a:t>2018/12/17</a:t>
             </a:fld>
             <a:endParaRPr lang="zh-CN" altLang="en-US"/>
           </a:p>
@@ -2911,7 +2935,7 @@
           <a:p>
             <a:fld id="{0970952A-3E36-4BF0-A887-8C95F2072C57}" type="datetimeFigureOut">
               <a:rPr lang="zh-CN" altLang="en-US" smtClean="0"/>
-              <a:t>2018/12/14</a:t>
+              <a:t>2018/12/17</a:t>
             </a:fld>
             <a:endParaRPr lang="zh-CN" altLang="en-US"/>
           </a:p>
@@ -3415,6 +3439,2141 @@
 </p:sld>
 </file>
 
+<file path=ppt/slides/slide10.xml><?xml version="1.0" encoding="utf-8"?>
+<p:sld xmlns:a="http://schemas.openxmlformats.org/drawingml/2006/main" xmlns:r="http://schemas.openxmlformats.org/officeDocument/2006/relationships" xmlns:p="http://schemas.openxmlformats.org/presentationml/2006/main">
+  <p:cSld>
+    <p:spTree>
+      <p:nvGrpSpPr>
+        <p:cNvPr id="1" name=""/>
+        <p:cNvGrpSpPr/>
+        <p:nvPr/>
+      </p:nvGrpSpPr>
+      <p:grpSpPr>
+        <a:xfrm>
+          <a:off x="0" y="0"/>
+          <a:ext cx="0" cy="0"/>
+          <a:chOff x="0" y="0"/>
+          <a:chExt cx="0" cy="0"/>
+        </a:xfrm>
+      </p:grpSpPr>
+      <p:sp>
+        <p:nvSpPr>
+          <p:cNvPr id="2" name="标题 1">
+            <a:extLst>
+              <a:ext uri="{FF2B5EF4-FFF2-40B4-BE49-F238E27FC236}">
+                <a16:creationId xmlns:a16="http://schemas.microsoft.com/office/drawing/2014/main" id="{A4135C84-0954-41CF-AF81-1BF46C44A7C9}"/>
+              </a:ext>
+            </a:extLst>
+          </p:cNvPr>
+          <p:cNvSpPr>
+            <a:spLocks noGrp="1"/>
+          </p:cNvSpPr>
+          <p:nvPr>
+            <p:ph type="title"/>
+          </p:nvPr>
+        </p:nvSpPr>
+        <p:spPr/>
+        <p:txBody>
+          <a:bodyPr/>
+          <a:lstStyle/>
+          <a:p>
+            <a:r>
+              <a:rPr lang="en-US" altLang="zh-CN" dirty="0"/>
+              <a:t>Random Walk </a:t>
+            </a:r>
+            <a:r>
+              <a:rPr lang="zh-CN" altLang="en-US" dirty="0"/>
+              <a:t>方法</a:t>
+            </a:r>
+          </a:p>
+        </p:txBody>
+      </p:sp>
+      <p:pic>
+        <p:nvPicPr>
+          <p:cNvPr id="4" name="pasted-image.png">
+            <a:extLst>
+              <a:ext uri="{FF2B5EF4-FFF2-40B4-BE49-F238E27FC236}">
+                <a16:creationId xmlns:a16="http://schemas.microsoft.com/office/drawing/2014/main" id="{DF185666-4F00-4C81-BD8E-0A0D4565273F}"/>
+              </a:ext>
+            </a:extLst>
+          </p:cNvPr>
+          <p:cNvPicPr>
+            <a:picLocks noGrp="1" noChangeAspect="1"/>
+          </p:cNvPicPr>
+          <p:nvPr>
+            <p:ph idx="1"/>
+          </p:nvPr>
+        </p:nvPicPr>
+        <p:blipFill>
+          <a:blip r:embed="rId2">
+            <a:extLst/>
+          </a:blip>
+          <a:stretch>
+            <a:fillRect/>
+          </a:stretch>
+        </p:blipFill>
+        <p:spPr>
+          <a:xfrm>
+            <a:off x="989900" y="1996053"/>
+            <a:ext cx="1326029" cy="786993"/>
+          </a:xfrm>
+          <a:prstGeom prst="rect">
+            <a:avLst/>
+          </a:prstGeom>
+          <a:ln w="12700">
+            <a:miter lim="400000"/>
+          </a:ln>
+        </p:spPr>
+      </p:pic>
+      <p:sp>
+        <p:nvSpPr>
+          <p:cNvPr id="5" name="Shape 163">
+            <a:extLst>
+              <a:ext uri="{FF2B5EF4-FFF2-40B4-BE49-F238E27FC236}">
+                <a16:creationId xmlns:a16="http://schemas.microsoft.com/office/drawing/2014/main" id="{73E388B8-8E36-4308-8CEF-B4A5194A431B}"/>
+              </a:ext>
+            </a:extLst>
+          </p:cNvPr>
+          <p:cNvSpPr/>
+          <p:nvPr/>
+        </p:nvSpPr>
+        <p:spPr>
+          <a:xfrm>
+            <a:off x="2539469" y="1703748"/>
+            <a:ext cx="4686301" cy="1371601"/>
+          </a:xfrm>
+          <a:prstGeom prst="rect">
+            <a:avLst/>
+          </a:prstGeom>
+          <a:ln w="12700">
+            <a:miter lim="400000"/>
+          </a:ln>
+          <a:extLst>
+            <a:ext uri="{C572A759-6A51-4108-AA02-DFA0A04FC94B}">
+              <ma14:wrappingTextBoxFlag xmlns="" xmlns:ma14="http://schemas.microsoft.com/office/mac/drawingml/2011/main" val="1"/>
+            </a:ext>
+          </a:extLst>
+        </p:spPr>
+        <p:txBody>
+          <a:bodyPr lIns="50800" tIns="50800" rIns="50800" bIns="50800" anchor="ctr">
+            <a:spAutoFit/>
+          </a:bodyPr>
+          <a:lstStyle/>
+          <a:p>
+            <a:r>
+              <a:rPr dirty="0" err="1"/>
+              <a:t>近似于node</a:t>
+            </a:r>
+            <a:r>
+              <a:rPr dirty="0"/>
+              <a:t> U ,</a:t>
+            </a:r>
+            <a:r>
+              <a:rPr dirty="0" err="1"/>
+              <a:t>V在随机游走中的共现概率</a:t>
+            </a:r>
+            <a:endParaRPr dirty="0"/>
+          </a:p>
+        </p:txBody>
+      </p:sp>
+      <p:pic>
+        <p:nvPicPr>
+          <p:cNvPr id="2050" name="Picture 2" descr="计算机生成了可选文字:&#10;1．Runrandomwalkstoobtainco-occurrencestatistics&#10;Z&#10;2．Optimizeembeddingsbasedon&#10;co-occurrencestatlstlcs">
+            <a:extLst>
+              <a:ext uri="{FF2B5EF4-FFF2-40B4-BE49-F238E27FC236}">
+                <a16:creationId xmlns:a16="http://schemas.microsoft.com/office/drawing/2014/main" id="{E6A5DF74-615D-4FDF-9B24-8AA506D21733}"/>
+              </a:ext>
+            </a:extLst>
+          </p:cNvPr>
+          <p:cNvPicPr>
+            <a:picLocks noChangeAspect="1" noChangeArrowheads="1"/>
+          </p:cNvPicPr>
+          <p:nvPr/>
+        </p:nvPicPr>
+        <p:blipFill>
+          <a:blip r:embed="rId3">
+            <a:extLst>
+              <a:ext uri="{28A0092B-C50C-407E-A947-70E740481C1C}">
+                <a14:useLocalDpi xmlns:a14="http://schemas.microsoft.com/office/drawing/2010/main" val="0"/>
+              </a:ext>
+            </a:extLst>
+          </a:blip>
+          <a:srcRect/>
+          <a:stretch>
+            <a:fillRect/>
+          </a:stretch>
+        </p:blipFill>
+        <p:spPr bwMode="auto">
+          <a:xfrm>
+            <a:off x="229387" y="2783046"/>
+            <a:ext cx="10877550" cy="3371850"/>
+          </a:xfrm>
+          <a:prstGeom prst="rect">
+            <a:avLst/>
+          </a:prstGeom>
+          <a:noFill/>
+          <a:extLst>
+            <a:ext uri="{909E8E84-426E-40DD-AFC4-6F175D3DCCD1}">
+              <a14:hiddenFill xmlns:a14="http://schemas.microsoft.com/office/drawing/2010/main">
+                <a:solidFill>
+                  <a:srgbClr val="FFFFFF"/>
+                </a:solidFill>
+              </a14:hiddenFill>
+            </a:ext>
+          </a:extLst>
+        </p:spPr>
+      </p:pic>
+    </p:spTree>
+    <p:extLst>
+      <p:ext uri="{BB962C8B-B14F-4D97-AF65-F5344CB8AC3E}">
+        <p14:creationId xmlns:p14="http://schemas.microsoft.com/office/powerpoint/2010/main" val="1359962331"/>
+      </p:ext>
+    </p:extLst>
+  </p:cSld>
+  <p:clrMapOvr>
+    <a:masterClrMapping/>
+  </p:clrMapOvr>
+</p:sld>
+</file>
+
+<file path=ppt/slides/slide11.xml><?xml version="1.0" encoding="utf-8"?>
+<p:sld xmlns:a="http://schemas.openxmlformats.org/drawingml/2006/main" xmlns:r="http://schemas.openxmlformats.org/officeDocument/2006/relationships" xmlns:p="http://schemas.openxmlformats.org/presentationml/2006/main">
+  <p:cSld>
+    <p:spTree>
+      <p:nvGrpSpPr>
+        <p:cNvPr id="1" name=""/>
+        <p:cNvGrpSpPr/>
+        <p:nvPr/>
+      </p:nvGrpSpPr>
+      <p:grpSpPr>
+        <a:xfrm>
+          <a:off x="0" y="0"/>
+          <a:ext cx="0" cy="0"/>
+          <a:chOff x="0" y="0"/>
+          <a:chExt cx="0" cy="0"/>
+        </a:xfrm>
+      </p:grpSpPr>
+      <p:sp>
+        <p:nvSpPr>
+          <p:cNvPr id="2" name="标题 1">
+            <a:extLst>
+              <a:ext uri="{FF2B5EF4-FFF2-40B4-BE49-F238E27FC236}">
+                <a16:creationId xmlns:a16="http://schemas.microsoft.com/office/drawing/2014/main" id="{BD476D08-B08B-4161-8E47-055675412018}"/>
+              </a:ext>
+            </a:extLst>
+          </p:cNvPr>
+          <p:cNvSpPr>
+            <a:spLocks noGrp="1"/>
+          </p:cNvSpPr>
+          <p:nvPr>
+            <p:ph type="title"/>
+          </p:nvPr>
+        </p:nvSpPr>
+        <p:spPr/>
+        <p:txBody>
+          <a:bodyPr/>
+          <a:lstStyle/>
+          <a:p>
+            <a:r>
+              <a:rPr lang="en-US" altLang="zh-CN" dirty="0"/>
+              <a:t>why Random Walk?</a:t>
+            </a:r>
+            <a:endParaRPr lang="zh-CN" altLang="en-US" dirty="0"/>
+          </a:p>
+        </p:txBody>
+      </p:sp>
+      <p:sp>
+        <p:nvSpPr>
+          <p:cNvPr id="3" name="内容占位符 2">
+            <a:extLst>
+              <a:ext uri="{FF2B5EF4-FFF2-40B4-BE49-F238E27FC236}">
+                <a16:creationId xmlns:a16="http://schemas.microsoft.com/office/drawing/2014/main" id="{224D477F-1A24-41F1-B82F-27E9F53318DC}"/>
+              </a:ext>
+            </a:extLst>
+          </p:cNvPr>
+          <p:cNvSpPr>
+            <a:spLocks noGrp="1"/>
+          </p:cNvSpPr>
+          <p:nvPr>
+            <p:ph idx="1"/>
+          </p:nvPr>
+        </p:nvSpPr>
+        <p:spPr/>
+        <p:txBody>
+          <a:bodyPr/>
+          <a:lstStyle/>
+          <a:p>
+            <a:r>
+              <a:rPr lang="zh-CN" altLang="zh-CN" dirty="0"/>
+              <a:t>更</a:t>
+            </a:r>
+            <a:r>
+              <a:rPr lang="en-US" altLang="zh-CN" dirty="0"/>
+              <a:t>Flexible</a:t>
+            </a:r>
+            <a:r>
+              <a:rPr lang="zh-CN" altLang="zh-CN" dirty="0"/>
+              <a:t>的节点相似度定义：考虑</a:t>
+            </a:r>
+            <a:r>
+              <a:rPr lang="en-US" altLang="zh-CN" dirty="0"/>
+              <a:t>local </a:t>
+            </a:r>
+            <a:r>
+              <a:rPr lang="zh-CN" altLang="zh-CN" dirty="0"/>
+              <a:t>和</a:t>
+            </a:r>
+            <a:r>
+              <a:rPr lang="en-US" altLang="zh-CN" dirty="0"/>
+              <a:t>high-order</a:t>
+            </a:r>
+            <a:r>
+              <a:rPr lang="zh-CN" altLang="zh-CN" dirty="0"/>
+              <a:t>的邻居信息</a:t>
+            </a:r>
+          </a:p>
+          <a:p>
+            <a:endParaRPr lang="en-US" altLang="zh-CN" dirty="0"/>
+          </a:p>
+          <a:p>
+            <a:r>
+              <a:rPr lang="zh-CN" altLang="en-US" dirty="0"/>
+              <a:t>训</a:t>
+            </a:r>
+            <a:r>
+              <a:rPr lang="zh-CN" altLang="zh-CN" dirty="0"/>
+              <a:t>练时，不需要考虑所有的节点</a:t>
+            </a:r>
+            <a:r>
+              <a:rPr lang="en-US" altLang="zh-CN" dirty="0"/>
+              <a:t>pair</a:t>
+            </a:r>
+            <a:r>
+              <a:rPr lang="zh-CN" altLang="zh-CN" dirty="0"/>
+              <a:t>对，只需要考虑在随机游走中有共现关系的节点对</a:t>
+            </a:r>
+          </a:p>
+          <a:p>
+            <a:endParaRPr lang="zh-CN" altLang="en-US" dirty="0"/>
+          </a:p>
+        </p:txBody>
+      </p:sp>
+    </p:spTree>
+    <p:extLst>
+      <p:ext uri="{BB962C8B-B14F-4D97-AF65-F5344CB8AC3E}">
+        <p14:creationId xmlns:p14="http://schemas.microsoft.com/office/powerpoint/2010/main" val="3483102321"/>
+      </p:ext>
+    </p:extLst>
+  </p:cSld>
+  <p:clrMapOvr>
+    <a:masterClrMapping/>
+  </p:clrMapOvr>
+</p:sld>
+</file>
+
+<file path=ppt/slides/slide12.xml><?xml version="1.0" encoding="utf-8"?>
+<p:sld xmlns:a="http://schemas.openxmlformats.org/drawingml/2006/main" xmlns:r="http://schemas.openxmlformats.org/officeDocument/2006/relationships" xmlns:p="http://schemas.openxmlformats.org/presentationml/2006/main">
+  <p:cSld>
+    <p:spTree>
+      <p:nvGrpSpPr>
+        <p:cNvPr id="1" name=""/>
+        <p:cNvGrpSpPr/>
+        <p:nvPr/>
+      </p:nvGrpSpPr>
+      <p:grpSpPr>
+        <a:xfrm>
+          <a:off x="0" y="0"/>
+          <a:ext cx="0" cy="0"/>
+          <a:chOff x="0" y="0"/>
+          <a:chExt cx="0" cy="0"/>
+        </a:xfrm>
+      </p:grpSpPr>
+      <p:sp>
+        <p:nvSpPr>
+          <p:cNvPr id="2" name="标题 1">
+            <a:extLst>
+              <a:ext uri="{FF2B5EF4-FFF2-40B4-BE49-F238E27FC236}">
+                <a16:creationId xmlns:a16="http://schemas.microsoft.com/office/drawing/2014/main" id="{4F7549FF-8D9D-4AC3-94C0-3F3F370202B5}"/>
+              </a:ext>
+            </a:extLst>
+          </p:cNvPr>
+          <p:cNvSpPr>
+            <a:spLocks noGrp="1"/>
+          </p:cNvSpPr>
+          <p:nvPr>
+            <p:ph type="title"/>
+          </p:nvPr>
+        </p:nvSpPr>
+        <p:spPr/>
+        <p:txBody>
+          <a:bodyPr/>
+          <a:lstStyle/>
+          <a:p>
+            <a:r>
+              <a:rPr lang="zh-CN" altLang="en-US" dirty="0"/>
+              <a:t>损失函数定义</a:t>
+            </a:r>
+          </a:p>
+        </p:txBody>
+      </p:sp>
+      <p:sp>
+        <p:nvSpPr>
+          <p:cNvPr id="3" name="内容占位符 2">
+            <a:extLst>
+              <a:ext uri="{FF2B5EF4-FFF2-40B4-BE49-F238E27FC236}">
+                <a16:creationId xmlns:a16="http://schemas.microsoft.com/office/drawing/2014/main" id="{0438914C-F69C-475F-967C-BEFCA5C06F4B}"/>
+              </a:ext>
+            </a:extLst>
+          </p:cNvPr>
+          <p:cNvSpPr>
+            <a:spLocks noGrp="1"/>
+          </p:cNvSpPr>
+          <p:nvPr>
+            <p:ph idx="1"/>
+          </p:nvPr>
+        </p:nvSpPr>
+        <p:spPr>
+          <a:xfrm>
+            <a:off x="838199" y="1825625"/>
+            <a:ext cx="9958431" cy="4491285"/>
+          </a:xfrm>
+        </p:spPr>
+        <p:txBody>
+          <a:bodyPr/>
+          <a:lstStyle/>
+          <a:p>
+            <a:r>
+              <a:rPr lang="en-US" altLang="zh-CN" dirty="0"/>
+              <a:t>Intuition</a:t>
+            </a:r>
+            <a:r>
+              <a:rPr lang="zh-CN" altLang="en-US" dirty="0"/>
+              <a:t>：最大化随机游走共现概率</a:t>
+            </a:r>
+            <a:endParaRPr lang="en-US" altLang="zh-CN" dirty="0"/>
+          </a:p>
+          <a:p>
+            <a:endParaRPr lang="en-US" altLang="zh-CN" dirty="0"/>
+          </a:p>
+          <a:p>
+            <a:endParaRPr lang="en-US" altLang="zh-CN" dirty="0"/>
+          </a:p>
+          <a:p>
+            <a:pPr marL="0" indent="0">
+              <a:buNone/>
+            </a:pPr>
+            <a:endParaRPr lang="en-US" altLang="zh-CN" dirty="0"/>
+          </a:p>
+          <a:p>
+            <a:r>
+              <a:rPr lang="zh-CN" altLang="en-US" dirty="0"/>
+              <a:t>概率：</a:t>
+            </a:r>
+            <a:r>
+              <a:rPr lang="en-US" altLang="zh-CN" dirty="0" err="1"/>
+              <a:t>softmax</a:t>
+            </a:r>
+            <a:endParaRPr lang="en-US" altLang="zh-CN" dirty="0"/>
+          </a:p>
+          <a:p>
+            <a:endParaRPr lang="en-US" altLang="zh-CN" dirty="0"/>
+          </a:p>
+          <a:p>
+            <a:endParaRPr lang="en-US" altLang="zh-CN" dirty="0"/>
+          </a:p>
+          <a:p>
+            <a:r>
+              <a:rPr lang="zh-CN" altLang="en-US" dirty="0"/>
+              <a:t>计算复杂度：负采样</a:t>
+            </a:r>
+          </a:p>
+          <a:p>
+            <a:endParaRPr lang="zh-CN" altLang="en-US" dirty="0"/>
+          </a:p>
+        </p:txBody>
+      </p:sp>
+      <p:pic>
+        <p:nvPicPr>
+          <p:cNvPr id="4" name="pasted-image.png">
+            <a:extLst>
+              <a:ext uri="{FF2B5EF4-FFF2-40B4-BE49-F238E27FC236}">
+                <a16:creationId xmlns:a16="http://schemas.microsoft.com/office/drawing/2014/main" id="{9DB15AD1-0A6A-4335-AB3A-52D45CEDB3FE}"/>
+              </a:ext>
+            </a:extLst>
+          </p:cNvPr>
+          <p:cNvPicPr>
+            <a:picLocks noChangeAspect="1"/>
+          </p:cNvPicPr>
+          <p:nvPr/>
+        </p:nvPicPr>
+        <p:blipFill>
+          <a:blip r:embed="rId2">
+            <a:extLst/>
+          </a:blip>
+          <a:stretch>
+            <a:fillRect/>
+          </a:stretch>
+        </p:blipFill>
+        <p:spPr>
+          <a:xfrm>
+            <a:off x="2965179" y="2733023"/>
+            <a:ext cx="4425522" cy="891078"/>
+          </a:xfrm>
+          <a:prstGeom prst="rect">
+            <a:avLst/>
+          </a:prstGeom>
+          <a:ln w="12700">
+            <a:miter lim="400000"/>
+          </a:ln>
+        </p:spPr>
+      </p:pic>
+      <p:pic>
+        <p:nvPicPr>
+          <p:cNvPr id="5" name="pasted-image.png">
+            <a:extLst>
+              <a:ext uri="{FF2B5EF4-FFF2-40B4-BE49-F238E27FC236}">
+                <a16:creationId xmlns:a16="http://schemas.microsoft.com/office/drawing/2014/main" id="{0A4960B0-0DE9-45EE-A657-2D3CB890AEB8}"/>
+              </a:ext>
+            </a:extLst>
+          </p:cNvPr>
+          <p:cNvPicPr>
+            <a:picLocks noChangeAspect="1"/>
+          </p:cNvPicPr>
+          <p:nvPr/>
+        </p:nvPicPr>
+        <p:blipFill>
+          <a:blip r:embed="rId3">
+            <a:extLst/>
+          </a:blip>
+          <a:stretch>
+            <a:fillRect/>
+          </a:stretch>
+        </p:blipFill>
+        <p:spPr>
+          <a:xfrm>
+            <a:off x="2965179" y="4531499"/>
+            <a:ext cx="3611845" cy="768130"/>
+          </a:xfrm>
+          <a:prstGeom prst="rect">
+            <a:avLst/>
+          </a:prstGeom>
+          <a:ln w="12700">
+            <a:miter lim="400000"/>
+          </a:ln>
+        </p:spPr>
+      </p:pic>
+    </p:spTree>
+    <p:extLst>
+      <p:ext uri="{BB962C8B-B14F-4D97-AF65-F5344CB8AC3E}">
+        <p14:creationId xmlns:p14="http://schemas.microsoft.com/office/powerpoint/2010/main" val="2528896320"/>
+      </p:ext>
+    </p:extLst>
+  </p:cSld>
+  <p:clrMapOvr>
+    <a:masterClrMapping/>
+  </p:clrMapOvr>
+</p:sld>
+</file>
+
+<file path=ppt/slides/slide13.xml><?xml version="1.0" encoding="utf-8"?>
+<p:sld xmlns:a="http://schemas.openxmlformats.org/drawingml/2006/main" xmlns:r="http://schemas.openxmlformats.org/officeDocument/2006/relationships" xmlns:p="http://schemas.openxmlformats.org/presentationml/2006/main">
+  <p:cSld>
+    <p:spTree>
+      <p:nvGrpSpPr>
+        <p:cNvPr id="1" name=""/>
+        <p:cNvGrpSpPr/>
+        <p:nvPr/>
+      </p:nvGrpSpPr>
+      <p:grpSpPr>
+        <a:xfrm>
+          <a:off x="0" y="0"/>
+          <a:ext cx="0" cy="0"/>
+          <a:chOff x="0" y="0"/>
+          <a:chExt cx="0" cy="0"/>
+        </a:xfrm>
+      </p:grpSpPr>
+      <p:sp>
+        <p:nvSpPr>
+          <p:cNvPr id="2" name="标题 1">
+            <a:extLst>
+              <a:ext uri="{FF2B5EF4-FFF2-40B4-BE49-F238E27FC236}">
+                <a16:creationId xmlns:a16="http://schemas.microsoft.com/office/drawing/2014/main" id="{9F7D362E-349D-47E3-8836-423229ABA5F4}"/>
+              </a:ext>
+            </a:extLst>
+          </p:cNvPr>
+          <p:cNvSpPr>
+            <a:spLocks noGrp="1"/>
+          </p:cNvSpPr>
+          <p:nvPr>
+            <p:ph type="title"/>
+          </p:nvPr>
+        </p:nvSpPr>
+        <p:spPr/>
+        <p:txBody>
+          <a:bodyPr/>
+          <a:lstStyle/>
+          <a:p>
+            <a:r>
+              <a:rPr lang="en-US" altLang="zh-CN" dirty="0"/>
+              <a:t>How Random Walk</a:t>
+            </a:r>
+            <a:endParaRPr lang="zh-CN" altLang="en-US" dirty="0"/>
+          </a:p>
+        </p:txBody>
+      </p:sp>
+      <p:sp>
+        <p:nvSpPr>
+          <p:cNvPr id="3" name="内容占位符 2">
+            <a:extLst>
+              <a:ext uri="{FF2B5EF4-FFF2-40B4-BE49-F238E27FC236}">
+                <a16:creationId xmlns:a16="http://schemas.microsoft.com/office/drawing/2014/main" id="{A0BA4804-35AA-47F3-83AC-78EF42B73E2A}"/>
+              </a:ext>
+            </a:extLst>
+          </p:cNvPr>
+          <p:cNvSpPr>
+            <a:spLocks noGrp="1"/>
+          </p:cNvSpPr>
+          <p:nvPr>
+            <p:ph idx="1"/>
+          </p:nvPr>
+        </p:nvSpPr>
+        <p:spPr/>
+        <p:txBody>
+          <a:bodyPr/>
+          <a:lstStyle/>
+          <a:p>
+            <a:r>
+              <a:rPr lang="zh-CN" altLang="en-US" dirty="0"/>
+              <a:t>不同随机游走策略</a:t>
+            </a:r>
+            <a:r>
+              <a:rPr lang="en-US" altLang="zh-CN" dirty="0"/>
+              <a:t>-&gt; </a:t>
+            </a:r>
+            <a:r>
+              <a:rPr lang="zh-CN" altLang="en-US" dirty="0"/>
+              <a:t>不同模型</a:t>
+            </a:r>
+            <a:endParaRPr lang="en-US" altLang="zh-CN" dirty="0"/>
+          </a:p>
+          <a:p>
+            <a:pPr lvl="1"/>
+            <a:r>
+              <a:rPr lang="en-US" altLang="zh-CN" dirty="0" err="1"/>
+              <a:t>DeepWalk</a:t>
+            </a:r>
+            <a:r>
+              <a:rPr lang="zh-CN" altLang="en-US" dirty="0"/>
+              <a:t>：定长，无偏的随机游走策略</a:t>
+            </a:r>
+          </a:p>
+          <a:p>
+            <a:pPr lvl="1"/>
+            <a:r>
+              <a:rPr lang="en-US" altLang="zh-CN" dirty="0"/>
+              <a:t>node2vec</a:t>
+            </a:r>
+            <a:r>
+              <a:rPr lang="zh-CN" altLang="en-US" dirty="0"/>
+              <a:t>：以概率决定</a:t>
+            </a:r>
+            <a:r>
+              <a:rPr lang="en-US" altLang="zh-CN" dirty="0"/>
+              <a:t>BFS </a:t>
+            </a:r>
+            <a:r>
+              <a:rPr lang="zh-CN" altLang="en-US" dirty="0"/>
+              <a:t>还是</a:t>
+            </a:r>
+            <a:r>
+              <a:rPr lang="en-US" altLang="zh-CN" dirty="0"/>
+              <a:t>DFS</a:t>
+            </a:r>
+            <a:r>
+              <a:rPr lang="zh-CN" altLang="en-US" dirty="0"/>
+              <a:t>策略</a:t>
+            </a:r>
+            <a:endParaRPr lang="en-US" altLang="zh-CN" dirty="0"/>
+          </a:p>
+          <a:p>
+            <a:pPr lvl="1"/>
+            <a:r>
+              <a:rPr lang="en-US" altLang="zh-CN" dirty="0"/>
+              <a:t>Line</a:t>
+            </a:r>
+            <a:r>
+              <a:rPr lang="zh-CN" altLang="en-US" dirty="0"/>
+              <a:t>：直接优化基于</a:t>
+            </a:r>
+            <a:r>
+              <a:rPr lang="en-US" altLang="zh-CN" dirty="0"/>
+              <a:t>1-hop </a:t>
+            </a:r>
+            <a:r>
+              <a:rPr lang="zh-CN" altLang="en-US" dirty="0"/>
+              <a:t>和</a:t>
+            </a:r>
+            <a:r>
+              <a:rPr lang="en-US" altLang="zh-CN" dirty="0"/>
+              <a:t>2-hop</a:t>
+            </a:r>
+            <a:r>
+              <a:rPr lang="zh-CN" altLang="en-US" dirty="0"/>
+              <a:t>的随机游走概率</a:t>
+            </a:r>
+            <a:endParaRPr lang="en-US" altLang="zh-CN" dirty="0"/>
+          </a:p>
+          <a:p>
+            <a:pPr lvl="1"/>
+            <a:r>
+              <a:rPr lang="en-US" altLang="zh-CN" dirty="0"/>
+              <a:t>HARP</a:t>
+            </a:r>
+            <a:r>
+              <a:rPr lang="zh-CN" altLang="en-US" dirty="0"/>
+              <a:t>、</a:t>
+            </a:r>
+            <a:r>
+              <a:rPr lang="en-US" altLang="zh-CN" dirty="0"/>
+              <a:t>Struct2Vec</a:t>
+            </a:r>
+            <a:r>
+              <a:rPr lang="zh-CN" altLang="en-US" dirty="0"/>
+              <a:t>：先预处理图（对节点聚类），再进行随机游走</a:t>
+            </a:r>
+            <a:endParaRPr lang="en-US" altLang="zh-CN" dirty="0"/>
+          </a:p>
+          <a:p>
+            <a:pPr lvl="1"/>
+            <a:r>
+              <a:rPr lang="en-US" altLang="zh-CN" dirty="0"/>
+              <a:t>APP</a:t>
+            </a:r>
+            <a:r>
+              <a:rPr lang="zh-CN" altLang="en-US" dirty="0"/>
+              <a:t>：非对称性及</a:t>
+            </a:r>
+            <a:r>
+              <a:rPr lang="en-US" altLang="zh-CN" dirty="0"/>
+              <a:t>high-order</a:t>
+            </a:r>
+            <a:r>
+              <a:rPr lang="zh-CN" altLang="en-US" dirty="0"/>
+              <a:t>相似性</a:t>
+            </a:r>
+            <a:endParaRPr lang="en-US" altLang="zh-CN" dirty="0"/>
+          </a:p>
+        </p:txBody>
+      </p:sp>
+    </p:spTree>
+    <p:extLst>
+      <p:ext uri="{BB962C8B-B14F-4D97-AF65-F5344CB8AC3E}">
+        <p14:creationId xmlns:p14="http://schemas.microsoft.com/office/powerpoint/2010/main" val="2229959394"/>
+      </p:ext>
+    </p:extLst>
+  </p:cSld>
+  <p:clrMapOvr>
+    <a:masterClrMapping/>
+  </p:clrMapOvr>
+</p:sld>
+</file>
+
+<file path=ppt/slides/slide14.xml><?xml version="1.0" encoding="utf-8"?>
+<p:sld xmlns:a="http://schemas.openxmlformats.org/drawingml/2006/main" xmlns:r="http://schemas.openxmlformats.org/officeDocument/2006/relationships" xmlns:p="http://schemas.openxmlformats.org/presentationml/2006/main">
+  <p:cSld>
+    <p:spTree>
+      <p:nvGrpSpPr>
+        <p:cNvPr id="1" name=""/>
+        <p:cNvGrpSpPr/>
+        <p:nvPr/>
+      </p:nvGrpSpPr>
+      <p:grpSpPr>
+        <a:xfrm>
+          <a:off x="0" y="0"/>
+          <a:ext cx="0" cy="0"/>
+          <a:chOff x="0" y="0"/>
+          <a:chExt cx="0" cy="0"/>
+        </a:xfrm>
+      </p:grpSpPr>
+      <p:sp>
+        <p:nvSpPr>
+          <p:cNvPr id="2" name="标题 1">
+            <a:extLst>
+              <a:ext uri="{FF2B5EF4-FFF2-40B4-BE49-F238E27FC236}">
+                <a16:creationId xmlns:a16="http://schemas.microsoft.com/office/drawing/2014/main" id="{7C1CF240-3A6B-452D-A8FF-41A2350371E1}"/>
+              </a:ext>
+            </a:extLst>
+          </p:cNvPr>
+          <p:cNvSpPr>
+            <a:spLocks noGrp="1"/>
+          </p:cNvSpPr>
+          <p:nvPr>
+            <p:ph type="title"/>
+          </p:nvPr>
+        </p:nvSpPr>
+        <p:spPr/>
+        <p:txBody>
+          <a:bodyPr/>
+          <a:lstStyle/>
+          <a:p>
+            <a:r>
+              <a:rPr lang="en-US" altLang="zh-CN" dirty="0"/>
+              <a:t>Node2Vec</a:t>
+            </a:r>
+            <a:endParaRPr lang="zh-CN" altLang="en-US" dirty="0"/>
+          </a:p>
+        </p:txBody>
+      </p:sp>
+      <p:pic>
+        <p:nvPicPr>
+          <p:cNvPr id="4" name="pasted-image.png">
+            <a:extLst>
+              <a:ext uri="{FF2B5EF4-FFF2-40B4-BE49-F238E27FC236}">
+                <a16:creationId xmlns:a16="http://schemas.microsoft.com/office/drawing/2014/main" id="{6F084213-4736-4B99-8090-3DC71043724E}"/>
+              </a:ext>
+            </a:extLst>
+          </p:cNvPr>
+          <p:cNvPicPr>
+            <a:picLocks noGrp="1" noChangeAspect="1"/>
+          </p:cNvPicPr>
+          <p:nvPr>
+            <p:ph idx="1"/>
+          </p:nvPr>
+        </p:nvPicPr>
+        <p:blipFill>
+          <a:blip r:embed="rId2">
+            <a:extLst/>
+          </a:blip>
+          <a:stretch>
+            <a:fillRect/>
+          </a:stretch>
+        </p:blipFill>
+        <p:spPr>
+          <a:xfrm>
+            <a:off x="6334485" y="3883942"/>
+            <a:ext cx="5204017" cy="1564721"/>
+          </a:xfrm>
+          <a:prstGeom prst="rect">
+            <a:avLst/>
+          </a:prstGeom>
+          <a:ln w="12700">
+            <a:miter lim="400000"/>
+          </a:ln>
+        </p:spPr>
+      </p:pic>
+      <p:pic>
+        <p:nvPicPr>
+          <p:cNvPr id="5" name="pasted-image.png">
+            <a:extLst>
+              <a:ext uri="{FF2B5EF4-FFF2-40B4-BE49-F238E27FC236}">
+                <a16:creationId xmlns:a16="http://schemas.microsoft.com/office/drawing/2014/main" id="{8E506621-F2FC-45C8-9C80-02EA596E1D21}"/>
+              </a:ext>
+            </a:extLst>
+          </p:cNvPr>
+          <p:cNvPicPr>
+            <a:picLocks noChangeAspect="1"/>
+          </p:cNvPicPr>
+          <p:nvPr/>
+        </p:nvPicPr>
+        <p:blipFill>
+          <a:blip r:embed="rId3">
+            <a:extLst/>
+          </a:blip>
+          <a:stretch>
+            <a:fillRect/>
+          </a:stretch>
+        </p:blipFill>
+        <p:spPr>
+          <a:xfrm>
+            <a:off x="534419" y="4318205"/>
+            <a:ext cx="5254776" cy="2049069"/>
+          </a:xfrm>
+          <a:prstGeom prst="rect">
+            <a:avLst/>
+          </a:prstGeom>
+          <a:ln w="12700">
+            <a:miter lim="400000"/>
+          </a:ln>
+        </p:spPr>
+      </p:pic>
+      <p:pic>
+        <p:nvPicPr>
+          <p:cNvPr id="6" name="图片 5">
+            <a:extLst>
+              <a:ext uri="{FF2B5EF4-FFF2-40B4-BE49-F238E27FC236}">
+                <a16:creationId xmlns:a16="http://schemas.microsoft.com/office/drawing/2014/main" id="{770F989A-3BC0-4DD7-B461-614A1FC8937B}"/>
+              </a:ext>
+            </a:extLst>
+          </p:cNvPr>
+          <p:cNvPicPr>
+            <a:picLocks noChangeAspect="1"/>
+          </p:cNvPicPr>
+          <p:nvPr/>
+        </p:nvPicPr>
+        <p:blipFill>
+          <a:blip r:embed="rId4"/>
+          <a:stretch>
+            <a:fillRect/>
+          </a:stretch>
+        </p:blipFill>
+        <p:spPr>
+          <a:xfrm>
+            <a:off x="3327993" y="2908075"/>
+            <a:ext cx="3286125" cy="1143000"/>
+          </a:xfrm>
+          <a:prstGeom prst="rect">
+            <a:avLst/>
+          </a:prstGeom>
+        </p:spPr>
+      </p:pic>
+      <p:pic>
+        <p:nvPicPr>
+          <p:cNvPr id="7" name="图片 6">
+            <a:extLst>
+              <a:ext uri="{FF2B5EF4-FFF2-40B4-BE49-F238E27FC236}">
+                <a16:creationId xmlns:a16="http://schemas.microsoft.com/office/drawing/2014/main" id="{5E7B1E99-DAD0-4AC4-A666-468550D025CB}"/>
+              </a:ext>
+            </a:extLst>
+          </p:cNvPr>
+          <p:cNvPicPr>
+            <a:picLocks noChangeAspect="1"/>
+          </p:cNvPicPr>
+          <p:nvPr/>
+        </p:nvPicPr>
+        <p:blipFill>
+          <a:blip r:embed="rId5"/>
+          <a:stretch>
+            <a:fillRect/>
+          </a:stretch>
+        </p:blipFill>
+        <p:spPr>
+          <a:xfrm>
+            <a:off x="534419" y="2816793"/>
+            <a:ext cx="2582712" cy="1325564"/>
+          </a:xfrm>
+          <a:prstGeom prst="rect">
+            <a:avLst/>
+          </a:prstGeom>
+        </p:spPr>
+      </p:pic>
+      <p:sp>
+        <p:nvSpPr>
+          <p:cNvPr id="8" name="文本框 7">
+            <a:extLst>
+              <a:ext uri="{FF2B5EF4-FFF2-40B4-BE49-F238E27FC236}">
+                <a16:creationId xmlns:a16="http://schemas.microsoft.com/office/drawing/2014/main" id="{EC3AFE4A-400C-4CE9-8821-9FFE34889655}"/>
+              </a:ext>
+            </a:extLst>
+          </p:cNvPr>
+          <p:cNvSpPr txBox="1"/>
+          <p:nvPr/>
+        </p:nvSpPr>
+        <p:spPr>
+          <a:xfrm>
+            <a:off x="720610" y="1893463"/>
+            <a:ext cx="5321607" cy="923330"/>
+          </a:xfrm>
+          <a:prstGeom prst="rect">
+            <a:avLst/>
+          </a:prstGeom>
+          <a:noFill/>
+        </p:spPr>
+        <p:txBody>
+          <a:bodyPr wrap="square" rtlCol="0">
+            <a:spAutoFit/>
+          </a:bodyPr>
+          <a:lstStyle/>
+          <a:p>
+            <a:r>
+              <a:rPr lang="en-US" altLang="zh-CN" dirty="0"/>
+              <a:t>Node2Vec:</a:t>
+            </a:r>
+            <a:r>
+              <a:rPr lang="zh-CN" altLang="zh-CN" dirty="0"/>
+              <a:t>运用了更</a:t>
+            </a:r>
+            <a:r>
+              <a:rPr lang="en-US" altLang="zh-CN" dirty="0"/>
+              <a:t>flexible</a:t>
+            </a:r>
+            <a:r>
+              <a:rPr lang="zh-CN" altLang="en-US" dirty="0"/>
+              <a:t>的策略，</a:t>
+            </a:r>
+            <a:r>
+              <a:rPr lang="zh-CN" altLang="zh-CN" dirty="0"/>
+              <a:t>来平衡</a:t>
+            </a:r>
+            <a:r>
+              <a:rPr lang="en-US" altLang="zh-CN" dirty="0"/>
+              <a:t> local </a:t>
+            </a:r>
+            <a:r>
+              <a:rPr lang="zh-CN" altLang="zh-CN" dirty="0"/>
+              <a:t>和</a:t>
+            </a:r>
+            <a:r>
+              <a:rPr lang="en-US" altLang="zh-CN" dirty="0"/>
+              <a:t> global</a:t>
+            </a:r>
+            <a:r>
+              <a:rPr lang="zh-CN" altLang="zh-CN" dirty="0"/>
+              <a:t>的信息</a:t>
+            </a:r>
+            <a:endParaRPr lang="en-US" altLang="zh-CN" dirty="0"/>
+          </a:p>
+          <a:p>
+            <a:endParaRPr lang="en-US" altLang="zh-CN" dirty="0"/>
+          </a:p>
+        </p:txBody>
+      </p:sp>
+      <p:sp>
+        <p:nvSpPr>
+          <p:cNvPr id="9" name="矩形 8">
+            <a:extLst>
+              <a:ext uri="{FF2B5EF4-FFF2-40B4-BE49-F238E27FC236}">
+                <a16:creationId xmlns:a16="http://schemas.microsoft.com/office/drawing/2014/main" id="{C5231B9C-7A93-4EBA-8C42-6D24F2D41B58}"/>
+              </a:ext>
+            </a:extLst>
+          </p:cNvPr>
+          <p:cNvSpPr/>
+          <p:nvPr/>
+        </p:nvSpPr>
+        <p:spPr>
+          <a:xfrm>
+            <a:off x="6163112" y="5645337"/>
+            <a:ext cx="6096000" cy="646331"/>
+          </a:xfrm>
+          <a:prstGeom prst="rect">
+            <a:avLst/>
+          </a:prstGeom>
+        </p:spPr>
+        <p:txBody>
+          <a:bodyPr>
+            <a:spAutoFit/>
+          </a:bodyPr>
+          <a:lstStyle/>
+          <a:p>
+            <a:r>
+              <a:rPr lang="zh-CN" altLang="zh-CN" dirty="0"/>
+              <a:t>BFS</a:t>
+            </a:r>
+            <a:r>
+              <a:rPr lang="zh-CN" altLang="en-US" dirty="0"/>
+              <a:t>：</a:t>
+            </a:r>
+            <a:r>
+              <a:rPr lang="en-US" altLang="zh-CN" dirty="0"/>
+              <a:t>Local</a:t>
+            </a:r>
+            <a:r>
+              <a:rPr lang="zh-CN" altLang="en-US" dirty="0"/>
+              <a:t>信息，容易发现</a:t>
+            </a:r>
+            <a:r>
+              <a:rPr lang="zh-CN" altLang="zh-CN" dirty="0"/>
+              <a:t>structural role</a:t>
+            </a:r>
+            <a:endParaRPr lang="en-US" altLang="zh-CN" dirty="0"/>
+          </a:p>
+          <a:p>
+            <a:r>
+              <a:rPr lang="zh-CN" altLang="zh-CN" dirty="0"/>
+              <a:t>DFS</a:t>
+            </a:r>
+            <a:r>
+              <a:rPr lang="zh-CN" altLang="en-US" dirty="0"/>
+              <a:t>：</a:t>
+            </a:r>
+            <a:r>
+              <a:rPr lang="en-US" altLang="zh-CN" dirty="0"/>
+              <a:t>Global</a:t>
+            </a:r>
+            <a:r>
+              <a:rPr lang="zh-CN" altLang="en-US" dirty="0"/>
+              <a:t>信息，越走越远，容易发现</a:t>
+            </a:r>
+            <a:r>
+              <a:rPr lang="en-US" altLang="zh-CN" dirty="0"/>
+              <a:t>community</a:t>
+            </a:r>
+            <a:r>
+              <a:rPr lang="zh-CN" altLang="en-US" dirty="0"/>
+              <a:t>结构</a:t>
+            </a:r>
+            <a:endParaRPr lang="zh-CN" altLang="zh-CN" dirty="0"/>
+          </a:p>
+        </p:txBody>
+      </p:sp>
+    </p:spTree>
+    <p:extLst>
+      <p:ext uri="{BB962C8B-B14F-4D97-AF65-F5344CB8AC3E}">
+        <p14:creationId xmlns:p14="http://schemas.microsoft.com/office/powerpoint/2010/main" val="2181153746"/>
+      </p:ext>
+    </p:extLst>
+  </p:cSld>
+  <p:clrMapOvr>
+    <a:masterClrMapping/>
+  </p:clrMapOvr>
+</p:sld>
+</file>
+
+<file path=ppt/slides/slide15.xml><?xml version="1.0" encoding="utf-8"?>
+<p:sld xmlns:a="http://schemas.openxmlformats.org/drawingml/2006/main" xmlns:r="http://schemas.openxmlformats.org/officeDocument/2006/relationships" xmlns:p="http://schemas.openxmlformats.org/presentationml/2006/main">
+  <p:cSld>
+    <p:spTree>
+      <p:nvGrpSpPr>
+        <p:cNvPr id="1" name=""/>
+        <p:cNvGrpSpPr/>
+        <p:nvPr/>
+      </p:nvGrpSpPr>
+      <p:grpSpPr>
+        <a:xfrm>
+          <a:off x="0" y="0"/>
+          <a:ext cx="0" cy="0"/>
+          <a:chOff x="0" y="0"/>
+          <a:chExt cx="0" cy="0"/>
+        </a:xfrm>
+      </p:grpSpPr>
+      <p:sp>
+        <p:nvSpPr>
+          <p:cNvPr id="2" name="标题 1">
+            <a:extLst>
+              <a:ext uri="{FF2B5EF4-FFF2-40B4-BE49-F238E27FC236}">
+                <a16:creationId xmlns:a16="http://schemas.microsoft.com/office/drawing/2014/main" id="{2C07E892-F2B8-4A20-A3F0-A50F522A2890}"/>
+              </a:ext>
+            </a:extLst>
+          </p:cNvPr>
+          <p:cNvSpPr>
+            <a:spLocks noGrp="1"/>
+          </p:cNvSpPr>
+          <p:nvPr>
+            <p:ph type="title"/>
+          </p:nvPr>
+        </p:nvSpPr>
+        <p:spPr/>
+        <p:txBody>
+          <a:bodyPr/>
+          <a:lstStyle/>
+          <a:p>
+            <a:r>
+              <a:rPr lang="en-US" altLang="zh-CN" dirty="0"/>
+              <a:t>Graph neural networks</a:t>
+            </a:r>
+            <a:endParaRPr lang="zh-CN" altLang="en-US" dirty="0"/>
+          </a:p>
+        </p:txBody>
+      </p:sp>
+      <p:sp>
+        <p:nvSpPr>
+          <p:cNvPr id="3" name="文本占位符 2">
+            <a:extLst>
+              <a:ext uri="{FF2B5EF4-FFF2-40B4-BE49-F238E27FC236}">
+                <a16:creationId xmlns:a16="http://schemas.microsoft.com/office/drawing/2014/main" id="{A58943B1-7C78-414C-8C24-A7439F5CBA0A}"/>
+              </a:ext>
+            </a:extLst>
+          </p:cNvPr>
+          <p:cNvSpPr>
+            <a:spLocks noGrp="1"/>
+          </p:cNvSpPr>
+          <p:nvPr>
+            <p:ph type="body" idx="1"/>
+          </p:nvPr>
+        </p:nvSpPr>
+        <p:spPr/>
+        <p:txBody>
+          <a:bodyPr/>
+          <a:lstStyle/>
+          <a:p>
+            <a:r>
+              <a:rPr lang="en-US" altLang="zh-CN" dirty="0"/>
+              <a:t>Deep learning architectures </a:t>
+            </a:r>
+            <a:r>
+              <a:rPr lang="en-US" altLang="zh-CN"/>
+              <a:t>for graph structured </a:t>
+            </a:r>
+            <a:r>
+              <a:rPr lang="en-US" altLang="zh-CN" dirty="0"/>
+              <a:t>data</a:t>
+            </a:r>
+            <a:endParaRPr lang="zh-CN" altLang="en-US" dirty="0"/>
+          </a:p>
+        </p:txBody>
+      </p:sp>
+    </p:spTree>
+    <p:extLst>
+      <p:ext uri="{BB962C8B-B14F-4D97-AF65-F5344CB8AC3E}">
+        <p14:creationId xmlns:p14="http://schemas.microsoft.com/office/powerpoint/2010/main" val="2338723562"/>
+      </p:ext>
+    </p:extLst>
+  </p:cSld>
+  <p:clrMapOvr>
+    <a:masterClrMapping/>
+  </p:clrMapOvr>
+</p:sld>
+</file>
+
+<file path=ppt/slides/slide16.xml><?xml version="1.0" encoding="utf-8"?>
+<p:sld xmlns:a="http://schemas.openxmlformats.org/drawingml/2006/main" xmlns:r="http://schemas.openxmlformats.org/officeDocument/2006/relationships" xmlns:p="http://schemas.openxmlformats.org/presentationml/2006/main">
+  <p:cSld>
+    <p:spTree>
+      <p:nvGrpSpPr>
+        <p:cNvPr id="1" name=""/>
+        <p:cNvGrpSpPr/>
+        <p:nvPr/>
+      </p:nvGrpSpPr>
+      <p:grpSpPr>
+        <a:xfrm>
+          <a:off x="0" y="0"/>
+          <a:ext cx="0" cy="0"/>
+          <a:chOff x="0" y="0"/>
+          <a:chExt cx="0" cy="0"/>
+        </a:xfrm>
+      </p:grpSpPr>
+      <p:sp>
+        <p:nvSpPr>
+          <p:cNvPr id="2" name="标题 1">
+            <a:extLst>
+              <a:ext uri="{FF2B5EF4-FFF2-40B4-BE49-F238E27FC236}">
+                <a16:creationId xmlns:a16="http://schemas.microsoft.com/office/drawing/2014/main" id="{A577638E-7130-4475-B0C3-7B7D689CCFC7}"/>
+              </a:ext>
+            </a:extLst>
+          </p:cNvPr>
+          <p:cNvSpPr>
+            <a:spLocks noGrp="1"/>
+          </p:cNvSpPr>
+          <p:nvPr>
+            <p:ph type="title"/>
+          </p:nvPr>
+        </p:nvSpPr>
+        <p:spPr/>
+        <p:txBody>
+          <a:bodyPr/>
+          <a:lstStyle/>
+          <a:p>
+            <a:r>
+              <a:rPr lang="zh-CN" altLang="en-US" dirty="0"/>
+              <a:t>主要内容</a:t>
+            </a:r>
+          </a:p>
+        </p:txBody>
+      </p:sp>
+      <p:sp>
+        <p:nvSpPr>
+          <p:cNvPr id="3" name="内容占位符 2">
+            <a:extLst>
+              <a:ext uri="{FF2B5EF4-FFF2-40B4-BE49-F238E27FC236}">
+                <a16:creationId xmlns:a16="http://schemas.microsoft.com/office/drawing/2014/main" id="{C30948A0-C093-4BBE-8934-393A23B56FEB}"/>
+              </a:ext>
+            </a:extLst>
+          </p:cNvPr>
+          <p:cNvSpPr>
+            <a:spLocks noGrp="1"/>
+          </p:cNvSpPr>
+          <p:nvPr>
+            <p:ph idx="1"/>
+          </p:nvPr>
+        </p:nvSpPr>
+        <p:spPr>
+          <a:xfrm>
+            <a:off x="838200" y="2446410"/>
+            <a:ext cx="10377881" cy="3719498"/>
+          </a:xfrm>
+        </p:spPr>
+        <p:txBody>
+          <a:bodyPr/>
+          <a:lstStyle/>
+          <a:p>
+            <a:r>
+              <a:rPr lang="en-US" altLang="zh-CN" dirty="0"/>
+              <a:t>Based Graph Neural network</a:t>
+            </a:r>
+          </a:p>
+          <a:p>
+            <a:endParaRPr lang="en-US" altLang="zh-CN" dirty="0"/>
+          </a:p>
+          <a:p>
+            <a:r>
+              <a:rPr lang="en-US" altLang="zh-CN" dirty="0"/>
+              <a:t>GCN</a:t>
+            </a:r>
+          </a:p>
+          <a:p>
+            <a:endParaRPr lang="en-US" altLang="zh-CN" dirty="0"/>
+          </a:p>
+          <a:p>
+            <a:r>
+              <a:rPr lang="en-US" altLang="zh-CN" dirty="0" err="1"/>
+              <a:t>GraphSAGE</a:t>
+            </a:r>
+            <a:endParaRPr lang="en-US" altLang="zh-CN" dirty="0"/>
+          </a:p>
+          <a:p>
+            <a:endParaRPr lang="en-US" altLang="zh-CN" dirty="0"/>
+          </a:p>
+          <a:p>
+            <a:r>
+              <a:rPr lang="en-US" altLang="zh-CN" dirty="0"/>
+              <a:t>Gated Graph Neural Network</a:t>
+            </a:r>
+          </a:p>
+          <a:p>
+            <a:endParaRPr lang="zh-CN" altLang="en-US" dirty="0"/>
+          </a:p>
+        </p:txBody>
+      </p:sp>
+      <p:sp>
+        <p:nvSpPr>
+          <p:cNvPr id="4" name="矩形 3">
+            <a:extLst>
+              <a:ext uri="{FF2B5EF4-FFF2-40B4-BE49-F238E27FC236}">
+                <a16:creationId xmlns:a16="http://schemas.microsoft.com/office/drawing/2014/main" id="{CF2164E6-F02C-4A6C-B653-260A42F0006F}"/>
+              </a:ext>
+            </a:extLst>
+          </p:cNvPr>
+          <p:cNvSpPr/>
+          <p:nvPr/>
+        </p:nvSpPr>
+        <p:spPr>
+          <a:xfrm>
+            <a:off x="838200" y="1690688"/>
+            <a:ext cx="6096000" cy="646331"/>
+          </a:xfrm>
+          <a:prstGeom prst="rect">
+            <a:avLst/>
+          </a:prstGeom>
+        </p:spPr>
+        <p:txBody>
+          <a:bodyPr>
+            <a:spAutoFit/>
+          </a:bodyPr>
+          <a:lstStyle/>
+          <a:p>
+            <a:r>
+              <a:rPr lang="en-US" altLang="zh-CN" dirty="0">
+                <a:ea typeface="Calibri" panose="020F0502020204030204" pitchFamily="34" charset="0"/>
+              </a:rPr>
+              <a:t>Shallow</a:t>
+            </a:r>
+            <a:r>
+              <a:rPr lang="zh-CN" altLang="zh-CN" dirty="0">
+                <a:ea typeface="微软雅黑" panose="020B0503020204020204" pitchFamily="34" charset="-122"/>
+              </a:rPr>
+              <a:t>方法</a:t>
+            </a:r>
+            <a:r>
+              <a:rPr lang="en-US" altLang="zh-CN" dirty="0">
+                <a:ea typeface="微软雅黑" panose="020B0503020204020204" pitchFamily="34" charset="-122"/>
+              </a:rPr>
+              <a:t> </a:t>
+            </a:r>
+            <a:r>
+              <a:rPr lang="en-US" altLang="zh-CN" dirty="0" err="1">
+                <a:ea typeface="微软雅黑" panose="020B0503020204020204" pitchFamily="34" charset="-122"/>
+              </a:rPr>
+              <a:t>encodding</a:t>
+            </a:r>
+            <a:r>
+              <a:rPr lang="zh-CN" altLang="zh-CN" dirty="0">
+                <a:ea typeface="微软雅黑" panose="020B0503020204020204" pitchFamily="34" charset="-122"/>
+              </a:rPr>
+              <a:t>的时候</a:t>
+            </a:r>
+            <a:r>
+              <a:rPr lang="en-US" altLang="zh-CN" dirty="0">
+                <a:ea typeface="微软雅黑" panose="020B0503020204020204" pitchFamily="34" charset="-122"/>
+              </a:rPr>
+              <a:t> </a:t>
+            </a:r>
+            <a:r>
+              <a:rPr lang="zh-CN" altLang="zh-CN" dirty="0">
+                <a:ea typeface="微软雅黑" panose="020B0503020204020204" pitchFamily="34" charset="-122"/>
+              </a:rPr>
+              <a:t>用的查找表。</a:t>
+            </a:r>
+            <a:endParaRPr lang="zh-CN" altLang="zh-CN" dirty="0">
+              <a:ea typeface="Calibri" panose="020F0502020204030204" pitchFamily="34" charset="0"/>
+            </a:endParaRPr>
+          </a:p>
+          <a:p>
+            <a:r>
+              <a:rPr lang="en-US" altLang="zh-CN" dirty="0">
+                <a:ea typeface="Calibri" panose="020F0502020204030204" pitchFamily="34" charset="0"/>
+              </a:rPr>
+              <a:t>deeper</a:t>
+            </a:r>
+            <a:r>
+              <a:rPr lang="zh-CN" altLang="zh-CN" dirty="0">
+                <a:ea typeface="微软雅黑" panose="020B0503020204020204" pitchFamily="34" charset="-122"/>
+              </a:rPr>
+              <a:t>方法：</a:t>
+            </a:r>
+            <a:r>
+              <a:rPr lang="en-US" altLang="zh-CN" dirty="0">
+                <a:ea typeface="Calibri" panose="020F0502020204030204" pitchFamily="34" charset="0"/>
+              </a:rPr>
+              <a:t>ENC</a:t>
+            </a:r>
+            <a:r>
+              <a:rPr lang="zh-CN" altLang="zh-CN" dirty="0">
+                <a:ea typeface="微软雅黑" panose="020B0503020204020204" pitchFamily="34" charset="-122"/>
+              </a:rPr>
+              <a:t>（</a:t>
+            </a:r>
+            <a:r>
+              <a:rPr lang="en-US" altLang="zh-CN" dirty="0">
+                <a:ea typeface="Calibri" panose="020F0502020204030204" pitchFamily="34" charset="0"/>
+              </a:rPr>
+              <a:t>v</a:t>
+            </a:r>
+            <a:r>
+              <a:rPr lang="zh-CN" altLang="zh-CN" dirty="0">
+                <a:ea typeface="微软雅黑" panose="020B0503020204020204" pitchFamily="34" charset="-122"/>
+              </a:rPr>
+              <a:t>）</a:t>
+            </a:r>
+            <a:r>
+              <a:rPr lang="en-US" altLang="zh-CN" dirty="0">
+                <a:ea typeface="微软雅黑" panose="020B0503020204020204" pitchFamily="34" charset="-122"/>
+              </a:rPr>
+              <a:t> = </a:t>
+            </a:r>
+            <a:r>
+              <a:rPr lang="zh-CN" altLang="zh-CN" dirty="0">
+                <a:ea typeface="微软雅黑" panose="020B0503020204020204" pitchFamily="34" charset="-122"/>
+              </a:rPr>
+              <a:t>更复杂的函数</a:t>
+            </a:r>
+            <a:endParaRPr lang="zh-CN" altLang="zh-CN" dirty="0">
+              <a:ea typeface="Calibri" panose="020F0502020204030204" pitchFamily="34" charset="0"/>
+            </a:endParaRPr>
+          </a:p>
+        </p:txBody>
+      </p:sp>
+    </p:spTree>
+    <p:extLst>
+      <p:ext uri="{BB962C8B-B14F-4D97-AF65-F5344CB8AC3E}">
+        <p14:creationId xmlns:p14="http://schemas.microsoft.com/office/powerpoint/2010/main" val="1746986396"/>
+      </p:ext>
+    </p:extLst>
+  </p:cSld>
+  <p:clrMapOvr>
+    <a:masterClrMapping/>
+  </p:clrMapOvr>
+</p:sld>
+</file>
+
+<file path=ppt/slides/slide17.xml><?xml version="1.0" encoding="utf-8"?>
+<p:sld xmlns:a="http://schemas.openxmlformats.org/drawingml/2006/main" xmlns:r="http://schemas.openxmlformats.org/officeDocument/2006/relationships" xmlns:p="http://schemas.openxmlformats.org/presentationml/2006/main">
+  <p:cSld>
+    <p:spTree>
+      <p:nvGrpSpPr>
+        <p:cNvPr id="1" name=""/>
+        <p:cNvGrpSpPr/>
+        <p:nvPr/>
+      </p:nvGrpSpPr>
+      <p:grpSpPr>
+        <a:xfrm>
+          <a:off x="0" y="0"/>
+          <a:ext cx="0" cy="0"/>
+          <a:chOff x="0" y="0"/>
+          <a:chExt cx="0" cy="0"/>
+        </a:xfrm>
+      </p:grpSpPr>
+      <p:sp>
+        <p:nvSpPr>
+          <p:cNvPr id="2" name="标题 1">
+            <a:extLst>
+              <a:ext uri="{FF2B5EF4-FFF2-40B4-BE49-F238E27FC236}">
+                <a16:creationId xmlns:a16="http://schemas.microsoft.com/office/drawing/2014/main" id="{262D54B7-8660-492E-BC7A-99E456E9144C}"/>
+              </a:ext>
+            </a:extLst>
+          </p:cNvPr>
+          <p:cNvSpPr>
+            <a:spLocks noGrp="1"/>
+          </p:cNvSpPr>
+          <p:nvPr>
+            <p:ph type="title"/>
+          </p:nvPr>
+        </p:nvSpPr>
+        <p:spPr/>
+        <p:txBody>
+          <a:bodyPr/>
+          <a:lstStyle/>
+          <a:p>
+            <a:r>
+              <a:rPr lang="en-US" altLang="zh-CN" dirty="0"/>
+              <a:t>Shallow Embedding </a:t>
+            </a:r>
+            <a:r>
+              <a:rPr lang="zh-CN" altLang="en-US" dirty="0"/>
+              <a:t>限制</a:t>
+            </a:r>
+          </a:p>
+        </p:txBody>
+      </p:sp>
+      <p:sp>
+        <p:nvSpPr>
+          <p:cNvPr id="3" name="内容占位符 2">
+            <a:extLst>
+              <a:ext uri="{FF2B5EF4-FFF2-40B4-BE49-F238E27FC236}">
+                <a16:creationId xmlns:a16="http://schemas.microsoft.com/office/drawing/2014/main" id="{1104F5B9-5279-4387-A68B-74B487DC9537}"/>
+              </a:ext>
+            </a:extLst>
+          </p:cNvPr>
+          <p:cNvSpPr>
+            <a:spLocks noGrp="1"/>
+          </p:cNvSpPr>
+          <p:nvPr>
+            <p:ph idx="1"/>
+          </p:nvPr>
+        </p:nvSpPr>
+        <p:spPr>
+          <a:xfrm>
+            <a:off x="838200" y="1825626"/>
+            <a:ext cx="10218490" cy="2805098"/>
+          </a:xfrm>
+        </p:spPr>
+        <p:txBody>
+          <a:bodyPr>
+            <a:normAutofit/>
+          </a:bodyPr>
+          <a:lstStyle/>
+          <a:p>
+            <a:pPr fontAlgn="ctr"/>
+            <a:r>
+              <a:rPr lang="zh-CN" altLang="zh-CN" sz="1900" dirty="0"/>
+              <a:t>向量化后的节点之间没有参数共享，完全是一种记忆化的模型存储和查询方式（Look-up），这对存储和计算都构成了不小的挑战。由于节点之间没有参数共享，也就大大损失了泛化能力。</a:t>
+            </a:r>
+          </a:p>
+          <a:p>
+            <a:pPr marL="0" indent="0">
+              <a:buNone/>
+            </a:pPr>
+            <a:endParaRPr lang="zh-CN" altLang="zh-CN" sz="1900" dirty="0"/>
+          </a:p>
+          <a:p>
+            <a:pPr fontAlgn="ctr"/>
+            <a:r>
+              <a:rPr lang="zh-CN" altLang="zh-CN" sz="1900" dirty="0"/>
+              <a:t>目前大部分向量化方法，仅利用网络结构信息，并没有利用网络节点本身的属性（比如文本、图像和统计特征）</a:t>
+            </a:r>
+            <a:endParaRPr lang="en-US" altLang="zh-CN" sz="1900" dirty="0"/>
+          </a:p>
+          <a:p>
+            <a:pPr marL="0" indent="0" fontAlgn="ctr">
+              <a:buNone/>
+            </a:pPr>
+            <a:endParaRPr lang="zh-CN" altLang="zh-CN" sz="1900" dirty="0"/>
+          </a:p>
+          <a:p>
+            <a:r>
+              <a:rPr lang="zh-CN" altLang="en-US" sz="1900" dirty="0"/>
+              <a:t>新节点的向量，如何生成？</a:t>
+            </a:r>
+          </a:p>
+        </p:txBody>
+      </p:sp>
+    </p:spTree>
+    <p:extLst>
+      <p:ext uri="{BB962C8B-B14F-4D97-AF65-F5344CB8AC3E}">
+        <p14:creationId xmlns:p14="http://schemas.microsoft.com/office/powerpoint/2010/main" val="2155521910"/>
+      </p:ext>
+    </p:extLst>
+  </p:cSld>
+  <p:clrMapOvr>
+    <a:masterClrMapping/>
+  </p:clrMapOvr>
+</p:sld>
+</file>
+
+<file path=ppt/slides/slide18.xml><?xml version="1.0" encoding="utf-8"?>
+<p:sld xmlns:a="http://schemas.openxmlformats.org/drawingml/2006/main" xmlns:r="http://schemas.openxmlformats.org/officeDocument/2006/relationships" xmlns:p="http://schemas.openxmlformats.org/presentationml/2006/main">
+  <p:cSld>
+    <p:spTree>
+      <p:nvGrpSpPr>
+        <p:cNvPr id="1" name=""/>
+        <p:cNvGrpSpPr/>
+        <p:nvPr/>
+      </p:nvGrpSpPr>
+      <p:grpSpPr>
+        <a:xfrm>
+          <a:off x="0" y="0"/>
+          <a:ext cx="0" cy="0"/>
+          <a:chOff x="0" y="0"/>
+          <a:chExt cx="0" cy="0"/>
+        </a:xfrm>
+      </p:grpSpPr>
+      <p:sp>
+        <p:nvSpPr>
+          <p:cNvPr id="2" name="标题 1">
+            <a:extLst>
+              <a:ext uri="{FF2B5EF4-FFF2-40B4-BE49-F238E27FC236}">
+                <a16:creationId xmlns:a16="http://schemas.microsoft.com/office/drawing/2014/main" id="{A45416BA-F319-4F9F-AB13-5B32B5AB6BCC}"/>
+              </a:ext>
+            </a:extLst>
+          </p:cNvPr>
+          <p:cNvSpPr>
+            <a:spLocks noGrp="1"/>
+          </p:cNvSpPr>
+          <p:nvPr>
+            <p:ph type="title"/>
+          </p:nvPr>
+        </p:nvSpPr>
+        <p:spPr/>
+        <p:txBody>
+          <a:bodyPr/>
+          <a:lstStyle/>
+          <a:p>
+            <a:r>
+              <a:rPr lang="en-US" altLang="zh-CN" dirty="0"/>
+              <a:t>Based Method</a:t>
+            </a:r>
+            <a:endParaRPr lang="zh-CN" altLang="en-US" dirty="0"/>
+          </a:p>
+        </p:txBody>
+      </p:sp>
+      <p:sp>
+        <p:nvSpPr>
+          <p:cNvPr id="3" name="内容占位符 2">
+            <a:extLst>
+              <a:ext uri="{FF2B5EF4-FFF2-40B4-BE49-F238E27FC236}">
+                <a16:creationId xmlns:a16="http://schemas.microsoft.com/office/drawing/2014/main" id="{D2CF3D40-CAF7-4A62-9322-CC73805F46C5}"/>
+              </a:ext>
+            </a:extLst>
+          </p:cNvPr>
+          <p:cNvSpPr>
+            <a:spLocks noGrp="1"/>
+          </p:cNvSpPr>
+          <p:nvPr>
+            <p:ph idx="1"/>
+          </p:nvPr>
+        </p:nvSpPr>
+        <p:spPr>
+          <a:xfrm>
+            <a:off x="838200" y="1825625"/>
+            <a:ext cx="9849374" cy="1706140"/>
+          </a:xfrm>
+        </p:spPr>
+        <p:txBody>
+          <a:bodyPr/>
+          <a:lstStyle/>
+          <a:p>
+            <a:r>
+              <a:rPr lang="zh-CN" altLang="en-US" dirty="0"/>
+              <a:t>关键点</a:t>
+            </a:r>
+            <a:endParaRPr lang="en-US" altLang="zh-CN" dirty="0"/>
+          </a:p>
+          <a:p>
+            <a:pPr lvl="1"/>
+            <a:r>
+              <a:rPr lang="en-US" altLang="zh-CN" dirty="0"/>
+              <a:t>Encoder</a:t>
+            </a:r>
+            <a:r>
+              <a:rPr lang="zh-CN" altLang="en-US" dirty="0"/>
+              <a:t>： 由</a:t>
+            </a:r>
+            <a:r>
+              <a:rPr lang="en-US" altLang="zh-CN" dirty="0"/>
+              <a:t>neighbor</a:t>
+            </a:r>
+            <a:r>
+              <a:rPr lang="zh-CN" altLang="en-US" dirty="0"/>
+              <a:t>节点的</a:t>
+            </a:r>
+            <a:r>
+              <a:rPr lang="en-US" altLang="zh-CN" dirty="0"/>
+              <a:t>embed</a:t>
+            </a:r>
+            <a:r>
+              <a:rPr lang="zh-CN" altLang="en-US" dirty="0"/>
+              <a:t>向量表示</a:t>
+            </a:r>
+            <a:endParaRPr lang="en-US" altLang="zh-CN" dirty="0"/>
+          </a:p>
+          <a:p>
+            <a:pPr lvl="1"/>
+            <a:r>
+              <a:rPr lang="zh-CN" altLang="en-US" dirty="0"/>
+              <a:t>支持参数共享</a:t>
+            </a:r>
+            <a:endParaRPr lang="en-US" altLang="zh-CN" dirty="0"/>
+          </a:p>
+          <a:p>
+            <a:pPr lvl="1"/>
+            <a:r>
+              <a:rPr lang="zh-CN" altLang="en-US" dirty="0"/>
+              <a:t>支持归纳学习</a:t>
+            </a:r>
+            <a:endParaRPr lang="en-US" altLang="zh-CN" dirty="0"/>
+          </a:p>
+          <a:p>
+            <a:pPr marL="457200" lvl="1" indent="0">
+              <a:buNone/>
+            </a:pPr>
+            <a:endParaRPr lang="zh-CN" altLang="en-US" dirty="0"/>
+          </a:p>
+        </p:txBody>
+      </p:sp>
+    </p:spTree>
+    <p:extLst>
+      <p:ext uri="{BB962C8B-B14F-4D97-AF65-F5344CB8AC3E}">
+        <p14:creationId xmlns:p14="http://schemas.microsoft.com/office/powerpoint/2010/main" val="2908292577"/>
+      </p:ext>
+    </p:extLst>
+  </p:cSld>
+  <p:clrMapOvr>
+    <a:masterClrMapping/>
+  </p:clrMapOvr>
+</p:sld>
+</file>
+
+<file path=ppt/slides/slide19.xml><?xml version="1.0" encoding="utf-8"?>
+<p:sld xmlns:a="http://schemas.openxmlformats.org/drawingml/2006/main" xmlns:r="http://schemas.openxmlformats.org/officeDocument/2006/relationships" xmlns:p="http://schemas.openxmlformats.org/presentationml/2006/main">
+  <p:cSld>
+    <p:spTree>
+      <p:nvGrpSpPr>
+        <p:cNvPr id="1" name=""/>
+        <p:cNvGrpSpPr/>
+        <p:nvPr/>
+      </p:nvGrpSpPr>
+      <p:grpSpPr>
+        <a:xfrm>
+          <a:off x="0" y="0"/>
+          <a:ext cx="0" cy="0"/>
+          <a:chOff x="0" y="0"/>
+          <a:chExt cx="0" cy="0"/>
+        </a:xfrm>
+      </p:grpSpPr>
+      <p:sp>
+        <p:nvSpPr>
+          <p:cNvPr id="2" name="标题 1">
+            <a:extLst>
+              <a:ext uri="{FF2B5EF4-FFF2-40B4-BE49-F238E27FC236}">
+                <a16:creationId xmlns:a16="http://schemas.microsoft.com/office/drawing/2014/main" id="{FA120098-D8CF-43DF-9A0A-195AC09797AE}"/>
+              </a:ext>
+            </a:extLst>
+          </p:cNvPr>
+          <p:cNvSpPr>
+            <a:spLocks noGrp="1"/>
+          </p:cNvSpPr>
+          <p:nvPr>
+            <p:ph type="title"/>
+          </p:nvPr>
+        </p:nvSpPr>
+        <p:spPr/>
+        <p:txBody>
+          <a:bodyPr/>
+          <a:lstStyle/>
+          <a:p>
+            <a:r>
+              <a:rPr lang="zh-CN" altLang="en-US" dirty="0"/>
+              <a:t>模型基本结构</a:t>
+            </a:r>
+          </a:p>
+        </p:txBody>
+      </p:sp>
+      <p:pic>
+        <p:nvPicPr>
+          <p:cNvPr id="13" name="图片 12">
+            <a:extLst>
+              <a:ext uri="{FF2B5EF4-FFF2-40B4-BE49-F238E27FC236}">
+                <a16:creationId xmlns:a16="http://schemas.microsoft.com/office/drawing/2014/main" id="{A6A1AB0A-BED0-4D0C-8CE1-F7125F832B2B}"/>
+              </a:ext>
+            </a:extLst>
+          </p:cNvPr>
+          <p:cNvPicPr>
+            <a:picLocks noChangeAspect="1"/>
+          </p:cNvPicPr>
+          <p:nvPr/>
+        </p:nvPicPr>
+        <p:blipFill>
+          <a:blip r:embed="rId2">
+            <a:extLst>
+              <a:ext uri="{28A0092B-C50C-407E-A947-70E740481C1C}">
+                <a14:useLocalDpi xmlns:a14="http://schemas.microsoft.com/office/drawing/2010/main" val="0"/>
+              </a:ext>
+            </a:extLst>
+          </a:blip>
+          <a:stretch>
+            <a:fillRect/>
+          </a:stretch>
+        </p:blipFill>
+        <p:spPr>
+          <a:xfrm>
+            <a:off x="5380219" y="1027906"/>
+            <a:ext cx="6734157" cy="2717796"/>
+          </a:xfrm>
+          <a:prstGeom prst="rect">
+            <a:avLst/>
+          </a:prstGeom>
+        </p:spPr>
+      </p:pic>
+      <p:sp>
+        <p:nvSpPr>
+          <p:cNvPr id="16" name="文本框 15">
+            <a:extLst>
+              <a:ext uri="{FF2B5EF4-FFF2-40B4-BE49-F238E27FC236}">
+                <a16:creationId xmlns:a16="http://schemas.microsoft.com/office/drawing/2014/main" id="{5A050A81-1423-47F9-8B67-F9C0F7B91D21}"/>
+              </a:ext>
+            </a:extLst>
+          </p:cNvPr>
+          <p:cNvSpPr txBox="1"/>
+          <p:nvPr/>
+        </p:nvSpPr>
+        <p:spPr>
+          <a:xfrm>
+            <a:off x="838200" y="2247544"/>
+            <a:ext cx="4742004" cy="1200329"/>
+          </a:xfrm>
+          <a:prstGeom prst="rect">
+            <a:avLst/>
+          </a:prstGeom>
+          <a:noFill/>
+        </p:spPr>
+        <p:txBody>
+          <a:bodyPr wrap="none" rtlCol="0">
+            <a:spAutoFit/>
+          </a:bodyPr>
+          <a:lstStyle/>
+          <a:p>
+            <a:r>
+              <a:rPr lang="en-US" altLang="zh-CN" dirty="0"/>
+              <a:t>1</a:t>
+            </a:r>
+            <a:r>
+              <a:rPr lang="zh-CN" altLang="en-US" dirty="0"/>
+              <a:t>、节点的</a:t>
+            </a:r>
+            <a:r>
+              <a:rPr lang="en-US" altLang="zh-CN" dirty="0"/>
+              <a:t>embedding </a:t>
+            </a:r>
+            <a:r>
+              <a:rPr lang="zh-CN" altLang="en-US" dirty="0"/>
+              <a:t>向量基于它的邻居产生</a:t>
+            </a:r>
+            <a:endParaRPr lang="en-US" altLang="zh-CN" dirty="0"/>
+          </a:p>
+          <a:p>
+            <a:r>
+              <a:rPr lang="en-US" altLang="zh-CN" dirty="0"/>
+              <a:t>2</a:t>
+            </a:r>
+            <a:r>
+              <a:rPr lang="zh-CN" altLang="en-US" dirty="0"/>
+              <a:t>、通过神经网络来整合邻居节点的信息</a:t>
+            </a:r>
+            <a:endParaRPr lang="en-US" altLang="zh-CN" dirty="0"/>
+          </a:p>
+          <a:p>
+            <a:r>
+              <a:rPr lang="en-US" altLang="zh-CN" dirty="0"/>
+              <a:t>3</a:t>
+            </a:r>
+            <a:r>
+              <a:rPr lang="zh-CN" altLang="en-US" dirty="0"/>
+              <a:t>、每个节点都定义为了一个计算图</a:t>
+            </a:r>
+            <a:endParaRPr lang="en-US" altLang="zh-CN" dirty="0"/>
+          </a:p>
+          <a:p>
+            <a:endParaRPr lang="zh-CN" altLang="en-US" dirty="0"/>
+          </a:p>
+        </p:txBody>
+      </p:sp>
+      <p:pic>
+        <p:nvPicPr>
+          <p:cNvPr id="17" name="图片 16">
+            <a:extLst>
+              <a:ext uri="{FF2B5EF4-FFF2-40B4-BE49-F238E27FC236}">
+                <a16:creationId xmlns:a16="http://schemas.microsoft.com/office/drawing/2014/main" id="{7A5BE527-95A5-4D1B-B283-339490855C8B}"/>
+              </a:ext>
+            </a:extLst>
+          </p:cNvPr>
+          <p:cNvPicPr>
+            <a:picLocks noChangeAspect="1"/>
+          </p:cNvPicPr>
+          <p:nvPr/>
+        </p:nvPicPr>
+        <p:blipFill>
+          <a:blip r:embed="rId3"/>
+          <a:stretch>
+            <a:fillRect/>
+          </a:stretch>
+        </p:blipFill>
+        <p:spPr>
+          <a:xfrm>
+            <a:off x="0" y="4541450"/>
+            <a:ext cx="12192000" cy="2127890"/>
+          </a:xfrm>
+          <a:prstGeom prst="rect">
+            <a:avLst/>
+          </a:prstGeom>
+        </p:spPr>
+      </p:pic>
+      <p:cxnSp>
+        <p:nvCxnSpPr>
+          <p:cNvPr id="19" name="直接箭头连接符 18">
+            <a:extLst>
+              <a:ext uri="{FF2B5EF4-FFF2-40B4-BE49-F238E27FC236}">
+                <a16:creationId xmlns:a16="http://schemas.microsoft.com/office/drawing/2014/main" id="{3ED5A0DB-DEFE-4ED2-AF98-8F477D3BBC75}"/>
+              </a:ext>
+            </a:extLst>
+          </p:cNvPr>
+          <p:cNvCxnSpPr>
+            <a:stCxn id="16" idx="2"/>
+          </p:cNvCxnSpPr>
+          <p:nvPr/>
+        </p:nvCxnSpPr>
+        <p:spPr>
+          <a:xfrm flipH="1">
+            <a:off x="1042587" y="3447873"/>
+            <a:ext cx="2166615" cy="1286497"/>
+          </a:xfrm>
+          <a:prstGeom prst="straightConnector1">
+            <a:avLst/>
+          </a:prstGeom>
+          <a:ln>
+            <a:tailEnd type="triangle"/>
+          </a:ln>
+        </p:spPr>
+        <p:style>
+          <a:lnRef idx="1">
+            <a:schemeClr val="accent1"/>
+          </a:lnRef>
+          <a:fillRef idx="0">
+            <a:schemeClr val="accent1"/>
+          </a:fillRef>
+          <a:effectRef idx="0">
+            <a:schemeClr val="accent1"/>
+          </a:effectRef>
+          <a:fontRef idx="minor">
+            <a:schemeClr val="tx1"/>
+          </a:fontRef>
+        </p:style>
+      </p:cxnSp>
+      <p:cxnSp>
+        <p:nvCxnSpPr>
+          <p:cNvPr id="21" name="直接箭头连接符 20">
+            <a:extLst>
+              <a:ext uri="{FF2B5EF4-FFF2-40B4-BE49-F238E27FC236}">
+                <a16:creationId xmlns:a16="http://schemas.microsoft.com/office/drawing/2014/main" id="{BCE0DACC-C2E7-486B-BADA-049BA8D8F98F}"/>
+              </a:ext>
+            </a:extLst>
+          </p:cNvPr>
+          <p:cNvCxnSpPr>
+            <a:stCxn id="16" idx="2"/>
+          </p:cNvCxnSpPr>
+          <p:nvPr/>
+        </p:nvCxnSpPr>
+        <p:spPr>
+          <a:xfrm flipH="1">
+            <a:off x="3059394" y="3447873"/>
+            <a:ext cx="149808" cy="1286497"/>
+          </a:xfrm>
+          <a:prstGeom prst="straightConnector1">
+            <a:avLst/>
+          </a:prstGeom>
+          <a:ln>
+            <a:tailEnd type="triangle"/>
+          </a:ln>
+        </p:spPr>
+        <p:style>
+          <a:lnRef idx="1">
+            <a:schemeClr val="accent1"/>
+          </a:lnRef>
+          <a:fillRef idx="0">
+            <a:schemeClr val="accent1"/>
+          </a:fillRef>
+          <a:effectRef idx="0">
+            <a:schemeClr val="accent1"/>
+          </a:effectRef>
+          <a:fontRef idx="minor">
+            <a:schemeClr val="tx1"/>
+          </a:fontRef>
+        </p:style>
+      </p:cxnSp>
+      <p:cxnSp>
+        <p:nvCxnSpPr>
+          <p:cNvPr id="23" name="直接箭头连接符 22">
+            <a:extLst>
+              <a:ext uri="{FF2B5EF4-FFF2-40B4-BE49-F238E27FC236}">
+                <a16:creationId xmlns:a16="http://schemas.microsoft.com/office/drawing/2014/main" id="{8A762473-B571-475B-93F5-99E28A63C6D3}"/>
+              </a:ext>
+            </a:extLst>
+          </p:cNvPr>
+          <p:cNvCxnSpPr>
+            <a:stCxn id="16" idx="2"/>
+          </p:cNvCxnSpPr>
+          <p:nvPr/>
+        </p:nvCxnSpPr>
+        <p:spPr>
+          <a:xfrm>
+            <a:off x="3209202" y="3447873"/>
+            <a:ext cx="2171017" cy="1209585"/>
+          </a:xfrm>
+          <a:prstGeom prst="straightConnector1">
+            <a:avLst/>
+          </a:prstGeom>
+          <a:ln>
+            <a:tailEnd type="triangle"/>
+          </a:ln>
+        </p:spPr>
+        <p:style>
+          <a:lnRef idx="1">
+            <a:schemeClr val="accent1"/>
+          </a:lnRef>
+          <a:fillRef idx="0">
+            <a:schemeClr val="accent1"/>
+          </a:fillRef>
+          <a:effectRef idx="0">
+            <a:schemeClr val="accent1"/>
+          </a:effectRef>
+          <a:fontRef idx="minor">
+            <a:schemeClr val="tx1"/>
+          </a:fontRef>
+        </p:style>
+      </p:cxnSp>
+      <p:cxnSp>
+        <p:nvCxnSpPr>
+          <p:cNvPr id="25" name="直接箭头连接符 24">
+            <a:extLst>
+              <a:ext uri="{FF2B5EF4-FFF2-40B4-BE49-F238E27FC236}">
+                <a16:creationId xmlns:a16="http://schemas.microsoft.com/office/drawing/2014/main" id="{7E51CE39-09A0-489A-BA5E-56E13602F893}"/>
+              </a:ext>
+            </a:extLst>
+          </p:cNvPr>
+          <p:cNvCxnSpPr>
+            <a:stCxn id="16" idx="2"/>
+          </p:cNvCxnSpPr>
+          <p:nvPr/>
+        </p:nvCxnSpPr>
+        <p:spPr>
+          <a:xfrm>
+            <a:off x="3209202" y="3447873"/>
+            <a:ext cx="4259822" cy="1192493"/>
+          </a:xfrm>
+          <a:prstGeom prst="straightConnector1">
+            <a:avLst/>
+          </a:prstGeom>
+          <a:ln>
+            <a:tailEnd type="triangle"/>
+          </a:ln>
+        </p:spPr>
+        <p:style>
+          <a:lnRef idx="1">
+            <a:schemeClr val="accent1"/>
+          </a:lnRef>
+          <a:fillRef idx="0">
+            <a:schemeClr val="accent1"/>
+          </a:fillRef>
+          <a:effectRef idx="0">
+            <a:schemeClr val="accent1"/>
+          </a:effectRef>
+          <a:fontRef idx="minor">
+            <a:schemeClr val="tx1"/>
+          </a:fontRef>
+        </p:style>
+      </p:cxnSp>
+      <p:cxnSp>
+        <p:nvCxnSpPr>
+          <p:cNvPr id="27" name="直接箭头连接符 26">
+            <a:extLst>
+              <a:ext uri="{FF2B5EF4-FFF2-40B4-BE49-F238E27FC236}">
+                <a16:creationId xmlns:a16="http://schemas.microsoft.com/office/drawing/2014/main" id="{E353F5FC-84F7-400D-9535-2703A57F1B45}"/>
+              </a:ext>
+            </a:extLst>
+          </p:cNvPr>
+          <p:cNvCxnSpPr>
+            <a:stCxn id="16" idx="2"/>
+          </p:cNvCxnSpPr>
+          <p:nvPr/>
+        </p:nvCxnSpPr>
+        <p:spPr>
+          <a:xfrm>
+            <a:off x="3209202" y="3447873"/>
+            <a:ext cx="6003164" cy="1209585"/>
+          </a:xfrm>
+          <a:prstGeom prst="straightConnector1">
+            <a:avLst/>
+          </a:prstGeom>
+          <a:ln>
+            <a:tailEnd type="triangle"/>
+          </a:ln>
+        </p:spPr>
+        <p:style>
+          <a:lnRef idx="1">
+            <a:schemeClr val="accent1"/>
+          </a:lnRef>
+          <a:fillRef idx="0">
+            <a:schemeClr val="accent1"/>
+          </a:fillRef>
+          <a:effectRef idx="0">
+            <a:schemeClr val="accent1"/>
+          </a:effectRef>
+          <a:fontRef idx="minor">
+            <a:schemeClr val="tx1"/>
+          </a:fontRef>
+        </p:style>
+      </p:cxnSp>
+      <p:cxnSp>
+        <p:nvCxnSpPr>
+          <p:cNvPr id="29" name="直接箭头连接符 28">
+            <a:extLst>
+              <a:ext uri="{FF2B5EF4-FFF2-40B4-BE49-F238E27FC236}">
+                <a16:creationId xmlns:a16="http://schemas.microsoft.com/office/drawing/2014/main" id="{15788736-2AFB-4B65-8E7F-2D8EA9F47093}"/>
+              </a:ext>
+            </a:extLst>
+          </p:cNvPr>
+          <p:cNvCxnSpPr>
+            <a:stCxn id="16" idx="2"/>
+          </p:cNvCxnSpPr>
+          <p:nvPr/>
+        </p:nvCxnSpPr>
+        <p:spPr>
+          <a:xfrm>
+            <a:off x="3209202" y="3447873"/>
+            <a:ext cx="8144598" cy="1286497"/>
+          </a:xfrm>
+          <a:prstGeom prst="straightConnector1">
+            <a:avLst/>
+          </a:prstGeom>
+          <a:ln>
+            <a:tailEnd type="triangle"/>
+          </a:ln>
+        </p:spPr>
+        <p:style>
+          <a:lnRef idx="1">
+            <a:schemeClr val="accent1"/>
+          </a:lnRef>
+          <a:fillRef idx="0">
+            <a:schemeClr val="accent1"/>
+          </a:fillRef>
+          <a:effectRef idx="0">
+            <a:schemeClr val="accent1"/>
+          </a:effectRef>
+          <a:fontRef idx="minor">
+            <a:schemeClr val="tx1"/>
+          </a:fontRef>
+        </p:style>
+      </p:cxnSp>
+    </p:spTree>
+    <p:extLst>
+      <p:ext uri="{BB962C8B-B14F-4D97-AF65-F5344CB8AC3E}">
+        <p14:creationId xmlns:p14="http://schemas.microsoft.com/office/powerpoint/2010/main" val="640213900"/>
+      </p:ext>
+    </p:extLst>
+  </p:cSld>
+  <p:clrMapOvr>
+    <a:masterClrMapping/>
+  </p:clrMapOvr>
+</p:sld>
+</file>
+
 <file path=ppt/slides/slide2.xml><?xml version="1.0" encoding="utf-8"?>
 <p:sld xmlns:a="http://schemas.openxmlformats.org/drawingml/2006/main" xmlns:r="http://schemas.openxmlformats.org/officeDocument/2006/relationships" xmlns:p="http://schemas.openxmlformats.org/presentationml/2006/main">
   <p:cSld>
@@ -3504,6 +5663,992 @@
     <p:extLst>
       <p:ext uri="{BB962C8B-B14F-4D97-AF65-F5344CB8AC3E}">
         <p14:creationId xmlns:p14="http://schemas.microsoft.com/office/powerpoint/2010/main" val="4072031609"/>
+      </p:ext>
+    </p:extLst>
+  </p:cSld>
+  <p:clrMapOvr>
+    <a:masterClrMapping/>
+  </p:clrMapOvr>
+</p:sld>
+</file>
+
+<file path=ppt/slides/slide20.xml><?xml version="1.0" encoding="utf-8"?>
+<p:sld xmlns:a="http://schemas.openxmlformats.org/drawingml/2006/main" xmlns:r="http://schemas.openxmlformats.org/officeDocument/2006/relationships" xmlns:p="http://schemas.openxmlformats.org/presentationml/2006/main">
+  <p:cSld>
+    <p:spTree>
+      <p:nvGrpSpPr>
+        <p:cNvPr id="1" name=""/>
+        <p:cNvGrpSpPr/>
+        <p:nvPr/>
+      </p:nvGrpSpPr>
+      <p:grpSpPr>
+        <a:xfrm>
+          <a:off x="0" y="0"/>
+          <a:ext cx="0" cy="0"/>
+          <a:chOff x="0" y="0"/>
+          <a:chExt cx="0" cy="0"/>
+        </a:xfrm>
+      </p:grpSpPr>
+      <p:sp>
+        <p:nvSpPr>
+          <p:cNvPr id="2" name="标题 1">
+            <a:extLst>
+              <a:ext uri="{FF2B5EF4-FFF2-40B4-BE49-F238E27FC236}">
+                <a16:creationId xmlns:a16="http://schemas.microsoft.com/office/drawing/2014/main" id="{0ACCD365-3CA4-4828-B1EA-60E545A0B7FF}"/>
+              </a:ext>
+            </a:extLst>
+          </p:cNvPr>
+          <p:cNvSpPr>
+            <a:spLocks noGrp="1"/>
+          </p:cNvSpPr>
+          <p:nvPr>
+            <p:ph type="title"/>
+          </p:nvPr>
+        </p:nvSpPr>
+        <p:spPr/>
+        <p:txBody>
+          <a:bodyPr/>
+          <a:lstStyle/>
+          <a:p>
+            <a:r>
+              <a:rPr lang="zh-CN" altLang="en-US" dirty="0"/>
+              <a:t>模型基本结构</a:t>
+            </a:r>
+          </a:p>
+        </p:txBody>
+      </p:sp>
+      <p:sp>
+        <p:nvSpPr>
+          <p:cNvPr id="3" name="文本框 2">
+            <a:extLst>
+              <a:ext uri="{FF2B5EF4-FFF2-40B4-BE49-F238E27FC236}">
+                <a16:creationId xmlns:a16="http://schemas.microsoft.com/office/drawing/2014/main" id="{E2EFAA85-D5FD-4768-ADA9-7133BEEA1560}"/>
+              </a:ext>
+            </a:extLst>
+          </p:cNvPr>
+          <p:cNvSpPr txBox="1"/>
+          <p:nvPr/>
+        </p:nvSpPr>
+        <p:spPr>
+          <a:xfrm>
+            <a:off x="940037" y="2427006"/>
+            <a:ext cx="4801314" cy="369332"/>
+          </a:xfrm>
+          <a:prstGeom prst="rect">
+            <a:avLst/>
+          </a:prstGeom>
+          <a:noFill/>
+        </p:spPr>
+        <p:txBody>
+          <a:bodyPr wrap="none" rtlCol="0">
+            <a:spAutoFit/>
+          </a:bodyPr>
+          <a:lstStyle/>
+          <a:p>
+            <a:r>
+              <a:rPr lang="zh-CN" altLang="en-US" dirty="0"/>
+              <a:t>不同模型间的区别在于：黑盒子里的定义不同</a:t>
+            </a:r>
+          </a:p>
+        </p:txBody>
+      </p:sp>
+      <p:pic>
+        <p:nvPicPr>
+          <p:cNvPr id="4" name="图片 3">
+            <a:extLst>
+              <a:ext uri="{FF2B5EF4-FFF2-40B4-BE49-F238E27FC236}">
+                <a16:creationId xmlns:a16="http://schemas.microsoft.com/office/drawing/2014/main" id="{3238F459-D716-4CAC-848D-1680A397AD77}"/>
+              </a:ext>
+            </a:extLst>
+          </p:cNvPr>
+          <p:cNvPicPr>
+            <a:picLocks noChangeAspect="1"/>
+          </p:cNvPicPr>
+          <p:nvPr/>
+        </p:nvPicPr>
+        <p:blipFill>
+          <a:blip r:embed="rId2">
+            <a:extLst>
+              <a:ext uri="{28A0092B-C50C-407E-A947-70E740481C1C}">
+                <a14:useLocalDpi xmlns:a14="http://schemas.microsoft.com/office/drawing/2010/main" val="0"/>
+              </a:ext>
+            </a:extLst>
+          </a:blip>
+          <a:stretch>
+            <a:fillRect/>
+          </a:stretch>
+        </p:blipFill>
+        <p:spPr>
+          <a:xfrm>
+            <a:off x="5132391" y="3775079"/>
+            <a:ext cx="6734157" cy="2717796"/>
+          </a:xfrm>
+          <a:prstGeom prst="rect">
+            <a:avLst/>
+          </a:prstGeom>
+        </p:spPr>
+      </p:pic>
+    </p:spTree>
+    <p:extLst>
+      <p:ext uri="{BB962C8B-B14F-4D97-AF65-F5344CB8AC3E}">
+        <p14:creationId xmlns:p14="http://schemas.microsoft.com/office/powerpoint/2010/main" val="788038989"/>
+      </p:ext>
+    </p:extLst>
+  </p:cSld>
+  <p:clrMapOvr>
+    <a:masterClrMapping/>
+  </p:clrMapOvr>
+</p:sld>
+</file>
+
+<file path=ppt/slides/slide21.xml><?xml version="1.0" encoding="utf-8"?>
+<p:sld xmlns:a="http://schemas.openxmlformats.org/drawingml/2006/main" xmlns:r="http://schemas.openxmlformats.org/officeDocument/2006/relationships" xmlns:p="http://schemas.openxmlformats.org/presentationml/2006/main">
+  <p:cSld>
+    <p:spTree>
+      <p:nvGrpSpPr>
+        <p:cNvPr id="1" name=""/>
+        <p:cNvGrpSpPr/>
+        <p:nvPr/>
+      </p:nvGrpSpPr>
+      <p:grpSpPr>
+        <a:xfrm>
+          <a:off x="0" y="0"/>
+          <a:ext cx="0" cy="0"/>
+          <a:chOff x="0" y="0"/>
+          <a:chExt cx="0" cy="0"/>
+        </a:xfrm>
+      </p:grpSpPr>
+      <p:sp>
+        <p:nvSpPr>
+          <p:cNvPr id="2" name="标题 1">
+            <a:extLst>
+              <a:ext uri="{FF2B5EF4-FFF2-40B4-BE49-F238E27FC236}">
+                <a16:creationId xmlns:a16="http://schemas.microsoft.com/office/drawing/2014/main" id="{D9980DA5-5949-4743-B1F8-70B669A03227}"/>
+              </a:ext>
+            </a:extLst>
+          </p:cNvPr>
+          <p:cNvSpPr>
+            <a:spLocks noGrp="1"/>
+          </p:cNvSpPr>
+          <p:nvPr>
+            <p:ph type="title"/>
+          </p:nvPr>
+        </p:nvSpPr>
+        <p:spPr/>
+        <p:txBody>
+          <a:bodyPr/>
+          <a:lstStyle/>
+          <a:p>
+            <a:r>
+              <a:rPr lang="en-US" altLang="zh-CN" dirty="0"/>
+              <a:t>Neighborhood Aggregation</a:t>
+            </a:r>
+            <a:endParaRPr lang="zh-CN" altLang="en-US" dirty="0"/>
+          </a:p>
+        </p:txBody>
+      </p:sp>
+      <p:sp>
+        <p:nvSpPr>
+          <p:cNvPr id="3" name="内容占位符 2">
+            <a:extLst>
+              <a:ext uri="{FF2B5EF4-FFF2-40B4-BE49-F238E27FC236}">
+                <a16:creationId xmlns:a16="http://schemas.microsoft.com/office/drawing/2014/main" id="{75D64164-D8D3-44C9-AE4B-3C374E7B3803}"/>
+              </a:ext>
+            </a:extLst>
+          </p:cNvPr>
+          <p:cNvSpPr>
+            <a:spLocks noGrp="1"/>
+          </p:cNvSpPr>
+          <p:nvPr>
+            <p:ph idx="1"/>
+          </p:nvPr>
+        </p:nvSpPr>
+        <p:spPr>
+          <a:xfrm>
+            <a:off x="838201" y="1825625"/>
+            <a:ext cx="4648200" cy="1806808"/>
+          </a:xfrm>
+        </p:spPr>
+        <p:txBody>
+          <a:bodyPr/>
+          <a:lstStyle/>
+          <a:p>
+            <a:r>
+              <a:rPr lang="zh-CN" altLang="en-US" dirty="0"/>
+              <a:t>基本方法：对邻居节点求平均、应用一个神经网络</a:t>
+            </a:r>
+            <a:endParaRPr lang="en-US" altLang="zh-CN" dirty="0"/>
+          </a:p>
+          <a:p>
+            <a:endParaRPr lang="zh-CN" altLang="en-US" dirty="0"/>
+          </a:p>
+        </p:txBody>
+      </p:sp>
+      <p:pic>
+        <p:nvPicPr>
+          <p:cNvPr id="4" name="图片 3">
+            <a:extLst>
+              <a:ext uri="{FF2B5EF4-FFF2-40B4-BE49-F238E27FC236}">
+                <a16:creationId xmlns:a16="http://schemas.microsoft.com/office/drawing/2014/main" id="{121B7FC7-1C5D-4073-8F83-DB94E16BA276}"/>
+              </a:ext>
+            </a:extLst>
+          </p:cNvPr>
+          <p:cNvPicPr>
+            <a:picLocks noChangeAspect="1"/>
+          </p:cNvPicPr>
+          <p:nvPr/>
+        </p:nvPicPr>
+        <p:blipFill>
+          <a:blip r:embed="rId2"/>
+          <a:stretch>
+            <a:fillRect/>
+          </a:stretch>
+        </p:blipFill>
+        <p:spPr>
+          <a:xfrm>
+            <a:off x="5237593" y="2443306"/>
+            <a:ext cx="6842416" cy="3218578"/>
+          </a:xfrm>
+          <a:prstGeom prst="rect">
+            <a:avLst/>
+          </a:prstGeom>
+        </p:spPr>
+      </p:pic>
+      <p:pic>
+        <p:nvPicPr>
+          <p:cNvPr id="6" name="图片 5">
+            <a:extLst>
+              <a:ext uri="{FF2B5EF4-FFF2-40B4-BE49-F238E27FC236}">
+                <a16:creationId xmlns:a16="http://schemas.microsoft.com/office/drawing/2014/main" id="{2DB98805-1C59-4265-9FB5-814064CF1A9D}"/>
+              </a:ext>
+            </a:extLst>
+          </p:cNvPr>
+          <p:cNvPicPr>
+            <a:picLocks noChangeAspect="1"/>
+          </p:cNvPicPr>
+          <p:nvPr/>
+        </p:nvPicPr>
+        <p:blipFill>
+          <a:blip r:embed="rId3"/>
+          <a:stretch>
+            <a:fillRect/>
+          </a:stretch>
+        </p:blipFill>
+        <p:spPr>
+          <a:xfrm>
+            <a:off x="838200" y="3767370"/>
+            <a:ext cx="4490241" cy="882178"/>
+          </a:xfrm>
+          <a:prstGeom prst="rect">
+            <a:avLst/>
+          </a:prstGeom>
+        </p:spPr>
+      </p:pic>
+    </p:spTree>
+    <p:extLst>
+      <p:ext uri="{BB962C8B-B14F-4D97-AF65-F5344CB8AC3E}">
+        <p14:creationId xmlns:p14="http://schemas.microsoft.com/office/powerpoint/2010/main" val="3535692581"/>
+      </p:ext>
+    </p:extLst>
+  </p:cSld>
+  <p:clrMapOvr>
+    <a:masterClrMapping/>
+  </p:clrMapOvr>
+</p:sld>
+</file>
+
+<file path=ppt/slides/slide22.xml><?xml version="1.0" encoding="utf-8"?>
+<p:sld xmlns:a="http://schemas.openxmlformats.org/drawingml/2006/main" xmlns:r="http://schemas.openxmlformats.org/officeDocument/2006/relationships" xmlns:p="http://schemas.openxmlformats.org/presentationml/2006/main">
+  <p:cSld>
+    <p:spTree>
+      <p:nvGrpSpPr>
+        <p:cNvPr id="1" name=""/>
+        <p:cNvGrpSpPr/>
+        <p:nvPr/>
+      </p:nvGrpSpPr>
+      <p:grpSpPr>
+        <a:xfrm>
+          <a:off x="0" y="0"/>
+          <a:ext cx="0" cy="0"/>
+          <a:chOff x="0" y="0"/>
+          <a:chExt cx="0" cy="0"/>
+        </a:xfrm>
+      </p:grpSpPr>
+      <p:sp>
+        <p:nvSpPr>
+          <p:cNvPr id="2" name="标题 1">
+            <a:extLst>
+              <a:ext uri="{FF2B5EF4-FFF2-40B4-BE49-F238E27FC236}">
+                <a16:creationId xmlns:a16="http://schemas.microsoft.com/office/drawing/2014/main" id="{CF6F04D0-AE5D-49B2-9EC3-7BB661556363}"/>
+              </a:ext>
+            </a:extLst>
+          </p:cNvPr>
+          <p:cNvSpPr>
+            <a:spLocks noGrp="1"/>
+          </p:cNvSpPr>
+          <p:nvPr>
+            <p:ph type="title"/>
+          </p:nvPr>
+        </p:nvSpPr>
+        <p:spPr/>
+        <p:txBody>
+          <a:bodyPr/>
+          <a:lstStyle/>
+          <a:p>
+            <a:r>
+              <a:rPr lang="zh-CN" altLang="en-US" dirty="0"/>
+              <a:t>训练</a:t>
+            </a:r>
+          </a:p>
+        </p:txBody>
+      </p:sp>
+      <p:sp>
+        <p:nvSpPr>
+          <p:cNvPr id="3" name="内容占位符 2">
+            <a:extLst>
+              <a:ext uri="{FF2B5EF4-FFF2-40B4-BE49-F238E27FC236}">
+                <a16:creationId xmlns:a16="http://schemas.microsoft.com/office/drawing/2014/main" id="{95A13D5C-31A4-4AA9-B7CB-507105A8C55B}"/>
+              </a:ext>
+            </a:extLst>
+          </p:cNvPr>
+          <p:cNvSpPr>
+            <a:spLocks noGrp="1"/>
+          </p:cNvSpPr>
+          <p:nvPr>
+            <p:ph idx="1"/>
+          </p:nvPr>
+        </p:nvSpPr>
+        <p:spPr/>
+        <p:txBody>
+          <a:bodyPr/>
+          <a:lstStyle/>
+          <a:p>
+            <a:endParaRPr lang="zh-CN" altLang="en-US" dirty="0"/>
+          </a:p>
+        </p:txBody>
+      </p:sp>
+    </p:spTree>
+    <p:extLst>
+      <p:ext uri="{BB962C8B-B14F-4D97-AF65-F5344CB8AC3E}">
+        <p14:creationId xmlns:p14="http://schemas.microsoft.com/office/powerpoint/2010/main" val="1977734013"/>
+      </p:ext>
+    </p:extLst>
+  </p:cSld>
+  <p:clrMapOvr>
+    <a:masterClrMapping/>
+  </p:clrMapOvr>
+</p:sld>
+</file>
+
+<file path=ppt/slides/slide23.xml><?xml version="1.0" encoding="utf-8"?>
+<p:sld xmlns:a="http://schemas.openxmlformats.org/drawingml/2006/main" xmlns:r="http://schemas.openxmlformats.org/officeDocument/2006/relationships" xmlns:p="http://schemas.openxmlformats.org/presentationml/2006/main">
+  <p:cSld>
+    <p:spTree>
+      <p:nvGrpSpPr>
+        <p:cNvPr id="1" name=""/>
+        <p:cNvGrpSpPr/>
+        <p:nvPr/>
+      </p:nvGrpSpPr>
+      <p:grpSpPr>
+        <a:xfrm>
+          <a:off x="0" y="0"/>
+          <a:ext cx="0" cy="0"/>
+          <a:chOff x="0" y="0"/>
+          <a:chExt cx="0" cy="0"/>
+        </a:xfrm>
+      </p:grpSpPr>
+      <p:sp>
+        <p:nvSpPr>
+          <p:cNvPr id="2" name="标题 1">
+            <a:extLst>
+              <a:ext uri="{FF2B5EF4-FFF2-40B4-BE49-F238E27FC236}">
+                <a16:creationId xmlns:a16="http://schemas.microsoft.com/office/drawing/2014/main" id="{CF6F04D0-AE5D-49B2-9EC3-7BB661556363}"/>
+              </a:ext>
+            </a:extLst>
+          </p:cNvPr>
+          <p:cNvSpPr>
+            <a:spLocks noGrp="1"/>
+          </p:cNvSpPr>
+          <p:nvPr>
+            <p:ph type="title"/>
+          </p:nvPr>
+        </p:nvSpPr>
+        <p:spPr/>
+        <p:txBody>
+          <a:bodyPr/>
+          <a:lstStyle/>
+          <a:p>
+            <a:r>
+              <a:rPr lang="zh-CN" altLang="en-US" dirty="0"/>
+              <a:t>预测推断</a:t>
+            </a:r>
+          </a:p>
+        </p:txBody>
+      </p:sp>
+      <p:sp>
+        <p:nvSpPr>
+          <p:cNvPr id="3" name="内容占位符 2">
+            <a:extLst>
+              <a:ext uri="{FF2B5EF4-FFF2-40B4-BE49-F238E27FC236}">
+                <a16:creationId xmlns:a16="http://schemas.microsoft.com/office/drawing/2014/main" id="{95A13D5C-31A4-4AA9-B7CB-507105A8C55B}"/>
+              </a:ext>
+            </a:extLst>
+          </p:cNvPr>
+          <p:cNvSpPr>
+            <a:spLocks noGrp="1"/>
+          </p:cNvSpPr>
+          <p:nvPr>
+            <p:ph idx="1"/>
+          </p:nvPr>
+        </p:nvSpPr>
+        <p:spPr/>
+        <p:txBody>
+          <a:bodyPr/>
+          <a:lstStyle/>
+          <a:p>
+            <a:endParaRPr lang="zh-CN" altLang="en-US" dirty="0"/>
+          </a:p>
+        </p:txBody>
+      </p:sp>
+    </p:spTree>
+    <p:extLst>
+      <p:ext uri="{BB962C8B-B14F-4D97-AF65-F5344CB8AC3E}">
+        <p14:creationId xmlns:p14="http://schemas.microsoft.com/office/powerpoint/2010/main" val="763037049"/>
+      </p:ext>
+    </p:extLst>
+  </p:cSld>
+  <p:clrMapOvr>
+    <a:masterClrMapping/>
+  </p:clrMapOvr>
+</p:sld>
+</file>
+
+<file path=ppt/slides/slide24.xml><?xml version="1.0" encoding="utf-8"?>
+<p:sld xmlns:a="http://schemas.openxmlformats.org/drawingml/2006/main" xmlns:r="http://schemas.openxmlformats.org/officeDocument/2006/relationships" xmlns:p="http://schemas.openxmlformats.org/presentationml/2006/main">
+  <p:cSld>
+    <p:spTree>
+      <p:nvGrpSpPr>
+        <p:cNvPr id="1" name=""/>
+        <p:cNvGrpSpPr/>
+        <p:nvPr/>
+      </p:nvGrpSpPr>
+      <p:grpSpPr>
+        <a:xfrm>
+          <a:off x="0" y="0"/>
+          <a:ext cx="0" cy="0"/>
+          <a:chOff x="0" y="0"/>
+          <a:chExt cx="0" cy="0"/>
+        </a:xfrm>
+      </p:grpSpPr>
+      <p:sp>
+        <p:nvSpPr>
+          <p:cNvPr id="2" name="标题 1">
+            <a:extLst>
+              <a:ext uri="{FF2B5EF4-FFF2-40B4-BE49-F238E27FC236}">
+                <a16:creationId xmlns:a16="http://schemas.microsoft.com/office/drawing/2014/main" id="{CF6F04D0-AE5D-49B2-9EC3-7BB661556363}"/>
+              </a:ext>
+            </a:extLst>
+          </p:cNvPr>
+          <p:cNvSpPr>
+            <a:spLocks noGrp="1"/>
+          </p:cNvSpPr>
+          <p:nvPr>
+            <p:ph type="title"/>
+          </p:nvPr>
+        </p:nvSpPr>
+        <p:spPr/>
+        <p:txBody>
+          <a:bodyPr/>
+          <a:lstStyle/>
+          <a:p>
+            <a:r>
+              <a:rPr lang="zh-CN" altLang="en-US" dirty="0"/>
+              <a:t>小结</a:t>
+            </a:r>
+          </a:p>
+        </p:txBody>
+      </p:sp>
+      <p:sp>
+        <p:nvSpPr>
+          <p:cNvPr id="3" name="内容占位符 2">
+            <a:extLst>
+              <a:ext uri="{FF2B5EF4-FFF2-40B4-BE49-F238E27FC236}">
+                <a16:creationId xmlns:a16="http://schemas.microsoft.com/office/drawing/2014/main" id="{95A13D5C-31A4-4AA9-B7CB-507105A8C55B}"/>
+              </a:ext>
+            </a:extLst>
+          </p:cNvPr>
+          <p:cNvSpPr>
+            <a:spLocks noGrp="1"/>
+          </p:cNvSpPr>
+          <p:nvPr>
+            <p:ph idx="1"/>
+          </p:nvPr>
+        </p:nvSpPr>
+        <p:spPr/>
+        <p:txBody>
+          <a:bodyPr/>
+          <a:lstStyle/>
+          <a:p>
+            <a:endParaRPr lang="zh-CN" altLang="en-US" dirty="0"/>
+          </a:p>
+        </p:txBody>
+      </p:sp>
+    </p:spTree>
+    <p:extLst>
+      <p:ext uri="{BB962C8B-B14F-4D97-AF65-F5344CB8AC3E}">
+        <p14:creationId xmlns:p14="http://schemas.microsoft.com/office/powerpoint/2010/main" val="1465536721"/>
+      </p:ext>
+    </p:extLst>
+  </p:cSld>
+  <p:clrMapOvr>
+    <a:masterClrMapping/>
+  </p:clrMapOvr>
+</p:sld>
+</file>
+
+<file path=ppt/slides/slide25.xml><?xml version="1.0" encoding="utf-8"?>
+<p:sld xmlns:a="http://schemas.openxmlformats.org/drawingml/2006/main" xmlns:r="http://schemas.openxmlformats.org/officeDocument/2006/relationships" xmlns:p="http://schemas.openxmlformats.org/presentationml/2006/main">
+  <p:cSld>
+    <p:spTree>
+      <p:nvGrpSpPr>
+        <p:cNvPr id="1" name=""/>
+        <p:cNvGrpSpPr/>
+        <p:nvPr/>
+      </p:nvGrpSpPr>
+      <p:grpSpPr>
+        <a:xfrm>
+          <a:off x="0" y="0"/>
+          <a:ext cx="0" cy="0"/>
+          <a:chOff x="0" y="0"/>
+          <a:chExt cx="0" cy="0"/>
+        </a:xfrm>
+      </p:grpSpPr>
+      <p:sp>
+        <p:nvSpPr>
+          <p:cNvPr id="2" name="标题 1">
+            <a:extLst>
+              <a:ext uri="{FF2B5EF4-FFF2-40B4-BE49-F238E27FC236}">
+                <a16:creationId xmlns:a16="http://schemas.microsoft.com/office/drawing/2014/main" id="{CF6F04D0-AE5D-49B2-9EC3-7BB661556363}"/>
+              </a:ext>
+            </a:extLst>
+          </p:cNvPr>
+          <p:cNvSpPr>
+            <a:spLocks noGrp="1"/>
+          </p:cNvSpPr>
+          <p:nvPr>
+            <p:ph type="title"/>
+          </p:nvPr>
+        </p:nvSpPr>
+        <p:spPr/>
+        <p:txBody>
+          <a:bodyPr/>
+          <a:lstStyle/>
+          <a:p>
+            <a:r>
+              <a:rPr lang="en-US" altLang="zh-CN" dirty="0"/>
+              <a:t>GCN</a:t>
+            </a:r>
+            <a:endParaRPr lang="zh-CN" altLang="en-US" dirty="0"/>
+          </a:p>
+        </p:txBody>
+      </p:sp>
+      <p:sp>
+        <p:nvSpPr>
+          <p:cNvPr id="3" name="内容占位符 2">
+            <a:extLst>
+              <a:ext uri="{FF2B5EF4-FFF2-40B4-BE49-F238E27FC236}">
+                <a16:creationId xmlns:a16="http://schemas.microsoft.com/office/drawing/2014/main" id="{95A13D5C-31A4-4AA9-B7CB-507105A8C55B}"/>
+              </a:ext>
+            </a:extLst>
+          </p:cNvPr>
+          <p:cNvSpPr>
+            <a:spLocks noGrp="1"/>
+          </p:cNvSpPr>
+          <p:nvPr>
+            <p:ph idx="1"/>
+          </p:nvPr>
+        </p:nvSpPr>
+        <p:spPr>
+          <a:xfrm>
+            <a:off x="838200" y="1825624"/>
+            <a:ext cx="10914776" cy="4533231"/>
+          </a:xfrm>
+        </p:spPr>
+        <p:txBody>
+          <a:bodyPr>
+            <a:normAutofit/>
+          </a:bodyPr>
+          <a:lstStyle/>
+          <a:p>
+            <a:r>
+              <a:rPr lang="zh-CN" altLang="zh-CN" dirty="0"/>
+              <a:t>对于原有</a:t>
+            </a:r>
+            <a:r>
+              <a:rPr lang="en-US" altLang="zh-CN" dirty="0"/>
+              <a:t>basic neighborhood </a:t>
+            </a:r>
+            <a:r>
+              <a:rPr lang="en-US" altLang="zh-CN" dirty="0" err="1"/>
+              <a:t>agg</a:t>
+            </a:r>
+            <a:r>
+              <a:rPr lang="en-US" altLang="zh-CN" dirty="0"/>
+              <a:t> </a:t>
+            </a:r>
+            <a:r>
+              <a:rPr lang="zh-CN" altLang="zh-CN" dirty="0"/>
+              <a:t>的限制：</a:t>
+            </a:r>
+          </a:p>
+          <a:p>
+            <a:pPr marL="914400" lvl="1" indent="-457200">
+              <a:buFont typeface="+mj-ea"/>
+              <a:buAutoNum type="circleNumDbPlain"/>
+            </a:pPr>
+            <a:r>
+              <a:rPr lang="zh-CN" altLang="zh-CN" dirty="0"/>
+              <a:t>对于没有自连接的节点，没有考虑</a:t>
+            </a:r>
+            <a:r>
+              <a:rPr lang="en-US" altLang="zh-CN" dirty="0"/>
+              <a:t>self-node</a:t>
+            </a:r>
+            <a:r>
+              <a:rPr lang="zh-CN" altLang="zh-CN" dirty="0"/>
+              <a:t>的影响。只考虑了</a:t>
+            </a:r>
+            <a:r>
+              <a:rPr lang="en-US" altLang="zh-CN" dirty="0"/>
+              <a:t>neighborhood</a:t>
+            </a:r>
+            <a:r>
+              <a:rPr lang="zh-CN" altLang="zh-CN" dirty="0"/>
+              <a:t>的影响。</a:t>
+            </a:r>
+            <a:endParaRPr lang="en-US" altLang="zh-CN" dirty="0"/>
+          </a:p>
+          <a:p>
+            <a:pPr marL="914400" lvl="1" indent="-457200">
+              <a:buFont typeface="+mj-ea"/>
+              <a:buAutoNum type="circleNumDbPlain"/>
+            </a:pPr>
+            <a:r>
+              <a:rPr lang="zh-CN" altLang="zh-CN" dirty="0"/>
+              <a:t>邻接矩阵不是</a:t>
+            </a:r>
+            <a:r>
+              <a:rPr lang="en-US" altLang="zh-CN" dirty="0"/>
+              <a:t>normalized</a:t>
+            </a:r>
+            <a:r>
+              <a:rPr lang="zh-CN" altLang="zh-CN" dirty="0"/>
+              <a:t>的，矩阵相乘的时候，会改变原有特征的</a:t>
+            </a:r>
+            <a:r>
+              <a:rPr lang="en-US" altLang="zh-CN" dirty="0"/>
+              <a:t>scale</a:t>
+            </a:r>
+            <a:r>
+              <a:rPr lang="zh-CN" altLang="zh-CN" dirty="0"/>
+              <a:t>。</a:t>
+            </a:r>
+            <a:endParaRPr lang="en-US" altLang="zh-CN" dirty="0"/>
+          </a:p>
+          <a:p>
+            <a:endParaRPr lang="en-US" altLang="zh-CN" dirty="0"/>
+          </a:p>
+          <a:p>
+            <a:r>
+              <a:rPr lang="en-US" altLang="zh-CN" dirty="0"/>
+              <a:t>GCN</a:t>
+            </a:r>
+            <a:r>
+              <a:rPr lang="zh-CN" altLang="zh-CN" dirty="0"/>
+              <a:t>做了两个修改：</a:t>
+            </a:r>
+            <a:endParaRPr lang="en-US" altLang="zh-CN" dirty="0"/>
+          </a:p>
+          <a:p>
+            <a:pPr lvl="1"/>
+            <a:r>
+              <a:rPr lang="zh-CN" altLang="zh-CN" dirty="0"/>
+              <a:t>增加节点的自连接，</a:t>
+            </a:r>
+            <a:r>
+              <a:rPr lang="en-US" altLang="zh-CN" dirty="0"/>
+              <a:t>A' = A+I</a:t>
+            </a:r>
+          </a:p>
+          <a:p>
+            <a:pPr lvl="1"/>
+            <a:r>
+              <a:rPr lang="zh-CN" altLang="zh-CN" dirty="0"/>
+              <a:t>对矩阵进行</a:t>
+            </a:r>
+            <a:r>
+              <a:rPr lang="en-US" altLang="zh-CN" dirty="0"/>
+              <a:t>norm</a:t>
+            </a:r>
+            <a:endParaRPr lang="zh-CN" altLang="en-US" dirty="0"/>
+          </a:p>
+        </p:txBody>
+      </p:sp>
+    </p:spTree>
+    <p:extLst>
+      <p:ext uri="{BB962C8B-B14F-4D97-AF65-F5344CB8AC3E}">
+        <p14:creationId xmlns:p14="http://schemas.microsoft.com/office/powerpoint/2010/main" val="1479106819"/>
+      </p:ext>
+    </p:extLst>
+  </p:cSld>
+  <p:clrMapOvr>
+    <a:masterClrMapping/>
+  </p:clrMapOvr>
+</p:sld>
+</file>
+
+<file path=ppt/slides/slide26.xml><?xml version="1.0" encoding="utf-8"?>
+<p:sld xmlns:a="http://schemas.openxmlformats.org/drawingml/2006/main" xmlns:r="http://schemas.openxmlformats.org/officeDocument/2006/relationships" xmlns:p="http://schemas.openxmlformats.org/presentationml/2006/main">
+  <p:cSld>
+    <p:spTree>
+      <p:nvGrpSpPr>
+        <p:cNvPr id="1" name=""/>
+        <p:cNvGrpSpPr/>
+        <p:nvPr/>
+      </p:nvGrpSpPr>
+      <p:grpSpPr>
+        <a:xfrm>
+          <a:off x="0" y="0"/>
+          <a:ext cx="0" cy="0"/>
+          <a:chOff x="0" y="0"/>
+          <a:chExt cx="0" cy="0"/>
+        </a:xfrm>
+      </p:grpSpPr>
+      <p:sp>
+        <p:nvSpPr>
+          <p:cNvPr id="2" name="标题 1">
+            <a:extLst>
+              <a:ext uri="{FF2B5EF4-FFF2-40B4-BE49-F238E27FC236}">
+                <a16:creationId xmlns:a16="http://schemas.microsoft.com/office/drawing/2014/main" id="{8F70E9D0-794C-4B26-AF99-1107A37D66FC}"/>
+              </a:ext>
+            </a:extLst>
+          </p:cNvPr>
+          <p:cNvSpPr>
+            <a:spLocks noGrp="1"/>
+          </p:cNvSpPr>
+          <p:nvPr>
+            <p:ph type="title"/>
+          </p:nvPr>
+        </p:nvSpPr>
+        <p:spPr/>
+        <p:txBody>
+          <a:bodyPr/>
+          <a:lstStyle/>
+          <a:p>
+            <a:r>
+              <a:rPr lang="en-US" altLang="zh-CN" dirty="0"/>
+              <a:t>GCN</a:t>
+            </a:r>
+            <a:endParaRPr lang="zh-CN" altLang="en-US" dirty="0"/>
+          </a:p>
+        </p:txBody>
+      </p:sp>
+      <p:pic>
+        <p:nvPicPr>
+          <p:cNvPr id="4" name="内容占位符 3">
+            <a:extLst>
+              <a:ext uri="{FF2B5EF4-FFF2-40B4-BE49-F238E27FC236}">
+                <a16:creationId xmlns:a16="http://schemas.microsoft.com/office/drawing/2014/main" id="{D563A3F8-FF5E-40F8-887C-0E4C9E87648D}"/>
+              </a:ext>
+            </a:extLst>
+          </p:cNvPr>
+          <p:cNvPicPr>
+            <a:picLocks noGrp="1" noChangeAspect="1"/>
+          </p:cNvPicPr>
+          <p:nvPr>
+            <p:ph idx="1"/>
+          </p:nvPr>
+        </p:nvPicPr>
+        <p:blipFill>
+          <a:blip r:embed="rId2"/>
+          <a:stretch>
+            <a:fillRect/>
+          </a:stretch>
+        </p:blipFill>
+        <p:spPr>
+          <a:xfrm>
+            <a:off x="2611205" y="1690688"/>
+            <a:ext cx="5375682" cy="1056137"/>
+          </a:xfrm>
+          <a:prstGeom prst="rect">
+            <a:avLst/>
+          </a:prstGeom>
+        </p:spPr>
+      </p:pic>
+      <p:sp>
+        <p:nvSpPr>
+          <p:cNvPr id="6" name="文本框 5">
+            <a:extLst>
+              <a:ext uri="{FF2B5EF4-FFF2-40B4-BE49-F238E27FC236}">
+                <a16:creationId xmlns:a16="http://schemas.microsoft.com/office/drawing/2014/main" id="{AFB404DC-8989-47CB-903B-752A1CCAA159}"/>
+              </a:ext>
+            </a:extLst>
+          </p:cNvPr>
+          <p:cNvSpPr txBox="1"/>
+          <p:nvPr/>
+        </p:nvSpPr>
+        <p:spPr>
+          <a:xfrm>
+            <a:off x="866296" y="2081997"/>
+            <a:ext cx="1744909" cy="369332"/>
+          </a:xfrm>
+          <a:prstGeom prst="rect">
+            <a:avLst/>
+          </a:prstGeom>
+          <a:noFill/>
+        </p:spPr>
+        <p:txBody>
+          <a:bodyPr wrap="square" rtlCol="0">
+            <a:spAutoFit/>
+          </a:bodyPr>
+          <a:lstStyle/>
+          <a:p>
+            <a:r>
+              <a:rPr lang="en-US" altLang="zh-CN" dirty="0"/>
+              <a:t>Basic </a:t>
+            </a:r>
+            <a:r>
+              <a:rPr lang="en-US" altLang="zh-CN" dirty="0" err="1"/>
+              <a:t>Agg</a:t>
+            </a:r>
+            <a:endParaRPr lang="zh-CN" altLang="en-US" dirty="0"/>
+          </a:p>
+        </p:txBody>
+      </p:sp>
+      <p:sp>
+        <p:nvSpPr>
+          <p:cNvPr id="7" name="文本框 6">
+            <a:extLst>
+              <a:ext uri="{FF2B5EF4-FFF2-40B4-BE49-F238E27FC236}">
+                <a16:creationId xmlns:a16="http://schemas.microsoft.com/office/drawing/2014/main" id="{026ECBB1-4679-43E9-AEB8-230AECE73DDA}"/>
+              </a:ext>
+            </a:extLst>
+          </p:cNvPr>
+          <p:cNvSpPr txBox="1"/>
+          <p:nvPr/>
+        </p:nvSpPr>
+        <p:spPr>
+          <a:xfrm>
+            <a:off x="941797" y="3232687"/>
+            <a:ext cx="1744909" cy="369332"/>
+          </a:xfrm>
+          <a:prstGeom prst="rect">
+            <a:avLst/>
+          </a:prstGeom>
+          <a:noFill/>
+        </p:spPr>
+        <p:txBody>
+          <a:bodyPr wrap="square" rtlCol="0">
+            <a:spAutoFit/>
+          </a:bodyPr>
+          <a:lstStyle/>
+          <a:p>
+            <a:r>
+              <a:rPr lang="en-US" altLang="zh-CN" dirty="0"/>
+              <a:t>GCN</a:t>
+            </a:r>
+            <a:endParaRPr lang="zh-CN" altLang="en-US" dirty="0"/>
+          </a:p>
+        </p:txBody>
+      </p:sp>
+    </p:spTree>
+    <p:extLst>
+      <p:ext uri="{BB962C8B-B14F-4D97-AF65-F5344CB8AC3E}">
+        <p14:creationId xmlns:p14="http://schemas.microsoft.com/office/powerpoint/2010/main" val="904659504"/>
+      </p:ext>
+    </p:extLst>
+  </p:cSld>
+  <p:clrMapOvr>
+    <a:masterClrMapping/>
+  </p:clrMapOvr>
+</p:sld>
+</file>
+
+<file path=ppt/slides/slide27.xml><?xml version="1.0" encoding="utf-8"?>
+<p:sld xmlns:a="http://schemas.openxmlformats.org/drawingml/2006/main" xmlns:r="http://schemas.openxmlformats.org/officeDocument/2006/relationships" xmlns:p="http://schemas.openxmlformats.org/presentationml/2006/main">
+  <p:cSld>
+    <p:spTree>
+      <p:nvGrpSpPr>
+        <p:cNvPr id="1" name=""/>
+        <p:cNvGrpSpPr/>
+        <p:nvPr/>
+      </p:nvGrpSpPr>
+      <p:grpSpPr>
+        <a:xfrm>
+          <a:off x="0" y="0"/>
+          <a:ext cx="0" cy="0"/>
+          <a:chOff x="0" y="0"/>
+          <a:chExt cx="0" cy="0"/>
+        </a:xfrm>
+      </p:grpSpPr>
+      <p:sp>
+        <p:nvSpPr>
+          <p:cNvPr id="2" name="标题 1">
+            <a:extLst>
+              <a:ext uri="{FF2B5EF4-FFF2-40B4-BE49-F238E27FC236}">
+                <a16:creationId xmlns:a16="http://schemas.microsoft.com/office/drawing/2014/main" id="{3E524A35-A9BF-41D6-AD7D-82F88A0D938A}"/>
+              </a:ext>
+            </a:extLst>
+          </p:cNvPr>
+          <p:cNvSpPr>
+            <a:spLocks noGrp="1"/>
+          </p:cNvSpPr>
+          <p:nvPr>
+            <p:ph type="title"/>
+          </p:nvPr>
+        </p:nvSpPr>
+        <p:spPr/>
+        <p:txBody>
+          <a:bodyPr/>
+          <a:lstStyle/>
+          <a:p>
+            <a:r>
+              <a:rPr lang="en-US" altLang="zh-CN" dirty="0" err="1"/>
+              <a:t>GraphSAGE</a:t>
+            </a:r>
+            <a:endParaRPr lang="zh-CN" altLang="en-US" dirty="0"/>
+          </a:p>
+        </p:txBody>
+      </p:sp>
+      <p:sp>
+        <p:nvSpPr>
+          <p:cNvPr id="3" name="内容占位符 2">
+            <a:extLst>
+              <a:ext uri="{FF2B5EF4-FFF2-40B4-BE49-F238E27FC236}">
+                <a16:creationId xmlns:a16="http://schemas.microsoft.com/office/drawing/2014/main" id="{2876EB0D-4AF0-4DC5-BFD5-B3C38E99C1C0}"/>
+              </a:ext>
+            </a:extLst>
+          </p:cNvPr>
+          <p:cNvSpPr>
+            <a:spLocks noGrp="1"/>
+          </p:cNvSpPr>
+          <p:nvPr>
+            <p:ph idx="1"/>
+          </p:nvPr>
+        </p:nvSpPr>
+        <p:spPr/>
+        <p:txBody>
+          <a:bodyPr/>
+          <a:lstStyle/>
+          <a:p>
+            <a:endParaRPr lang="zh-CN" altLang="en-US" dirty="0"/>
+          </a:p>
+        </p:txBody>
+      </p:sp>
+    </p:spTree>
+    <p:extLst>
+      <p:ext uri="{BB962C8B-B14F-4D97-AF65-F5344CB8AC3E}">
+        <p14:creationId xmlns:p14="http://schemas.microsoft.com/office/powerpoint/2010/main" val="1747817835"/>
       </p:ext>
     </p:extLst>
   </p:cSld>
@@ -3592,6 +6737,1629 @@
     <p:extLst>
       <p:ext uri="{BB962C8B-B14F-4D97-AF65-F5344CB8AC3E}">
         <p14:creationId xmlns:p14="http://schemas.microsoft.com/office/powerpoint/2010/main" val="1959065556"/>
+      </p:ext>
+    </p:extLst>
+  </p:cSld>
+  <p:clrMapOvr>
+    <a:masterClrMapping/>
+  </p:clrMapOvr>
+</p:sld>
+</file>
+
+<file path=ppt/slides/slide4.xml><?xml version="1.0" encoding="utf-8"?>
+<p:sld xmlns:a="http://schemas.openxmlformats.org/drawingml/2006/main" xmlns:r="http://schemas.openxmlformats.org/officeDocument/2006/relationships" xmlns:p="http://schemas.openxmlformats.org/presentationml/2006/main">
+  <p:cSld>
+    <p:spTree>
+      <p:nvGrpSpPr>
+        <p:cNvPr id="1" name=""/>
+        <p:cNvGrpSpPr/>
+        <p:nvPr/>
+      </p:nvGrpSpPr>
+      <p:grpSpPr>
+        <a:xfrm>
+          <a:off x="0" y="0"/>
+          <a:ext cx="0" cy="0"/>
+          <a:chOff x="0" y="0"/>
+          <a:chExt cx="0" cy="0"/>
+        </a:xfrm>
+      </p:grpSpPr>
+      <p:sp>
+        <p:nvSpPr>
+          <p:cNvPr id="2" name="标题 1">
+            <a:extLst>
+              <a:ext uri="{FF2B5EF4-FFF2-40B4-BE49-F238E27FC236}">
+                <a16:creationId xmlns:a16="http://schemas.microsoft.com/office/drawing/2014/main" id="{3C840A9E-796E-4D59-81D6-81DF1F722B58}"/>
+              </a:ext>
+            </a:extLst>
+          </p:cNvPr>
+          <p:cNvSpPr>
+            <a:spLocks noGrp="1"/>
+          </p:cNvSpPr>
+          <p:nvPr>
+            <p:ph type="title"/>
+          </p:nvPr>
+        </p:nvSpPr>
+        <p:spPr/>
+        <p:txBody>
+          <a:bodyPr/>
+          <a:lstStyle/>
+          <a:p>
+            <a:r>
+              <a:rPr lang="en-US" altLang="zh-CN" dirty="0"/>
+              <a:t>Node Embedding</a:t>
+            </a:r>
+            <a:r>
+              <a:rPr lang="zh-CN" altLang="en-US" dirty="0"/>
+              <a:t>问题定义</a:t>
+            </a:r>
+          </a:p>
+        </p:txBody>
+      </p:sp>
+      <p:pic>
+        <p:nvPicPr>
+          <p:cNvPr id="4" name="pasted-image.png">
+            <a:extLst>
+              <a:ext uri="{FF2B5EF4-FFF2-40B4-BE49-F238E27FC236}">
+                <a16:creationId xmlns:a16="http://schemas.microsoft.com/office/drawing/2014/main" id="{0D214098-80D4-4818-BD67-CBD3D8E459C8}"/>
+              </a:ext>
+            </a:extLst>
+          </p:cNvPr>
+          <p:cNvPicPr>
+            <a:picLocks noGrp="1" noChangeAspect="1"/>
+          </p:cNvPicPr>
+          <p:nvPr>
+            <p:ph idx="1"/>
+          </p:nvPr>
+        </p:nvPicPr>
+        <p:blipFill>
+          <a:blip r:embed="rId2">
+            <a:extLst/>
+          </a:blip>
+          <a:stretch>
+            <a:fillRect/>
+          </a:stretch>
+        </p:blipFill>
+        <p:spPr>
+          <a:xfrm>
+            <a:off x="5108196" y="2261140"/>
+            <a:ext cx="6678336" cy="3663010"/>
+          </a:xfrm>
+          <a:prstGeom prst="rect">
+            <a:avLst/>
+          </a:prstGeom>
+          <a:ln w="12700">
+            <a:miter lim="400000"/>
+          </a:ln>
+        </p:spPr>
+      </p:pic>
+      <p:sp>
+        <p:nvSpPr>
+          <p:cNvPr id="5" name="文本框 4">
+            <a:extLst>
+              <a:ext uri="{FF2B5EF4-FFF2-40B4-BE49-F238E27FC236}">
+                <a16:creationId xmlns:a16="http://schemas.microsoft.com/office/drawing/2014/main" id="{D1D5BE8C-C8F5-4DB0-AC25-8E1588694048}"/>
+              </a:ext>
+            </a:extLst>
+          </p:cNvPr>
+          <p:cNvSpPr txBox="1"/>
+          <p:nvPr/>
+        </p:nvSpPr>
+        <p:spPr>
+          <a:xfrm>
+            <a:off x="939567" y="2384485"/>
+            <a:ext cx="4370664" cy="3416320"/>
+          </a:xfrm>
+          <a:prstGeom prst="rect">
+            <a:avLst/>
+          </a:prstGeom>
+          <a:noFill/>
+        </p:spPr>
+        <p:txBody>
+          <a:bodyPr wrap="square" rtlCol="0">
+            <a:spAutoFit/>
+          </a:bodyPr>
+          <a:lstStyle/>
+          <a:p>
+            <a:pPr marL="285750" indent="-285750">
+              <a:buFont typeface="Arial" panose="020B0604020202020204" pitchFamily="34" charset="0"/>
+              <a:buChar char="•"/>
+            </a:pPr>
+            <a:r>
+              <a:rPr lang="zh-CN" altLang="en-US" dirty="0"/>
+              <a:t>定义一个编码器</a:t>
+            </a:r>
+            <a:endParaRPr lang="en-US" altLang="zh-CN" dirty="0"/>
+          </a:p>
+          <a:p>
+            <a:endParaRPr lang="en-US" altLang="zh-CN" dirty="0"/>
+          </a:p>
+          <a:p>
+            <a:r>
+              <a:rPr lang="en-US" altLang="zh-CN" dirty="0"/>
+              <a:t>	ENC(v) = </a:t>
+            </a:r>
+            <a:r>
+              <a:rPr lang="en-US" altLang="zh-CN" dirty="0" err="1"/>
+              <a:t>Zv</a:t>
+            </a:r>
+            <a:endParaRPr lang="zh-CN" altLang="en-US" dirty="0"/>
+          </a:p>
+          <a:p>
+            <a:endParaRPr lang="en-US" altLang="zh-CN" dirty="0"/>
+          </a:p>
+          <a:p>
+            <a:pPr marL="285750" indent="-285750">
+              <a:buFont typeface="Arial" panose="020B0604020202020204" pitchFamily="34" charset="0"/>
+              <a:buChar char="•"/>
+            </a:pPr>
+            <a:endParaRPr lang="en-US" altLang="zh-CN" dirty="0"/>
+          </a:p>
+          <a:p>
+            <a:pPr marL="285750" indent="-285750">
+              <a:buFont typeface="Arial" panose="020B0604020202020204" pitchFamily="34" charset="0"/>
+              <a:buChar char="•"/>
+            </a:pPr>
+            <a:r>
+              <a:rPr lang="zh-CN" altLang="en-US" dirty="0"/>
+              <a:t>定义相似函数</a:t>
+            </a:r>
+            <a:endParaRPr lang="en-US" altLang="zh-CN" dirty="0"/>
+          </a:p>
+          <a:p>
+            <a:endParaRPr lang="en-US" altLang="zh-CN" dirty="0"/>
+          </a:p>
+          <a:p>
+            <a:r>
+              <a:rPr lang="en-US" altLang="zh-CN" dirty="0"/>
+              <a:t>	similarity(</a:t>
+            </a:r>
+            <a:r>
+              <a:rPr lang="en-US" altLang="zh-CN" dirty="0" err="1"/>
+              <a:t>u,v</a:t>
+            </a:r>
+            <a:r>
+              <a:rPr lang="en-US" altLang="zh-CN" dirty="0"/>
+              <a:t>) ≈ </a:t>
+            </a:r>
+            <a:r>
+              <a:rPr lang="en-US" altLang="zh-CN" dirty="0" err="1"/>
+              <a:t>Z</a:t>
+            </a:r>
+            <a:r>
+              <a:rPr lang="en-US" altLang="zh-CN" baseline="-5999" dirty="0" err="1"/>
+              <a:t>u</a:t>
+            </a:r>
+            <a:r>
+              <a:rPr lang="en-US" altLang="zh-CN" baseline="31999" dirty="0" err="1"/>
+              <a:t>T</a:t>
+            </a:r>
+            <a:r>
+              <a:rPr lang="en-US" altLang="zh-CN" dirty="0" err="1"/>
+              <a:t>Z</a:t>
+            </a:r>
+            <a:r>
+              <a:rPr lang="en-US" altLang="zh-CN" baseline="-5999" dirty="0" err="1"/>
+              <a:t>v</a:t>
+            </a:r>
+            <a:endParaRPr lang="zh-CN" altLang="en-US" baseline="-5999" dirty="0"/>
+          </a:p>
+          <a:p>
+            <a:endParaRPr lang="en-US" altLang="zh-CN" dirty="0"/>
+          </a:p>
+          <a:p>
+            <a:pPr marL="285750" indent="-285750">
+              <a:buFont typeface="Arial" panose="020B0604020202020204" pitchFamily="34" charset="0"/>
+              <a:buChar char="•"/>
+            </a:pPr>
+            <a:endParaRPr lang="en-US" altLang="zh-CN" dirty="0"/>
+          </a:p>
+          <a:p>
+            <a:pPr marL="285750" indent="-285750">
+              <a:buFont typeface="Arial" panose="020B0604020202020204" pitchFamily="34" charset="0"/>
+              <a:buChar char="•"/>
+            </a:pPr>
+            <a:r>
+              <a:rPr lang="zh-CN" altLang="en-US" dirty="0"/>
+              <a:t>优化参数</a:t>
+            </a:r>
+          </a:p>
+          <a:p>
+            <a:endParaRPr lang="zh-CN" altLang="en-US" dirty="0"/>
+          </a:p>
+        </p:txBody>
+      </p:sp>
+      <p:sp>
+        <p:nvSpPr>
+          <p:cNvPr id="8" name="Shape 134">
+            <a:extLst>
+              <a:ext uri="{FF2B5EF4-FFF2-40B4-BE49-F238E27FC236}">
+                <a16:creationId xmlns:a16="http://schemas.microsoft.com/office/drawing/2014/main" id="{50ABE941-57CC-4C91-AA0C-FD9D5AA9F380}"/>
+              </a:ext>
+            </a:extLst>
+          </p:cNvPr>
+          <p:cNvSpPr/>
+          <p:nvPr/>
+        </p:nvSpPr>
+        <p:spPr>
+          <a:xfrm>
+            <a:off x="1350979" y="3429386"/>
+            <a:ext cx="1022875" cy="271869"/>
+          </a:xfrm>
+          <a:prstGeom prst="rect">
+            <a:avLst/>
+          </a:prstGeom>
+          <a:ln w="12700">
+            <a:miter lim="400000"/>
+          </a:ln>
+          <a:extLst>
+            <a:ext uri="{C572A759-6A51-4108-AA02-DFA0A04FC94B}">
+              <ma14:wrappingTextBoxFlag xmlns="" xmlns:ma14="http://schemas.microsoft.com/office/mac/drawingml/2011/main" val="1"/>
+            </a:ext>
+          </a:extLst>
+        </p:spPr>
+        <p:txBody>
+          <a:bodyPr wrap="square" lIns="50800" tIns="50800" rIns="50800" bIns="50800" anchor="ctr">
+            <a:spAutoFit/>
+          </a:bodyPr>
+          <a:lstStyle>
+            <a:lvl1pPr>
+              <a:defRPr sz="2600">
+                <a:solidFill>
+                  <a:schemeClr val="accent1">
+                    <a:satOff val="-3355"/>
+                    <a:lumOff val="26614"/>
+                  </a:schemeClr>
+                </a:solidFill>
+              </a:defRPr>
+            </a:lvl1pPr>
+          </a:lstStyle>
+          <a:p>
+            <a:r>
+              <a:rPr sz="1100" dirty="0" err="1">
+                <a:solidFill>
+                  <a:schemeClr val="accent5">
+                    <a:lumMod val="50000"/>
+                  </a:schemeClr>
+                </a:solidFill>
+              </a:rPr>
+              <a:t>图中的节点</a:t>
+            </a:r>
+            <a:endParaRPr sz="1100" dirty="0">
+              <a:solidFill>
+                <a:schemeClr val="accent5">
+                  <a:lumMod val="50000"/>
+                </a:schemeClr>
+              </a:solidFill>
+            </a:endParaRPr>
+          </a:p>
+        </p:txBody>
+      </p:sp>
+      <p:sp>
+        <p:nvSpPr>
+          <p:cNvPr id="9" name="Shape 135">
+            <a:extLst>
+              <a:ext uri="{FF2B5EF4-FFF2-40B4-BE49-F238E27FC236}">
+                <a16:creationId xmlns:a16="http://schemas.microsoft.com/office/drawing/2014/main" id="{974E29BD-ECA1-4159-B792-3C18990BA400}"/>
+              </a:ext>
+            </a:extLst>
+          </p:cNvPr>
+          <p:cNvSpPr/>
+          <p:nvPr/>
+        </p:nvSpPr>
+        <p:spPr>
+          <a:xfrm>
+            <a:off x="3567394" y="2956628"/>
+            <a:ext cx="636393" cy="287258"/>
+          </a:xfrm>
+          <a:prstGeom prst="rect">
+            <a:avLst/>
+          </a:prstGeom>
+          <a:ln w="12700">
+            <a:miter lim="400000"/>
+          </a:ln>
+          <a:extLst>
+            <a:ext uri="{C572A759-6A51-4108-AA02-DFA0A04FC94B}">
+              <ma14:wrappingTextBoxFlag xmlns="" xmlns:ma14="http://schemas.microsoft.com/office/mac/drawingml/2011/main" val="1"/>
+            </a:ext>
+          </a:extLst>
+        </p:spPr>
+        <p:txBody>
+          <a:bodyPr wrap="none" lIns="50800" tIns="50800" rIns="50800" bIns="50800" anchor="ctr">
+            <a:spAutoFit/>
+          </a:bodyPr>
+          <a:lstStyle>
+            <a:lvl1pPr>
+              <a:defRPr sz="2500">
+                <a:solidFill>
+                  <a:schemeClr val="accent1">
+                    <a:satOff val="-3355"/>
+                    <a:lumOff val="26614"/>
+                  </a:schemeClr>
+                </a:solidFill>
+              </a:defRPr>
+            </a:lvl1pPr>
+          </a:lstStyle>
+          <a:p>
+            <a:r>
+              <a:rPr sz="1200" dirty="0" err="1">
+                <a:solidFill>
+                  <a:schemeClr val="accent5">
+                    <a:lumMod val="50000"/>
+                  </a:schemeClr>
+                </a:solidFill>
+              </a:rPr>
+              <a:t>k维向量</a:t>
+            </a:r>
+            <a:endParaRPr sz="1200" dirty="0">
+              <a:solidFill>
+                <a:schemeClr val="accent5">
+                  <a:lumMod val="50000"/>
+                </a:schemeClr>
+              </a:solidFill>
+            </a:endParaRPr>
+          </a:p>
+        </p:txBody>
+      </p:sp>
+      <p:cxnSp>
+        <p:nvCxnSpPr>
+          <p:cNvPr id="11" name="直接箭头连接符 10">
+            <a:extLst>
+              <a:ext uri="{FF2B5EF4-FFF2-40B4-BE49-F238E27FC236}">
+                <a16:creationId xmlns:a16="http://schemas.microsoft.com/office/drawing/2014/main" id="{C0BEE15B-1CFB-4B76-A8B0-B464482CDCA7}"/>
+              </a:ext>
+            </a:extLst>
+          </p:cNvPr>
+          <p:cNvCxnSpPr/>
+          <p:nvPr/>
+        </p:nvCxnSpPr>
+        <p:spPr>
+          <a:xfrm flipV="1">
+            <a:off x="1862416" y="3178322"/>
+            <a:ext cx="293555" cy="386998"/>
+          </a:xfrm>
+          <a:prstGeom prst="straightConnector1">
+            <a:avLst/>
+          </a:prstGeom>
+          <a:ln>
+            <a:tailEnd type="triangle"/>
+          </a:ln>
+        </p:spPr>
+        <p:style>
+          <a:lnRef idx="1">
+            <a:schemeClr val="accent1"/>
+          </a:lnRef>
+          <a:fillRef idx="0">
+            <a:schemeClr val="accent1"/>
+          </a:fillRef>
+          <a:effectRef idx="0">
+            <a:schemeClr val="accent1"/>
+          </a:effectRef>
+          <a:fontRef idx="minor">
+            <a:schemeClr val="tx1"/>
+          </a:fontRef>
+        </p:style>
+      </p:cxnSp>
+      <p:cxnSp>
+        <p:nvCxnSpPr>
+          <p:cNvPr id="13" name="直接箭头连接符 12">
+            <a:extLst>
+              <a:ext uri="{FF2B5EF4-FFF2-40B4-BE49-F238E27FC236}">
+                <a16:creationId xmlns:a16="http://schemas.microsoft.com/office/drawing/2014/main" id="{78AADD93-7D05-4884-9DD3-5C74BBF5AFFD}"/>
+              </a:ext>
+            </a:extLst>
+          </p:cNvPr>
+          <p:cNvCxnSpPr/>
+          <p:nvPr/>
+        </p:nvCxnSpPr>
+        <p:spPr>
+          <a:xfrm flipH="1">
+            <a:off x="3124899" y="3100257"/>
+            <a:ext cx="442495" cy="0"/>
+          </a:xfrm>
+          <a:prstGeom prst="straightConnector1">
+            <a:avLst/>
+          </a:prstGeom>
+          <a:ln>
+            <a:tailEnd type="triangle"/>
+          </a:ln>
+        </p:spPr>
+        <p:style>
+          <a:lnRef idx="1">
+            <a:schemeClr val="accent1"/>
+          </a:lnRef>
+          <a:fillRef idx="0">
+            <a:schemeClr val="accent1"/>
+          </a:fillRef>
+          <a:effectRef idx="0">
+            <a:schemeClr val="accent1"/>
+          </a:effectRef>
+          <a:fontRef idx="minor">
+            <a:schemeClr val="tx1"/>
+          </a:fontRef>
+        </p:style>
+      </p:cxnSp>
+      <p:sp>
+        <p:nvSpPr>
+          <p:cNvPr id="15" name="Shape 137">
+            <a:extLst>
+              <a:ext uri="{FF2B5EF4-FFF2-40B4-BE49-F238E27FC236}">
+                <a16:creationId xmlns:a16="http://schemas.microsoft.com/office/drawing/2014/main" id="{EFE6F767-B62F-479C-9ACF-F2C73274A617}"/>
+              </a:ext>
+            </a:extLst>
+          </p:cNvPr>
+          <p:cNvSpPr/>
+          <p:nvPr/>
+        </p:nvSpPr>
+        <p:spPr>
+          <a:xfrm>
+            <a:off x="1799208" y="4723073"/>
+            <a:ext cx="1497665" cy="287258"/>
+          </a:xfrm>
+          <a:prstGeom prst="rect">
+            <a:avLst/>
+          </a:prstGeom>
+          <a:ln w="12700">
+            <a:miter lim="400000"/>
+          </a:ln>
+          <a:extLst>
+            <a:ext uri="{C572A759-6A51-4108-AA02-DFA0A04FC94B}">
+              <ma14:wrappingTextBoxFlag xmlns="" xmlns:ma14="http://schemas.microsoft.com/office/mac/drawingml/2011/main" val="1"/>
+            </a:ext>
+          </a:extLst>
+        </p:spPr>
+        <p:txBody>
+          <a:bodyPr wrap="square" lIns="50800" tIns="50800" rIns="50800" bIns="50800" anchor="ctr">
+            <a:spAutoFit/>
+          </a:bodyPr>
+          <a:lstStyle>
+            <a:lvl1pPr>
+              <a:defRPr sz="2600">
+                <a:solidFill>
+                  <a:schemeClr val="accent1">
+                    <a:satOff val="-3355"/>
+                    <a:lumOff val="26614"/>
+                  </a:schemeClr>
+                </a:solidFill>
+              </a:defRPr>
+            </a:lvl1pPr>
+          </a:lstStyle>
+          <a:p>
+            <a:r>
+              <a:rPr sz="1200" dirty="0" err="1">
+                <a:solidFill>
+                  <a:schemeClr val="accent5">
+                    <a:lumMod val="50000"/>
+                  </a:schemeClr>
+                </a:solidFill>
+              </a:rPr>
+              <a:t>原始图节点的相似度</a:t>
+            </a:r>
+            <a:endParaRPr sz="1200" dirty="0">
+              <a:solidFill>
+                <a:schemeClr val="accent5">
+                  <a:lumMod val="50000"/>
+                </a:schemeClr>
+              </a:solidFill>
+            </a:endParaRPr>
+          </a:p>
+        </p:txBody>
+      </p:sp>
+      <p:sp>
+        <p:nvSpPr>
+          <p:cNvPr id="17" name="Shape 139">
+            <a:extLst>
+              <a:ext uri="{FF2B5EF4-FFF2-40B4-BE49-F238E27FC236}">
+                <a16:creationId xmlns:a16="http://schemas.microsoft.com/office/drawing/2014/main" id="{4CB0B52F-D7E5-4852-A3DD-DBAEF2B01014}"/>
+              </a:ext>
+            </a:extLst>
+          </p:cNvPr>
+          <p:cNvSpPr/>
+          <p:nvPr/>
+        </p:nvSpPr>
+        <p:spPr>
+          <a:xfrm>
+            <a:off x="3958905" y="4723073"/>
+            <a:ext cx="1149291" cy="287258"/>
+          </a:xfrm>
+          <a:prstGeom prst="rect">
+            <a:avLst/>
+          </a:prstGeom>
+          <a:ln w="12700">
+            <a:miter lim="400000"/>
+          </a:ln>
+          <a:extLst>
+            <a:ext uri="{C572A759-6A51-4108-AA02-DFA0A04FC94B}">
+              <ma14:wrappingTextBoxFlag xmlns="" xmlns:ma14="http://schemas.microsoft.com/office/mac/drawingml/2011/main" val="1"/>
+            </a:ext>
+          </a:extLst>
+        </p:spPr>
+        <p:txBody>
+          <a:bodyPr wrap="square" lIns="50800" tIns="50800" rIns="50800" bIns="50800" anchor="ctr">
+            <a:spAutoFit/>
+          </a:bodyPr>
+          <a:lstStyle>
+            <a:lvl1pPr>
+              <a:defRPr sz="2500">
+                <a:solidFill>
+                  <a:schemeClr val="accent1">
+                    <a:satOff val="-3355"/>
+                    <a:lumOff val="26614"/>
+                  </a:schemeClr>
+                </a:solidFill>
+              </a:defRPr>
+            </a:lvl1pPr>
+          </a:lstStyle>
+          <a:p>
+            <a:r>
+              <a:rPr sz="1200" dirty="0" err="1">
+                <a:solidFill>
+                  <a:schemeClr val="accent5">
+                    <a:lumMod val="50000"/>
+                  </a:schemeClr>
+                </a:solidFill>
+              </a:rPr>
+              <a:t>向量点乘</a:t>
+            </a:r>
+            <a:endParaRPr sz="1200" dirty="0">
+              <a:solidFill>
+                <a:schemeClr val="accent5">
+                  <a:lumMod val="50000"/>
+                </a:schemeClr>
+              </a:solidFill>
+            </a:endParaRPr>
+          </a:p>
+        </p:txBody>
+      </p:sp>
+      <p:cxnSp>
+        <p:nvCxnSpPr>
+          <p:cNvPr id="19" name="直接箭头连接符 18">
+            <a:extLst>
+              <a:ext uri="{FF2B5EF4-FFF2-40B4-BE49-F238E27FC236}">
+                <a16:creationId xmlns:a16="http://schemas.microsoft.com/office/drawing/2014/main" id="{FCF4BBB9-3B5A-48E5-A43B-11E7170FB8AF}"/>
+              </a:ext>
+            </a:extLst>
+          </p:cNvPr>
+          <p:cNvCxnSpPr/>
+          <p:nvPr/>
+        </p:nvCxnSpPr>
+        <p:spPr>
+          <a:xfrm flipV="1">
+            <a:off x="2558642" y="4597167"/>
+            <a:ext cx="318782" cy="125906"/>
+          </a:xfrm>
+          <a:prstGeom prst="straightConnector1">
+            <a:avLst/>
+          </a:prstGeom>
+          <a:ln>
+            <a:tailEnd type="triangle"/>
+          </a:ln>
+        </p:spPr>
+        <p:style>
+          <a:lnRef idx="1">
+            <a:schemeClr val="accent1"/>
+          </a:lnRef>
+          <a:fillRef idx="0">
+            <a:schemeClr val="accent1"/>
+          </a:fillRef>
+          <a:effectRef idx="0">
+            <a:schemeClr val="accent1"/>
+          </a:effectRef>
+          <a:fontRef idx="minor">
+            <a:schemeClr val="tx1"/>
+          </a:fontRef>
+        </p:style>
+      </p:cxnSp>
+      <p:cxnSp>
+        <p:nvCxnSpPr>
+          <p:cNvPr id="21" name="直接箭头连接符 20">
+            <a:extLst>
+              <a:ext uri="{FF2B5EF4-FFF2-40B4-BE49-F238E27FC236}">
+                <a16:creationId xmlns:a16="http://schemas.microsoft.com/office/drawing/2014/main" id="{058F68F7-CCDC-48E7-9839-E2FF53F50BE4}"/>
+              </a:ext>
+            </a:extLst>
+          </p:cNvPr>
+          <p:cNvCxnSpPr/>
+          <p:nvPr/>
+        </p:nvCxnSpPr>
+        <p:spPr>
+          <a:xfrm flipH="1" flipV="1">
+            <a:off x="4056307" y="4597167"/>
+            <a:ext cx="538991" cy="125906"/>
+          </a:xfrm>
+          <a:prstGeom prst="straightConnector1">
+            <a:avLst/>
+          </a:prstGeom>
+          <a:ln>
+            <a:tailEnd type="triangle"/>
+          </a:ln>
+        </p:spPr>
+        <p:style>
+          <a:lnRef idx="1">
+            <a:schemeClr val="accent1"/>
+          </a:lnRef>
+          <a:fillRef idx="0">
+            <a:schemeClr val="accent1"/>
+          </a:fillRef>
+          <a:effectRef idx="0">
+            <a:schemeClr val="accent1"/>
+          </a:effectRef>
+          <a:fontRef idx="minor">
+            <a:schemeClr val="tx1"/>
+          </a:fontRef>
+        </p:style>
+      </p:cxnSp>
+    </p:spTree>
+    <p:extLst>
+      <p:ext uri="{BB962C8B-B14F-4D97-AF65-F5344CB8AC3E}">
+        <p14:creationId xmlns:p14="http://schemas.microsoft.com/office/powerpoint/2010/main" val="4161160472"/>
+      </p:ext>
+    </p:extLst>
+  </p:cSld>
+  <p:clrMapOvr>
+    <a:masterClrMapping/>
+  </p:clrMapOvr>
+</p:sld>
+</file>
+
+<file path=ppt/slides/slide5.xml><?xml version="1.0" encoding="utf-8"?>
+<p:sld xmlns:a="http://schemas.openxmlformats.org/drawingml/2006/main" xmlns:r="http://schemas.openxmlformats.org/officeDocument/2006/relationships" xmlns:p="http://schemas.openxmlformats.org/presentationml/2006/main">
+  <p:cSld>
+    <p:spTree>
+      <p:nvGrpSpPr>
+        <p:cNvPr id="1" name=""/>
+        <p:cNvGrpSpPr/>
+        <p:nvPr/>
+      </p:nvGrpSpPr>
+      <p:grpSpPr>
+        <a:xfrm>
+          <a:off x="0" y="0"/>
+          <a:ext cx="0" cy="0"/>
+          <a:chOff x="0" y="0"/>
+          <a:chExt cx="0" cy="0"/>
+        </a:xfrm>
+      </p:grpSpPr>
+      <p:sp>
+        <p:nvSpPr>
+          <p:cNvPr id="2" name="标题 1">
+            <a:extLst>
+              <a:ext uri="{FF2B5EF4-FFF2-40B4-BE49-F238E27FC236}">
+                <a16:creationId xmlns:a16="http://schemas.microsoft.com/office/drawing/2014/main" id="{65786F6D-96D0-43E9-B65B-60E2C1ED74D1}"/>
+              </a:ext>
+            </a:extLst>
+          </p:cNvPr>
+          <p:cNvSpPr>
+            <a:spLocks noGrp="1"/>
+          </p:cNvSpPr>
+          <p:nvPr>
+            <p:ph type="title"/>
+          </p:nvPr>
+        </p:nvSpPr>
+        <p:spPr/>
+        <p:txBody>
+          <a:bodyPr/>
+          <a:lstStyle/>
+          <a:p>
+            <a:r>
+              <a:rPr lang="zh-CN" altLang="en-US" dirty="0"/>
+              <a:t>编码器定义</a:t>
+            </a:r>
+          </a:p>
+        </p:txBody>
+      </p:sp>
+      <p:sp>
+        <p:nvSpPr>
+          <p:cNvPr id="3" name="内容占位符 2">
+            <a:extLst>
+              <a:ext uri="{FF2B5EF4-FFF2-40B4-BE49-F238E27FC236}">
+                <a16:creationId xmlns:a16="http://schemas.microsoft.com/office/drawing/2014/main" id="{299DE0FA-1316-41ED-8CD1-D786CFEABE7B}"/>
+              </a:ext>
+            </a:extLst>
+          </p:cNvPr>
+          <p:cNvSpPr>
+            <a:spLocks noGrp="1"/>
+          </p:cNvSpPr>
+          <p:nvPr>
+            <p:ph idx="1"/>
+          </p:nvPr>
+        </p:nvSpPr>
+        <p:spPr/>
+        <p:txBody>
+          <a:bodyPr/>
+          <a:lstStyle/>
+          <a:p>
+            <a:r>
+              <a:rPr lang="en-US" altLang="zh-CN" dirty="0"/>
+              <a:t>encoder</a:t>
+            </a:r>
+            <a:r>
+              <a:rPr lang="zh-CN" altLang="en-US" dirty="0"/>
+              <a:t>：</a:t>
+            </a:r>
+            <a:r>
+              <a:rPr lang="en-US" altLang="zh-CN" dirty="0" err="1"/>
+              <a:t>embbeding</a:t>
+            </a:r>
+            <a:r>
+              <a:rPr lang="en-US" altLang="zh-CN" dirty="0"/>
+              <a:t> </a:t>
+            </a:r>
+            <a:r>
+              <a:rPr lang="en-US" altLang="zh-CN" dirty="0" err="1"/>
+              <a:t>vec</a:t>
+            </a:r>
+            <a:r>
+              <a:rPr lang="en-US" altLang="zh-CN" dirty="0"/>
+              <a:t> </a:t>
+            </a:r>
+            <a:r>
+              <a:rPr lang="zh-CN" altLang="en-US" dirty="0"/>
+              <a:t>的查找表</a:t>
+            </a:r>
+          </a:p>
+          <a:p>
+            <a:endParaRPr lang="zh-CN" altLang="en-US" dirty="0"/>
+          </a:p>
+        </p:txBody>
+      </p:sp>
+      <p:pic>
+        <p:nvPicPr>
+          <p:cNvPr id="4" name="pasted-image.png">
+            <a:extLst>
+              <a:ext uri="{FF2B5EF4-FFF2-40B4-BE49-F238E27FC236}">
+                <a16:creationId xmlns:a16="http://schemas.microsoft.com/office/drawing/2014/main" id="{11DF83C9-0224-4F93-B065-5563B52B5DC6}"/>
+              </a:ext>
+            </a:extLst>
+          </p:cNvPr>
+          <p:cNvPicPr>
+            <a:picLocks noChangeAspect="1"/>
+          </p:cNvPicPr>
+          <p:nvPr/>
+        </p:nvPicPr>
+        <p:blipFill>
+          <a:blip r:embed="rId2">
+            <a:extLst/>
+          </a:blip>
+          <a:stretch>
+            <a:fillRect/>
+          </a:stretch>
+        </p:blipFill>
+        <p:spPr>
+          <a:xfrm>
+            <a:off x="1695974" y="2352430"/>
+            <a:ext cx="8800052" cy="3824533"/>
+          </a:xfrm>
+          <a:prstGeom prst="rect">
+            <a:avLst/>
+          </a:prstGeom>
+          <a:ln w="12700">
+            <a:miter lim="400000"/>
+          </a:ln>
+        </p:spPr>
+      </p:pic>
+    </p:spTree>
+    <p:extLst>
+      <p:ext uri="{BB962C8B-B14F-4D97-AF65-F5344CB8AC3E}">
+        <p14:creationId xmlns:p14="http://schemas.microsoft.com/office/powerpoint/2010/main" val="1078381813"/>
+      </p:ext>
+    </p:extLst>
+  </p:cSld>
+  <p:clrMapOvr>
+    <a:masterClrMapping/>
+  </p:clrMapOvr>
+</p:sld>
+</file>
+
+<file path=ppt/slides/slide6.xml><?xml version="1.0" encoding="utf-8"?>
+<p:sld xmlns:a="http://schemas.openxmlformats.org/drawingml/2006/main" xmlns:r="http://schemas.openxmlformats.org/officeDocument/2006/relationships" xmlns:p="http://schemas.openxmlformats.org/presentationml/2006/main">
+  <p:cSld>
+    <p:spTree>
+      <p:nvGrpSpPr>
+        <p:cNvPr id="1" name=""/>
+        <p:cNvGrpSpPr/>
+        <p:nvPr/>
+      </p:nvGrpSpPr>
+      <p:grpSpPr>
+        <a:xfrm>
+          <a:off x="0" y="0"/>
+          <a:ext cx="0" cy="0"/>
+          <a:chOff x="0" y="0"/>
+          <a:chExt cx="0" cy="0"/>
+        </a:xfrm>
+      </p:grpSpPr>
+      <p:sp>
+        <p:nvSpPr>
+          <p:cNvPr id="2" name="标题 1">
+            <a:extLst>
+              <a:ext uri="{FF2B5EF4-FFF2-40B4-BE49-F238E27FC236}">
+                <a16:creationId xmlns:a16="http://schemas.microsoft.com/office/drawing/2014/main" id="{885C7F14-E775-4555-A2A9-BBA2F03884CA}"/>
+              </a:ext>
+            </a:extLst>
+          </p:cNvPr>
+          <p:cNvSpPr>
+            <a:spLocks noGrp="1"/>
+          </p:cNvSpPr>
+          <p:nvPr>
+            <p:ph type="title"/>
+          </p:nvPr>
+        </p:nvSpPr>
+        <p:spPr/>
+        <p:txBody>
+          <a:bodyPr/>
+          <a:lstStyle/>
+          <a:p>
+            <a:r>
+              <a:rPr lang="zh-CN" altLang="en-US" dirty="0"/>
+              <a:t>相似函数定义</a:t>
+            </a:r>
+          </a:p>
+        </p:txBody>
+      </p:sp>
+      <p:sp>
+        <p:nvSpPr>
+          <p:cNvPr id="3" name="内容占位符 2">
+            <a:extLst>
+              <a:ext uri="{FF2B5EF4-FFF2-40B4-BE49-F238E27FC236}">
+                <a16:creationId xmlns:a16="http://schemas.microsoft.com/office/drawing/2014/main" id="{4CE542DB-2A86-443E-9C64-4E4BC0DA11BA}"/>
+              </a:ext>
+            </a:extLst>
+          </p:cNvPr>
+          <p:cNvSpPr>
+            <a:spLocks noGrp="1"/>
+          </p:cNvSpPr>
+          <p:nvPr>
+            <p:ph idx="1"/>
+          </p:nvPr>
+        </p:nvSpPr>
+        <p:spPr/>
+        <p:txBody>
+          <a:bodyPr/>
+          <a:lstStyle/>
+          <a:p>
+            <a:r>
+              <a:rPr lang="zh-CN" altLang="en-US" dirty="0"/>
+              <a:t>不同</a:t>
+            </a:r>
+            <a:r>
+              <a:rPr lang="en-US" altLang="zh-CN" dirty="0"/>
+              <a:t>node embedding</a:t>
+            </a:r>
+            <a:r>
+              <a:rPr lang="zh-CN" altLang="en-US" dirty="0"/>
+              <a:t>方法的</a:t>
+            </a:r>
+            <a:r>
+              <a:rPr lang="zh-CN" altLang="en-US" dirty="0">
+                <a:solidFill>
+                  <a:schemeClr val="accent6"/>
+                </a:solidFill>
+              </a:rPr>
+              <a:t>区别</a:t>
+            </a:r>
+            <a:r>
+              <a:rPr lang="zh-CN" altLang="en-US" dirty="0"/>
+              <a:t>在于</a:t>
+            </a:r>
+            <a:r>
+              <a:rPr lang="zh-CN" altLang="en-US" dirty="0">
+                <a:solidFill>
+                  <a:srgbClr val="C00000"/>
+                </a:solidFill>
+              </a:rPr>
+              <a:t>相似函数的定义，</a:t>
+            </a:r>
+            <a:r>
+              <a:rPr lang="zh-CN" altLang="en-US" dirty="0"/>
+              <a:t>即如何来衡量节点的相似度。</a:t>
+            </a:r>
+          </a:p>
+          <a:p>
+            <a:pPr lvl="1"/>
+            <a:endParaRPr lang="en-US" altLang="zh-CN" dirty="0"/>
+          </a:p>
+          <a:p>
+            <a:pPr lvl="1"/>
+            <a:r>
+              <a:rPr lang="zh-CN" altLang="en-US" dirty="0"/>
+              <a:t>邻接矩阵相似度 （</a:t>
+            </a:r>
+            <a:r>
+              <a:rPr lang="en-US" altLang="zh-CN" dirty="0"/>
+              <a:t>Graph Factorization</a:t>
+            </a:r>
+            <a:r>
+              <a:rPr lang="zh-CN" altLang="en-US" dirty="0"/>
+              <a:t>）</a:t>
+            </a:r>
+            <a:endParaRPr lang="en-US" altLang="zh-CN" dirty="0"/>
+          </a:p>
+          <a:p>
+            <a:pPr lvl="1"/>
+            <a:r>
+              <a:rPr lang="zh-CN" altLang="en-US" dirty="0"/>
+              <a:t>多跳相似度（</a:t>
+            </a:r>
+            <a:r>
+              <a:rPr lang="en-US" altLang="zh-CN" dirty="0" err="1"/>
+              <a:t>GraRep</a:t>
+            </a:r>
+            <a:r>
+              <a:rPr lang="zh-CN" altLang="en-US" dirty="0"/>
+              <a:t>）</a:t>
+            </a:r>
+            <a:endParaRPr lang="en-US" altLang="zh-CN" dirty="0"/>
+          </a:p>
+          <a:p>
+            <a:pPr lvl="1"/>
+            <a:r>
+              <a:rPr lang="zh-CN" altLang="en-US" dirty="0"/>
+              <a:t>随机游走方法（</a:t>
+            </a:r>
+            <a:r>
+              <a:rPr lang="en-US" altLang="zh-CN" dirty="0" err="1"/>
+              <a:t>DeepWalk</a:t>
+            </a:r>
+            <a:r>
+              <a:rPr lang="zh-CN" altLang="en-US" dirty="0"/>
+              <a:t>、</a:t>
+            </a:r>
+            <a:r>
+              <a:rPr lang="en-US" altLang="zh-CN" dirty="0"/>
+              <a:t>Node2vec</a:t>
+            </a:r>
+            <a:r>
+              <a:rPr lang="zh-CN" altLang="en-US" dirty="0"/>
+              <a:t>）</a:t>
+            </a:r>
+          </a:p>
+          <a:p>
+            <a:pPr marL="0" indent="0">
+              <a:buNone/>
+            </a:pPr>
+            <a:endParaRPr lang="zh-CN" altLang="en-US" dirty="0"/>
+          </a:p>
+        </p:txBody>
+      </p:sp>
+      <p:pic>
+        <p:nvPicPr>
+          <p:cNvPr id="1026" name="Picture 2" descr="计算机生成了可选文字:&#10;Type&#10;Matrix&#10;factorization&#10;Randomwalk&#10;Method&#10;LaplacianEigenmaps[4]&#10;GraphFactorization目]&#10;GraRep[9]&#10;HOPE[44]&#10;DeepWaIk[46]&#10;node2vec[27]&#10;Decoder&#10;2&#10;Z&#10;Z&#10;T&#10;T&#10;T&#10;T&#10;T&#10;T&#10;zZk&#10;Proximitymeasure&#10;general&#10;A&#10;2&#10;A&#10;general&#10;闪（与@i)&#10;闪（与@）(biased)&#10;LOSSfunction在）&#10;DEC(ZZ&#10;IIDEC(zz,z&#10;，SG（屿：与2&#10;IIDEC(zz,z&#10;，SG（屿：与2&#10;IIDEC(zz,z&#10;，SG（屿：与2&#10;一（屿，与）log(DEC(zzz">
+            <a:extLst>
+              <a:ext uri="{FF2B5EF4-FFF2-40B4-BE49-F238E27FC236}">
+                <a16:creationId xmlns:a16="http://schemas.microsoft.com/office/drawing/2014/main" id="{7CDFA1DC-FEDD-4B16-A0C2-A4C789E456B2}"/>
+              </a:ext>
+            </a:extLst>
+          </p:cNvPr>
+          <p:cNvPicPr>
+            <a:picLocks noChangeAspect="1" noChangeArrowheads="1"/>
+          </p:cNvPicPr>
+          <p:nvPr/>
+        </p:nvPicPr>
+        <p:blipFill>
+          <a:blip r:embed="rId2">
+            <a:extLst>
+              <a:ext uri="{28A0092B-C50C-407E-A947-70E740481C1C}">
+                <a14:useLocalDpi xmlns:a14="http://schemas.microsoft.com/office/drawing/2010/main" val="0"/>
+              </a:ext>
+            </a:extLst>
+          </a:blip>
+          <a:srcRect/>
+          <a:stretch>
+            <a:fillRect/>
+          </a:stretch>
+        </p:blipFill>
+        <p:spPr bwMode="auto">
+          <a:xfrm>
+            <a:off x="1712933" y="4412610"/>
+            <a:ext cx="7701043" cy="2303054"/>
+          </a:xfrm>
+          <a:prstGeom prst="rect">
+            <a:avLst/>
+          </a:prstGeom>
+          <a:noFill/>
+          <a:extLst>
+            <a:ext uri="{909E8E84-426E-40DD-AFC4-6F175D3DCCD1}">
+              <a14:hiddenFill xmlns:a14="http://schemas.microsoft.com/office/drawing/2010/main">
+                <a:solidFill>
+                  <a:srgbClr val="FFFFFF"/>
+                </a:solidFill>
+              </a14:hiddenFill>
+            </a:ext>
+          </a:extLst>
+        </p:spPr>
+      </p:pic>
+    </p:spTree>
+    <p:extLst>
+      <p:ext uri="{BB962C8B-B14F-4D97-AF65-F5344CB8AC3E}">
+        <p14:creationId xmlns:p14="http://schemas.microsoft.com/office/powerpoint/2010/main" val="1094565297"/>
+      </p:ext>
+    </p:extLst>
+  </p:cSld>
+  <p:clrMapOvr>
+    <a:masterClrMapping/>
+  </p:clrMapOvr>
+</p:sld>
+</file>
+
+<file path=ppt/slides/slide7.xml><?xml version="1.0" encoding="utf-8"?>
+<p:sld xmlns:a="http://schemas.openxmlformats.org/drawingml/2006/main" xmlns:r="http://schemas.openxmlformats.org/officeDocument/2006/relationships" xmlns:p="http://schemas.openxmlformats.org/presentationml/2006/main">
+  <p:cSld>
+    <p:spTree>
+      <p:nvGrpSpPr>
+        <p:cNvPr id="1" name=""/>
+        <p:cNvGrpSpPr/>
+        <p:nvPr/>
+      </p:nvGrpSpPr>
+      <p:grpSpPr>
+        <a:xfrm>
+          <a:off x="0" y="0"/>
+          <a:ext cx="0" cy="0"/>
+          <a:chOff x="0" y="0"/>
+          <a:chExt cx="0" cy="0"/>
+        </a:xfrm>
+      </p:grpSpPr>
+      <p:sp>
+        <p:nvSpPr>
+          <p:cNvPr id="2" name="标题 1">
+            <a:extLst>
+              <a:ext uri="{FF2B5EF4-FFF2-40B4-BE49-F238E27FC236}">
+                <a16:creationId xmlns:a16="http://schemas.microsoft.com/office/drawing/2014/main" id="{1F1872A8-83A5-4B58-8D33-B0C9276E9DD9}"/>
+              </a:ext>
+            </a:extLst>
+          </p:cNvPr>
+          <p:cNvSpPr>
+            <a:spLocks noGrp="1"/>
+          </p:cNvSpPr>
+          <p:nvPr>
+            <p:ph type="title"/>
+          </p:nvPr>
+        </p:nvSpPr>
+        <p:spPr/>
+        <p:txBody>
+          <a:bodyPr/>
+          <a:lstStyle/>
+          <a:p>
+            <a:r>
+              <a:rPr lang="zh-CN" altLang="en-US" dirty="0"/>
+              <a:t>邻接矩阵相似度</a:t>
+            </a:r>
+          </a:p>
+        </p:txBody>
+      </p:sp>
+      <p:sp>
+        <p:nvSpPr>
+          <p:cNvPr id="3" name="内容占位符 2">
+            <a:extLst>
+              <a:ext uri="{FF2B5EF4-FFF2-40B4-BE49-F238E27FC236}">
+                <a16:creationId xmlns:a16="http://schemas.microsoft.com/office/drawing/2014/main" id="{D2769788-4A4C-4CBA-B441-EC405B15028F}"/>
+              </a:ext>
+            </a:extLst>
+          </p:cNvPr>
+          <p:cNvSpPr>
+            <a:spLocks noGrp="1"/>
+          </p:cNvSpPr>
+          <p:nvPr>
+            <p:ph idx="1"/>
+          </p:nvPr>
+        </p:nvSpPr>
+        <p:spPr>
+          <a:xfrm>
+            <a:off x="838200" y="1825625"/>
+            <a:ext cx="10515600" cy="2175670"/>
+          </a:xfrm>
+        </p:spPr>
+        <p:txBody>
+          <a:bodyPr/>
+          <a:lstStyle/>
+          <a:p>
+            <a:r>
+              <a:rPr lang="en-US" altLang="zh-CN" dirty="0"/>
+              <a:t>similarity function</a:t>
+            </a:r>
+            <a:r>
+              <a:rPr lang="zh-CN" altLang="en-US" dirty="0"/>
+              <a:t>：边的权重</a:t>
+            </a:r>
+          </a:p>
+          <a:p>
+            <a:r>
+              <a:rPr lang="en-US" altLang="zh-CN" dirty="0"/>
+              <a:t>Intuition</a:t>
+            </a:r>
+            <a:r>
+              <a:rPr lang="zh-CN" altLang="en-US" dirty="0"/>
+              <a:t>：</a:t>
+            </a:r>
+            <a:r>
+              <a:rPr lang="en-US" altLang="zh-CN" dirty="0"/>
+              <a:t>embed</a:t>
+            </a:r>
+            <a:r>
+              <a:rPr lang="zh-CN" altLang="en-US" dirty="0"/>
+              <a:t>向量的相似程度</a:t>
+            </a:r>
+            <a:r>
+              <a:rPr lang="zh-CN" altLang="en-US" dirty="0">
+                <a:solidFill>
+                  <a:schemeClr val="accent6"/>
+                </a:solidFill>
+              </a:rPr>
+              <a:t>近似</a:t>
+            </a:r>
+            <a:r>
+              <a:rPr lang="zh-CN" altLang="en-US" dirty="0"/>
+              <a:t>边的距离</a:t>
+            </a:r>
+          </a:p>
+          <a:p>
+            <a:endParaRPr lang="zh-CN" altLang="en-US" dirty="0"/>
+          </a:p>
+        </p:txBody>
+      </p:sp>
+      <p:pic>
+        <p:nvPicPr>
+          <p:cNvPr id="4" name="pasted-image.png">
+            <a:extLst>
+              <a:ext uri="{FF2B5EF4-FFF2-40B4-BE49-F238E27FC236}">
+                <a16:creationId xmlns:a16="http://schemas.microsoft.com/office/drawing/2014/main" id="{A9B133CE-E50D-4123-A9D2-25F375D693D2}"/>
+              </a:ext>
+            </a:extLst>
+          </p:cNvPr>
+          <p:cNvPicPr>
+            <a:picLocks noChangeAspect="1"/>
+          </p:cNvPicPr>
+          <p:nvPr/>
+        </p:nvPicPr>
+        <p:blipFill>
+          <a:blip r:embed="rId2">
+            <a:extLst/>
+          </a:blip>
+          <a:stretch>
+            <a:fillRect/>
+          </a:stretch>
+        </p:blipFill>
+        <p:spPr>
+          <a:xfrm>
+            <a:off x="2810310" y="3132162"/>
+            <a:ext cx="4108625" cy="869132"/>
+          </a:xfrm>
+          <a:prstGeom prst="rect">
+            <a:avLst/>
+          </a:prstGeom>
+          <a:ln w="12700">
+            <a:miter lim="400000"/>
+          </a:ln>
+        </p:spPr>
+      </p:pic>
+      <p:sp>
+        <p:nvSpPr>
+          <p:cNvPr id="5" name="矩形 4">
+            <a:extLst>
+              <a:ext uri="{FF2B5EF4-FFF2-40B4-BE49-F238E27FC236}">
+                <a16:creationId xmlns:a16="http://schemas.microsoft.com/office/drawing/2014/main" id="{550A0FFF-93B0-44C9-A43E-6CECE2640356}"/>
+              </a:ext>
+            </a:extLst>
+          </p:cNvPr>
+          <p:cNvSpPr/>
+          <p:nvPr/>
+        </p:nvSpPr>
+        <p:spPr>
+          <a:xfrm>
+            <a:off x="1043031" y="4490018"/>
+            <a:ext cx="6096000" cy="923330"/>
+          </a:xfrm>
+          <a:prstGeom prst="rect">
+            <a:avLst/>
+          </a:prstGeom>
+        </p:spPr>
+        <p:txBody>
+          <a:bodyPr>
+            <a:spAutoFit/>
+          </a:bodyPr>
+          <a:lstStyle/>
+          <a:p>
+            <a:r>
+              <a:rPr lang="en-US" altLang="zh-CN" dirty="0">
+                <a:solidFill>
+                  <a:schemeClr val="accent6"/>
+                </a:solidFill>
+              </a:rPr>
+              <a:t>Tips</a:t>
+            </a:r>
+            <a:r>
+              <a:rPr lang="zh-CN" altLang="en-US" dirty="0"/>
+              <a:t>：</a:t>
+            </a:r>
+            <a:endParaRPr lang="en-US" altLang="zh-CN" dirty="0"/>
+          </a:p>
+          <a:p>
+            <a:pPr marL="342900" indent="-342900">
+              <a:buFont typeface="+mj-lt"/>
+              <a:buAutoNum type="arabicPeriod"/>
+            </a:pPr>
+            <a:r>
+              <a:rPr lang="zh-CN" altLang="en-US" dirty="0"/>
+              <a:t>时间复杂度：</a:t>
+            </a:r>
+            <a:r>
+              <a:rPr lang="en-US" altLang="zh-CN" dirty="0"/>
+              <a:t>O(|V|</a:t>
+            </a:r>
+            <a:r>
+              <a:rPr lang="en-US" altLang="zh-CN" baseline="30000" dirty="0"/>
+              <a:t>2</a:t>
+            </a:r>
+            <a:r>
+              <a:rPr lang="en-US" altLang="zh-CN" dirty="0"/>
+              <a:t>)</a:t>
+            </a:r>
+          </a:p>
+          <a:p>
+            <a:pPr marL="342900" indent="-342900">
+              <a:buFont typeface="+mj-lt"/>
+              <a:buAutoNum type="arabicPeriod"/>
+            </a:pPr>
+            <a:r>
+              <a:rPr lang="zh-CN" altLang="en-US" dirty="0"/>
+              <a:t>只考虑了直连的节点</a:t>
+            </a:r>
+          </a:p>
+        </p:txBody>
+      </p:sp>
+    </p:spTree>
+    <p:extLst>
+      <p:ext uri="{BB962C8B-B14F-4D97-AF65-F5344CB8AC3E}">
+        <p14:creationId xmlns:p14="http://schemas.microsoft.com/office/powerpoint/2010/main" val="3245814375"/>
+      </p:ext>
+    </p:extLst>
+  </p:cSld>
+  <p:clrMapOvr>
+    <a:masterClrMapping/>
+  </p:clrMapOvr>
+</p:sld>
+</file>
+
+<file path=ppt/slides/slide8.xml><?xml version="1.0" encoding="utf-8"?>
+<p:sld xmlns:a="http://schemas.openxmlformats.org/drawingml/2006/main" xmlns:r="http://schemas.openxmlformats.org/officeDocument/2006/relationships" xmlns:p="http://schemas.openxmlformats.org/presentationml/2006/main">
+  <p:cSld>
+    <p:spTree>
+      <p:nvGrpSpPr>
+        <p:cNvPr id="1" name=""/>
+        <p:cNvGrpSpPr/>
+        <p:nvPr/>
+      </p:nvGrpSpPr>
+      <p:grpSpPr>
+        <a:xfrm>
+          <a:off x="0" y="0"/>
+          <a:ext cx="0" cy="0"/>
+          <a:chOff x="0" y="0"/>
+          <a:chExt cx="0" cy="0"/>
+        </a:xfrm>
+      </p:grpSpPr>
+      <p:sp>
+        <p:nvSpPr>
+          <p:cNvPr id="2" name="标题 1">
+            <a:extLst>
+              <a:ext uri="{FF2B5EF4-FFF2-40B4-BE49-F238E27FC236}">
+                <a16:creationId xmlns:a16="http://schemas.microsoft.com/office/drawing/2014/main" id="{649ED82F-8B91-41E6-A173-ED84B652E930}"/>
+              </a:ext>
+            </a:extLst>
+          </p:cNvPr>
+          <p:cNvSpPr>
+            <a:spLocks noGrp="1"/>
+          </p:cNvSpPr>
+          <p:nvPr>
+            <p:ph type="title"/>
+          </p:nvPr>
+        </p:nvSpPr>
+        <p:spPr/>
+        <p:txBody>
+          <a:bodyPr/>
+          <a:lstStyle/>
+          <a:p>
+            <a:r>
+              <a:rPr lang="en-US" altLang="zh-CN" dirty="0"/>
+              <a:t>Multi-hop similarity</a:t>
+            </a:r>
+            <a:endParaRPr lang="zh-CN" altLang="en-US" dirty="0"/>
+          </a:p>
+        </p:txBody>
+      </p:sp>
+      <p:sp>
+        <p:nvSpPr>
+          <p:cNvPr id="3" name="内容占位符 2">
+            <a:extLst>
+              <a:ext uri="{FF2B5EF4-FFF2-40B4-BE49-F238E27FC236}">
+                <a16:creationId xmlns:a16="http://schemas.microsoft.com/office/drawing/2014/main" id="{F49EF9DC-87A3-47F1-9D98-3CA44848086E}"/>
+              </a:ext>
+            </a:extLst>
+          </p:cNvPr>
+          <p:cNvSpPr>
+            <a:spLocks noGrp="1"/>
+          </p:cNvSpPr>
+          <p:nvPr>
+            <p:ph idx="1"/>
+          </p:nvPr>
+        </p:nvSpPr>
+        <p:spPr/>
+        <p:txBody>
+          <a:bodyPr/>
+          <a:lstStyle/>
+          <a:p>
+            <a:r>
+              <a:rPr lang="zh-CN" altLang="en-US" dirty="0"/>
+              <a:t>考虑多跳的关系：</a:t>
+            </a:r>
+            <a:r>
+              <a:rPr lang="en-US" altLang="zh-CN" dirty="0"/>
+              <a:t>2</a:t>
+            </a:r>
+            <a:r>
+              <a:rPr lang="zh-CN" altLang="en-US" dirty="0"/>
+              <a:t>跳，</a:t>
+            </a:r>
+            <a:r>
+              <a:rPr lang="en-US" altLang="zh-CN" dirty="0"/>
+              <a:t>3</a:t>
+            </a:r>
+            <a:r>
+              <a:rPr lang="zh-CN" altLang="en-US" dirty="0"/>
+              <a:t>跳</a:t>
+            </a:r>
+          </a:p>
+          <a:p>
+            <a:pPr marL="0" indent="0">
+              <a:buNone/>
+            </a:pPr>
+            <a:endParaRPr lang="zh-CN" altLang="en-US" dirty="0"/>
+          </a:p>
+        </p:txBody>
+      </p:sp>
+      <p:pic>
+        <p:nvPicPr>
+          <p:cNvPr id="5" name="pasted-image.png">
+            <a:extLst>
+              <a:ext uri="{FF2B5EF4-FFF2-40B4-BE49-F238E27FC236}">
+                <a16:creationId xmlns:a16="http://schemas.microsoft.com/office/drawing/2014/main" id="{684FA614-28C0-468E-AFF2-4A6060038F2E}"/>
+              </a:ext>
+            </a:extLst>
+          </p:cNvPr>
+          <p:cNvPicPr>
+            <a:picLocks noChangeAspect="1"/>
+          </p:cNvPicPr>
+          <p:nvPr/>
+        </p:nvPicPr>
+        <p:blipFill>
+          <a:blip r:embed="rId2">
+            <a:extLst/>
+          </a:blip>
+          <a:stretch>
+            <a:fillRect/>
+          </a:stretch>
+        </p:blipFill>
+        <p:spPr>
+          <a:xfrm>
+            <a:off x="1753297" y="2673148"/>
+            <a:ext cx="4048291" cy="755852"/>
+          </a:xfrm>
+          <a:prstGeom prst="rect">
+            <a:avLst/>
+          </a:prstGeom>
+          <a:ln w="12700">
+            <a:miter lim="400000"/>
+          </a:ln>
+        </p:spPr>
+      </p:pic>
+      <p:pic>
+        <p:nvPicPr>
+          <p:cNvPr id="6" name="pasted-image.png">
+            <a:extLst>
+              <a:ext uri="{FF2B5EF4-FFF2-40B4-BE49-F238E27FC236}">
+                <a16:creationId xmlns:a16="http://schemas.microsoft.com/office/drawing/2014/main" id="{544E359A-0F34-408E-9BFE-7751D9D9B607}"/>
+              </a:ext>
+            </a:extLst>
+          </p:cNvPr>
+          <p:cNvPicPr>
+            <a:picLocks noChangeAspect="1"/>
+          </p:cNvPicPr>
+          <p:nvPr/>
+        </p:nvPicPr>
+        <p:blipFill>
+          <a:blip r:embed="rId3">
+            <a:extLst/>
+          </a:blip>
+          <a:stretch>
+            <a:fillRect/>
+          </a:stretch>
+        </p:blipFill>
+        <p:spPr>
+          <a:xfrm>
+            <a:off x="4181212" y="3683230"/>
+            <a:ext cx="7172588" cy="2809645"/>
+          </a:xfrm>
+          <a:prstGeom prst="rect">
+            <a:avLst/>
+          </a:prstGeom>
+          <a:ln w="12700">
+            <a:miter lim="400000"/>
+          </a:ln>
+        </p:spPr>
+      </p:pic>
+    </p:spTree>
+    <p:extLst>
+      <p:ext uri="{BB962C8B-B14F-4D97-AF65-F5344CB8AC3E}">
+        <p14:creationId xmlns:p14="http://schemas.microsoft.com/office/powerpoint/2010/main" val="3360537157"/>
+      </p:ext>
+    </p:extLst>
+  </p:cSld>
+  <p:clrMapOvr>
+    <a:masterClrMapping/>
+  </p:clrMapOvr>
+</p:sld>
+</file>
+
+<file path=ppt/slides/slide9.xml><?xml version="1.0" encoding="utf-8"?>
+<p:sld xmlns:a="http://schemas.openxmlformats.org/drawingml/2006/main" xmlns:r="http://schemas.openxmlformats.org/officeDocument/2006/relationships" xmlns:p="http://schemas.openxmlformats.org/presentationml/2006/main">
+  <p:cSld>
+    <p:spTree>
+      <p:nvGrpSpPr>
+        <p:cNvPr id="1" name=""/>
+        <p:cNvGrpSpPr/>
+        <p:nvPr/>
+      </p:nvGrpSpPr>
+      <p:grpSpPr>
+        <a:xfrm>
+          <a:off x="0" y="0"/>
+          <a:ext cx="0" cy="0"/>
+          <a:chOff x="0" y="0"/>
+          <a:chExt cx="0" cy="0"/>
+        </a:xfrm>
+      </p:grpSpPr>
+      <p:sp>
+        <p:nvSpPr>
+          <p:cNvPr id="2" name="标题 1">
+            <a:extLst>
+              <a:ext uri="{FF2B5EF4-FFF2-40B4-BE49-F238E27FC236}">
+                <a16:creationId xmlns:a16="http://schemas.microsoft.com/office/drawing/2014/main" id="{505C24F8-5572-40FA-8D23-85ECF62F64FF}"/>
+              </a:ext>
+            </a:extLst>
+          </p:cNvPr>
+          <p:cNvSpPr>
+            <a:spLocks noGrp="1"/>
+          </p:cNvSpPr>
+          <p:nvPr>
+            <p:ph type="title"/>
+          </p:nvPr>
+        </p:nvSpPr>
+        <p:spPr/>
+        <p:txBody>
+          <a:bodyPr/>
+          <a:lstStyle/>
+          <a:p>
+            <a:r>
+              <a:rPr lang="zh-CN" altLang="en-US" dirty="0"/>
+              <a:t>小结</a:t>
+            </a:r>
+          </a:p>
+        </p:txBody>
+      </p:sp>
+      <p:sp>
+        <p:nvSpPr>
+          <p:cNvPr id="3" name="内容占位符 2">
+            <a:extLst>
+              <a:ext uri="{FF2B5EF4-FFF2-40B4-BE49-F238E27FC236}">
+                <a16:creationId xmlns:a16="http://schemas.microsoft.com/office/drawing/2014/main" id="{39291101-9044-44F0-B545-6FD504FE5607}"/>
+              </a:ext>
+            </a:extLst>
+          </p:cNvPr>
+          <p:cNvSpPr>
+            <a:spLocks noGrp="1"/>
+          </p:cNvSpPr>
+          <p:nvPr>
+            <p:ph idx="1"/>
+          </p:nvPr>
+        </p:nvSpPr>
+        <p:spPr/>
+        <p:txBody>
+          <a:bodyPr>
+            <a:normAutofit fontScale="77500" lnSpcReduction="20000"/>
+          </a:bodyPr>
+          <a:lstStyle/>
+          <a:p>
+            <a:pPr marL="417830" indent="-417830" defTabSz="549148">
+              <a:spcBef>
+                <a:spcPts val="3900"/>
+              </a:spcBef>
+              <a:defRPr sz="3384"/>
+            </a:pPr>
+            <a:r>
+              <a:rPr lang="zh-CN" altLang="en-US" dirty="0"/>
+              <a:t>基本思想</a:t>
+            </a:r>
+          </a:p>
+          <a:p>
+            <a:pPr marL="835660" lvl="1" indent="-417830" defTabSz="549148">
+              <a:spcBef>
+                <a:spcPts val="3900"/>
+              </a:spcBef>
+              <a:defRPr sz="3384"/>
+            </a:pPr>
+            <a:r>
+              <a:rPr lang="zh-CN" altLang="en-US" dirty="0"/>
+              <a:t>定义节点相似度</a:t>
+            </a:r>
+          </a:p>
+          <a:p>
+            <a:pPr marL="835660" lvl="1" indent="-417830" defTabSz="549148">
+              <a:spcBef>
+                <a:spcPts val="3900"/>
+              </a:spcBef>
+              <a:defRPr sz="3384"/>
+            </a:pPr>
+            <a:r>
+              <a:rPr lang="zh-CN" altLang="en-US" dirty="0"/>
+              <a:t>定义损失函数</a:t>
+            </a:r>
+          </a:p>
+          <a:p>
+            <a:pPr marL="417830" indent="-417830" defTabSz="549148">
+              <a:spcBef>
+                <a:spcPts val="3900"/>
+              </a:spcBef>
+              <a:defRPr sz="3384"/>
+            </a:pPr>
+            <a:r>
+              <a:rPr lang="zh-CN" altLang="en-US" dirty="0"/>
+              <a:t>问题</a:t>
+            </a:r>
+          </a:p>
+          <a:p>
+            <a:pPr marL="835660" lvl="1" indent="-417830" defTabSz="549148">
+              <a:spcBef>
+                <a:spcPts val="3900"/>
+              </a:spcBef>
+              <a:defRPr sz="3384"/>
+            </a:pPr>
+            <a:r>
+              <a:rPr lang="en-US" altLang="zh-CN" dirty="0"/>
+              <a:t>O(|V|</a:t>
+            </a:r>
+            <a:r>
+              <a:rPr lang="en-US" altLang="zh-CN" baseline="30000" dirty="0"/>
+              <a:t>2</a:t>
+            </a:r>
+            <a:r>
+              <a:rPr lang="en-US" altLang="zh-CN" dirty="0"/>
+              <a:t>)</a:t>
+            </a:r>
+            <a:r>
+              <a:rPr lang="zh-CN" altLang="en-US" dirty="0"/>
+              <a:t>的复杂度</a:t>
+            </a:r>
+          </a:p>
+          <a:p>
+            <a:pPr marL="835660" lvl="1" indent="-417830" defTabSz="549148">
+              <a:spcBef>
+                <a:spcPts val="3900"/>
+              </a:spcBef>
+              <a:defRPr sz="3384"/>
+            </a:pPr>
+            <a:r>
+              <a:rPr lang="en-US" altLang="zh-CN" dirty="0"/>
+              <a:t>O(|V|)</a:t>
+            </a:r>
+            <a:r>
+              <a:rPr lang="zh-CN" altLang="en-US" dirty="0"/>
+              <a:t>的参数</a:t>
+            </a:r>
+          </a:p>
+          <a:p>
+            <a:endParaRPr lang="zh-CN" altLang="en-US" dirty="0"/>
+          </a:p>
+        </p:txBody>
+      </p:sp>
+    </p:spTree>
+    <p:extLst>
+      <p:ext uri="{BB962C8B-B14F-4D97-AF65-F5344CB8AC3E}">
+        <p14:creationId xmlns:p14="http://schemas.microsoft.com/office/powerpoint/2010/main" val="40538198"/>
       </p:ext>
     </p:extLst>
   </p:cSld>

--- a/embedding/graph embedding/Representation Learning on Graphs.pptx
+++ b/embedding/graph embedding/Representation Learning on Graphs.pptx
@@ -7,8 +7,8 @@
   <p:sldIdLst>
     <p:sldId id="256" r:id="rId2"/>
     <p:sldId id="257" r:id="rId3"/>
-    <p:sldId id="258" r:id="rId4"/>
-    <p:sldId id="259" r:id="rId5"/>
+    <p:sldId id="259" r:id="rId4"/>
+    <p:sldId id="258" r:id="rId5"/>
     <p:sldId id="260" r:id="rId6"/>
     <p:sldId id="261" r:id="rId7"/>
     <p:sldId id="262" r:id="rId8"/>
@@ -24,14 +24,23 @@
     <p:sldId id="272" r:id="rId18"/>
     <p:sldId id="273" r:id="rId19"/>
     <p:sldId id="274" r:id="rId20"/>
-    <p:sldId id="275" r:id="rId21"/>
-    <p:sldId id="276" r:id="rId22"/>
-    <p:sldId id="277" r:id="rId23"/>
-    <p:sldId id="278" r:id="rId24"/>
-    <p:sldId id="279" r:id="rId25"/>
-    <p:sldId id="280" r:id="rId26"/>
-    <p:sldId id="281" r:id="rId27"/>
-    <p:sldId id="282" r:id="rId28"/>
+    <p:sldId id="276" r:id="rId21"/>
+    <p:sldId id="277" r:id="rId22"/>
+    <p:sldId id="278" r:id="rId23"/>
+    <p:sldId id="280" r:id="rId24"/>
+    <p:sldId id="281" r:id="rId25"/>
+    <p:sldId id="295" r:id="rId26"/>
+    <p:sldId id="284" r:id="rId27"/>
+    <p:sldId id="285" r:id="rId28"/>
+    <p:sldId id="286" r:id="rId29"/>
+    <p:sldId id="288" r:id="rId30"/>
+    <p:sldId id="287" r:id="rId31"/>
+    <p:sldId id="293" r:id="rId32"/>
+    <p:sldId id="294" r:id="rId33"/>
+    <p:sldId id="289" r:id="rId34"/>
+    <p:sldId id="290" r:id="rId35"/>
+    <p:sldId id="291" r:id="rId36"/>
+    <p:sldId id="292" r:id="rId37"/>
   </p:sldIdLst>
   <p:sldSz cx="12192000" cy="6858000"/>
   <p:notesSz cx="6858000" cy="9144000"/>
@@ -285,7 +294,7 @@
           <a:p>
             <a:fld id="{0970952A-3E36-4BF0-A887-8C95F2072C57}" type="datetimeFigureOut">
               <a:rPr lang="zh-CN" altLang="en-US" smtClean="0"/>
-              <a:t>2018/12/17</a:t>
+              <a:t>2018/12/19</a:t>
             </a:fld>
             <a:endParaRPr lang="zh-CN" altLang="en-US"/>
           </a:p>
@@ -483,7 +492,7 @@
           <a:p>
             <a:fld id="{0970952A-3E36-4BF0-A887-8C95F2072C57}" type="datetimeFigureOut">
               <a:rPr lang="zh-CN" altLang="en-US" smtClean="0"/>
-              <a:t>2018/12/17</a:t>
+              <a:t>2018/12/19</a:t>
             </a:fld>
             <a:endParaRPr lang="zh-CN" altLang="en-US"/>
           </a:p>
@@ -691,7 +700,7 @@
           <a:p>
             <a:fld id="{0970952A-3E36-4BF0-A887-8C95F2072C57}" type="datetimeFigureOut">
               <a:rPr lang="zh-CN" altLang="en-US" smtClean="0"/>
-              <a:t>2018/12/17</a:t>
+              <a:t>2018/12/19</a:t>
             </a:fld>
             <a:endParaRPr lang="zh-CN" altLang="en-US"/>
           </a:p>
@@ -889,7 +898,7 @@
           <a:p>
             <a:fld id="{6D3E5801-11D0-45A1-931F-AC6DF7231B37}" type="datetimeFigureOut">
               <a:rPr lang="zh-CN" altLang="en-US" smtClean="0"/>
-              <a:t>2018/12/17</a:t>
+              <a:t>2018/12/19</a:t>
             </a:fld>
             <a:endParaRPr lang="zh-CN" altLang="en-US"/>
           </a:p>
@@ -1164,7 +1173,7 @@
           <a:p>
             <a:fld id="{0970952A-3E36-4BF0-A887-8C95F2072C57}" type="datetimeFigureOut">
               <a:rPr lang="zh-CN" altLang="en-US" smtClean="0"/>
-              <a:t>2018/12/17</a:t>
+              <a:t>2018/12/19</a:t>
             </a:fld>
             <a:endParaRPr lang="zh-CN" altLang="en-US"/>
           </a:p>
@@ -1429,7 +1438,7 @@
           <a:p>
             <a:fld id="{0970952A-3E36-4BF0-A887-8C95F2072C57}" type="datetimeFigureOut">
               <a:rPr lang="zh-CN" altLang="en-US" smtClean="0"/>
-              <a:t>2018/12/17</a:t>
+              <a:t>2018/12/19</a:t>
             </a:fld>
             <a:endParaRPr lang="zh-CN" altLang="en-US"/>
           </a:p>
@@ -1841,7 +1850,7 @@
           <a:p>
             <a:fld id="{0970952A-3E36-4BF0-A887-8C95F2072C57}" type="datetimeFigureOut">
               <a:rPr lang="zh-CN" altLang="en-US" smtClean="0"/>
-              <a:t>2018/12/17</a:t>
+              <a:t>2018/12/19</a:t>
             </a:fld>
             <a:endParaRPr lang="zh-CN" altLang="en-US"/>
           </a:p>
@@ -1982,7 +1991,7 @@
           <a:p>
             <a:fld id="{0970952A-3E36-4BF0-A887-8C95F2072C57}" type="datetimeFigureOut">
               <a:rPr lang="zh-CN" altLang="en-US" smtClean="0"/>
-              <a:t>2018/12/17</a:t>
+              <a:t>2018/12/19</a:t>
             </a:fld>
             <a:endParaRPr lang="zh-CN" altLang="en-US"/>
           </a:p>
@@ -2095,7 +2104,7 @@
           <a:p>
             <a:fld id="{0970952A-3E36-4BF0-A887-8C95F2072C57}" type="datetimeFigureOut">
               <a:rPr lang="zh-CN" altLang="en-US" smtClean="0"/>
-              <a:t>2018/12/17</a:t>
+              <a:t>2018/12/19</a:t>
             </a:fld>
             <a:endParaRPr lang="zh-CN" altLang="en-US"/>
           </a:p>
@@ -2406,7 +2415,7 @@
           <a:p>
             <a:fld id="{0970952A-3E36-4BF0-A887-8C95F2072C57}" type="datetimeFigureOut">
               <a:rPr lang="zh-CN" altLang="en-US" smtClean="0"/>
-              <a:t>2018/12/17</a:t>
+              <a:t>2018/12/19</a:t>
             </a:fld>
             <a:endParaRPr lang="zh-CN" altLang="en-US"/>
           </a:p>
@@ -2694,7 +2703,7 @@
           <a:p>
             <a:fld id="{0970952A-3E36-4BF0-A887-8C95F2072C57}" type="datetimeFigureOut">
               <a:rPr lang="zh-CN" altLang="en-US" smtClean="0"/>
-              <a:t>2018/12/17</a:t>
+              <a:t>2018/12/19</a:t>
             </a:fld>
             <a:endParaRPr lang="zh-CN" altLang="en-US"/>
           </a:p>
@@ -2935,7 +2944,7 @@
           <a:p>
             <a:fld id="{0970952A-3E36-4BF0-A887-8C95F2072C57}" type="datetimeFigureOut">
               <a:rPr lang="zh-CN" altLang="en-US" smtClean="0"/>
-              <a:t>2018/12/17</a:t>
+              <a:t>2018/12/19</a:t>
             </a:fld>
             <a:endParaRPr lang="zh-CN" altLang="en-US"/>
           </a:p>
@@ -3708,16 +3717,24 @@
               <a:t>更</a:t>
             </a:r>
             <a:r>
+              <a:rPr lang="zh-CN" altLang="en-US" dirty="0"/>
+              <a:t>灵活</a:t>
+            </a:r>
+            <a:r>
+              <a:rPr lang="zh-CN" altLang="zh-CN" dirty="0"/>
+              <a:t>的节点相似度定义：</a:t>
+            </a:r>
+            <a:r>
+              <a:rPr lang="zh-CN" altLang="en-US" dirty="0"/>
+              <a:t>综合</a:t>
+            </a:r>
+            <a:r>
+              <a:rPr lang="zh-CN" altLang="zh-CN" dirty="0"/>
+              <a:t>考虑</a:t>
+            </a:r>
+            <a:r>
               <a:rPr lang="en-US" altLang="zh-CN" dirty="0"/>
-              <a:t>Flexible</a:t>
-            </a:r>
-            <a:r>
-              <a:rPr lang="zh-CN" altLang="zh-CN" dirty="0"/>
-              <a:t>的节点相似度定义：考虑</a:t>
-            </a:r>
-            <a:r>
-              <a:rPr lang="en-US" altLang="zh-CN" dirty="0"/>
-              <a:t>local </a:t>
+              <a:t>local</a:t>
             </a:r>
             <a:r>
               <a:rPr lang="zh-CN" altLang="zh-CN" dirty="0"/>
@@ -3752,6 +3769,11 @@
               <a:rPr lang="zh-CN" altLang="zh-CN" dirty="0"/>
               <a:t>对，只需要考虑在随机游走中有共现关系的节点对</a:t>
             </a:r>
+            <a:r>
+              <a:rPr lang="zh-CN" altLang="en-US" dirty="0"/>
+              <a:t>，减少时间复杂度</a:t>
+            </a:r>
+            <a:endParaRPr lang="zh-CN" altLang="zh-CN" dirty="0"/>
           </a:p>
           <a:p>
             <a:endParaRPr lang="zh-CN" altLang="en-US" dirty="0"/>
@@ -3843,12 +3865,8 @@
           <a:lstStyle/>
           <a:p>
             <a:r>
-              <a:rPr lang="en-US" altLang="zh-CN" dirty="0"/>
-              <a:t>Intuition</a:t>
-            </a:r>
-            <a:r>
-              <a:rPr lang="zh-CN" altLang="en-US" dirty="0"/>
-              <a:t>：最大化随机游走共现概率</a:t>
+              <a:rPr lang="zh-CN" altLang="en-US" dirty="0"/>
+              <a:t>直观解释：最大化随机游走共现概率</a:t>
             </a:r>
             <a:endParaRPr lang="en-US" altLang="zh-CN" dirty="0"/>
           </a:p>
@@ -3882,12 +3900,9 @@
             <a:endParaRPr lang="en-US" altLang="zh-CN" dirty="0"/>
           </a:p>
           <a:p>
-            <a:r>
-              <a:rPr lang="zh-CN" altLang="en-US" dirty="0"/>
-              <a:t>计算复杂度：负采样</a:t>
-            </a:r>
-          </a:p>
-          <a:p>
+            <a:pPr marL="0" indent="0">
+              <a:buNone/>
+            </a:pPr>
             <a:endParaRPr lang="zh-CN" altLang="en-US" dirty="0"/>
           </a:p>
         </p:txBody>
@@ -4151,15 +4166,7 @@
             </a:r>
             <a:r>
               <a:rPr lang="zh-CN" altLang="en-US" dirty="0"/>
-              <a:t>：非对称性及</a:t>
-            </a:r>
-            <a:r>
-              <a:rPr lang="en-US" altLang="zh-CN" dirty="0"/>
-              <a:t>high-order</a:t>
-            </a:r>
-            <a:r>
-              <a:rPr lang="zh-CN" altLang="en-US" dirty="0"/>
-              <a:t>相似性</a:t>
+              <a:t>：随机游走时考虑非对称性</a:t>
             </a:r>
             <a:endParaRPr lang="en-US" altLang="zh-CN" dirty="0"/>
           </a:p>
@@ -4371,7 +4378,7 @@
         <p:spPr>
           <a:xfrm>
             <a:off x="720610" y="1893463"/>
-            <a:ext cx="5321607" cy="923330"/>
+            <a:ext cx="7185717" cy="646331"/>
           </a:xfrm>
           <a:prstGeom prst="rect">
             <a:avLst/>
@@ -4389,20 +4396,20 @@
               <a:t>Node2Vec:</a:t>
             </a:r>
             <a:r>
+              <a:rPr lang="zh-CN" altLang="en-US" dirty="0"/>
+              <a:t>随机游走时，用超参数</a:t>
+            </a:r>
+            <a:r>
+              <a:rPr lang="en-US" altLang="zh-CN" dirty="0"/>
+              <a:t>q</a:t>
+            </a:r>
+            <a:r>
+              <a:rPr lang="zh-CN" altLang="en-US" dirty="0"/>
+              <a:t>来</a:t>
+            </a:r>
+            <a:r>
               <a:rPr lang="zh-CN" altLang="zh-CN" dirty="0"/>
-              <a:t>运用了更</a:t>
-            </a:r>
-            <a:r>
-              <a:rPr lang="en-US" altLang="zh-CN" dirty="0"/>
-              <a:t>flexible</a:t>
-            </a:r>
-            <a:r>
-              <a:rPr lang="zh-CN" altLang="en-US" dirty="0"/>
-              <a:t>的策略，</a:t>
-            </a:r>
-            <a:r>
-              <a:rPr lang="zh-CN" altLang="zh-CN" dirty="0"/>
-              <a:t>来平衡</a:t>
+              <a:t>平衡</a:t>
             </a:r>
             <a:r>
               <a:rPr lang="en-US" altLang="zh-CN" dirty="0"/>
@@ -4677,7 +4684,7 @@
         </p:nvSpPr>
         <p:spPr>
           <a:xfrm>
-            <a:off x="838200" y="2446410"/>
+            <a:off x="838200" y="1799864"/>
             <a:ext cx="10377881" cy="3719498"/>
           </a:xfrm>
         </p:spPr>
@@ -4696,20 +4703,13 @@
           <a:p>
             <a:r>
               <a:rPr lang="en-US" altLang="zh-CN" dirty="0"/>
-              <a:t>GCN</a:t>
-            </a:r>
-          </a:p>
-          <a:p>
-            <a:endParaRPr lang="en-US" altLang="zh-CN" dirty="0"/>
-          </a:p>
-          <a:p>
-            <a:r>
-              <a:rPr lang="en-US" altLang="zh-CN" dirty="0" err="1"/>
-              <a:t>GraphSAGE</a:t>
-            </a:r>
-            <a:endParaRPr lang="en-US" altLang="zh-CN" dirty="0"/>
-          </a:p>
-          <a:p>
+              <a:t>GCNs</a:t>
+            </a:r>
+          </a:p>
+          <a:p>
+            <a:pPr marL="0" indent="0">
+              <a:buNone/>
+            </a:pPr>
             <a:endParaRPr lang="en-US" altLang="zh-CN" dirty="0"/>
           </a:p>
           <a:p>
@@ -4720,134 +4720,6 @@
           </a:p>
           <a:p>
             <a:endParaRPr lang="zh-CN" altLang="en-US" dirty="0"/>
-          </a:p>
-        </p:txBody>
-      </p:sp>
-      <p:sp>
-        <p:nvSpPr>
-          <p:cNvPr id="4" name="矩形 3">
-            <a:extLst>
-              <a:ext uri="{FF2B5EF4-FFF2-40B4-BE49-F238E27FC236}">
-                <a16:creationId xmlns:a16="http://schemas.microsoft.com/office/drawing/2014/main" id="{CF2164E6-F02C-4A6C-B653-260A42F0006F}"/>
-              </a:ext>
-            </a:extLst>
-          </p:cNvPr>
-          <p:cNvSpPr/>
-          <p:nvPr/>
-        </p:nvSpPr>
-        <p:spPr>
-          <a:xfrm>
-            <a:off x="838200" y="1690688"/>
-            <a:ext cx="6096000" cy="646331"/>
-          </a:xfrm>
-          <a:prstGeom prst="rect">
-            <a:avLst/>
-          </a:prstGeom>
-        </p:spPr>
-        <p:txBody>
-          <a:bodyPr>
-            <a:spAutoFit/>
-          </a:bodyPr>
-          <a:lstStyle/>
-          <a:p>
-            <a:r>
-              <a:rPr lang="en-US" altLang="zh-CN" dirty="0">
-                <a:ea typeface="Calibri" panose="020F0502020204030204" pitchFamily="34" charset="0"/>
-              </a:rPr>
-              <a:t>Shallow</a:t>
-            </a:r>
-            <a:r>
-              <a:rPr lang="zh-CN" altLang="zh-CN" dirty="0">
-                <a:ea typeface="微软雅黑" panose="020B0503020204020204" pitchFamily="34" charset="-122"/>
-              </a:rPr>
-              <a:t>方法</a:t>
-            </a:r>
-            <a:r>
-              <a:rPr lang="en-US" altLang="zh-CN" dirty="0">
-                <a:ea typeface="微软雅黑" panose="020B0503020204020204" pitchFamily="34" charset="-122"/>
-              </a:rPr>
-              <a:t> </a:t>
-            </a:r>
-            <a:r>
-              <a:rPr lang="en-US" altLang="zh-CN" dirty="0" err="1">
-                <a:ea typeface="微软雅黑" panose="020B0503020204020204" pitchFamily="34" charset="-122"/>
-              </a:rPr>
-              <a:t>encodding</a:t>
-            </a:r>
-            <a:r>
-              <a:rPr lang="zh-CN" altLang="zh-CN" dirty="0">
-                <a:ea typeface="微软雅黑" panose="020B0503020204020204" pitchFamily="34" charset="-122"/>
-              </a:rPr>
-              <a:t>的时候</a:t>
-            </a:r>
-            <a:r>
-              <a:rPr lang="en-US" altLang="zh-CN" dirty="0">
-                <a:ea typeface="微软雅黑" panose="020B0503020204020204" pitchFamily="34" charset="-122"/>
-              </a:rPr>
-              <a:t> </a:t>
-            </a:r>
-            <a:r>
-              <a:rPr lang="zh-CN" altLang="zh-CN" dirty="0">
-                <a:ea typeface="微软雅黑" panose="020B0503020204020204" pitchFamily="34" charset="-122"/>
-              </a:rPr>
-              <a:t>用的查找表。</a:t>
-            </a:r>
-            <a:endParaRPr lang="zh-CN" altLang="zh-CN" dirty="0">
-              <a:ea typeface="Calibri" panose="020F0502020204030204" pitchFamily="34" charset="0"/>
-            </a:endParaRPr>
-          </a:p>
-          <a:p>
-            <a:r>
-              <a:rPr lang="en-US" altLang="zh-CN" dirty="0">
-                <a:ea typeface="Calibri" panose="020F0502020204030204" pitchFamily="34" charset="0"/>
-              </a:rPr>
-              <a:t>deeper</a:t>
-            </a:r>
-            <a:r>
-              <a:rPr lang="zh-CN" altLang="zh-CN" dirty="0">
-                <a:ea typeface="微软雅黑" panose="020B0503020204020204" pitchFamily="34" charset="-122"/>
-              </a:rPr>
-              <a:t>方法：</a:t>
-            </a:r>
-            <a:r>
-              <a:rPr lang="en-US" altLang="zh-CN" dirty="0">
-                <a:ea typeface="Calibri" panose="020F0502020204030204" pitchFamily="34" charset="0"/>
-              </a:rPr>
-              <a:t>ENC</a:t>
-            </a:r>
-            <a:r>
-              <a:rPr lang="zh-CN" altLang="zh-CN" dirty="0">
-                <a:ea typeface="微软雅黑" panose="020B0503020204020204" pitchFamily="34" charset="-122"/>
-              </a:rPr>
-              <a:t>（</a:t>
-            </a:r>
-            <a:r>
-              <a:rPr lang="en-US" altLang="zh-CN" dirty="0">
-                <a:ea typeface="Calibri" panose="020F0502020204030204" pitchFamily="34" charset="0"/>
-              </a:rPr>
-              <a:t>v</a:t>
-            </a:r>
-            <a:r>
-              <a:rPr lang="zh-CN" altLang="zh-CN" dirty="0">
-                <a:ea typeface="微软雅黑" panose="020B0503020204020204" pitchFamily="34" charset="-122"/>
-              </a:rPr>
-              <a:t>）</a:t>
-            </a:r>
-            <a:r>
-              <a:rPr lang="en-US" altLang="zh-CN" dirty="0">
-                <a:ea typeface="微软雅黑" panose="020B0503020204020204" pitchFamily="34" charset="-122"/>
-              </a:rPr>
-              <a:t> = </a:t>
-            </a:r>
-            <a:r>
-              <a:rPr lang="zh-CN" altLang="zh-CN" dirty="0">
-                <a:ea typeface="微软雅黑" panose="020B0503020204020204" pitchFamily="34" charset="-122"/>
-              </a:rPr>
-              <a:t>更复杂的函数</a:t>
-            </a:r>
-            <a:endParaRPr lang="zh-CN" altLang="zh-CN" dirty="0">
-              <a:ea typeface="Calibri" panose="020F0502020204030204" pitchFamily="34" charset="0"/>
-            </a:endParaRPr>
           </a:p>
         </p:txBody>
       </p:sp>
@@ -4962,16 +4834,20 @@
             <a:endParaRPr lang="en-US" altLang="zh-CN" sz="1900" dirty="0"/>
           </a:p>
           <a:p>
-            <a:pPr marL="0" indent="0" fontAlgn="ctr">
-              <a:buNone/>
-            </a:pPr>
-            <a:endParaRPr lang="zh-CN" altLang="zh-CN" sz="1900" dirty="0"/>
-          </a:p>
-          <a:p>
+            <a:pPr fontAlgn="ctr"/>
+            <a:endParaRPr lang="en-US" altLang="zh-CN" sz="1900" dirty="0"/>
+          </a:p>
+          <a:p>
+            <a:pPr fontAlgn="ctr"/>
+            <a:r>
+              <a:rPr lang="en-US" altLang="zh-CN" sz="1900" dirty="0"/>
+              <a:t>Shallow</a:t>
+            </a:r>
             <a:r>
               <a:rPr lang="zh-CN" altLang="en-US" sz="1900" dirty="0"/>
-              <a:t>新节点的向量，如何生成？</a:t>
-            </a:r>
+              <a:t>方式，新节点的向量无法直接生成</a:t>
+            </a:r>
+            <a:endParaRPr lang="en-US" altLang="zh-CN" sz="1900" dirty="0"/>
           </a:p>
         </p:txBody>
       </p:sp>
@@ -5027,10 +4903,17 @@
           <a:lstStyle/>
           <a:p>
             <a:r>
+              <a:rPr lang="zh-CN" altLang="en-US" dirty="0"/>
+              <a:t>基础</a:t>
+            </a:r>
+            <a:r>
               <a:rPr lang="en-US" altLang="zh-CN" dirty="0"/>
-              <a:t>Based Method</a:t>
-            </a:r>
-            <a:endParaRPr lang="zh-CN" altLang="en-US" dirty="0"/>
+              <a:t>Deep</a:t>
+            </a:r>
+            <a:r>
+              <a:rPr lang="zh-CN" altLang="en-US" dirty="0"/>
+              <a:t>模型</a:t>
+            </a:r>
           </a:p>
         </p:txBody>
       </p:sp>
@@ -5053,28 +4936,158 @@
         <p:spPr>
           <a:xfrm>
             <a:off x="838200" y="1825625"/>
-            <a:ext cx="9849374" cy="1706140"/>
+            <a:ext cx="10328564" cy="3947102"/>
           </a:xfrm>
         </p:spPr>
         <p:txBody>
-          <a:bodyPr/>
-          <a:lstStyle/>
-          <a:p>
-            <a:r>
-              <a:rPr lang="zh-CN" altLang="en-US" dirty="0"/>
+          <a:bodyPr>
+            <a:normAutofit/>
+          </a:bodyPr>
+          <a:lstStyle/>
+          <a:p>
+            <a:r>
+              <a:rPr lang="zh-CN" altLang="en-US" dirty="0">
+                <a:solidFill>
+                  <a:srgbClr val="C00000"/>
+                </a:solidFill>
+              </a:rPr>
               <a:t>关键点</a:t>
             </a:r>
+            <a:endParaRPr lang="en-US" altLang="zh-CN" dirty="0">
+              <a:solidFill>
+                <a:srgbClr val="C00000"/>
+              </a:solidFill>
+            </a:endParaRPr>
+          </a:p>
+          <a:p>
+            <a:pPr lvl="1"/>
+            <a:r>
+              <a:rPr lang="zh-CN" altLang="en-US" dirty="0"/>
+              <a:t>编码器</a:t>
+            </a:r>
             <a:endParaRPr lang="en-US" altLang="zh-CN" dirty="0"/>
           </a:p>
           <a:p>
-            <a:pPr lvl="1"/>
-            <a:r>
-              <a:rPr lang="en-US" altLang="zh-CN" dirty="0"/>
-              <a:t>Encoder</a:t>
-            </a:r>
-            <a:r>
-              <a:rPr lang="zh-CN" altLang="en-US" dirty="0"/>
-              <a:t>： 由</a:t>
+            <a:pPr lvl="2">
+              <a:buFont typeface="Wingdings" panose="05000000000000000000" pitchFamily="2" charset="2"/>
+              <a:buChar char="Ø"/>
+            </a:pPr>
+            <a:r>
+              <a:rPr lang="en-US" altLang="zh-CN" dirty="0">
+                <a:ea typeface="Calibri" panose="020F0502020204030204" pitchFamily="34" charset="0"/>
+              </a:rPr>
+              <a:t>Shallow</a:t>
+            </a:r>
+            <a:r>
+              <a:rPr lang="zh-CN" altLang="zh-CN" dirty="0">
+                <a:ea typeface="微软雅黑" panose="020B0503020204020204" pitchFamily="34" charset="-122"/>
+              </a:rPr>
+              <a:t>方法</a:t>
+            </a:r>
+            <a:r>
+              <a:rPr lang="en-US" altLang="zh-CN" dirty="0">
+                <a:ea typeface="微软雅黑" panose="020B0503020204020204" pitchFamily="34" charset="-122"/>
+              </a:rPr>
+              <a:t> </a:t>
+            </a:r>
+            <a:r>
+              <a:rPr lang="en-US" altLang="zh-CN" dirty="0" err="1">
+                <a:ea typeface="微软雅黑" panose="020B0503020204020204" pitchFamily="34" charset="-122"/>
+              </a:rPr>
+              <a:t>encodding</a:t>
+            </a:r>
+            <a:r>
+              <a:rPr lang="zh-CN" altLang="zh-CN" dirty="0">
+                <a:ea typeface="微软雅黑" panose="020B0503020204020204" pitchFamily="34" charset="-122"/>
+              </a:rPr>
+              <a:t>的时候</a:t>
+            </a:r>
+            <a:r>
+              <a:rPr lang="en-US" altLang="zh-CN" dirty="0">
+                <a:ea typeface="微软雅黑" panose="020B0503020204020204" pitchFamily="34" charset="-122"/>
+              </a:rPr>
+              <a:t> </a:t>
+            </a:r>
+            <a:r>
+              <a:rPr lang="zh-CN" altLang="zh-CN" dirty="0">
+                <a:ea typeface="微软雅黑" panose="020B0503020204020204" pitchFamily="34" charset="-122"/>
+              </a:rPr>
+              <a:t>用的查找表</a:t>
+            </a:r>
+            <a:endParaRPr lang="en-US" altLang="zh-CN" dirty="0">
+              <a:ea typeface="微软雅黑" panose="020B0503020204020204" pitchFamily="34" charset="-122"/>
+            </a:endParaRPr>
+          </a:p>
+          <a:p>
+            <a:pPr lvl="2">
+              <a:buFont typeface="Wingdings" panose="05000000000000000000" pitchFamily="2" charset="2"/>
+              <a:buChar char="Ø"/>
+            </a:pPr>
+            <a:r>
+              <a:rPr lang="en-US" altLang="zh-CN" dirty="0">
+                <a:ea typeface="Calibri" panose="020F0502020204030204" pitchFamily="34" charset="0"/>
+              </a:rPr>
+              <a:t>deeper</a:t>
+            </a:r>
+            <a:r>
+              <a:rPr lang="zh-CN" altLang="zh-CN" dirty="0">
+                <a:ea typeface="微软雅黑" panose="020B0503020204020204" pitchFamily="34" charset="-122"/>
+              </a:rPr>
+              <a:t>方法：</a:t>
+            </a:r>
+            <a:r>
+              <a:rPr lang="en-US" altLang="zh-CN" dirty="0">
+                <a:ea typeface="Calibri" panose="020F0502020204030204" pitchFamily="34" charset="0"/>
+              </a:rPr>
+              <a:t>ENC</a:t>
+            </a:r>
+            <a:r>
+              <a:rPr lang="zh-CN" altLang="zh-CN" dirty="0">
+                <a:ea typeface="微软雅黑" panose="020B0503020204020204" pitchFamily="34" charset="-122"/>
+              </a:rPr>
+              <a:t>（</a:t>
+            </a:r>
+            <a:r>
+              <a:rPr lang="en-US" altLang="zh-CN" dirty="0">
+                <a:ea typeface="Calibri" panose="020F0502020204030204" pitchFamily="34" charset="0"/>
+              </a:rPr>
+              <a:t>v</a:t>
+            </a:r>
+            <a:r>
+              <a:rPr lang="zh-CN" altLang="zh-CN" dirty="0">
+                <a:ea typeface="微软雅黑" panose="020B0503020204020204" pitchFamily="34" charset="-122"/>
+              </a:rPr>
+              <a:t>）</a:t>
+            </a:r>
+            <a:r>
+              <a:rPr lang="en-US" altLang="zh-CN" dirty="0">
+                <a:ea typeface="微软雅黑" panose="020B0503020204020204" pitchFamily="34" charset="-122"/>
+              </a:rPr>
+              <a:t> </a:t>
+            </a:r>
+            <a:r>
+              <a:rPr lang="zh-CN" altLang="en-US" dirty="0">
+                <a:ea typeface="微软雅黑" panose="020B0503020204020204" pitchFamily="34" charset="-122"/>
+              </a:rPr>
+              <a:t>为</a:t>
+            </a:r>
+            <a:r>
+              <a:rPr lang="zh-CN" altLang="zh-CN" dirty="0">
+                <a:ea typeface="微软雅黑" panose="020B0503020204020204" pitchFamily="34" charset="-122"/>
+              </a:rPr>
+              <a:t>更复杂的函数</a:t>
+            </a:r>
+            <a:endParaRPr lang="en-US" altLang="zh-CN" dirty="0">
+              <a:ea typeface="微软雅黑" panose="020B0503020204020204" pitchFamily="34" charset="-122"/>
+            </a:endParaRPr>
+          </a:p>
+          <a:p>
+            <a:pPr marL="1371600" lvl="3" indent="0">
+              <a:buNone/>
+            </a:pPr>
+            <a:r>
+              <a:rPr lang="zh-CN" altLang="en-US" dirty="0"/>
+              <a:t>由</a:t>
             </a:r>
             <a:r>
               <a:rPr lang="en-US" altLang="zh-CN" dirty="0"/>
@@ -5095,18 +5108,28 @@
             <a:endParaRPr lang="en-US" altLang="zh-CN" dirty="0"/>
           </a:p>
           <a:p>
+            <a:pPr marL="457200" lvl="1" indent="0">
+              <a:buNone/>
+            </a:pPr>
+            <a:endParaRPr lang="en-US" altLang="zh-CN" dirty="0"/>
+          </a:p>
+          <a:p>
             <a:pPr lvl="1"/>
             <a:r>
               <a:rPr lang="zh-CN" altLang="en-US" dirty="0"/>
-              <a:t>支持参数共享</a:t>
+              <a:t>支持参数共享，增加泛化能力</a:t>
             </a:r>
             <a:endParaRPr lang="en-US" altLang="zh-CN" dirty="0"/>
           </a:p>
           <a:p>
             <a:pPr lvl="1"/>
-            <a:r>
-              <a:rPr lang="zh-CN" altLang="en-US" dirty="0"/>
-              <a:t>支持归纳学习</a:t>
+            <a:endParaRPr lang="en-US" altLang="zh-CN" dirty="0"/>
+          </a:p>
+          <a:p>
+            <a:pPr lvl="1"/>
+            <a:r>
+              <a:rPr lang="zh-CN" altLang="en-US" dirty="0"/>
+              <a:t>支持归纳学习，对于新节点，不需要重新训练</a:t>
             </a:r>
             <a:endParaRPr lang="en-US" altLang="zh-CN" dirty="0"/>
           </a:p>
@@ -5226,8 +5249,8 @@
         </p:nvSpPr>
         <p:spPr>
           <a:xfrm>
-            <a:off x="838200" y="2247544"/>
-            <a:ext cx="4742004" cy="1200329"/>
+            <a:off x="755072" y="2228671"/>
+            <a:ext cx="4926349" cy="1200329"/>
           </a:xfrm>
           <a:prstGeom prst="rect">
             <a:avLst/>
@@ -5265,7 +5288,7 @@
             </a:r>
             <a:r>
               <a:rPr lang="zh-CN" altLang="en-US" dirty="0"/>
-              <a:t>、通过神经网络来整合邻居节点的信息</a:t>
+              <a:t>、通过神经网络来聚合邻居节点的信息</a:t>
             </a:r>
             <a:endParaRPr lang="en-US" altLang="zh-CN" dirty="0"/>
           </a:p>
@@ -5331,8 +5354,8 @@
         </p:nvCxnSpPr>
         <p:spPr>
           <a:xfrm flipH="1">
-            <a:off x="1042587" y="3447873"/>
-            <a:ext cx="2166615" cy="1286497"/>
+            <a:off x="959463" y="3429000"/>
+            <a:ext cx="2258784" cy="1286497"/>
           </a:xfrm>
           <a:prstGeom prst="straightConnector1">
             <a:avLst/>
@@ -5372,8 +5395,8 @@
         </p:nvCxnSpPr>
         <p:spPr>
           <a:xfrm flipH="1">
-            <a:off x="3059394" y="3447873"/>
-            <a:ext cx="149808" cy="1286497"/>
+            <a:off x="2976269" y="3429000"/>
+            <a:ext cx="241978" cy="1286497"/>
           </a:xfrm>
           <a:prstGeom prst="straightConnector1">
             <a:avLst/>
@@ -5413,8 +5436,8 @@
         </p:nvCxnSpPr>
         <p:spPr>
           <a:xfrm>
-            <a:off x="3209202" y="3447873"/>
-            <a:ext cx="2171017" cy="1209585"/>
+            <a:off x="3218247" y="3429000"/>
+            <a:ext cx="2078844" cy="1209585"/>
           </a:xfrm>
           <a:prstGeom prst="straightConnector1">
             <a:avLst/>
@@ -5454,8 +5477,8 @@
         </p:nvCxnSpPr>
         <p:spPr>
           <a:xfrm>
-            <a:off x="3209202" y="3447873"/>
-            <a:ext cx="4259822" cy="1192493"/>
+            <a:off x="3218247" y="3429000"/>
+            <a:ext cx="4167649" cy="1192493"/>
           </a:xfrm>
           <a:prstGeom prst="straightConnector1">
             <a:avLst/>
@@ -5495,8 +5518,8 @@
         </p:nvCxnSpPr>
         <p:spPr>
           <a:xfrm>
-            <a:off x="3209202" y="3447873"/>
-            <a:ext cx="6003164" cy="1209585"/>
+            <a:off x="3218247" y="3429000"/>
+            <a:ext cx="5910991" cy="1209585"/>
           </a:xfrm>
           <a:prstGeom prst="straightConnector1">
             <a:avLst/>
@@ -5536,8 +5559,8 @@
         </p:nvCxnSpPr>
         <p:spPr>
           <a:xfrm>
-            <a:off x="3209202" y="3447873"/>
-            <a:ext cx="8144598" cy="1286497"/>
+            <a:off x="3218247" y="3429000"/>
+            <a:ext cx="8052425" cy="1286497"/>
           </a:xfrm>
           <a:prstGeom prst="straightConnector1">
             <a:avLst/>
@@ -5694,7 +5717,7 @@
           <p:cNvPr id="2" name="标题 1">
             <a:extLst>
               <a:ext uri="{FF2B5EF4-FFF2-40B4-BE49-F238E27FC236}">
-                <a16:creationId xmlns:a16="http://schemas.microsoft.com/office/drawing/2014/main" id="{0ACCD365-3CA4-4828-B1EA-60E545A0B7FF}"/>
+                <a16:creationId xmlns:a16="http://schemas.microsoft.com/office/drawing/2014/main" id="{D9980DA5-5949-4743-B1F8-70B669A03227}"/>
               </a:ext>
             </a:extLst>
           </p:cNvPr>
@@ -5711,44 +5734,46 @@
           <a:lstStyle/>
           <a:p>
             <a:r>
-              <a:rPr lang="zh-CN" altLang="en-US" dirty="0"/>
-              <a:t>模型基本结构</a:t>
-            </a:r>
-          </a:p>
-        </p:txBody>
-      </p:sp>
-      <p:sp>
-        <p:nvSpPr>
-          <p:cNvPr id="3" name="文本框 2">
-            <a:extLst>
-              <a:ext uri="{FF2B5EF4-FFF2-40B4-BE49-F238E27FC236}">
-                <a16:creationId xmlns:a16="http://schemas.microsoft.com/office/drawing/2014/main" id="{E2EFAA85-D5FD-4768-ADA9-7133BEEA1560}"/>
-              </a:ext>
-            </a:extLst>
-          </p:cNvPr>
-          <p:cNvSpPr txBox="1"/>
-          <p:nvPr/>
+              <a:rPr lang="en-US" altLang="zh-CN" dirty="0"/>
+              <a:t>Neighborhood Aggregation</a:t>
+            </a:r>
+            <a:endParaRPr lang="zh-CN" altLang="en-US" dirty="0"/>
+          </a:p>
+        </p:txBody>
+      </p:sp>
+      <p:sp>
+        <p:nvSpPr>
+          <p:cNvPr id="3" name="内容占位符 2">
+            <a:extLst>
+              <a:ext uri="{FF2B5EF4-FFF2-40B4-BE49-F238E27FC236}">
+                <a16:creationId xmlns:a16="http://schemas.microsoft.com/office/drawing/2014/main" id="{75D64164-D8D3-44C9-AE4B-3C374E7B3803}"/>
+              </a:ext>
+            </a:extLst>
+          </p:cNvPr>
+          <p:cNvSpPr>
+            <a:spLocks noGrp="1"/>
+          </p:cNvSpPr>
+          <p:nvPr>
+            <p:ph idx="1"/>
+          </p:nvPr>
         </p:nvSpPr>
         <p:spPr>
           <a:xfrm>
-            <a:off x="940037" y="2427006"/>
-            <a:ext cx="4801314" cy="369332"/>
+            <a:off x="838201" y="1825625"/>
+            <a:ext cx="9146308" cy="668193"/>
           </a:xfrm>
-          <a:prstGeom prst="rect">
-            <a:avLst/>
-          </a:prstGeom>
-          <a:noFill/>
         </p:spPr>
         <p:txBody>
-          <a:bodyPr wrap="none" rtlCol="0">
-            <a:spAutoFit/>
+          <a:bodyPr>
+            <a:normAutofit/>
           </a:bodyPr>
           <a:lstStyle/>
           <a:p>
             <a:r>
               <a:rPr lang="zh-CN" altLang="en-US" dirty="0"/>
-              <a:t>不同模型间的区别在于：黑盒子里的定义不同</a:t>
-            </a:r>
+              <a:t>基本方法：邻居节点信息求平均，然后扔到一个神经元</a:t>
+            </a:r>
+            <a:endParaRPr lang="en-US" altLang="zh-CN" dirty="0"/>
           </a:p>
         </p:txBody>
       </p:sp>
@@ -5757,7 +5782,7 @@
           <p:cNvPr id="4" name="图片 3">
             <a:extLst>
               <a:ext uri="{FF2B5EF4-FFF2-40B4-BE49-F238E27FC236}">
-                <a16:creationId xmlns:a16="http://schemas.microsoft.com/office/drawing/2014/main" id="{3238F459-D716-4CAC-848D-1680A397AD77}"/>
+                <a16:creationId xmlns:a16="http://schemas.microsoft.com/office/drawing/2014/main" id="{121B7FC7-1C5D-4073-8F83-DB94E16BA276}"/>
               </a:ext>
             </a:extLst>
           </p:cNvPr>
@@ -5767,21 +5792,45 @@
           <p:nvPr/>
         </p:nvPicPr>
         <p:blipFill>
-          <a:blip r:embed="rId2">
-            <a:extLst>
-              <a:ext uri="{28A0092B-C50C-407E-A947-70E740481C1C}">
-                <a14:useLocalDpi xmlns:a14="http://schemas.microsoft.com/office/drawing/2010/main" val="0"/>
-              </a:ext>
-            </a:extLst>
-          </a:blip>
+          <a:blip r:embed="rId2"/>
           <a:stretch>
             <a:fillRect/>
           </a:stretch>
         </p:blipFill>
         <p:spPr>
           <a:xfrm>
-            <a:off x="5132391" y="3775079"/>
-            <a:ext cx="6734157" cy="2717796"/>
+            <a:off x="4803485" y="3429000"/>
+            <a:ext cx="6842416" cy="3218578"/>
+          </a:xfrm>
+          <a:prstGeom prst="rect">
+            <a:avLst/>
+          </a:prstGeom>
+        </p:spPr>
+      </p:pic>
+      <p:pic>
+        <p:nvPicPr>
+          <p:cNvPr id="6" name="图片 5">
+            <a:extLst>
+              <a:ext uri="{FF2B5EF4-FFF2-40B4-BE49-F238E27FC236}">
+                <a16:creationId xmlns:a16="http://schemas.microsoft.com/office/drawing/2014/main" id="{2DB98805-1C59-4265-9FB5-814064CF1A9D}"/>
+              </a:ext>
+            </a:extLst>
+          </p:cNvPr>
+          <p:cNvPicPr>
+            <a:picLocks noChangeAspect="1"/>
+          </p:cNvPicPr>
+          <p:nvPr/>
+        </p:nvPicPr>
+        <p:blipFill>
+          <a:blip r:embed="rId3"/>
+          <a:stretch>
+            <a:fillRect/>
+          </a:stretch>
+        </p:blipFill>
+        <p:spPr>
+          <a:xfrm>
+            <a:off x="1170709" y="2625531"/>
+            <a:ext cx="4490241" cy="882178"/>
           </a:xfrm>
           <a:prstGeom prst="rect">
             <a:avLst/>
@@ -5791,7 +5840,7 @@
     </p:spTree>
     <p:extLst>
       <p:ext uri="{BB962C8B-B14F-4D97-AF65-F5344CB8AC3E}">
-        <p14:creationId xmlns:p14="http://schemas.microsoft.com/office/powerpoint/2010/main" val="788038989"/>
+        <p14:creationId xmlns:p14="http://schemas.microsoft.com/office/powerpoint/2010/main" val="3535692581"/>
       </p:ext>
     </p:extLst>
   </p:cSld>
@@ -5823,7 +5872,7 @@
           <p:cNvPr id="2" name="标题 1">
             <a:extLst>
               <a:ext uri="{FF2B5EF4-FFF2-40B4-BE49-F238E27FC236}">
-                <a16:creationId xmlns:a16="http://schemas.microsoft.com/office/drawing/2014/main" id="{D9980DA5-5949-4743-B1F8-70B669A03227}"/>
+                <a16:creationId xmlns:a16="http://schemas.microsoft.com/office/drawing/2014/main" id="{CF6F04D0-AE5D-49B2-9EC3-7BB661556363}"/>
               </a:ext>
             </a:extLst>
           </p:cNvPr>
@@ -5840,114 +5889,117 @@
           <a:lstStyle/>
           <a:p>
             <a:r>
+              <a:rPr lang="zh-CN" altLang="en-US" dirty="0"/>
+              <a:t>训练</a:t>
+            </a:r>
+          </a:p>
+        </p:txBody>
+      </p:sp>
+      <p:sp>
+        <p:nvSpPr>
+          <p:cNvPr id="3" name="内容占位符 2">
+            <a:extLst>
+              <a:ext uri="{FF2B5EF4-FFF2-40B4-BE49-F238E27FC236}">
+                <a16:creationId xmlns:a16="http://schemas.microsoft.com/office/drawing/2014/main" id="{95A13D5C-31A4-4AA9-B7CB-507105A8C55B}"/>
+              </a:ext>
+            </a:extLst>
+          </p:cNvPr>
+          <p:cNvSpPr>
+            <a:spLocks noGrp="1"/>
+          </p:cNvSpPr>
+          <p:nvPr>
+            <p:ph idx="1"/>
+          </p:nvPr>
+        </p:nvSpPr>
+        <p:spPr/>
+        <p:txBody>
+          <a:bodyPr/>
+          <a:lstStyle/>
+          <a:p>
+            <a:r>
+              <a:rPr lang="zh-CN" altLang="en-US" dirty="0"/>
+              <a:t>经过多层网络后，每个节点得到了一个向量</a:t>
+            </a:r>
+            <a:endParaRPr lang="en-US" altLang="zh-CN" dirty="0"/>
+          </a:p>
+          <a:p>
+            <a:endParaRPr lang="en-US" altLang="zh-CN" dirty="0"/>
+          </a:p>
+          <a:p>
+            <a:r>
+              <a:rPr lang="zh-CN" altLang="en-US" dirty="0"/>
+              <a:t>若是一个非监督学习，</a:t>
+            </a:r>
+            <a:r>
               <a:rPr lang="en-US" altLang="zh-CN" dirty="0"/>
-              <a:t>Neighborhood Aggregation</a:t>
-            </a:r>
+              <a:t>Loss Function</a:t>
+            </a:r>
+            <a:r>
+              <a:rPr lang="zh-CN" altLang="en-US" dirty="0"/>
+              <a:t>和之间方法一样</a:t>
+            </a:r>
+            <a:endParaRPr lang="en-US" altLang="zh-CN" dirty="0"/>
+          </a:p>
+          <a:p>
+            <a:pPr lvl="1"/>
+            <a:r>
+              <a:rPr lang="zh-CN" altLang="en-US" dirty="0">
+                <a:solidFill>
+                  <a:schemeClr val="accent5"/>
+                </a:solidFill>
+              </a:rPr>
+              <a:t>相似的节点应该具有相似的</a:t>
+            </a:r>
+            <a:r>
+              <a:rPr lang="en-US" altLang="zh-CN" dirty="0">
+                <a:solidFill>
+                  <a:schemeClr val="accent5"/>
+                </a:solidFill>
+              </a:rPr>
+              <a:t>embedding</a:t>
+            </a:r>
+            <a:r>
+              <a:rPr lang="zh-CN" altLang="en-US" dirty="0">
+                <a:solidFill>
+                  <a:schemeClr val="accent5"/>
+                </a:solidFill>
+              </a:rPr>
+              <a:t>向量</a:t>
+            </a:r>
+            <a:endParaRPr lang="en-US" altLang="zh-CN" dirty="0">
+              <a:solidFill>
+                <a:schemeClr val="accent5"/>
+              </a:solidFill>
+            </a:endParaRPr>
+          </a:p>
+          <a:p>
+            <a:endParaRPr lang="en-US" altLang="zh-CN" dirty="0"/>
+          </a:p>
+          <a:p>
+            <a:r>
+              <a:rPr lang="zh-CN" altLang="en-US" dirty="0"/>
+              <a:t>若是一个监督学习，</a:t>
+            </a:r>
+            <a:r>
+              <a:rPr lang="en-US" altLang="zh-CN" dirty="0"/>
+              <a:t>Loss function</a:t>
+            </a:r>
+            <a:r>
+              <a:rPr lang="zh-CN" altLang="en-US" dirty="0"/>
+              <a:t> 就是分类损失函数</a:t>
+            </a:r>
+            <a:endParaRPr lang="en-US" altLang="zh-CN" dirty="0"/>
+          </a:p>
+          <a:p>
+            <a:pPr lvl="1"/>
             <a:endParaRPr lang="zh-CN" altLang="en-US" dirty="0"/>
           </a:p>
         </p:txBody>
       </p:sp>
-      <p:sp>
-        <p:nvSpPr>
-          <p:cNvPr id="3" name="内容占位符 2">
-            <a:extLst>
-              <a:ext uri="{FF2B5EF4-FFF2-40B4-BE49-F238E27FC236}">
-                <a16:creationId xmlns:a16="http://schemas.microsoft.com/office/drawing/2014/main" id="{75D64164-D8D3-44C9-AE4B-3C374E7B3803}"/>
-              </a:ext>
-            </a:extLst>
-          </p:cNvPr>
-          <p:cNvSpPr>
-            <a:spLocks noGrp="1"/>
-          </p:cNvSpPr>
-          <p:nvPr>
-            <p:ph idx="1"/>
-          </p:nvPr>
-        </p:nvSpPr>
-        <p:spPr>
-          <a:xfrm>
-            <a:off x="838201" y="1825625"/>
-            <a:ext cx="4648200" cy="1806808"/>
-          </a:xfrm>
-        </p:spPr>
-        <p:txBody>
-          <a:bodyPr/>
-          <a:lstStyle/>
-          <a:p>
-            <a:r>
-              <a:rPr lang="zh-CN" altLang="en-US" dirty="0"/>
-              <a:t>基本方法：对邻居节点求平均、应用一个神经网络</a:t>
-            </a:r>
-            <a:endParaRPr lang="en-US" altLang="zh-CN" dirty="0"/>
-          </a:p>
-          <a:p>
-            <a:endParaRPr lang="zh-CN" altLang="en-US" dirty="0"/>
-          </a:p>
-        </p:txBody>
-      </p:sp>
-      <p:pic>
-        <p:nvPicPr>
-          <p:cNvPr id="4" name="图片 3">
-            <a:extLst>
-              <a:ext uri="{FF2B5EF4-FFF2-40B4-BE49-F238E27FC236}">
-                <a16:creationId xmlns:a16="http://schemas.microsoft.com/office/drawing/2014/main" id="{121B7FC7-1C5D-4073-8F83-DB94E16BA276}"/>
-              </a:ext>
-            </a:extLst>
-          </p:cNvPr>
-          <p:cNvPicPr>
-            <a:picLocks noChangeAspect="1"/>
-          </p:cNvPicPr>
-          <p:nvPr/>
-        </p:nvPicPr>
-        <p:blipFill>
-          <a:blip r:embed="rId2"/>
-          <a:stretch>
-            <a:fillRect/>
-          </a:stretch>
-        </p:blipFill>
-        <p:spPr>
-          <a:xfrm>
-            <a:off x="5237593" y="2443306"/>
-            <a:ext cx="6842416" cy="3218578"/>
-          </a:xfrm>
-          <a:prstGeom prst="rect">
-            <a:avLst/>
-          </a:prstGeom>
-        </p:spPr>
-      </p:pic>
-      <p:pic>
-        <p:nvPicPr>
-          <p:cNvPr id="6" name="图片 5">
-            <a:extLst>
-              <a:ext uri="{FF2B5EF4-FFF2-40B4-BE49-F238E27FC236}">
-                <a16:creationId xmlns:a16="http://schemas.microsoft.com/office/drawing/2014/main" id="{2DB98805-1C59-4265-9FB5-814064CF1A9D}"/>
-              </a:ext>
-            </a:extLst>
-          </p:cNvPr>
-          <p:cNvPicPr>
-            <a:picLocks noChangeAspect="1"/>
-          </p:cNvPicPr>
-          <p:nvPr/>
-        </p:nvPicPr>
-        <p:blipFill>
-          <a:blip r:embed="rId3"/>
-          <a:stretch>
-            <a:fillRect/>
-          </a:stretch>
-        </p:blipFill>
-        <p:spPr>
-          <a:xfrm>
-            <a:off x="838200" y="3767370"/>
-            <a:ext cx="4490241" cy="882178"/>
-          </a:xfrm>
-          <a:prstGeom prst="rect">
-            <a:avLst/>
-          </a:prstGeom>
-        </p:spPr>
-      </p:pic>
     </p:spTree>
     <p:extLst>
       <p:ext uri="{BB962C8B-B14F-4D97-AF65-F5344CB8AC3E}">
-        <p14:creationId xmlns:p14="http://schemas.microsoft.com/office/powerpoint/2010/main" val="3535692581"/>
+        <p14:creationId xmlns:p14="http://schemas.microsoft.com/office/powerpoint/2010/main" val="1977734013"/>
       </p:ext>
     </p:extLst>
   </p:cSld>
@@ -5997,40 +6049,147 @@
           <a:p>
             <a:r>
               <a:rPr lang="zh-CN" altLang="en-US" dirty="0"/>
-              <a:t>训练</a:t>
-            </a:r>
-          </a:p>
-        </p:txBody>
-      </p:sp>
-      <p:sp>
-        <p:nvSpPr>
-          <p:cNvPr id="3" name="内容占位符 2">
-            <a:extLst>
-              <a:ext uri="{FF2B5EF4-FFF2-40B4-BE49-F238E27FC236}">
-                <a16:creationId xmlns:a16="http://schemas.microsoft.com/office/drawing/2014/main" id="{95A13D5C-31A4-4AA9-B7CB-507105A8C55B}"/>
-              </a:ext>
-            </a:extLst>
-          </p:cNvPr>
-          <p:cNvSpPr>
-            <a:spLocks noGrp="1"/>
-          </p:cNvSpPr>
+              <a:t>预测推断</a:t>
+            </a:r>
+          </a:p>
+        </p:txBody>
+      </p:sp>
+      <p:pic>
+        <p:nvPicPr>
+          <p:cNvPr id="4" name="内容占位符 3">
+            <a:extLst>
+              <a:ext uri="{FF2B5EF4-FFF2-40B4-BE49-F238E27FC236}">
+                <a16:creationId xmlns:a16="http://schemas.microsoft.com/office/drawing/2014/main" id="{1634D11A-FA10-461E-9134-39C80180848A}"/>
+              </a:ext>
+            </a:extLst>
+          </p:cNvPr>
+          <p:cNvPicPr>
+            <a:picLocks noGrp="1" noChangeAspect="1"/>
+          </p:cNvPicPr>
           <p:nvPr>
             <p:ph idx="1"/>
           </p:nvPr>
-        </p:nvSpPr>
-        <p:spPr/>
-        <p:txBody>
-          <a:bodyPr/>
-          <a:lstStyle/>
-          <a:p>
-            <a:endParaRPr lang="zh-CN" altLang="en-US" dirty="0"/>
+        </p:nvPicPr>
+        <p:blipFill>
+          <a:blip r:embed="rId2"/>
+          <a:stretch>
+            <a:fillRect/>
+          </a:stretch>
+        </p:blipFill>
+        <p:spPr>
+          <a:xfrm>
+            <a:off x="2785560" y="4623543"/>
+            <a:ext cx="4636657" cy="1727946"/>
+          </a:xfrm>
+          <a:prstGeom prst="rect">
+            <a:avLst/>
+          </a:prstGeom>
+        </p:spPr>
+      </p:pic>
+      <p:pic>
+        <p:nvPicPr>
+          <p:cNvPr id="5" name="图片 4">
+            <a:extLst>
+              <a:ext uri="{FF2B5EF4-FFF2-40B4-BE49-F238E27FC236}">
+                <a16:creationId xmlns:a16="http://schemas.microsoft.com/office/drawing/2014/main" id="{7736885E-3459-43B3-A564-6D70548EDC4B}"/>
+              </a:ext>
+            </a:extLst>
+          </p:cNvPr>
+          <p:cNvPicPr>
+            <a:picLocks noChangeAspect="1"/>
+          </p:cNvPicPr>
+          <p:nvPr/>
+        </p:nvPicPr>
+        <p:blipFill>
+          <a:blip r:embed="rId3"/>
+          <a:stretch>
+            <a:fillRect/>
+          </a:stretch>
+        </p:blipFill>
+        <p:spPr>
+          <a:xfrm>
+            <a:off x="2638693" y="2152278"/>
+            <a:ext cx="4212762" cy="1727946"/>
+          </a:xfrm>
+          <a:prstGeom prst="rect">
+            <a:avLst/>
+          </a:prstGeom>
+        </p:spPr>
+      </p:pic>
+      <p:sp>
+        <p:nvSpPr>
+          <p:cNvPr id="6" name="文本框 5">
+            <a:extLst>
+              <a:ext uri="{FF2B5EF4-FFF2-40B4-BE49-F238E27FC236}">
+                <a16:creationId xmlns:a16="http://schemas.microsoft.com/office/drawing/2014/main" id="{EB3B7EB2-6435-4206-944A-D6FE555699B6}"/>
+              </a:ext>
+            </a:extLst>
+          </p:cNvPr>
+          <p:cNvSpPr txBox="1"/>
+          <p:nvPr/>
+        </p:nvSpPr>
+        <p:spPr>
+          <a:xfrm>
+            <a:off x="838200" y="1690688"/>
+            <a:ext cx="1800493" cy="369332"/>
+          </a:xfrm>
+          <a:prstGeom prst="rect">
+            <a:avLst/>
+          </a:prstGeom>
+          <a:noFill/>
+        </p:spPr>
+        <p:txBody>
+          <a:bodyPr wrap="none" rtlCol="0">
+            <a:spAutoFit/>
+          </a:bodyPr>
+          <a:lstStyle/>
+          <a:p>
+            <a:r>
+              <a:rPr lang="zh-CN" altLang="en-US" dirty="0"/>
+              <a:t>对于新的图结构</a:t>
+            </a:r>
+          </a:p>
+        </p:txBody>
+      </p:sp>
+      <p:sp>
+        <p:nvSpPr>
+          <p:cNvPr id="7" name="文本框 6">
+            <a:extLst>
+              <a:ext uri="{FF2B5EF4-FFF2-40B4-BE49-F238E27FC236}">
+                <a16:creationId xmlns:a16="http://schemas.microsoft.com/office/drawing/2014/main" id="{09E6E4AE-3D22-4D1D-9190-B58F1B0BE34E}"/>
+              </a:ext>
+            </a:extLst>
+          </p:cNvPr>
+          <p:cNvSpPr txBox="1"/>
+          <p:nvPr/>
+        </p:nvSpPr>
+        <p:spPr>
+          <a:xfrm>
+            <a:off x="838200" y="4531301"/>
+            <a:ext cx="1569660" cy="369332"/>
+          </a:xfrm>
+          <a:prstGeom prst="rect">
+            <a:avLst/>
+          </a:prstGeom>
+          <a:noFill/>
+        </p:spPr>
+        <p:txBody>
+          <a:bodyPr wrap="none" rtlCol="0">
+            <a:spAutoFit/>
+          </a:bodyPr>
+          <a:lstStyle/>
+          <a:p>
+            <a:r>
+              <a:rPr lang="zh-CN" altLang="en-US" dirty="0"/>
+              <a:t>对于新的节点</a:t>
+            </a:r>
           </a:p>
         </p:txBody>
       </p:sp>
     </p:spTree>
     <p:extLst>
       <p:ext uri="{BB962C8B-B14F-4D97-AF65-F5344CB8AC3E}">
-        <p14:creationId xmlns:p14="http://schemas.microsoft.com/office/powerpoint/2010/main" val="1977734013"/>
+        <p14:creationId xmlns:p14="http://schemas.microsoft.com/office/powerpoint/2010/main" val="763037049"/>
       </p:ext>
     </p:extLst>
   </p:cSld>
@@ -6079,9 +6238,10 @@
           <a:lstStyle/>
           <a:p>
             <a:r>
-              <a:rPr lang="zh-CN" altLang="en-US" dirty="0"/>
-              <a:t>预测推断</a:t>
-            </a:r>
+              <a:rPr lang="en-US" altLang="zh-CN" dirty="0"/>
+              <a:t>GCN</a:t>
+            </a:r>
+            <a:endParaRPr lang="zh-CN" altLang="en-US" dirty="0"/>
           </a:p>
         </p:txBody>
       </p:sp>
@@ -6101,19 +6261,128 @@
             <p:ph idx="1"/>
           </p:nvPr>
         </p:nvSpPr>
-        <p:spPr/>
-        <p:txBody>
-          <a:bodyPr/>
-          <a:lstStyle/>
-          <a:p>
-            <a:endParaRPr lang="zh-CN" altLang="en-US" dirty="0"/>
-          </a:p>
-        </p:txBody>
-      </p:sp>
+        <p:spPr>
+          <a:xfrm>
+            <a:off x="838200" y="1825624"/>
+            <a:ext cx="10914776" cy="4533231"/>
+          </a:xfrm>
+        </p:spPr>
+        <p:txBody>
+          <a:bodyPr>
+            <a:normAutofit/>
+          </a:bodyPr>
+          <a:lstStyle/>
+          <a:p>
+            <a:r>
+              <a:rPr lang="zh-CN" altLang="zh-CN" dirty="0"/>
+              <a:t>对于原有</a:t>
+            </a:r>
+            <a:r>
+              <a:rPr lang="en-US" altLang="zh-CN" dirty="0"/>
+              <a:t>basic neighborhood </a:t>
+            </a:r>
+            <a:r>
+              <a:rPr lang="zh-CN" altLang="en-US" dirty="0"/>
+              <a:t>聚合</a:t>
+            </a:r>
+            <a:r>
+              <a:rPr lang="zh-CN" altLang="zh-CN" dirty="0"/>
+              <a:t>的限制：</a:t>
+            </a:r>
+          </a:p>
+          <a:p>
+            <a:pPr marL="914400" lvl="1" indent="-457200">
+              <a:buFont typeface="+mj-ea"/>
+              <a:buAutoNum type="circleNumDbPlain"/>
+            </a:pPr>
+            <a:r>
+              <a:rPr lang="zh-CN" altLang="zh-CN" dirty="0"/>
+              <a:t>对于没有自连接的节点，没有考虑</a:t>
+            </a:r>
+            <a:r>
+              <a:rPr lang="en-US" altLang="zh-CN" dirty="0"/>
+              <a:t>self-node</a:t>
+            </a:r>
+            <a:r>
+              <a:rPr lang="zh-CN" altLang="zh-CN" dirty="0"/>
+              <a:t>的影响。只考虑了</a:t>
+            </a:r>
+            <a:r>
+              <a:rPr lang="en-US" altLang="zh-CN" dirty="0"/>
+              <a:t>neighborhood</a:t>
+            </a:r>
+            <a:r>
+              <a:rPr lang="zh-CN" altLang="zh-CN" dirty="0"/>
+              <a:t>的影响</a:t>
+            </a:r>
+            <a:endParaRPr lang="en-US" altLang="zh-CN" dirty="0"/>
+          </a:p>
+          <a:p>
+            <a:pPr marL="914400" lvl="1" indent="-457200">
+              <a:buFont typeface="+mj-ea"/>
+              <a:buAutoNum type="circleNumDbPlain"/>
+            </a:pPr>
+            <a:r>
+              <a:rPr lang="zh-CN" altLang="zh-CN" dirty="0"/>
+              <a:t>邻接矩阵不是</a:t>
+            </a:r>
+            <a:r>
+              <a:rPr lang="zh-CN" altLang="en-US" dirty="0"/>
+              <a:t>标准化</a:t>
+            </a:r>
+            <a:r>
+              <a:rPr lang="zh-CN" altLang="zh-CN" dirty="0"/>
+              <a:t>的，矩阵相乘的时候，会改变原有特征的</a:t>
+            </a:r>
+            <a:r>
+              <a:rPr lang="en-US" altLang="zh-CN" dirty="0"/>
+              <a:t>scale</a:t>
+            </a:r>
+            <a:r>
+              <a:rPr lang="zh-CN" altLang="en-US" dirty="0"/>
+              <a:t>，梯度爆炸问题，对热门节点没有降权</a:t>
+            </a:r>
+            <a:endParaRPr lang="en-US" altLang="zh-CN" dirty="0"/>
+          </a:p>
+          <a:p>
+            <a:endParaRPr lang="en-US" altLang="zh-CN" dirty="0"/>
+          </a:p>
+        </p:txBody>
+      </p:sp>
+      <p:pic>
+        <p:nvPicPr>
+          <p:cNvPr id="4" name="图片 3">
+            <a:extLst>
+              <a:ext uri="{FF2B5EF4-FFF2-40B4-BE49-F238E27FC236}">
+                <a16:creationId xmlns:a16="http://schemas.microsoft.com/office/drawing/2014/main" id="{70A30BFC-D325-4B90-AAB1-4CA845AABBDB}"/>
+              </a:ext>
+            </a:extLst>
+          </p:cNvPr>
+          <p:cNvPicPr>
+            <a:picLocks noChangeAspect="1"/>
+          </p:cNvPicPr>
+          <p:nvPr/>
+        </p:nvPicPr>
+        <p:blipFill>
+          <a:blip r:embed="rId2"/>
+          <a:stretch>
+            <a:fillRect/>
+          </a:stretch>
+        </p:blipFill>
+        <p:spPr>
+          <a:xfrm>
+            <a:off x="2113323" y="3723097"/>
+            <a:ext cx="7965353" cy="3024067"/>
+          </a:xfrm>
+          <a:prstGeom prst="rect">
+            <a:avLst/>
+          </a:prstGeom>
+        </p:spPr>
+      </p:pic>
     </p:spTree>
     <p:extLst>
       <p:ext uri="{BB962C8B-B14F-4D97-AF65-F5344CB8AC3E}">
-        <p14:creationId xmlns:p14="http://schemas.microsoft.com/office/powerpoint/2010/main" val="763037049"/>
+        <p14:creationId xmlns:p14="http://schemas.microsoft.com/office/powerpoint/2010/main" val="1479106819"/>
       </p:ext>
     </p:extLst>
   </p:cSld>
@@ -6142,10 +6411,56 @@
       </p:grpSpPr>
       <p:sp>
         <p:nvSpPr>
+          <p:cNvPr id="9" name="矩形 8">
+            <a:extLst>
+              <a:ext uri="{FF2B5EF4-FFF2-40B4-BE49-F238E27FC236}">
+                <a16:creationId xmlns:a16="http://schemas.microsoft.com/office/drawing/2014/main" id="{EE48AD08-2381-47F3-8DB7-D8A9DEB74A1E}"/>
+              </a:ext>
+            </a:extLst>
+          </p:cNvPr>
+          <p:cNvSpPr/>
+          <p:nvPr/>
+        </p:nvSpPr>
+        <p:spPr>
+          <a:xfrm>
+            <a:off x="2879652" y="2855347"/>
+            <a:ext cx="315857" cy="336852"/>
+          </a:xfrm>
+          <a:prstGeom prst="rect">
+            <a:avLst/>
+          </a:prstGeom>
+        </p:spPr>
+        <p:style>
+          <a:lnRef idx="2">
+            <a:schemeClr val="accent1">
+              <a:shade val="50000"/>
+            </a:schemeClr>
+          </a:lnRef>
+          <a:fillRef idx="1">
+            <a:schemeClr val="accent1"/>
+          </a:fillRef>
+          <a:effectRef idx="0">
+            <a:schemeClr val="accent1"/>
+          </a:effectRef>
+          <a:fontRef idx="minor">
+            <a:schemeClr val="lt1"/>
+          </a:fontRef>
+        </p:style>
+        <p:txBody>
+          <a:bodyPr rtlCol="0" anchor="ctr"/>
+          <a:lstStyle/>
+          <a:p>
+            <a:pPr algn="ctr"/>
+            <a:endParaRPr lang="zh-CN" altLang="en-US"/>
+          </a:p>
+        </p:txBody>
+      </p:sp>
+      <p:sp>
+        <p:nvSpPr>
           <p:cNvPr id="2" name="标题 1">
             <a:extLst>
               <a:ext uri="{FF2B5EF4-FFF2-40B4-BE49-F238E27FC236}">
-                <a16:creationId xmlns:a16="http://schemas.microsoft.com/office/drawing/2014/main" id="{CF6F04D0-AE5D-49B2-9EC3-7BB661556363}"/>
+                <a16:creationId xmlns:a16="http://schemas.microsoft.com/office/drawing/2014/main" id="{8F70E9D0-794C-4B26-AF99-1107A37D66FC}"/>
               </a:ext>
             </a:extLst>
           </p:cNvPr>
@@ -6162,41 +6477,468 @@
           <a:lstStyle/>
           <a:p>
             <a:r>
-              <a:rPr lang="zh-CN" altLang="en-US" dirty="0"/>
-              <a:t>小结</a:t>
-            </a:r>
-          </a:p>
-        </p:txBody>
-      </p:sp>
-      <p:sp>
-        <p:nvSpPr>
-          <p:cNvPr id="3" name="内容占位符 2">
-            <a:extLst>
-              <a:ext uri="{FF2B5EF4-FFF2-40B4-BE49-F238E27FC236}">
-                <a16:creationId xmlns:a16="http://schemas.microsoft.com/office/drawing/2014/main" id="{95A13D5C-31A4-4AA9-B7CB-507105A8C55B}"/>
-              </a:ext>
-            </a:extLst>
-          </p:cNvPr>
-          <p:cNvSpPr>
-            <a:spLocks noGrp="1"/>
-          </p:cNvSpPr>
-          <p:nvPr>
-            <p:ph idx="1"/>
-          </p:nvPr>
-        </p:nvSpPr>
-        <p:spPr/>
-        <p:txBody>
-          <a:bodyPr/>
-          <a:lstStyle/>
-          <a:p>
+              <a:rPr lang="en-US" altLang="zh-CN" dirty="0"/>
+              <a:t>GCN</a:t>
+            </a:r>
             <a:endParaRPr lang="zh-CN" altLang="en-US" dirty="0"/>
+          </a:p>
+        </p:txBody>
+      </p:sp>
+      <p:sp>
+        <p:nvSpPr>
+          <p:cNvPr id="7" name="文本框 6">
+            <a:extLst>
+              <a:ext uri="{FF2B5EF4-FFF2-40B4-BE49-F238E27FC236}">
+                <a16:creationId xmlns:a16="http://schemas.microsoft.com/office/drawing/2014/main" id="{026ECBB1-4679-43E9-AEB8-230AECE73DDA}"/>
+              </a:ext>
+            </a:extLst>
+          </p:cNvPr>
+          <p:cNvSpPr txBox="1"/>
+          <p:nvPr/>
+        </p:nvSpPr>
+        <p:spPr>
+          <a:xfrm>
+            <a:off x="941797" y="1880969"/>
+            <a:ext cx="1744909" cy="369332"/>
+          </a:xfrm>
+          <a:prstGeom prst="rect">
+            <a:avLst/>
+          </a:prstGeom>
+          <a:noFill/>
+        </p:spPr>
+        <p:txBody>
+          <a:bodyPr wrap="square" rtlCol="0">
+            <a:spAutoFit/>
+          </a:bodyPr>
+          <a:lstStyle/>
+          <a:p>
+            <a:r>
+              <a:rPr lang="en-US" altLang="zh-CN" dirty="0"/>
+              <a:t>GCN</a:t>
+            </a:r>
+            <a:endParaRPr lang="zh-CN" altLang="en-US" dirty="0"/>
+          </a:p>
+        </p:txBody>
+      </p:sp>
+      <p:pic>
+        <p:nvPicPr>
+          <p:cNvPr id="3" name="图片 2">
+            <a:extLst>
+              <a:ext uri="{FF2B5EF4-FFF2-40B4-BE49-F238E27FC236}">
+                <a16:creationId xmlns:a16="http://schemas.microsoft.com/office/drawing/2014/main" id="{0FBE6B37-8708-448F-BC33-01F1FA5861E9}"/>
+              </a:ext>
+            </a:extLst>
+          </p:cNvPr>
+          <p:cNvPicPr>
+            <a:picLocks noChangeAspect="1"/>
+          </p:cNvPicPr>
+          <p:nvPr/>
+        </p:nvPicPr>
+        <p:blipFill>
+          <a:blip r:embed="rId2"/>
+          <a:stretch>
+            <a:fillRect/>
+          </a:stretch>
+        </p:blipFill>
+        <p:spPr>
+          <a:xfrm>
+            <a:off x="2497603" y="1756806"/>
+            <a:ext cx="3534081" cy="959390"/>
+          </a:xfrm>
+          <a:prstGeom prst="rect">
+            <a:avLst/>
+          </a:prstGeom>
+        </p:spPr>
+      </p:pic>
+      <mc:AlternateContent xmlns:mc="http://schemas.openxmlformats.org/markup-compatibility/2006" xmlns:a14="http://schemas.microsoft.com/office/drawing/2010/main">
+        <mc:Choice Requires="a14">
+          <p:sp>
+            <p:nvSpPr>
+              <p:cNvPr id="5" name="文本框 4">
+                <a:extLst>
+                  <a:ext uri="{FF2B5EF4-FFF2-40B4-BE49-F238E27FC236}">
+                    <a16:creationId xmlns:a16="http://schemas.microsoft.com/office/drawing/2014/main" id="{C993CE8C-2DE0-4221-8353-3350D9D13E27}"/>
+                  </a:ext>
+                </a:extLst>
+              </p:cNvPr>
+              <p:cNvSpPr txBox="1"/>
+              <p:nvPr/>
+            </p:nvSpPr>
+            <p:spPr>
+              <a:xfrm>
+                <a:off x="2879653" y="2857876"/>
+                <a:ext cx="315856" cy="299313"/>
+              </a:xfrm>
+              <a:prstGeom prst="rect">
+                <a:avLst/>
+              </a:prstGeom>
+              <a:noFill/>
+            </p:spPr>
+            <p:txBody>
+              <a:bodyPr wrap="none" lIns="0" tIns="0" rIns="0" bIns="0" rtlCol="0">
+                <a:spAutoFit/>
+              </a:bodyPr>
+              <a:lstStyle/>
+              <a:p>
+                <a:pPr/>
+                <a14:m>
+                  <m:oMathPara xmlns:m="http://schemas.openxmlformats.org/officeDocument/2006/math">
+                    <m:oMathParaPr>
+                      <m:jc m:val="centerGroup"/>
+                    </m:oMathParaPr>
+                    <m:oMath xmlns:m="http://schemas.openxmlformats.org/officeDocument/2006/math">
+                      <m:sSub>
+                        <m:sSubPr>
+                          <m:ctrlPr>
+                            <a:rPr lang="en-US" altLang="zh-CN" i="1" smtClean="0">
+                              <a:latin typeface="Cambria Math" panose="02040503050406030204" pitchFamily="18" charset="0"/>
+                            </a:rPr>
+                          </m:ctrlPr>
+                        </m:sSubPr>
+                        <m:e>
+                          <m:r>
+                            <a:rPr lang="en-US" altLang="zh-CN" b="0" i="1" smtClean="0">
+                              <a:latin typeface="Cambria Math" panose="02040503050406030204" pitchFamily="18" charset="0"/>
+                            </a:rPr>
+                            <m:t>𝑐</m:t>
+                          </m:r>
+                        </m:e>
+                        <m:sub>
+                          <m:r>
+                            <a:rPr lang="en-US" altLang="zh-CN" b="0" i="1" smtClean="0">
+                              <a:latin typeface="Cambria Math" panose="02040503050406030204" pitchFamily="18" charset="0"/>
+                            </a:rPr>
+                            <m:t>𝑖𝑗</m:t>
+                          </m:r>
+                        </m:sub>
+                      </m:sSub>
+                    </m:oMath>
+                  </m:oMathPara>
+                </a14:m>
+                <a:endParaRPr lang="zh-CN" altLang="en-US" dirty="0"/>
+              </a:p>
+            </p:txBody>
+          </p:sp>
+        </mc:Choice>
+        <mc:Fallback xmlns="">
+          <p:sp>
+            <p:nvSpPr>
+              <p:cNvPr id="5" name="文本框 4">
+                <a:extLst>
+                  <a:ext uri="{FF2B5EF4-FFF2-40B4-BE49-F238E27FC236}">
+                    <a16:creationId xmlns:a16="http://schemas.microsoft.com/office/drawing/2014/main" id="{C993CE8C-2DE0-4221-8353-3350D9D13E27}"/>
+                  </a:ext>
+                </a:extLst>
+              </p:cNvPr>
+              <p:cNvSpPr txBox="1">
+                <a:spLocks noRot="1" noChangeAspect="1" noMove="1" noResize="1" noEditPoints="1" noAdjustHandles="1" noChangeArrowheads="1" noChangeShapeType="1" noTextEdit="1"/>
+              </p:cNvSpPr>
+              <p:nvPr/>
+            </p:nvSpPr>
+            <p:spPr>
+              <a:xfrm>
+                <a:off x="2879653" y="2857876"/>
+                <a:ext cx="315856" cy="299313"/>
+              </a:xfrm>
+              <a:prstGeom prst="rect">
+                <a:avLst/>
+              </a:prstGeom>
+              <a:blipFill>
+                <a:blip r:embed="rId3"/>
+                <a:stretch>
+                  <a:fillRect l="-9615" r="-9615" b="-26531"/>
+                </a:stretch>
+              </a:blipFill>
+            </p:spPr>
+            <p:txBody>
+              <a:bodyPr/>
+              <a:lstStyle/>
+              <a:p>
+                <a:r>
+                  <a:rPr lang="zh-CN" altLang="en-US">
+                    <a:noFill/>
+                  </a:rPr>
+                  <a:t> </a:t>
+                </a:r>
+              </a:p>
+            </p:txBody>
+          </p:sp>
+        </mc:Fallback>
+      </mc:AlternateContent>
+      <p:sp>
+        <p:nvSpPr>
+          <p:cNvPr id="8" name="文本框 7">
+            <a:extLst>
+              <a:ext uri="{FF2B5EF4-FFF2-40B4-BE49-F238E27FC236}">
+                <a16:creationId xmlns:a16="http://schemas.microsoft.com/office/drawing/2014/main" id="{9EDC13A7-1AF7-46BD-B0C0-16AB27D012CC}"/>
+              </a:ext>
+            </a:extLst>
+          </p:cNvPr>
+          <p:cNvSpPr txBox="1"/>
+          <p:nvPr/>
+        </p:nvSpPr>
+        <p:spPr>
+          <a:xfrm>
+            <a:off x="3195509" y="2822866"/>
+            <a:ext cx="4108817" cy="369332"/>
+          </a:xfrm>
+          <a:prstGeom prst="rect">
+            <a:avLst/>
+          </a:prstGeom>
+          <a:noFill/>
+        </p:spPr>
+        <p:txBody>
+          <a:bodyPr wrap="none" rtlCol="0">
+            <a:spAutoFit/>
+          </a:bodyPr>
+          <a:lstStyle/>
+          <a:p>
+            <a:r>
+              <a:rPr lang="zh-CN" altLang="en-US" dirty="0"/>
+              <a:t>为标准化后的边权重，在模型中用的是</a:t>
+            </a:r>
+            <a:endParaRPr lang="en-US" altLang="zh-CN" dirty="0"/>
+          </a:p>
+        </p:txBody>
+      </p:sp>
+      <p:pic>
+        <p:nvPicPr>
+          <p:cNvPr id="10" name="图片 9">
+            <a:extLst>
+              <a:ext uri="{FF2B5EF4-FFF2-40B4-BE49-F238E27FC236}">
+                <a16:creationId xmlns:a16="http://schemas.microsoft.com/office/drawing/2014/main" id="{CF64A897-4170-4626-A170-B1ACD5323568}"/>
+              </a:ext>
+            </a:extLst>
+          </p:cNvPr>
+          <p:cNvPicPr>
+            <a:picLocks noChangeAspect="1"/>
+          </p:cNvPicPr>
+          <p:nvPr/>
+        </p:nvPicPr>
+        <p:blipFill>
+          <a:blip r:embed="rId4"/>
+          <a:stretch>
+            <a:fillRect/>
+          </a:stretch>
+        </p:blipFill>
+        <p:spPr>
+          <a:xfrm>
+            <a:off x="7279400" y="2822866"/>
+            <a:ext cx="1414974" cy="369332"/>
+          </a:xfrm>
+          <a:prstGeom prst="rect">
+            <a:avLst/>
+          </a:prstGeom>
+        </p:spPr>
+      </p:pic>
+      <p:pic>
+        <p:nvPicPr>
+          <p:cNvPr id="11" name="图片 10">
+            <a:extLst>
+              <a:ext uri="{FF2B5EF4-FFF2-40B4-BE49-F238E27FC236}">
+                <a16:creationId xmlns:a16="http://schemas.microsoft.com/office/drawing/2014/main" id="{31B7C726-8DA3-46A1-9ACE-FEF2AFE927EA}"/>
+              </a:ext>
+            </a:extLst>
+          </p:cNvPr>
+          <p:cNvPicPr>
+            <a:picLocks noChangeAspect="1"/>
+          </p:cNvPicPr>
+          <p:nvPr/>
+        </p:nvPicPr>
+        <p:blipFill>
+          <a:blip r:embed="rId5"/>
+          <a:stretch>
+            <a:fillRect/>
+          </a:stretch>
+        </p:blipFill>
+        <p:spPr>
+          <a:xfrm>
+            <a:off x="3569884" y="3446261"/>
+            <a:ext cx="1389517" cy="942455"/>
+          </a:xfrm>
+          <a:prstGeom prst="rect">
+            <a:avLst/>
+          </a:prstGeom>
+        </p:spPr>
+      </p:pic>
+      <p:sp>
+        <p:nvSpPr>
+          <p:cNvPr id="12" name="文本框 11">
+            <a:extLst>
+              <a:ext uri="{FF2B5EF4-FFF2-40B4-BE49-F238E27FC236}">
+                <a16:creationId xmlns:a16="http://schemas.microsoft.com/office/drawing/2014/main" id="{DFBC630C-EE73-44DB-B6DE-AC76584464B9}"/>
+              </a:ext>
+            </a:extLst>
+          </p:cNvPr>
+          <p:cNvSpPr txBox="1"/>
+          <p:nvPr/>
+        </p:nvSpPr>
+        <p:spPr>
+          <a:xfrm>
+            <a:off x="2879653" y="3446261"/>
+            <a:ext cx="646331" cy="369332"/>
+          </a:xfrm>
+          <a:prstGeom prst="rect">
+            <a:avLst/>
+          </a:prstGeom>
+          <a:noFill/>
+        </p:spPr>
+        <p:txBody>
+          <a:bodyPr wrap="none" rtlCol="0">
+            <a:spAutoFit/>
+          </a:bodyPr>
+          <a:lstStyle/>
+          <a:p>
+            <a:r>
+              <a:rPr lang="zh-CN" altLang="en-US" dirty="0"/>
+              <a:t>其中</a:t>
+            </a:r>
+          </a:p>
+        </p:txBody>
+      </p:sp>
+      <p:cxnSp>
+        <p:nvCxnSpPr>
+          <p:cNvPr id="14" name="直接箭头连接符 13">
+            <a:extLst>
+              <a:ext uri="{FF2B5EF4-FFF2-40B4-BE49-F238E27FC236}">
+                <a16:creationId xmlns:a16="http://schemas.microsoft.com/office/drawing/2014/main" id="{3AEDEF48-5C68-4E2A-9BD7-D7F21FEB63A9}"/>
+              </a:ext>
+            </a:extLst>
+          </p:cNvPr>
+          <p:cNvCxnSpPr>
+            <a:stCxn id="5" idx="1"/>
+          </p:cNvCxnSpPr>
+          <p:nvPr/>
+        </p:nvCxnSpPr>
+        <p:spPr>
+          <a:xfrm flipH="1">
+            <a:off x="2059709" y="3007533"/>
+            <a:ext cx="819944" cy="299578"/>
+          </a:xfrm>
+          <a:prstGeom prst="straightConnector1">
+            <a:avLst/>
+          </a:prstGeom>
+          <a:ln>
+            <a:tailEnd type="triangle"/>
+          </a:ln>
+        </p:spPr>
+        <p:style>
+          <a:lnRef idx="1">
+            <a:schemeClr val="accent1"/>
+          </a:lnRef>
+          <a:fillRef idx="0">
+            <a:schemeClr val="accent1"/>
+          </a:fillRef>
+          <a:effectRef idx="0">
+            <a:schemeClr val="accent1"/>
+          </a:effectRef>
+          <a:fontRef idx="minor">
+            <a:schemeClr val="tx1"/>
+          </a:fontRef>
+        </p:style>
+      </p:cxnSp>
+      <p:sp>
+        <p:nvSpPr>
+          <p:cNvPr id="15" name="文本框 14">
+            <a:extLst>
+              <a:ext uri="{FF2B5EF4-FFF2-40B4-BE49-F238E27FC236}">
+                <a16:creationId xmlns:a16="http://schemas.microsoft.com/office/drawing/2014/main" id="{15CA6991-585F-4805-8C6D-35074DE5DCF9}"/>
+              </a:ext>
+            </a:extLst>
+          </p:cNvPr>
+          <p:cNvSpPr txBox="1"/>
+          <p:nvPr/>
+        </p:nvSpPr>
+        <p:spPr>
+          <a:xfrm>
+            <a:off x="720881" y="3261595"/>
+            <a:ext cx="1338828" cy="369332"/>
+          </a:xfrm>
+          <a:prstGeom prst="rect">
+            <a:avLst/>
+          </a:prstGeom>
+          <a:noFill/>
+        </p:spPr>
+        <p:txBody>
+          <a:bodyPr wrap="none" rtlCol="0">
+            <a:spAutoFit/>
+          </a:bodyPr>
+          <a:lstStyle/>
+          <a:p>
+            <a:r>
+              <a:rPr lang="zh-CN" altLang="en-US" dirty="0">
+                <a:solidFill>
+                  <a:schemeClr val="accent5"/>
+                </a:solidFill>
+              </a:rPr>
+              <a:t>图卷积操作</a:t>
+            </a:r>
+          </a:p>
+        </p:txBody>
+      </p:sp>
+      <p:sp>
+        <p:nvSpPr>
+          <p:cNvPr id="4" name="文本框 3">
+            <a:extLst>
+              <a:ext uri="{FF2B5EF4-FFF2-40B4-BE49-F238E27FC236}">
+                <a16:creationId xmlns:a16="http://schemas.microsoft.com/office/drawing/2014/main" id="{F84BB6C4-2F95-4A38-B209-CE0F55A6E3F9}"/>
+              </a:ext>
+            </a:extLst>
+          </p:cNvPr>
+          <p:cNvSpPr txBox="1"/>
+          <p:nvPr/>
+        </p:nvSpPr>
+        <p:spPr>
+          <a:xfrm>
+            <a:off x="1073425" y="4642222"/>
+            <a:ext cx="9907325" cy="646331"/>
+          </a:xfrm>
+          <a:prstGeom prst="rect">
+            <a:avLst/>
+          </a:prstGeom>
+          <a:noFill/>
+        </p:spPr>
+        <p:txBody>
+          <a:bodyPr wrap="square" rtlCol="0">
+            <a:spAutoFit/>
+          </a:bodyPr>
+          <a:lstStyle/>
+          <a:p>
+            <a:r>
+              <a:rPr lang="zh-CN" altLang="en-US" dirty="0"/>
+              <a:t>理论依据：图谱卷积，并做了</a:t>
+            </a:r>
+            <a:r>
+              <a:rPr lang="en-US" altLang="zh-CN" dirty="0"/>
+              <a:t>1</a:t>
+            </a:r>
+            <a:r>
+              <a:rPr lang="zh-CN" altLang="en-US" dirty="0"/>
+              <a:t>阶近似，卷积不依赖于整个图，而是</a:t>
+            </a:r>
+            <a:r>
+              <a:rPr lang="en-US" altLang="zh-CN" dirty="0"/>
+              <a:t>K</a:t>
+            </a:r>
+            <a:r>
+              <a:rPr lang="zh-CN" altLang="en-US" dirty="0"/>
+              <a:t>阶邻居，并通过多个卷积层，实现</a:t>
+            </a:r>
+            <a:r>
+              <a:rPr lang="en-US" altLang="zh-CN" dirty="0"/>
+              <a:t>K</a:t>
+            </a:r>
+            <a:r>
+              <a:rPr lang="zh-CN" altLang="en-US" dirty="0"/>
+              <a:t>阶依赖，提取拓扑图的空间特征</a:t>
+            </a:r>
           </a:p>
         </p:txBody>
       </p:sp>
     </p:spTree>
     <p:extLst>
       <p:ext uri="{BB962C8B-B14F-4D97-AF65-F5344CB8AC3E}">
-        <p14:creationId xmlns:p14="http://schemas.microsoft.com/office/powerpoint/2010/main" val="1465536721"/>
+        <p14:creationId xmlns:p14="http://schemas.microsoft.com/office/powerpoint/2010/main" val="904659504"/>
       </p:ext>
     </p:extLst>
   </p:cSld>
@@ -6228,7 +6970,7 @@
           <p:cNvPr id="2" name="标题 1">
             <a:extLst>
               <a:ext uri="{FF2B5EF4-FFF2-40B4-BE49-F238E27FC236}">
-                <a16:creationId xmlns:a16="http://schemas.microsoft.com/office/drawing/2014/main" id="{CF6F04D0-AE5D-49B2-9EC3-7BB661556363}"/>
+                <a16:creationId xmlns:a16="http://schemas.microsoft.com/office/drawing/2014/main" id="{59DE34CE-7489-435A-8B29-43077A5D78D4}"/>
               </a:ext>
             </a:extLst>
           </p:cNvPr>
@@ -6244,6 +6986,10 @@
           <a:bodyPr/>
           <a:lstStyle/>
           <a:p>
+            <a:r>
+              <a:rPr lang="zh-CN" altLang="en-US" dirty="0"/>
+              <a:t>为什么</a:t>
+            </a:r>
             <a:r>
               <a:rPr lang="en-US" altLang="zh-CN" dirty="0"/>
               <a:t>GCN</a:t>
@@ -6257,7 +7003,7 @@
           <p:cNvPr id="3" name="内容占位符 2">
             <a:extLst>
               <a:ext uri="{FF2B5EF4-FFF2-40B4-BE49-F238E27FC236}">
-                <a16:creationId xmlns:a16="http://schemas.microsoft.com/office/drawing/2014/main" id="{95A13D5C-31A4-4AA9-B7CB-507105A8C55B}"/>
+                <a16:creationId xmlns:a16="http://schemas.microsoft.com/office/drawing/2014/main" id="{C17A0D4A-ACF2-4B6F-A5DB-F90C4510F7CA}"/>
               </a:ext>
             </a:extLst>
           </p:cNvPr>
@@ -6268,136 +7014,56 @@
             <p:ph idx="1"/>
           </p:nvPr>
         </p:nvSpPr>
-        <p:spPr>
-          <a:xfrm>
-            <a:off x="838200" y="1825624"/>
-            <a:ext cx="10914776" cy="4533231"/>
-          </a:xfrm>
-        </p:spPr>
-        <p:txBody>
-          <a:bodyPr>
-            <a:normAutofit/>
-          </a:bodyPr>
-          <a:lstStyle/>
-          <a:p>
-            <a:r>
-              <a:rPr lang="zh-CN" altLang="zh-CN" dirty="0"/>
-              <a:t>对于原有</a:t>
-            </a:r>
+        <p:spPr/>
+        <p:txBody>
+          <a:bodyPr/>
+          <a:lstStyle/>
+          <a:p>
             <a:r>
               <a:rPr lang="en-US" altLang="zh-CN" dirty="0"/>
-              <a:t>basic neighborhood </a:t>
-            </a:r>
-            <a:r>
-              <a:rPr lang="en-US" altLang="zh-CN" dirty="0" err="1"/>
-              <a:t>agg</a:t>
+              <a:t>CNN</a:t>
+            </a:r>
+            <a:r>
+              <a:rPr lang="zh-CN" altLang="en-US" dirty="0"/>
+              <a:t>无法处理</a:t>
             </a:r>
             <a:r>
               <a:rPr lang="en-US" altLang="zh-CN" dirty="0"/>
-              <a:t> </a:t>
-            </a:r>
-            <a:r>
-              <a:rPr lang="zh-CN" altLang="zh-CN" dirty="0"/>
-              <a:t>的限制：</a:t>
-            </a:r>
-          </a:p>
-          <a:p>
-            <a:pPr marL="914400" lvl="1" indent="-457200">
-              <a:buFont typeface="+mj-ea"/>
-              <a:buAutoNum type="circleNumDbPlain"/>
-            </a:pPr>
-            <a:r>
-              <a:rPr lang="zh-CN" altLang="zh-CN" dirty="0"/>
-              <a:t>对于没有自连接的节点，没有考虑</a:t>
-            </a:r>
-            <a:r>
-              <a:rPr lang="en-US" altLang="zh-CN" dirty="0"/>
-              <a:t>self-node</a:t>
-            </a:r>
-            <a:r>
-              <a:rPr lang="zh-CN" altLang="zh-CN" dirty="0"/>
-              <a:t>的影响。只考虑了</a:t>
-            </a:r>
-            <a:r>
-              <a:rPr lang="en-US" altLang="zh-CN" dirty="0"/>
-              <a:t>neighborhood</a:t>
-            </a:r>
-            <a:r>
-              <a:rPr lang="zh-CN" altLang="zh-CN" dirty="0"/>
-              <a:t>的影响。</a:t>
-            </a:r>
+              <a:t>Non Euclidean Structure</a:t>
+            </a:r>
+            <a:r>
+              <a:rPr lang="zh-CN" altLang="en-US" dirty="0"/>
+              <a:t>的数据，学术上的表达是传统的离散卷积，</a:t>
+            </a:r>
+            <a:r>
+              <a:rPr lang="zh-CN" altLang="en-US" b="1" dirty="0"/>
+              <a:t>在</a:t>
+            </a:r>
+            <a:r>
+              <a:rPr lang="en-US" altLang="zh-CN" b="1" dirty="0"/>
+              <a:t>Non Euclidean Structure</a:t>
+            </a:r>
+            <a:r>
+              <a:rPr lang="zh-CN" altLang="en-US" b="1" dirty="0"/>
+              <a:t>的数据上无法保持平移不变性。</a:t>
+            </a:r>
+            <a:endParaRPr lang="en-US" altLang="zh-CN" b="1" dirty="0"/>
+          </a:p>
+          <a:p>
             <a:endParaRPr lang="en-US" altLang="zh-CN" dirty="0"/>
           </a:p>
           <a:p>
-            <a:pPr marL="914400" lvl="1" indent="-457200">
-              <a:buFont typeface="+mj-ea"/>
-              <a:buAutoNum type="circleNumDbPlain"/>
-            </a:pPr>
-            <a:r>
-              <a:rPr lang="zh-CN" altLang="zh-CN" dirty="0"/>
-              <a:t>邻接矩阵不是</a:t>
-            </a:r>
-            <a:r>
-              <a:rPr lang="en-US" altLang="zh-CN" dirty="0"/>
-              <a:t>normalized</a:t>
-            </a:r>
-            <a:r>
-              <a:rPr lang="zh-CN" altLang="zh-CN" dirty="0"/>
-              <a:t>的，矩阵相乘的时候，会改变原有特征的</a:t>
-            </a:r>
-            <a:r>
-              <a:rPr lang="en-US" altLang="zh-CN" dirty="0"/>
-              <a:t>scale</a:t>
-            </a:r>
-            <a:r>
-              <a:rPr lang="zh-CN" altLang="zh-CN" dirty="0"/>
-              <a:t>。</a:t>
-            </a:r>
-            <a:endParaRPr lang="en-US" altLang="zh-CN" dirty="0"/>
-          </a:p>
-          <a:p>
-            <a:endParaRPr lang="en-US" altLang="zh-CN" dirty="0"/>
-          </a:p>
-          <a:p>
-            <a:r>
-              <a:rPr lang="en-US" altLang="zh-CN" dirty="0"/>
-              <a:t>GCN</a:t>
-            </a:r>
-            <a:r>
-              <a:rPr lang="zh-CN" altLang="zh-CN" dirty="0"/>
-              <a:t>做了两个修改：</a:t>
-            </a:r>
-            <a:endParaRPr lang="en-US" altLang="zh-CN" dirty="0"/>
-          </a:p>
-          <a:p>
-            <a:pPr lvl="1"/>
-            <a:r>
-              <a:rPr lang="zh-CN" altLang="zh-CN" dirty="0"/>
-              <a:t>增加节点的自连接，</a:t>
-            </a:r>
-            <a:r>
-              <a:rPr lang="en-US" altLang="zh-CN" dirty="0"/>
-              <a:t>A' = A+I</a:t>
-            </a:r>
-          </a:p>
-          <a:p>
-            <a:pPr lvl="1"/>
-            <a:r>
-              <a:rPr lang="zh-CN" altLang="zh-CN" dirty="0"/>
-              <a:t>对矩阵进行</a:t>
-            </a:r>
-            <a:r>
-              <a:rPr lang="en-US" altLang="zh-CN" dirty="0"/>
-              <a:t>norm</a:t>
-            </a:r>
-            <a:endParaRPr lang="zh-CN" altLang="en-US" dirty="0"/>
+            <a:r>
+              <a:rPr lang="zh-CN" altLang="en-US" dirty="0"/>
+              <a:t>希望在拓扑图上有效的提取空间特征。借助图谱的理论在实现拓扑图上的卷积。</a:t>
+            </a:r>
           </a:p>
         </p:txBody>
       </p:sp>
     </p:spTree>
     <p:extLst>
       <p:ext uri="{BB962C8B-B14F-4D97-AF65-F5344CB8AC3E}">
-        <p14:creationId xmlns:p14="http://schemas.microsoft.com/office/powerpoint/2010/main" val="1479106819"/>
+        <p14:creationId xmlns:p14="http://schemas.microsoft.com/office/powerpoint/2010/main" val="820580636"/>
       </p:ext>
     </p:extLst>
   </p:cSld>
@@ -6429,7 +7095,7 @@
           <p:cNvPr id="2" name="标题 1">
             <a:extLst>
               <a:ext uri="{FF2B5EF4-FFF2-40B4-BE49-F238E27FC236}">
-                <a16:creationId xmlns:a16="http://schemas.microsoft.com/office/drawing/2014/main" id="{8F70E9D0-794C-4B26-AF99-1107A37D66FC}"/>
+                <a16:creationId xmlns:a16="http://schemas.microsoft.com/office/drawing/2014/main" id="{A993DFDE-BA87-4BA9-81A0-7383D3DB7330}"/>
               </a:ext>
             </a:extLst>
           </p:cNvPr>
@@ -6447,124 +7113,122 @@
           <a:p>
             <a:r>
               <a:rPr lang="en-US" altLang="zh-CN" dirty="0"/>
-              <a:t>GCN</a:t>
+              <a:t>Gated Graph Neural Networks</a:t>
             </a:r>
             <a:endParaRPr lang="zh-CN" altLang="en-US" dirty="0"/>
+          </a:p>
+        </p:txBody>
+      </p:sp>
+      <p:sp>
+        <p:nvSpPr>
+          <p:cNvPr id="3" name="内容占位符 2">
+            <a:extLst>
+              <a:ext uri="{FF2B5EF4-FFF2-40B4-BE49-F238E27FC236}">
+                <a16:creationId xmlns:a16="http://schemas.microsoft.com/office/drawing/2014/main" id="{3FE2A01B-018D-43A8-BED1-46187BC0ADDC}"/>
+              </a:ext>
+            </a:extLst>
+          </p:cNvPr>
+          <p:cNvSpPr>
+            <a:spLocks noGrp="1"/>
+          </p:cNvSpPr>
+          <p:nvPr>
+            <p:ph idx="1"/>
+          </p:nvPr>
+        </p:nvSpPr>
+        <p:spPr/>
+        <p:txBody>
+          <a:bodyPr/>
+          <a:lstStyle/>
+          <a:p>
+            <a:r>
+              <a:rPr lang="en-US" altLang="zh-CN" dirty="0"/>
+              <a:t>GCNs</a:t>
+            </a:r>
+            <a:r>
+              <a:rPr lang="zh-CN" altLang="en-US" dirty="0"/>
+              <a:t>只能到</a:t>
+            </a:r>
+            <a:r>
+              <a:rPr lang="en-US" altLang="zh-CN" dirty="0"/>
+              <a:t>2-3</a:t>
+            </a:r>
+            <a:r>
+              <a:rPr lang="zh-CN" altLang="en-US" dirty="0"/>
+              <a:t>层网络</a:t>
+            </a:r>
+            <a:endParaRPr lang="en-US" altLang="zh-CN" dirty="0"/>
+          </a:p>
+          <a:p>
+            <a:r>
+              <a:rPr lang="zh-CN" altLang="en-US" dirty="0"/>
+              <a:t>如何构造更深的网络</a:t>
+            </a:r>
+            <a:endParaRPr lang="en-US" altLang="zh-CN" dirty="0"/>
+          </a:p>
+          <a:p>
+            <a:r>
+              <a:rPr lang="zh-CN" altLang="en-US" dirty="0"/>
+              <a:t>问题：</a:t>
+            </a:r>
+            <a:endParaRPr lang="en-US" altLang="zh-CN" dirty="0"/>
+          </a:p>
+          <a:p>
+            <a:pPr lvl="1"/>
+            <a:r>
+              <a:rPr lang="zh-CN" altLang="en-US" dirty="0"/>
+              <a:t>大量参数</a:t>
+            </a:r>
+            <a:endParaRPr lang="en-US" altLang="zh-CN" dirty="0"/>
+          </a:p>
+          <a:p>
+            <a:pPr lvl="1"/>
+            <a:r>
+              <a:rPr lang="zh-CN" altLang="en-US" dirty="0"/>
+              <a:t>梯度消失</a:t>
+            </a:r>
           </a:p>
         </p:txBody>
       </p:sp>
       <p:pic>
         <p:nvPicPr>
-          <p:cNvPr id="4" name="内容占位符 3">
-            <a:extLst>
-              <a:ext uri="{FF2B5EF4-FFF2-40B4-BE49-F238E27FC236}">
-                <a16:creationId xmlns:a16="http://schemas.microsoft.com/office/drawing/2014/main" id="{D563A3F8-FF5E-40F8-887C-0E4C9E87648D}"/>
+          <p:cNvPr id="5" name="图片 4">
+            <a:extLst>
+              <a:ext uri="{FF2B5EF4-FFF2-40B4-BE49-F238E27FC236}">
+                <a16:creationId xmlns:a16="http://schemas.microsoft.com/office/drawing/2014/main" id="{F6C8C753-0063-4107-B877-08F235DF5720}"/>
               </a:ext>
             </a:extLst>
           </p:cNvPr>
           <p:cNvPicPr>
-            <a:picLocks noGrp="1" noChangeAspect="1"/>
+            <a:picLocks noChangeAspect="1"/>
           </p:cNvPicPr>
-          <p:nvPr>
-            <p:ph idx="1"/>
-          </p:nvPr>
+          <p:nvPr/>
         </p:nvPicPr>
         <p:blipFill>
-          <a:blip r:embed="rId2"/>
+          <a:blip r:embed="rId2">
+            <a:extLst>
+              <a:ext uri="{28A0092B-C50C-407E-A947-70E740481C1C}">
+                <a14:useLocalDpi xmlns:a14="http://schemas.microsoft.com/office/drawing/2010/main" val="0"/>
+              </a:ext>
+            </a:extLst>
+          </a:blip>
           <a:stretch>
             <a:fillRect/>
           </a:stretch>
         </p:blipFill>
         <p:spPr>
           <a:xfrm>
-            <a:off x="2611205" y="1690688"/>
-            <a:ext cx="5375682" cy="1056137"/>
+            <a:off x="4636654" y="2895064"/>
+            <a:ext cx="6556886" cy="2859107"/>
           </a:xfrm>
           <a:prstGeom prst="rect">
             <a:avLst/>
           </a:prstGeom>
         </p:spPr>
       </p:pic>
-      <p:sp>
-        <p:nvSpPr>
-          <p:cNvPr id="6" name="文本框 5">
-            <a:extLst>
-              <a:ext uri="{FF2B5EF4-FFF2-40B4-BE49-F238E27FC236}">
-                <a16:creationId xmlns:a16="http://schemas.microsoft.com/office/drawing/2014/main" id="{AFB404DC-8989-47CB-903B-752A1CCAA159}"/>
-              </a:ext>
-            </a:extLst>
-          </p:cNvPr>
-          <p:cNvSpPr txBox="1"/>
-          <p:nvPr/>
-        </p:nvSpPr>
-        <p:spPr>
-          <a:xfrm>
-            <a:off x="866296" y="2081997"/>
-            <a:ext cx="1744909" cy="369332"/>
-          </a:xfrm>
-          <a:prstGeom prst="rect">
-            <a:avLst/>
-          </a:prstGeom>
-          <a:noFill/>
-        </p:spPr>
-        <p:txBody>
-          <a:bodyPr wrap="square" rtlCol="0">
-            <a:spAutoFit/>
-          </a:bodyPr>
-          <a:lstStyle/>
-          <a:p>
-            <a:r>
-              <a:rPr lang="en-US" altLang="zh-CN" dirty="0"/>
-              <a:t>Basic </a:t>
-            </a:r>
-            <a:r>
-              <a:rPr lang="en-US" altLang="zh-CN" dirty="0" err="1"/>
-              <a:t>Agg</a:t>
-            </a:r>
-            <a:endParaRPr lang="zh-CN" altLang="en-US" dirty="0"/>
-          </a:p>
-        </p:txBody>
-      </p:sp>
-      <p:sp>
-        <p:nvSpPr>
-          <p:cNvPr id="7" name="文本框 6">
-            <a:extLst>
-              <a:ext uri="{FF2B5EF4-FFF2-40B4-BE49-F238E27FC236}">
-                <a16:creationId xmlns:a16="http://schemas.microsoft.com/office/drawing/2014/main" id="{026ECBB1-4679-43E9-AEB8-230AECE73DDA}"/>
-              </a:ext>
-            </a:extLst>
-          </p:cNvPr>
-          <p:cNvSpPr txBox="1"/>
-          <p:nvPr/>
-        </p:nvSpPr>
-        <p:spPr>
-          <a:xfrm>
-            <a:off x="941797" y="3232687"/>
-            <a:ext cx="1744909" cy="369332"/>
-          </a:xfrm>
-          <a:prstGeom prst="rect">
-            <a:avLst/>
-          </a:prstGeom>
-          <a:noFill/>
-        </p:spPr>
-        <p:txBody>
-          <a:bodyPr wrap="square" rtlCol="0">
-            <a:spAutoFit/>
-          </a:bodyPr>
-          <a:lstStyle/>
-          <a:p>
-            <a:r>
-              <a:rPr lang="en-US" altLang="zh-CN" dirty="0"/>
-              <a:t>GCN</a:t>
-            </a:r>
-            <a:endParaRPr lang="zh-CN" altLang="en-US" dirty="0"/>
-          </a:p>
-        </p:txBody>
-      </p:sp>
     </p:spTree>
     <p:extLst>
       <p:ext uri="{BB962C8B-B14F-4D97-AF65-F5344CB8AC3E}">
-        <p14:creationId xmlns:p14="http://schemas.microsoft.com/office/powerpoint/2010/main" val="904659504"/>
+        <p14:creationId xmlns:p14="http://schemas.microsoft.com/office/powerpoint/2010/main" val="2981193969"/>
       </p:ext>
     </p:extLst>
   </p:cSld>
@@ -6596,7 +7260,7 @@
           <p:cNvPr id="2" name="标题 1">
             <a:extLst>
               <a:ext uri="{FF2B5EF4-FFF2-40B4-BE49-F238E27FC236}">
-                <a16:creationId xmlns:a16="http://schemas.microsoft.com/office/drawing/2014/main" id="{3E524A35-A9BF-41D6-AD7D-82F88A0D938A}"/>
+                <a16:creationId xmlns:a16="http://schemas.microsoft.com/office/drawing/2014/main" id="{EEC34DDB-2A9F-4456-B5B0-0F1DA67AD8F7}"/>
               </a:ext>
             </a:extLst>
           </p:cNvPr>
@@ -6613,8 +7277,8 @@
           <a:lstStyle/>
           <a:p>
             <a:r>
-              <a:rPr lang="en-US" altLang="zh-CN" dirty="0" err="1"/>
-              <a:t>GraphSAGE</a:t>
+              <a:rPr lang="en-US" altLang="zh-CN" dirty="0"/>
+              <a:t>Gated Graph Neural Networks</a:t>
             </a:r>
             <a:endParaRPr lang="zh-CN" altLang="en-US" dirty="0"/>
           </a:p>
@@ -6625,7 +7289,7 @@
           <p:cNvPr id="3" name="内容占位符 2">
             <a:extLst>
               <a:ext uri="{FF2B5EF4-FFF2-40B4-BE49-F238E27FC236}">
-                <a16:creationId xmlns:a16="http://schemas.microsoft.com/office/drawing/2014/main" id="{2876EB0D-4AF0-4DC5-BFD5-B3C38E99C1C0}"/>
+                <a16:creationId xmlns:a16="http://schemas.microsoft.com/office/drawing/2014/main" id="{4D604BD1-8D46-4C21-84C8-BCC3F6429659}"/>
               </a:ext>
             </a:extLst>
           </p:cNvPr>
@@ -6636,19 +7300,403 @@
             <p:ph idx="1"/>
           </p:nvPr>
         </p:nvSpPr>
-        <p:spPr/>
-        <p:txBody>
-          <a:bodyPr/>
-          <a:lstStyle/>
-          <a:p>
-            <a:endParaRPr lang="zh-CN" altLang="en-US" dirty="0"/>
-          </a:p>
-        </p:txBody>
-      </p:sp>
+        <p:spPr>
+          <a:xfrm>
+            <a:off x="838200" y="1825625"/>
+            <a:ext cx="10226964" cy="4667250"/>
+          </a:xfrm>
+        </p:spPr>
+        <p:txBody>
+          <a:bodyPr>
+            <a:normAutofit/>
+          </a:bodyPr>
+          <a:lstStyle/>
+          <a:p>
+            <a:r>
+              <a:rPr lang="zh-CN" altLang="en-US" dirty="0"/>
+              <a:t>方案</a:t>
+            </a:r>
+            <a:r>
+              <a:rPr lang="en-US" altLang="zh-CN" dirty="0"/>
+              <a:t>1:</a:t>
+            </a:r>
+          </a:p>
+          <a:p>
+            <a:pPr lvl="1"/>
+            <a:r>
+              <a:rPr lang="zh-CN" altLang="en-US" dirty="0"/>
+              <a:t>跨层参数共享</a:t>
+            </a:r>
+            <a:endParaRPr lang="en-US" altLang="zh-CN" dirty="0"/>
+          </a:p>
+          <a:p>
+            <a:endParaRPr lang="en-US" altLang="zh-CN" dirty="0"/>
+          </a:p>
+          <a:p>
+            <a:endParaRPr lang="en-US" altLang="zh-CN" dirty="0"/>
+          </a:p>
+          <a:p>
+            <a:endParaRPr lang="en-US" altLang="zh-CN" dirty="0"/>
+          </a:p>
+          <a:p>
+            <a:r>
+              <a:rPr lang="zh-CN" altLang="en-US" dirty="0"/>
+              <a:t>方案</a:t>
+            </a:r>
+            <a:r>
+              <a:rPr lang="en-US" altLang="zh-CN" dirty="0"/>
+              <a:t>2</a:t>
+            </a:r>
+            <a:r>
+              <a:rPr lang="zh-CN" altLang="en-US" dirty="0"/>
+              <a:t>：</a:t>
+            </a:r>
+            <a:endParaRPr lang="en-US" altLang="zh-CN" dirty="0"/>
+          </a:p>
+          <a:p>
+            <a:pPr lvl="1"/>
+            <a:r>
+              <a:rPr lang="zh-CN" altLang="en-US" dirty="0"/>
+              <a:t>采用</a:t>
+            </a:r>
+            <a:r>
+              <a:rPr lang="en-US" altLang="zh-CN" dirty="0"/>
+              <a:t>RNN</a:t>
+            </a:r>
+            <a:r>
+              <a:rPr lang="zh-CN" altLang="en-US" dirty="0"/>
+              <a:t>结构</a:t>
+            </a:r>
+          </a:p>
+        </p:txBody>
+      </p:sp>
+      <p:pic>
+        <p:nvPicPr>
+          <p:cNvPr id="5" name="图片 4">
+            <a:extLst>
+              <a:ext uri="{FF2B5EF4-FFF2-40B4-BE49-F238E27FC236}">
+                <a16:creationId xmlns:a16="http://schemas.microsoft.com/office/drawing/2014/main" id="{DF8EB57F-C2CA-4ECB-9EB4-10B28AD35BC4}"/>
+              </a:ext>
+            </a:extLst>
+          </p:cNvPr>
+          <p:cNvPicPr>
+            <a:picLocks noChangeAspect="1"/>
+          </p:cNvPicPr>
+          <p:nvPr/>
+        </p:nvPicPr>
+        <p:blipFill>
+          <a:blip r:embed="rId2">
+            <a:extLst>
+              <a:ext uri="{28A0092B-C50C-407E-A947-70E740481C1C}">
+                <a14:useLocalDpi xmlns:a14="http://schemas.microsoft.com/office/drawing/2010/main" val="0"/>
+              </a:ext>
+            </a:extLst>
+          </a:blip>
+          <a:stretch>
+            <a:fillRect/>
+          </a:stretch>
+        </p:blipFill>
+        <p:spPr>
+          <a:xfrm>
+            <a:off x="4965344" y="4169885"/>
+            <a:ext cx="5407091" cy="2556941"/>
+          </a:xfrm>
+          <a:prstGeom prst="rect">
+            <a:avLst/>
+          </a:prstGeom>
+        </p:spPr>
+      </p:pic>
+      <p:pic>
+        <p:nvPicPr>
+          <p:cNvPr id="7" name="图片 6">
+            <a:extLst>
+              <a:ext uri="{FF2B5EF4-FFF2-40B4-BE49-F238E27FC236}">
+                <a16:creationId xmlns:a16="http://schemas.microsoft.com/office/drawing/2014/main" id="{0B80630F-F16D-4B91-97FF-0D6367B6DF26}"/>
+              </a:ext>
+            </a:extLst>
+          </p:cNvPr>
+          <p:cNvPicPr>
+            <a:picLocks noChangeAspect="1"/>
+          </p:cNvPicPr>
+          <p:nvPr/>
+        </p:nvPicPr>
+        <p:blipFill>
+          <a:blip r:embed="rId3">
+            <a:extLst>
+              <a:ext uri="{28A0092B-C50C-407E-A947-70E740481C1C}">
+                <a14:useLocalDpi xmlns:a14="http://schemas.microsoft.com/office/drawing/2010/main" val="0"/>
+              </a:ext>
+            </a:extLst>
+          </a:blip>
+          <a:stretch>
+            <a:fillRect/>
+          </a:stretch>
+        </p:blipFill>
+        <p:spPr>
+          <a:xfrm>
+            <a:off x="4965345" y="1481037"/>
+            <a:ext cx="5305492" cy="2678213"/>
+          </a:xfrm>
+          <a:prstGeom prst="rect">
+            <a:avLst/>
+          </a:prstGeom>
+        </p:spPr>
+      </p:pic>
     </p:spTree>
     <p:extLst>
       <p:ext uri="{BB962C8B-B14F-4D97-AF65-F5344CB8AC3E}">
-        <p14:creationId xmlns:p14="http://schemas.microsoft.com/office/powerpoint/2010/main" val="1747817835"/>
+        <p14:creationId xmlns:p14="http://schemas.microsoft.com/office/powerpoint/2010/main" val="2140839908"/>
+      </p:ext>
+    </p:extLst>
+  </p:cSld>
+  <p:clrMapOvr>
+    <a:masterClrMapping/>
+  </p:clrMapOvr>
+</p:sld>
+</file>
+
+<file path=ppt/slides/slide28.xml><?xml version="1.0" encoding="utf-8"?>
+<p:sld xmlns:a="http://schemas.openxmlformats.org/drawingml/2006/main" xmlns:r="http://schemas.openxmlformats.org/officeDocument/2006/relationships" xmlns:p="http://schemas.openxmlformats.org/presentationml/2006/main">
+  <p:cSld>
+    <p:spTree>
+      <p:nvGrpSpPr>
+        <p:cNvPr id="1" name=""/>
+        <p:cNvGrpSpPr/>
+        <p:nvPr/>
+      </p:nvGrpSpPr>
+      <p:grpSpPr>
+        <a:xfrm>
+          <a:off x="0" y="0"/>
+          <a:ext cx="0" cy="0"/>
+          <a:chOff x="0" y="0"/>
+          <a:chExt cx="0" cy="0"/>
+        </a:xfrm>
+      </p:grpSpPr>
+      <p:sp>
+        <p:nvSpPr>
+          <p:cNvPr id="2" name="标题 1">
+            <a:extLst>
+              <a:ext uri="{FF2B5EF4-FFF2-40B4-BE49-F238E27FC236}">
+                <a16:creationId xmlns:a16="http://schemas.microsoft.com/office/drawing/2014/main" id="{5295D1B3-CCE7-4406-A698-9CB40779282A}"/>
+              </a:ext>
+            </a:extLst>
+          </p:cNvPr>
+          <p:cNvSpPr>
+            <a:spLocks noGrp="1"/>
+          </p:cNvSpPr>
+          <p:nvPr>
+            <p:ph type="title"/>
+          </p:nvPr>
+        </p:nvSpPr>
+        <p:spPr/>
+        <p:txBody>
+          <a:bodyPr/>
+          <a:lstStyle/>
+          <a:p>
+            <a:r>
+              <a:rPr lang="zh-CN" altLang="en-US" dirty="0"/>
+              <a:t>其他方法</a:t>
+            </a:r>
+          </a:p>
+        </p:txBody>
+      </p:sp>
+      <p:sp>
+        <p:nvSpPr>
+          <p:cNvPr id="3" name="内容占位符 2">
+            <a:extLst>
+              <a:ext uri="{FF2B5EF4-FFF2-40B4-BE49-F238E27FC236}">
+                <a16:creationId xmlns:a16="http://schemas.microsoft.com/office/drawing/2014/main" id="{27F824BD-D5F8-4AB4-ACE3-40D93635868F}"/>
+              </a:ext>
+            </a:extLst>
+          </p:cNvPr>
+          <p:cNvSpPr>
+            <a:spLocks noGrp="1"/>
+          </p:cNvSpPr>
+          <p:nvPr>
+            <p:ph idx="1"/>
+          </p:nvPr>
+        </p:nvSpPr>
+        <p:spPr/>
+        <p:txBody>
+          <a:bodyPr>
+            <a:normAutofit/>
+          </a:bodyPr>
+          <a:lstStyle/>
+          <a:p>
+            <a:r>
+              <a:rPr lang="zh-CN" altLang="en-US" b="1" dirty="0"/>
+              <a:t>基于</a:t>
+            </a:r>
+            <a:r>
+              <a:rPr lang="en-US" altLang="zh-CN" b="1" dirty="0"/>
+              <a:t>Attention:</a:t>
+            </a:r>
+          </a:p>
+          <a:p>
+            <a:pPr lvl="1"/>
+            <a:r>
+              <a:rPr lang="fr-FR" altLang="zh-CN" dirty="0"/>
+              <a:t>Graph Attention Networks (Velickovic et al., 2018)</a:t>
+            </a:r>
+          </a:p>
+          <a:p>
+            <a:pPr lvl="1"/>
+            <a:r>
+              <a:rPr lang="da-DK" altLang="zh-CN" dirty="0"/>
+              <a:t>GeniePath (Liu et al., 2018)</a:t>
+            </a:r>
+          </a:p>
+          <a:p>
+            <a:r>
+              <a:rPr lang="zh-CN" altLang="en-US" b="1" dirty="0"/>
+              <a:t>基于</a:t>
+            </a:r>
+            <a:r>
+              <a:rPr lang="en-US" altLang="zh-CN" b="1" dirty="0"/>
+              <a:t>spectral convolutions</a:t>
+            </a:r>
+            <a:r>
+              <a:rPr lang="zh-CN" altLang="en-US" b="1" dirty="0"/>
+              <a:t>的方法</a:t>
+            </a:r>
+            <a:r>
+              <a:rPr lang="en-US" altLang="zh-CN" b="1" dirty="0"/>
+              <a:t>:</a:t>
+            </a:r>
+          </a:p>
+          <a:p>
+            <a:pPr lvl="1"/>
+            <a:r>
+              <a:rPr lang="en-US" altLang="zh-CN" dirty="0"/>
+              <a:t>Geometric Deep Learning (Bronstein et al., 2017)	</a:t>
+            </a:r>
+          </a:p>
+          <a:p>
+            <a:pPr lvl="1"/>
+            <a:r>
+              <a:rPr lang="en-US" altLang="zh-CN" dirty="0"/>
+              <a:t>Mixture Model CNNs (Monti et al., 2017)</a:t>
+            </a:r>
+          </a:p>
+          <a:p>
+            <a:r>
+              <a:rPr lang="zh-CN" altLang="en-US" b="1" dirty="0"/>
+              <a:t>改进的</a:t>
+            </a:r>
+            <a:r>
+              <a:rPr lang="en-US" altLang="zh-CN" b="1" dirty="0"/>
+              <a:t>GCN:</a:t>
+            </a:r>
+          </a:p>
+          <a:p>
+            <a:pPr lvl="1"/>
+            <a:r>
+              <a:rPr lang="da-DK" altLang="zh-CN" dirty="0"/>
+              <a:t>FastGCNs (Chen et al., 2018)</a:t>
+            </a:r>
+          </a:p>
+          <a:p>
+            <a:pPr lvl="1"/>
+            <a:r>
+              <a:rPr lang="fr-FR" altLang="zh-CN" dirty="0"/>
+              <a:t>Stochastic GCNs (Chen et al., 2017)</a:t>
+            </a:r>
+            <a:endParaRPr lang="zh-CN" altLang="en-US" dirty="0"/>
+          </a:p>
+        </p:txBody>
+      </p:sp>
+    </p:spTree>
+    <p:extLst>
+      <p:ext uri="{BB962C8B-B14F-4D97-AF65-F5344CB8AC3E}">
+        <p14:creationId xmlns:p14="http://schemas.microsoft.com/office/powerpoint/2010/main" val="4215078499"/>
+      </p:ext>
+    </p:extLst>
+  </p:cSld>
+  <p:clrMapOvr>
+    <a:masterClrMapping/>
+  </p:clrMapOvr>
+</p:sld>
+</file>
+
+<file path=ppt/slides/slide29.xml><?xml version="1.0" encoding="utf-8"?>
+<p:sld xmlns:a="http://schemas.openxmlformats.org/drawingml/2006/main" xmlns:r="http://schemas.openxmlformats.org/officeDocument/2006/relationships" xmlns:p="http://schemas.openxmlformats.org/presentationml/2006/main">
+  <p:cSld>
+    <p:spTree>
+      <p:nvGrpSpPr>
+        <p:cNvPr id="1" name=""/>
+        <p:cNvGrpSpPr/>
+        <p:nvPr/>
+      </p:nvGrpSpPr>
+      <p:grpSpPr>
+        <a:xfrm>
+          <a:off x="0" y="0"/>
+          <a:ext cx="0" cy="0"/>
+          <a:chOff x="0" y="0"/>
+          <a:chExt cx="0" cy="0"/>
+        </a:xfrm>
+      </p:grpSpPr>
+      <p:sp>
+        <p:nvSpPr>
+          <p:cNvPr id="2" name="标题 1">
+            <a:extLst>
+              <a:ext uri="{FF2B5EF4-FFF2-40B4-BE49-F238E27FC236}">
+                <a16:creationId xmlns:a16="http://schemas.microsoft.com/office/drawing/2014/main" id="{D7D6B6D1-5AB1-4E06-BFDF-9EC9EC64A51A}"/>
+              </a:ext>
+            </a:extLst>
+          </p:cNvPr>
+          <p:cNvSpPr>
+            <a:spLocks noGrp="1"/>
+          </p:cNvSpPr>
+          <p:nvPr>
+            <p:ph type="title"/>
+          </p:nvPr>
+        </p:nvSpPr>
+        <p:spPr/>
+        <p:txBody>
+          <a:bodyPr/>
+          <a:lstStyle/>
+          <a:p>
+            <a:r>
+              <a:rPr lang="en-US" altLang="zh-CN" dirty="0"/>
+              <a:t>Application</a:t>
+            </a:r>
+            <a:endParaRPr lang="zh-CN" altLang="en-US" dirty="0"/>
+          </a:p>
+        </p:txBody>
+      </p:sp>
+      <p:sp>
+        <p:nvSpPr>
+          <p:cNvPr id="3" name="文本占位符 2">
+            <a:extLst>
+              <a:ext uri="{FF2B5EF4-FFF2-40B4-BE49-F238E27FC236}">
+                <a16:creationId xmlns:a16="http://schemas.microsoft.com/office/drawing/2014/main" id="{FCFC94C1-5B2E-4BB3-A891-8D3EBF9C02FA}"/>
+              </a:ext>
+            </a:extLst>
+          </p:cNvPr>
+          <p:cNvSpPr>
+            <a:spLocks noGrp="1"/>
+          </p:cNvSpPr>
+          <p:nvPr>
+            <p:ph type="body" idx="1"/>
+          </p:nvPr>
+        </p:nvSpPr>
+        <p:spPr/>
+        <p:txBody>
+          <a:bodyPr/>
+          <a:lstStyle/>
+          <a:p>
+            <a:r>
+              <a:rPr lang="en-US" altLang="zh-CN" dirty="0"/>
+              <a:t>Recommend System</a:t>
+            </a:r>
+            <a:endParaRPr lang="zh-CN" altLang="en-US" dirty="0"/>
+          </a:p>
+        </p:txBody>
+      </p:sp>
+    </p:spTree>
+    <p:extLst>
+      <p:ext uri="{BB962C8B-B14F-4D97-AF65-F5344CB8AC3E}">
+        <p14:creationId xmlns:p14="http://schemas.microsoft.com/office/powerpoint/2010/main" val="1475421914"/>
       </p:ext>
     </p:extLst>
   </p:cSld>
@@ -6680,7 +7728,7 @@
           <p:cNvPr id="2" name="标题 1">
             <a:extLst>
               <a:ext uri="{FF2B5EF4-FFF2-40B4-BE49-F238E27FC236}">
-                <a16:creationId xmlns:a16="http://schemas.microsoft.com/office/drawing/2014/main" id="{C6586069-372F-4D17-BD90-6CA8246A4D7F}"/>
+                <a16:creationId xmlns:a16="http://schemas.microsoft.com/office/drawing/2014/main" id="{3C840A9E-796E-4D59-81D6-81DF1F722B58}"/>
               </a:ext>
             </a:extLst>
           </p:cNvPr>
@@ -6697,96 +7745,8 @@
           <a:lstStyle/>
           <a:p>
             <a:r>
-              <a:rPr lang="en-US" altLang="zh-CN" dirty="0"/>
-              <a:t>Node embedding</a:t>
-            </a:r>
-            <a:endParaRPr lang="zh-CN" altLang="en-US" dirty="0"/>
-          </a:p>
-        </p:txBody>
-      </p:sp>
-      <p:sp>
-        <p:nvSpPr>
-          <p:cNvPr id="3" name="文本占位符 2">
-            <a:extLst>
-              <a:ext uri="{FF2B5EF4-FFF2-40B4-BE49-F238E27FC236}">
-                <a16:creationId xmlns:a16="http://schemas.microsoft.com/office/drawing/2014/main" id="{6E088B57-A6AF-43ED-BE61-E999F65A2DC6}"/>
-              </a:ext>
-            </a:extLst>
-          </p:cNvPr>
-          <p:cNvSpPr>
-            <a:spLocks noGrp="1"/>
-          </p:cNvSpPr>
-          <p:nvPr>
-            <p:ph type="body" idx="1"/>
-          </p:nvPr>
-        </p:nvSpPr>
-        <p:spPr/>
-        <p:txBody>
-          <a:bodyPr/>
-          <a:lstStyle/>
-          <a:p>
-            <a:r>
-              <a:rPr lang="en-US" altLang="zh-CN" dirty="0"/>
-              <a:t>Map nodes to low-dimensional embeddings</a:t>
-            </a:r>
-            <a:endParaRPr lang="zh-CN" altLang="en-US" dirty="0"/>
-          </a:p>
-        </p:txBody>
-      </p:sp>
-    </p:spTree>
-    <p:extLst>
-      <p:ext uri="{BB962C8B-B14F-4D97-AF65-F5344CB8AC3E}">
-        <p14:creationId xmlns:p14="http://schemas.microsoft.com/office/powerpoint/2010/main" val="1959065556"/>
-      </p:ext>
-    </p:extLst>
-  </p:cSld>
-  <p:clrMapOvr>
-    <a:masterClrMapping/>
-  </p:clrMapOvr>
-</p:sld>
-</file>
-
-<file path=ppt/slides/slide4.xml><?xml version="1.0" encoding="utf-8"?>
-<p:sld xmlns:a="http://schemas.openxmlformats.org/drawingml/2006/main" xmlns:r="http://schemas.openxmlformats.org/officeDocument/2006/relationships" xmlns:p="http://schemas.openxmlformats.org/presentationml/2006/main">
-  <p:cSld>
-    <p:spTree>
-      <p:nvGrpSpPr>
-        <p:cNvPr id="1" name=""/>
-        <p:cNvGrpSpPr/>
-        <p:nvPr/>
-      </p:nvGrpSpPr>
-      <p:grpSpPr>
-        <a:xfrm>
-          <a:off x="0" y="0"/>
-          <a:ext cx="0" cy="0"/>
-          <a:chOff x="0" y="0"/>
-          <a:chExt cx="0" cy="0"/>
-        </a:xfrm>
-      </p:grpSpPr>
-      <p:sp>
-        <p:nvSpPr>
-          <p:cNvPr id="2" name="标题 1">
-            <a:extLst>
-              <a:ext uri="{FF2B5EF4-FFF2-40B4-BE49-F238E27FC236}">
-                <a16:creationId xmlns:a16="http://schemas.microsoft.com/office/drawing/2014/main" id="{3C840A9E-796E-4D59-81D6-81DF1F722B58}"/>
-              </a:ext>
-            </a:extLst>
-          </p:cNvPr>
-          <p:cNvSpPr>
-            <a:spLocks noGrp="1"/>
-          </p:cNvSpPr>
-          <p:nvPr>
-            <p:ph type="title"/>
-          </p:nvPr>
-        </p:nvSpPr>
-        <p:spPr/>
-        <p:txBody>
-          <a:bodyPr/>
-          <a:lstStyle/>
-          <a:p>
-            <a:r>
-              <a:rPr lang="en-US" altLang="zh-CN" dirty="0"/>
-              <a:t>Node Embedding</a:t>
+              <a:rPr lang="zh-CN" altLang="zh-CN" b="1" dirty="0"/>
+              <a:t>Representation Learning</a:t>
             </a:r>
             <a:r>
               <a:rPr lang="zh-CN" altLang="en-US" dirty="0"/>
@@ -6821,7 +7781,7 @@
         </p:blipFill>
         <p:spPr>
           <a:xfrm>
-            <a:off x="5108196" y="2261140"/>
+            <a:off x="5513664" y="2141067"/>
             <a:ext cx="6678336" cy="3663010"/>
           </a:xfrm>
           <a:prstGeom prst="rect">
@@ -6846,8 +7806,8 @@
         </p:nvSpPr>
         <p:spPr>
           <a:xfrm>
-            <a:off x="939567" y="2384485"/>
-            <a:ext cx="4370664" cy="3416320"/>
+            <a:off x="579348" y="1953832"/>
+            <a:ext cx="5045597" cy="4267835"/>
           </a:xfrm>
           <a:prstGeom prst="rect">
             <a:avLst/>
@@ -6865,26 +7825,21 @@
               <a:buChar char="•"/>
             </a:pPr>
             <a:r>
-              <a:rPr lang="zh-CN" altLang="en-US" dirty="0"/>
-              <a:t>定义一个编码器</a:t>
-            </a:r>
-            <a:endParaRPr lang="en-US" altLang="zh-CN" dirty="0"/>
-          </a:p>
-          <a:p>
-            <a:endParaRPr lang="en-US" altLang="zh-CN" dirty="0"/>
-          </a:p>
-          <a:p>
-            <a:r>
               <a:rPr lang="en-US" altLang="zh-CN" dirty="0"/>
-              <a:t>	ENC(v) = </a:t>
-            </a:r>
-            <a:r>
-              <a:rPr lang="en-US" altLang="zh-CN" dirty="0" err="1"/>
-              <a:t>Zv</a:t>
-            </a:r>
-            <a:endParaRPr lang="zh-CN" altLang="en-US" dirty="0"/>
-          </a:p>
-          <a:p>
+              <a:t>Embedding</a:t>
+            </a:r>
+            <a:r>
+              <a:rPr lang="zh-CN" altLang="en-US" dirty="0"/>
+              <a:t>问题可以统一到一个</a:t>
+            </a:r>
+            <a:r>
+              <a:rPr lang="en-US" altLang="zh-CN" dirty="0"/>
+              <a:t>encoder-decoder</a:t>
+            </a:r>
+            <a:r>
+              <a:rPr lang="zh-CN" altLang="en-US" dirty="0"/>
+              <a:t>框架中</a:t>
+            </a:r>
             <a:endParaRPr lang="en-US" altLang="zh-CN" dirty="0"/>
           </a:p>
           <a:p>
@@ -6895,53 +7850,112 @@
             <a:endParaRPr lang="en-US" altLang="zh-CN" dirty="0"/>
           </a:p>
           <a:p>
+            <a:pPr marL="742950" lvl="1" indent="-285750">
+              <a:buFont typeface="Arial" panose="020B0604020202020204" pitchFamily="34" charset="0"/>
+              <a:buChar char="•"/>
+            </a:pPr>
+            <a:r>
+              <a:rPr lang="zh-CN" altLang="en-US" sz="1600" dirty="0"/>
+              <a:t>编码器：</a:t>
+            </a:r>
+            <a:r>
+              <a:rPr lang="zh-CN" altLang="zh-CN" sz="1600" dirty="0"/>
+              <a:t>将节点映射到 d 维向量</a:t>
+            </a:r>
+            <a:endParaRPr lang="en-US" altLang="zh-CN" sz="1600" dirty="0"/>
+          </a:p>
+          <a:p>
+            <a:endParaRPr lang="en-US" altLang="zh-CN" sz="1600" dirty="0"/>
+          </a:p>
+          <a:p>
+            <a:r>
+              <a:rPr lang="en-US" altLang="zh-CN" sz="1600" dirty="0"/>
+              <a:t>	ENC(v) = </a:t>
+            </a:r>
+            <a:r>
+              <a:rPr lang="en-US" altLang="zh-CN" sz="1600" dirty="0" err="1"/>
+              <a:t>Zv</a:t>
+            </a:r>
+            <a:endParaRPr lang="zh-CN" altLang="en-US" sz="1600" dirty="0"/>
+          </a:p>
+          <a:p>
+            <a:endParaRPr lang="en-US" altLang="zh-CN" sz="1600" dirty="0"/>
+          </a:p>
+          <a:p>
+            <a:pPr lvl="1"/>
+            <a:endParaRPr lang="en-US" altLang="zh-CN" sz="1600" dirty="0"/>
+          </a:p>
+          <a:p>
+            <a:pPr marL="742950" lvl="1" indent="-285750">
+              <a:buFont typeface="Arial" panose="020B0604020202020204" pitchFamily="34" charset="0"/>
+              <a:buChar char="•"/>
+            </a:pPr>
+            <a:r>
+              <a:rPr lang="zh-CN" altLang="en-US" sz="1600" dirty="0"/>
+              <a:t>解码器：</a:t>
+            </a:r>
+            <a:r>
+              <a:rPr lang="zh-CN" altLang="zh-CN" sz="1600" dirty="0"/>
+              <a:t>将向量化信息重新恢复成节点关系</a:t>
+            </a:r>
+            <a:r>
+              <a:rPr lang="zh-CN" altLang="en-US" sz="1600" dirty="0"/>
+              <a:t>：向量的点乘</a:t>
+            </a:r>
+            <a:endParaRPr lang="en-US" altLang="zh-CN" sz="1600" dirty="0"/>
+          </a:p>
+          <a:p>
             <a:pPr marL="285750" indent="-285750">
               <a:buFont typeface="Arial" panose="020B0604020202020204" pitchFamily="34" charset="0"/>
               <a:buChar char="•"/>
             </a:pPr>
-            <a:r>
-              <a:rPr lang="zh-CN" altLang="en-US" dirty="0"/>
-              <a:t>定义相似函数</a:t>
-            </a:r>
-            <a:endParaRPr lang="en-US" altLang="zh-CN" dirty="0"/>
-          </a:p>
-          <a:p>
-            <a:endParaRPr lang="en-US" altLang="zh-CN" dirty="0"/>
-          </a:p>
-          <a:p>
-            <a:r>
-              <a:rPr lang="en-US" altLang="zh-CN" dirty="0"/>
-              <a:t>	similarity(</a:t>
-            </a:r>
-            <a:r>
-              <a:rPr lang="en-US" altLang="zh-CN" dirty="0" err="1"/>
+            <a:endParaRPr lang="en-US" altLang="zh-CN" sz="1600" dirty="0"/>
+          </a:p>
+          <a:p>
+            <a:pPr marL="742950" lvl="1" indent="-285750">
+              <a:buFont typeface="Arial" panose="020B0604020202020204" pitchFamily="34" charset="0"/>
+              <a:buChar char="•"/>
+            </a:pPr>
+            <a:r>
+              <a:rPr lang="zh-CN" altLang="en-US" sz="1600" dirty="0"/>
+              <a:t>定义相似函数：</a:t>
+            </a:r>
+            <a:r>
+              <a:rPr lang="en-US" altLang="zh-CN" sz="1600" dirty="0"/>
+              <a:t> similarity(</a:t>
+            </a:r>
+            <a:r>
+              <a:rPr lang="en-US" altLang="zh-CN" sz="1600" dirty="0" err="1"/>
               <a:t>u,v</a:t>
             </a:r>
             <a:r>
-              <a:rPr lang="en-US" altLang="zh-CN" dirty="0"/>
-              <a:t>) ≈ </a:t>
-            </a:r>
-            <a:r>
-              <a:rPr lang="en-US" altLang="zh-CN" dirty="0" err="1"/>
-              <a:t>Z</a:t>
-            </a:r>
-            <a:r>
-              <a:rPr lang="en-US" altLang="zh-CN" baseline="-5999" dirty="0" err="1"/>
-              <a:t>u</a:t>
-            </a:r>
-            <a:r>
-              <a:rPr lang="en-US" altLang="zh-CN" baseline="31999" dirty="0" err="1"/>
-              <a:t>T</a:t>
-            </a:r>
-            <a:r>
-              <a:rPr lang="en-US" altLang="zh-CN" dirty="0" err="1"/>
-              <a:t>Z</a:t>
-            </a:r>
-            <a:r>
-              <a:rPr lang="en-US" altLang="zh-CN" baseline="-5999" dirty="0" err="1"/>
-              <a:t>v</a:t>
-            </a:r>
-            <a:endParaRPr lang="zh-CN" altLang="en-US" baseline="-5999" dirty="0"/>
+              <a:rPr lang="en-US" altLang="zh-CN" sz="1600" dirty="0"/>
+              <a:t>)</a:t>
+            </a:r>
+          </a:p>
+          <a:p>
+            <a:pPr marL="285750" indent="-285750">
+              <a:buFont typeface="Arial" panose="020B0604020202020204" pitchFamily="34" charset="0"/>
+              <a:buChar char="•"/>
+            </a:pPr>
+            <a:endParaRPr lang="en-US" altLang="zh-CN" sz="1600" baseline="-5999" dirty="0"/>
+          </a:p>
+          <a:p>
+            <a:pPr marL="285750" indent="-285750">
+              <a:buFont typeface="Arial" panose="020B0604020202020204" pitchFamily="34" charset="0"/>
+              <a:buChar char="•"/>
+            </a:pPr>
+            <a:endParaRPr lang="en-US" altLang="zh-CN" sz="1600" baseline="-5999" dirty="0"/>
+          </a:p>
+          <a:p>
+            <a:pPr marL="742950" lvl="1" indent="-285750">
+              <a:buFont typeface="Arial" panose="020B0604020202020204" pitchFamily="34" charset="0"/>
+              <a:buChar char="•"/>
+            </a:pPr>
+            <a:r>
+              <a:rPr lang="zh-CN" altLang="en-US" sz="1600" dirty="0"/>
+              <a:t>损失函数：衡量解码器与相似函数的偏差情况</a:t>
+            </a:r>
           </a:p>
           <a:p>
             <a:endParaRPr lang="en-US" altLang="zh-CN" dirty="0"/>
@@ -6953,19 +7967,6 @@
             </a:pPr>
             <a:endParaRPr lang="en-US" altLang="zh-CN" dirty="0"/>
           </a:p>
-          <a:p>
-            <a:pPr marL="285750" indent="-285750">
-              <a:buFont typeface="Arial" panose="020B0604020202020204" pitchFamily="34" charset="0"/>
-              <a:buChar char="•"/>
-            </a:pPr>
-            <a:r>
-              <a:rPr lang="zh-CN" altLang="en-US" dirty="0"/>
-              <a:t>优化参数</a:t>
-            </a:r>
-          </a:p>
-          <a:p>
-            <a:endParaRPr lang="zh-CN" altLang="en-US" dirty="0"/>
-          </a:p>
         </p:txBody>
       </p:sp>
       <p:sp>
@@ -6982,7 +7983,7 @@
         </p:nvSpPr>
         <p:spPr>
           <a:xfrm>
-            <a:off x="1350979" y="3429386"/>
+            <a:off x="1171849" y="3749294"/>
             <a:ext cx="1022875" cy="271869"/>
           </a:xfrm>
           <a:prstGeom prst="rect">
@@ -7048,7 +8049,7 @@
         </p:nvSpPr>
         <p:spPr>
           <a:xfrm>
-            <a:off x="3567394" y="2956628"/>
+            <a:off x="3108859" y="3285371"/>
             <a:ext cx="636393" cy="287258"/>
           </a:xfrm>
           <a:prstGeom prst="rect">
@@ -7114,7 +8115,7 @@
         </p:nvCxnSpPr>
         <p:spPr>
           <a:xfrm flipV="1">
-            <a:off x="1862416" y="3178322"/>
+            <a:off x="1683286" y="3498230"/>
             <a:ext cx="293555" cy="386998"/>
           </a:xfrm>
           <a:prstGeom prst="straightConnector1">
@@ -7153,218 +8154,8 @@
         </p:nvCxnSpPr>
         <p:spPr>
           <a:xfrm flipH="1">
-            <a:off x="3124899" y="3100257"/>
+            <a:off x="2666364" y="3429000"/>
             <a:ext cx="442495" cy="0"/>
-          </a:xfrm>
-          <a:prstGeom prst="straightConnector1">
-            <a:avLst/>
-          </a:prstGeom>
-          <a:ln>
-            <a:tailEnd type="triangle"/>
-          </a:ln>
-        </p:spPr>
-        <p:style>
-          <a:lnRef idx="1">
-            <a:schemeClr val="accent1"/>
-          </a:lnRef>
-          <a:fillRef idx="0">
-            <a:schemeClr val="accent1"/>
-          </a:fillRef>
-          <a:effectRef idx="0">
-            <a:schemeClr val="accent1"/>
-          </a:effectRef>
-          <a:fontRef idx="minor">
-            <a:schemeClr val="tx1"/>
-          </a:fontRef>
-        </p:style>
-      </p:cxnSp>
-      <p:sp>
-        <p:nvSpPr>
-          <p:cNvPr id="15" name="Shape 137">
-            <a:extLst>
-              <a:ext uri="{FF2B5EF4-FFF2-40B4-BE49-F238E27FC236}">
-                <a16:creationId xmlns:a16="http://schemas.microsoft.com/office/drawing/2014/main" id="{EFE6F767-B62F-479C-9ACF-F2C73274A617}"/>
-              </a:ext>
-            </a:extLst>
-          </p:cNvPr>
-          <p:cNvSpPr/>
-          <p:nvPr/>
-        </p:nvSpPr>
-        <p:spPr>
-          <a:xfrm>
-            <a:off x="1799208" y="4723073"/>
-            <a:ext cx="1497665" cy="287258"/>
-          </a:xfrm>
-          <a:prstGeom prst="rect">
-            <a:avLst/>
-          </a:prstGeom>
-          <a:ln w="12700">
-            <a:miter lim="400000"/>
-          </a:ln>
-          <a:extLst>
-            <a:ext uri="{C572A759-6A51-4108-AA02-DFA0A04FC94B}">
-              <ma14:wrappingTextBoxFlag xmlns="" xmlns:ma14="http://schemas.microsoft.com/office/mac/drawingml/2011/main" val="1"/>
-            </a:ext>
-          </a:extLst>
-        </p:spPr>
-        <p:txBody>
-          <a:bodyPr wrap="square" lIns="50800" tIns="50800" rIns="50800" bIns="50800" anchor="ctr">
-            <a:spAutoFit/>
-          </a:bodyPr>
-          <a:lstStyle>
-            <a:lvl1pPr>
-              <a:defRPr sz="2600">
-                <a:solidFill>
-                  <a:schemeClr val="accent1">
-                    <a:satOff val="-3355"/>
-                    <a:lumOff val="26614"/>
-                  </a:schemeClr>
-                </a:solidFill>
-              </a:defRPr>
-            </a:lvl1pPr>
-          </a:lstStyle>
-          <a:p>
-            <a:r>
-              <a:rPr sz="1200" dirty="0" err="1">
-                <a:solidFill>
-                  <a:schemeClr val="accent5">
-                    <a:lumMod val="50000"/>
-                  </a:schemeClr>
-                </a:solidFill>
-              </a:rPr>
-              <a:t>原始图节点的相似度</a:t>
-            </a:r>
-            <a:endParaRPr sz="1200" dirty="0">
-              <a:solidFill>
-                <a:schemeClr val="accent5">
-                  <a:lumMod val="50000"/>
-                </a:schemeClr>
-              </a:solidFill>
-            </a:endParaRPr>
-          </a:p>
-        </p:txBody>
-      </p:sp>
-      <p:sp>
-        <p:nvSpPr>
-          <p:cNvPr id="17" name="Shape 139">
-            <a:extLst>
-              <a:ext uri="{FF2B5EF4-FFF2-40B4-BE49-F238E27FC236}">
-                <a16:creationId xmlns:a16="http://schemas.microsoft.com/office/drawing/2014/main" id="{4CB0B52F-D7E5-4852-A3DD-DBAEF2B01014}"/>
-              </a:ext>
-            </a:extLst>
-          </p:cNvPr>
-          <p:cNvSpPr/>
-          <p:nvPr/>
-        </p:nvSpPr>
-        <p:spPr>
-          <a:xfrm>
-            <a:off x="3958905" y="4723073"/>
-            <a:ext cx="1149291" cy="287258"/>
-          </a:xfrm>
-          <a:prstGeom prst="rect">
-            <a:avLst/>
-          </a:prstGeom>
-          <a:ln w="12700">
-            <a:miter lim="400000"/>
-          </a:ln>
-          <a:extLst>
-            <a:ext uri="{C572A759-6A51-4108-AA02-DFA0A04FC94B}">
-              <ma14:wrappingTextBoxFlag xmlns="" xmlns:ma14="http://schemas.microsoft.com/office/mac/drawingml/2011/main" val="1"/>
-            </a:ext>
-          </a:extLst>
-        </p:spPr>
-        <p:txBody>
-          <a:bodyPr wrap="square" lIns="50800" tIns="50800" rIns="50800" bIns="50800" anchor="ctr">
-            <a:spAutoFit/>
-          </a:bodyPr>
-          <a:lstStyle>
-            <a:lvl1pPr>
-              <a:defRPr sz="2500">
-                <a:solidFill>
-                  <a:schemeClr val="accent1">
-                    <a:satOff val="-3355"/>
-                    <a:lumOff val="26614"/>
-                  </a:schemeClr>
-                </a:solidFill>
-              </a:defRPr>
-            </a:lvl1pPr>
-          </a:lstStyle>
-          <a:p>
-            <a:r>
-              <a:rPr sz="1200" dirty="0" err="1">
-                <a:solidFill>
-                  <a:schemeClr val="accent5">
-                    <a:lumMod val="50000"/>
-                  </a:schemeClr>
-                </a:solidFill>
-              </a:rPr>
-              <a:t>向量点乘</a:t>
-            </a:r>
-            <a:endParaRPr sz="1200" dirty="0">
-              <a:solidFill>
-                <a:schemeClr val="accent5">
-                  <a:lumMod val="50000"/>
-                </a:schemeClr>
-              </a:solidFill>
-            </a:endParaRPr>
-          </a:p>
-        </p:txBody>
-      </p:sp>
-      <p:cxnSp>
-        <p:nvCxnSpPr>
-          <p:cNvPr id="19" name="直接箭头连接符 18">
-            <a:extLst>
-              <a:ext uri="{FF2B5EF4-FFF2-40B4-BE49-F238E27FC236}">
-                <a16:creationId xmlns:a16="http://schemas.microsoft.com/office/drawing/2014/main" id="{FCF4BBB9-3B5A-48E5-A43B-11E7170FB8AF}"/>
-              </a:ext>
-            </a:extLst>
-          </p:cNvPr>
-          <p:cNvCxnSpPr/>
-          <p:nvPr/>
-        </p:nvCxnSpPr>
-        <p:spPr>
-          <a:xfrm flipV="1">
-            <a:off x="2558642" y="4597167"/>
-            <a:ext cx="318782" cy="125906"/>
-          </a:xfrm>
-          <a:prstGeom prst="straightConnector1">
-            <a:avLst/>
-          </a:prstGeom>
-          <a:ln>
-            <a:tailEnd type="triangle"/>
-          </a:ln>
-        </p:spPr>
-        <p:style>
-          <a:lnRef idx="1">
-            <a:schemeClr val="accent1"/>
-          </a:lnRef>
-          <a:fillRef idx="0">
-            <a:schemeClr val="accent1"/>
-          </a:fillRef>
-          <a:effectRef idx="0">
-            <a:schemeClr val="accent1"/>
-          </a:effectRef>
-          <a:fontRef idx="minor">
-            <a:schemeClr val="tx1"/>
-          </a:fontRef>
-        </p:style>
-      </p:cxnSp>
-      <p:cxnSp>
-        <p:nvCxnSpPr>
-          <p:cNvPr id="21" name="直接箭头连接符 20">
-            <a:extLst>
-              <a:ext uri="{FF2B5EF4-FFF2-40B4-BE49-F238E27FC236}">
-                <a16:creationId xmlns:a16="http://schemas.microsoft.com/office/drawing/2014/main" id="{058F68F7-CCDC-48E7-9839-E2FF53F50BE4}"/>
-              </a:ext>
-            </a:extLst>
-          </p:cNvPr>
-          <p:cNvCxnSpPr/>
-          <p:nvPr/>
-        </p:nvCxnSpPr>
-        <p:spPr>
-          <a:xfrm flipH="1" flipV="1">
-            <a:off x="4056307" y="4597167"/>
-            <a:ext cx="538991" cy="125906"/>
           </a:xfrm>
           <a:prstGeom prst="straightConnector1">
             <a:avLst/>
@@ -7401,6 +8192,1317 @@
 </p:sld>
 </file>
 
+<file path=ppt/slides/slide30.xml><?xml version="1.0" encoding="utf-8"?>
+<p:sld xmlns:a="http://schemas.openxmlformats.org/drawingml/2006/main" xmlns:r="http://schemas.openxmlformats.org/officeDocument/2006/relationships" xmlns:p="http://schemas.openxmlformats.org/presentationml/2006/main">
+  <p:cSld>
+    <p:spTree>
+      <p:nvGrpSpPr>
+        <p:cNvPr id="1" name=""/>
+        <p:cNvGrpSpPr/>
+        <p:nvPr/>
+      </p:nvGrpSpPr>
+      <p:grpSpPr>
+        <a:xfrm>
+          <a:off x="0" y="0"/>
+          <a:ext cx="0" cy="0"/>
+          <a:chOff x="0" y="0"/>
+          <a:chExt cx="0" cy="0"/>
+        </a:xfrm>
+      </p:grpSpPr>
+      <p:sp>
+        <p:nvSpPr>
+          <p:cNvPr id="2" name="标题 1">
+            <a:extLst>
+              <a:ext uri="{FF2B5EF4-FFF2-40B4-BE49-F238E27FC236}">
+                <a16:creationId xmlns:a16="http://schemas.microsoft.com/office/drawing/2014/main" id="{D8CB57AB-6949-4818-AB47-B615C7EA125F}"/>
+              </a:ext>
+            </a:extLst>
+          </p:cNvPr>
+          <p:cNvSpPr>
+            <a:spLocks noGrp="1"/>
+          </p:cNvSpPr>
+          <p:nvPr>
+            <p:ph type="title"/>
+          </p:nvPr>
+        </p:nvSpPr>
+        <p:spPr>
+          <a:xfrm>
+            <a:off x="838200" y="365125"/>
+            <a:ext cx="10515600" cy="1325563"/>
+          </a:xfrm>
+        </p:spPr>
+        <p:txBody>
+          <a:bodyPr/>
+          <a:lstStyle/>
+          <a:p>
+            <a:r>
+              <a:rPr lang="zh-CN" altLang="en-US" dirty="0"/>
+              <a:t>图构造</a:t>
+            </a:r>
+          </a:p>
+        </p:txBody>
+      </p:sp>
+      <p:pic>
+        <p:nvPicPr>
+          <p:cNvPr id="7" name="内容占位符 6">
+            <a:extLst>
+              <a:ext uri="{FF2B5EF4-FFF2-40B4-BE49-F238E27FC236}">
+                <a16:creationId xmlns:a16="http://schemas.microsoft.com/office/drawing/2014/main" id="{9A23C647-D192-4013-B922-BCD24AE824B8}"/>
+              </a:ext>
+            </a:extLst>
+          </p:cNvPr>
+          <p:cNvPicPr>
+            <a:picLocks noGrp="1" noChangeAspect="1"/>
+          </p:cNvPicPr>
+          <p:nvPr>
+            <p:ph idx="1"/>
+          </p:nvPr>
+        </p:nvPicPr>
+        <p:blipFill>
+          <a:blip r:embed="rId2"/>
+          <a:stretch>
+            <a:fillRect/>
+          </a:stretch>
+        </p:blipFill>
+        <p:spPr>
+          <a:xfrm>
+            <a:off x="1576285" y="2477113"/>
+            <a:ext cx="6689521" cy="1313443"/>
+          </a:xfrm>
+          <a:prstGeom prst="rect">
+            <a:avLst/>
+          </a:prstGeom>
+        </p:spPr>
+      </p:pic>
+      <p:sp>
+        <p:nvSpPr>
+          <p:cNvPr id="8" name="文本框 7">
+            <a:extLst>
+              <a:ext uri="{FF2B5EF4-FFF2-40B4-BE49-F238E27FC236}">
+                <a16:creationId xmlns:a16="http://schemas.microsoft.com/office/drawing/2014/main" id="{367B6565-1FA8-4F46-BF79-5430F15457BC}"/>
+              </a:ext>
+            </a:extLst>
+          </p:cNvPr>
+          <p:cNvSpPr txBox="1"/>
+          <p:nvPr/>
+        </p:nvSpPr>
+        <p:spPr>
+          <a:xfrm>
+            <a:off x="838200" y="4272181"/>
+            <a:ext cx="9100127" cy="1200329"/>
+          </a:xfrm>
+          <a:prstGeom prst="rect">
+            <a:avLst/>
+          </a:prstGeom>
+          <a:noFill/>
+        </p:spPr>
+        <p:txBody>
+          <a:bodyPr wrap="square" rtlCol="0">
+            <a:spAutoFit/>
+          </a:bodyPr>
+          <a:lstStyle/>
+          <a:p>
+            <a:r>
+              <a:rPr lang="zh-CN" altLang="en-US" dirty="0"/>
+              <a:t>特点</a:t>
+            </a:r>
+            <a:endParaRPr lang="en-US" altLang="zh-CN" dirty="0"/>
+          </a:p>
+          <a:p>
+            <a:r>
+              <a:rPr lang="en-US" altLang="zh-CN" dirty="0"/>
+              <a:t>1</a:t>
+            </a:r>
+            <a:r>
+              <a:rPr lang="zh-CN" altLang="en-US" dirty="0"/>
+              <a:t>、图是动态的，对于新的节点，应不需要重新训练</a:t>
+            </a:r>
+            <a:endParaRPr lang="en-US" altLang="zh-CN" dirty="0"/>
+          </a:p>
+          <a:p>
+            <a:r>
+              <a:rPr lang="en-US" altLang="zh-CN" dirty="0"/>
+              <a:t>2</a:t>
+            </a:r>
+            <a:r>
+              <a:rPr lang="zh-CN" altLang="en-US" dirty="0"/>
+              <a:t>、节点的特征很丰富：可以包含</a:t>
+            </a:r>
+            <a:r>
+              <a:rPr lang="en-US" altLang="zh-CN" dirty="0"/>
+              <a:t>content</a:t>
+            </a:r>
+            <a:r>
+              <a:rPr lang="zh-CN" altLang="en-US" dirty="0"/>
+              <a:t>、</a:t>
+            </a:r>
+            <a:r>
+              <a:rPr lang="en-US" altLang="zh-CN" dirty="0"/>
+              <a:t>image</a:t>
+            </a:r>
+            <a:r>
+              <a:rPr lang="zh-CN" altLang="en-US" dirty="0"/>
+              <a:t>等特征</a:t>
+            </a:r>
+            <a:endParaRPr lang="en-US" altLang="zh-CN" dirty="0"/>
+          </a:p>
+          <a:p>
+            <a:endParaRPr lang="en-US" altLang="zh-CN" dirty="0"/>
+          </a:p>
+        </p:txBody>
+      </p:sp>
+      <p:sp>
+        <p:nvSpPr>
+          <p:cNvPr id="6" name="文本框 5">
+            <a:extLst>
+              <a:ext uri="{FF2B5EF4-FFF2-40B4-BE49-F238E27FC236}">
+                <a16:creationId xmlns:a16="http://schemas.microsoft.com/office/drawing/2014/main" id="{5E732F22-965B-4483-AD34-9EB5A54F40A4}"/>
+              </a:ext>
+            </a:extLst>
+          </p:cNvPr>
+          <p:cNvSpPr txBox="1"/>
+          <p:nvPr/>
+        </p:nvSpPr>
+        <p:spPr>
+          <a:xfrm>
+            <a:off x="759691" y="1901602"/>
+            <a:ext cx="4481945" cy="369332"/>
+          </a:xfrm>
+          <a:prstGeom prst="rect">
+            <a:avLst/>
+          </a:prstGeom>
+          <a:noFill/>
+        </p:spPr>
+        <p:txBody>
+          <a:bodyPr wrap="square" rtlCol="0">
+            <a:spAutoFit/>
+          </a:bodyPr>
+          <a:lstStyle/>
+          <a:p>
+            <a:r>
+              <a:rPr lang="zh-CN" altLang="en-US" dirty="0"/>
+              <a:t>图结构</a:t>
+            </a:r>
+            <a:endParaRPr lang="en-US" altLang="zh-CN" dirty="0"/>
+          </a:p>
+        </p:txBody>
+      </p:sp>
+    </p:spTree>
+    <p:extLst>
+      <p:ext uri="{BB962C8B-B14F-4D97-AF65-F5344CB8AC3E}">
+        <p14:creationId xmlns:p14="http://schemas.microsoft.com/office/powerpoint/2010/main" val="2811764368"/>
+      </p:ext>
+    </p:extLst>
+  </p:cSld>
+  <p:clrMapOvr>
+    <a:masterClrMapping/>
+  </p:clrMapOvr>
+</p:sld>
+</file>
+
+<file path=ppt/slides/slide31.xml><?xml version="1.0" encoding="utf-8"?>
+<p:sld xmlns:a="http://schemas.openxmlformats.org/drawingml/2006/main" xmlns:r="http://schemas.openxmlformats.org/officeDocument/2006/relationships" xmlns:p="http://schemas.openxmlformats.org/presentationml/2006/main">
+  <p:cSld>
+    <p:spTree>
+      <p:nvGrpSpPr>
+        <p:cNvPr id="1" name=""/>
+        <p:cNvGrpSpPr/>
+        <p:nvPr/>
+      </p:nvGrpSpPr>
+      <p:grpSpPr>
+        <a:xfrm>
+          <a:off x="0" y="0"/>
+          <a:ext cx="0" cy="0"/>
+          <a:chOff x="0" y="0"/>
+          <a:chExt cx="0" cy="0"/>
+        </a:xfrm>
+      </p:grpSpPr>
+      <p:sp>
+        <p:nvSpPr>
+          <p:cNvPr id="2" name="标题 1">
+            <a:extLst>
+              <a:ext uri="{FF2B5EF4-FFF2-40B4-BE49-F238E27FC236}">
+                <a16:creationId xmlns:a16="http://schemas.microsoft.com/office/drawing/2014/main" id="{FCA0EF95-F06D-4D8C-A317-2ECD48DD3ED5}"/>
+              </a:ext>
+            </a:extLst>
+          </p:cNvPr>
+          <p:cNvSpPr>
+            <a:spLocks noGrp="1"/>
+          </p:cNvSpPr>
+          <p:nvPr>
+            <p:ph type="title"/>
+          </p:nvPr>
+        </p:nvSpPr>
+        <p:spPr>
+          <a:xfrm>
+            <a:off x="838200" y="365126"/>
+            <a:ext cx="10457873" cy="922624"/>
+          </a:xfrm>
+        </p:spPr>
+        <p:txBody>
+          <a:bodyPr/>
+          <a:lstStyle/>
+          <a:p>
+            <a:r>
+              <a:rPr lang="zh-CN" altLang="en-US" dirty="0"/>
+              <a:t>任务描述</a:t>
+            </a:r>
+          </a:p>
+        </p:txBody>
+      </p:sp>
+      <p:sp>
+        <p:nvSpPr>
+          <p:cNvPr id="3" name="内容占位符 2">
+            <a:extLst>
+              <a:ext uri="{FF2B5EF4-FFF2-40B4-BE49-F238E27FC236}">
+                <a16:creationId xmlns:a16="http://schemas.microsoft.com/office/drawing/2014/main" id="{E31F1929-614F-4CC4-84E7-8B6B2F1FFA5E}"/>
+              </a:ext>
+            </a:extLst>
+          </p:cNvPr>
+          <p:cNvSpPr>
+            <a:spLocks noGrp="1"/>
+          </p:cNvSpPr>
+          <p:nvPr>
+            <p:ph idx="1"/>
+          </p:nvPr>
+        </p:nvSpPr>
+        <p:spPr>
+          <a:xfrm>
+            <a:off x="764308" y="1456172"/>
+            <a:ext cx="10457873" cy="503734"/>
+          </a:xfrm>
+        </p:spPr>
+        <p:txBody>
+          <a:bodyPr/>
+          <a:lstStyle/>
+          <a:p>
+            <a:r>
+              <a:rPr lang="en-US" altLang="zh-CN" dirty="0"/>
+              <a:t>Pinterest </a:t>
+            </a:r>
+            <a:r>
+              <a:rPr lang="zh-CN" altLang="en-US" dirty="0"/>
+              <a:t>是一个在线内容发现应用</a:t>
+            </a:r>
+            <a:endParaRPr lang="en-US" altLang="zh-CN" dirty="0"/>
+          </a:p>
+          <a:p>
+            <a:endParaRPr lang="en-US" altLang="zh-CN" dirty="0"/>
+          </a:p>
+          <a:p>
+            <a:endParaRPr lang="zh-CN" altLang="en-US" dirty="0"/>
+          </a:p>
+        </p:txBody>
+      </p:sp>
+      <p:sp>
+        <p:nvSpPr>
+          <p:cNvPr id="4" name="矩形 3">
+            <a:extLst>
+              <a:ext uri="{FF2B5EF4-FFF2-40B4-BE49-F238E27FC236}">
+                <a16:creationId xmlns:a16="http://schemas.microsoft.com/office/drawing/2014/main" id="{250F7EE9-BAC5-4092-9A77-8B3F8BFF46CA}"/>
+              </a:ext>
+            </a:extLst>
+          </p:cNvPr>
+          <p:cNvSpPr/>
+          <p:nvPr/>
+        </p:nvSpPr>
+        <p:spPr>
+          <a:xfrm>
+            <a:off x="838200" y="6210103"/>
+            <a:ext cx="10670309" cy="369332"/>
+          </a:xfrm>
+          <a:prstGeom prst="rect">
+            <a:avLst/>
+          </a:prstGeom>
+        </p:spPr>
+        <p:txBody>
+          <a:bodyPr wrap="square">
+            <a:spAutoFit/>
+          </a:bodyPr>
+          <a:lstStyle/>
+          <a:p>
+            <a:r>
+              <a:rPr lang="en-US" altLang="zh-CN" dirty="0">
+                <a:solidFill>
+                  <a:srgbClr val="7F7F7F"/>
+                </a:solidFill>
+                <a:latin typeface="HelveticaNeue-Light"/>
+              </a:rPr>
+              <a:t>Ying et al. Graph Convolutional Neural Networks for Web</a:t>
+            </a:r>
+            <a:r>
+              <a:rPr lang="en-US" altLang="zh-CN" i="1" dirty="0">
+                <a:solidFill>
+                  <a:srgbClr val="7F7F7F"/>
+                </a:solidFill>
+                <a:latin typeface="HelveticaNeue-LightItalic"/>
+              </a:rPr>
+              <a:t>-</a:t>
+            </a:r>
+            <a:r>
+              <a:rPr lang="en-US" altLang="zh-CN" dirty="0">
+                <a:solidFill>
+                  <a:srgbClr val="7F7F7F"/>
+                </a:solidFill>
+                <a:latin typeface="HelveticaNeue-Light"/>
+              </a:rPr>
+              <a:t>Scale Recommender Systems. KDD 2018</a:t>
+            </a:r>
+            <a:endParaRPr lang="zh-CN" altLang="en-US" dirty="0"/>
+          </a:p>
+        </p:txBody>
+      </p:sp>
+      <p:pic>
+        <p:nvPicPr>
+          <p:cNvPr id="7" name="图片 6">
+            <a:extLst>
+              <a:ext uri="{FF2B5EF4-FFF2-40B4-BE49-F238E27FC236}">
+                <a16:creationId xmlns:a16="http://schemas.microsoft.com/office/drawing/2014/main" id="{449544BA-472D-45B9-B1BA-0F38BB869100}"/>
+              </a:ext>
+            </a:extLst>
+          </p:cNvPr>
+          <p:cNvPicPr>
+            <a:picLocks noChangeAspect="1"/>
+          </p:cNvPicPr>
+          <p:nvPr/>
+        </p:nvPicPr>
+        <p:blipFill>
+          <a:blip r:embed="rId2"/>
+          <a:stretch>
+            <a:fillRect/>
+          </a:stretch>
+        </p:blipFill>
+        <p:spPr>
+          <a:xfrm>
+            <a:off x="1083108" y="1959905"/>
+            <a:ext cx="4079989" cy="1818865"/>
+          </a:xfrm>
+          <a:prstGeom prst="rect">
+            <a:avLst/>
+          </a:prstGeom>
+        </p:spPr>
+      </p:pic>
+      <p:pic>
+        <p:nvPicPr>
+          <p:cNvPr id="8" name="图片 7">
+            <a:extLst>
+              <a:ext uri="{FF2B5EF4-FFF2-40B4-BE49-F238E27FC236}">
+                <a16:creationId xmlns:a16="http://schemas.microsoft.com/office/drawing/2014/main" id="{46D4A058-7BAD-4AA8-A21F-CB954ADC5052}"/>
+              </a:ext>
+            </a:extLst>
+          </p:cNvPr>
+          <p:cNvPicPr>
+            <a:picLocks noChangeAspect="1"/>
+          </p:cNvPicPr>
+          <p:nvPr/>
+        </p:nvPicPr>
+        <p:blipFill>
+          <a:blip r:embed="rId3"/>
+          <a:stretch>
+            <a:fillRect/>
+          </a:stretch>
+        </p:blipFill>
+        <p:spPr>
+          <a:xfrm>
+            <a:off x="1083108" y="3710306"/>
+            <a:ext cx="8313016" cy="2331374"/>
+          </a:xfrm>
+          <a:prstGeom prst="rect">
+            <a:avLst/>
+          </a:prstGeom>
+        </p:spPr>
+      </p:pic>
+      <p:sp>
+        <p:nvSpPr>
+          <p:cNvPr id="10" name="文本框 9">
+            <a:extLst>
+              <a:ext uri="{FF2B5EF4-FFF2-40B4-BE49-F238E27FC236}">
+                <a16:creationId xmlns:a16="http://schemas.microsoft.com/office/drawing/2014/main" id="{D62A906D-D129-4E2D-982E-18C44A7D0C82}"/>
+              </a:ext>
+            </a:extLst>
+          </p:cNvPr>
+          <p:cNvSpPr txBox="1"/>
+          <p:nvPr/>
+        </p:nvSpPr>
+        <p:spPr>
+          <a:xfrm>
+            <a:off x="5458691" y="2604655"/>
+            <a:ext cx="3122971" cy="369332"/>
+          </a:xfrm>
+          <a:prstGeom prst="rect">
+            <a:avLst/>
+          </a:prstGeom>
+          <a:noFill/>
+        </p:spPr>
+        <p:txBody>
+          <a:bodyPr wrap="none" rtlCol="0">
+            <a:spAutoFit/>
+          </a:bodyPr>
+          <a:lstStyle/>
+          <a:p>
+            <a:r>
+              <a:rPr lang="en-US" altLang="zh-CN" dirty="0">
+                <a:solidFill>
+                  <a:srgbClr val="0070C0"/>
+                </a:solidFill>
+              </a:rPr>
+              <a:t>Pins</a:t>
+            </a:r>
+            <a:r>
+              <a:rPr lang="zh-CN" altLang="en-US" dirty="0"/>
+              <a:t>：在线内容的可视化书签</a:t>
+            </a:r>
+          </a:p>
+        </p:txBody>
+      </p:sp>
+      <p:sp>
+        <p:nvSpPr>
+          <p:cNvPr id="11" name="文本框 10">
+            <a:extLst>
+              <a:ext uri="{FF2B5EF4-FFF2-40B4-BE49-F238E27FC236}">
+                <a16:creationId xmlns:a16="http://schemas.microsoft.com/office/drawing/2014/main" id="{FD9ECE52-B4F3-49F8-ADE1-CE2E9A3C1E64}"/>
+              </a:ext>
+            </a:extLst>
+          </p:cNvPr>
+          <p:cNvSpPr txBox="1"/>
+          <p:nvPr/>
+        </p:nvSpPr>
+        <p:spPr>
+          <a:xfrm>
+            <a:off x="9396124" y="4625104"/>
+            <a:ext cx="2361767" cy="646331"/>
+          </a:xfrm>
+          <a:prstGeom prst="rect">
+            <a:avLst/>
+          </a:prstGeom>
+          <a:noFill/>
+        </p:spPr>
+        <p:txBody>
+          <a:bodyPr wrap="square" rtlCol="0">
+            <a:spAutoFit/>
+          </a:bodyPr>
+          <a:lstStyle/>
+          <a:p>
+            <a:r>
+              <a:rPr lang="en-US" altLang="zh-CN" dirty="0">
+                <a:solidFill>
+                  <a:srgbClr val="0070C0"/>
+                </a:solidFill>
+              </a:rPr>
+              <a:t>Boards</a:t>
+            </a:r>
+            <a:r>
+              <a:rPr lang="zh-CN" altLang="en-US" dirty="0"/>
+              <a:t>：用户收集的相关</a:t>
+            </a:r>
+            <a:r>
+              <a:rPr lang="en-US" altLang="zh-CN" dirty="0"/>
+              <a:t>Pins</a:t>
+            </a:r>
+            <a:r>
+              <a:rPr lang="zh-CN" altLang="en-US" dirty="0"/>
+              <a:t>的集合</a:t>
+            </a:r>
+          </a:p>
+        </p:txBody>
+      </p:sp>
+    </p:spTree>
+    <p:extLst>
+      <p:ext uri="{BB962C8B-B14F-4D97-AF65-F5344CB8AC3E}">
+        <p14:creationId xmlns:p14="http://schemas.microsoft.com/office/powerpoint/2010/main" val="737192729"/>
+      </p:ext>
+    </p:extLst>
+  </p:cSld>
+  <p:clrMapOvr>
+    <a:masterClrMapping/>
+  </p:clrMapOvr>
+</p:sld>
+</file>
+
+<file path=ppt/slides/slide32.xml><?xml version="1.0" encoding="utf-8"?>
+<p:sld xmlns:a="http://schemas.openxmlformats.org/drawingml/2006/main" xmlns:r="http://schemas.openxmlformats.org/officeDocument/2006/relationships" xmlns:p="http://schemas.openxmlformats.org/presentationml/2006/main">
+  <p:cSld>
+    <p:spTree>
+      <p:nvGrpSpPr>
+        <p:cNvPr id="1" name=""/>
+        <p:cNvGrpSpPr/>
+        <p:nvPr/>
+      </p:nvGrpSpPr>
+      <p:grpSpPr>
+        <a:xfrm>
+          <a:off x="0" y="0"/>
+          <a:ext cx="0" cy="0"/>
+          <a:chOff x="0" y="0"/>
+          <a:chExt cx="0" cy="0"/>
+        </a:xfrm>
+      </p:grpSpPr>
+      <p:sp>
+        <p:nvSpPr>
+          <p:cNvPr id="2" name="标题 1">
+            <a:extLst>
+              <a:ext uri="{FF2B5EF4-FFF2-40B4-BE49-F238E27FC236}">
+                <a16:creationId xmlns:a16="http://schemas.microsoft.com/office/drawing/2014/main" id="{02FC5140-B690-4582-B4ED-1DA300276400}"/>
+              </a:ext>
+            </a:extLst>
+          </p:cNvPr>
+          <p:cNvSpPr>
+            <a:spLocks noGrp="1"/>
+          </p:cNvSpPr>
+          <p:nvPr>
+            <p:ph type="title"/>
+          </p:nvPr>
+        </p:nvSpPr>
+        <p:spPr/>
+        <p:txBody>
+          <a:bodyPr/>
+          <a:lstStyle/>
+          <a:p>
+            <a:r>
+              <a:rPr lang="zh-CN" altLang="en-US" dirty="0"/>
+              <a:t>任务描述</a:t>
+            </a:r>
+          </a:p>
+        </p:txBody>
+      </p:sp>
+      <p:sp>
+        <p:nvSpPr>
+          <p:cNvPr id="4" name="内容占位符 3">
+            <a:extLst>
+              <a:ext uri="{FF2B5EF4-FFF2-40B4-BE49-F238E27FC236}">
+                <a16:creationId xmlns:a16="http://schemas.microsoft.com/office/drawing/2014/main" id="{C935D094-9442-471C-B07F-67B5E94868D9}"/>
+              </a:ext>
+            </a:extLst>
+          </p:cNvPr>
+          <p:cNvSpPr txBox="1">
+            <a:spLocks noGrp="1"/>
+          </p:cNvSpPr>
+          <p:nvPr>
+            <p:ph idx="1"/>
+          </p:nvPr>
+        </p:nvSpPr>
+        <p:spPr>
+          <a:xfrm>
+            <a:off x="838200" y="1825625"/>
+            <a:ext cx="10515600" cy="3576364"/>
+          </a:xfrm>
+          <a:prstGeom prst="rect">
+            <a:avLst/>
+          </a:prstGeom>
+          <a:noFill/>
+        </p:spPr>
+        <p:txBody>
+          <a:bodyPr wrap="square" rtlCol="0">
+            <a:spAutoFit/>
+          </a:bodyPr>
+          <a:lstStyle/>
+          <a:p>
+            <a:r>
+              <a:rPr lang="zh-CN" altLang="en-US" dirty="0"/>
+              <a:t>任务：</a:t>
+            </a:r>
+            <a:r>
+              <a:rPr lang="en-US" altLang="zh-CN" dirty="0"/>
+              <a:t>embedding Pins</a:t>
+            </a:r>
+            <a:r>
+              <a:rPr lang="zh-CN" altLang="en-US" dirty="0"/>
+              <a:t>，给用户推荐相关</a:t>
+            </a:r>
+            <a:r>
+              <a:rPr lang="en-US" altLang="zh-CN" dirty="0"/>
+              <a:t>Pins</a:t>
+            </a:r>
+          </a:p>
+          <a:p>
+            <a:endParaRPr lang="en-US" altLang="zh-CN" dirty="0"/>
+          </a:p>
+          <a:p>
+            <a:endParaRPr lang="en-US" altLang="zh-CN" dirty="0"/>
+          </a:p>
+          <a:p>
+            <a:endParaRPr lang="en-US" altLang="zh-CN" dirty="0"/>
+          </a:p>
+          <a:p>
+            <a:endParaRPr lang="en-US" altLang="zh-CN" dirty="0"/>
+          </a:p>
+          <a:p>
+            <a:endParaRPr lang="en-US" altLang="zh-CN" dirty="0"/>
+          </a:p>
+          <a:p>
+            <a:endParaRPr lang="en-US" altLang="zh-CN" dirty="0"/>
+          </a:p>
+        </p:txBody>
+      </p:sp>
+      <p:pic>
+        <p:nvPicPr>
+          <p:cNvPr id="5" name="图片 4">
+            <a:extLst>
+              <a:ext uri="{FF2B5EF4-FFF2-40B4-BE49-F238E27FC236}">
+                <a16:creationId xmlns:a16="http://schemas.microsoft.com/office/drawing/2014/main" id="{C4542F5D-314C-44F6-BAC0-2571FCFABAFF}"/>
+              </a:ext>
+            </a:extLst>
+          </p:cNvPr>
+          <p:cNvPicPr>
+            <a:picLocks noChangeAspect="1"/>
+          </p:cNvPicPr>
+          <p:nvPr/>
+        </p:nvPicPr>
+        <p:blipFill>
+          <a:blip r:embed="rId2"/>
+          <a:stretch>
+            <a:fillRect/>
+          </a:stretch>
+        </p:blipFill>
+        <p:spPr>
+          <a:xfrm>
+            <a:off x="1801090" y="2387233"/>
+            <a:ext cx="4956417" cy="2974475"/>
+          </a:xfrm>
+          <a:prstGeom prst="rect">
+            <a:avLst/>
+          </a:prstGeom>
+        </p:spPr>
+      </p:pic>
+    </p:spTree>
+    <p:extLst>
+      <p:ext uri="{BB962C8B-B14F-4D97-AF65-F5344CB8AC3E}">
+        <p14:creationId xmlns:p14="http://schemas.microsoft.com/office/powerpoint/2010/main" val="3196535031"/>
+      </p:ext>
+    </p:extLst>
+  </p:cSld>
+  <p:clrMapOvr>
+    <a:masterClrMapping/>
+  </p:clrMapOvr>
+</p:sld>
+</file>
+
+<file path=ppt/slides/slide33.xml><?xml version="1.0" encoding="utf-8"?>
+<p:sld xmlns:a="http://schemas.openxmlformats.org/drawingml/2006/main" xmlns:r="http://schemas.openxmlformats.org/officeDocument/2006/relationships" xmlns:p="http://schemas.openxmlformats.org/presentationml/2006/main">
+  <p:cSld>
+    <p:spTree>
+      <p:nvGrpSpPr>
+        <p:cNvPr id="1" name=""/>
+        <p:cNvGrpSpPr/>
+        <p:nvPr/>
+      </p:nvGrpSpPr>
+      <p:grpSpPr>
+        <a:xfrm>
+          <a:off x="0" y="0"/>
+          <a:ext cx="0" cy="0"/>
+          <a:chOff x="0" y="0"/>
+          <a:chExt cx="0" cy="0"/>
+        </a:xfrm>
+      </p:grpSpPr>
+      <p:sp>
+        <p:nvSpPr>
+          <p:cNvPr id="2" name="标题 1">
+            <a:extLst>
+              <a:ext uri="{FF2B5EF4-FFF2-40B4-BE49-F238E27FC236}">
+                <a16:creationId xmlns:a16="http://schemas.microsoft.com/office/drawing/2014/main" id="{C0D880B5-B0B4-49FA-B70A-4882B0CB5253}"/>
+              </a:ext>
+            </a:extLst>
+          </p:cNvPr>
+          <p:cNvSpPr>
+            <a:spLocks noGrp="1"/>
+          </p:cNvSpPr>
+          <p:nvPr>
+            <p:ph type="title"/>
+          </p:nvPr>
+        </p:nvSpPr>
+        <p:spPr/>
+        <p:txBody>
+          <a:bodyPr/>
+          <a:lstStyle/>
+          <a:p>
+            <a:r>
+              <a:rPr lang="en-US" altLang="zh-CN" dirty="0"/>
+              <a:t>GNN-AGG </a:t>
+            </a:r>
+            <a:r>
+              <a:rPr lang="zh-CN" altLang="en-US" dirty="0"/>
+              <a:t>设置</a:t>
+            </a:r>
+          </a:p>
+        </p:txBody>
+      </p:sp>
+      <p:pic>
+        <p:nvPicPr>
+          <p:cNvPr id="8" name="图片 7">
+            <a:extLst>
+              <a:ext uri="{FF2B5EF4-FFF2-40B4-BE49-F238E27FC236}">
+                <a16:creationId xmlns:a16="http://schemas.microsoft.com/office/drawing/2014/main" id="{8C44A896-3F88-419D-AF99-09292F86BEB9}"/>
+              </a:ext>
+            </a:extLst>
+          </p:cNvPr>
+          <p:cNvPicPr>
+            <a:picLocks noChangeAspect="1"/>
+          </p:cNvPicPr>
+          <p:nvPr/>
+        </p:nvPicPr>
+        <p:blipFill>
+          <a:blip r:embed="rId2">
+            <a:extLst>
+              <a:ext uri="{28A0092B-C50C-407E-A947-70E740481C1C}">
+                <a14:useLocalDpi xmlns:a14="http://schemas.microsoft.com/office/drawing/2010/main" val="0"/>
+              </a:ext>
+            </a:extLst>
+          </a:blip>
+          <a:stretch>
+            <a:fillRect/>
+          </a:stretch>
+        </p:blipFill>
+        <p:spPr>
+          <a:xfrm>
+            <a:off x="2663728" y="3674208"/>
+            <a:ext cx="5872981" cy="2681661"/>
+          </a:xfrm>
+          <a:prstGeom prst="rect">
+            <a:avLst/>
+          </a:prstGeom>
+        </p:spPr>
+      </p:pic>
+      <p:sp>
+        <p:nvSpPr>
+          <p:cNvPr id="10" name="文本框 9">
+            <a:extLst>
+              <a:ext uri="{FF2B5EF4-FFF2-40B4-BE49-F238E27FC236}">
+                <a16:creationId xmlns:a16="http://schemas.microsoft.com/office/drawing/2014/main" id="{6CB19A7E-7BA9-482F-8ECA-31C87E177364}"/>
+              </a:ext>
+            </a:extLst>
+          </p:cNvPr>
+          <p:cNvSpPr txBox="1"/>
+          <p:nvPr/>
+        </p:nvSpPr>
+        <p:spPr>
+          <a:xfrm>
+            <a:off x="838200" y="2323059"/>
+            <a:ext cx="10282382" cy="923330"/>
+          </a:xfrm>
+          <a:prstGeom prst="rect">
+            <a:avLst/>
+          </a:prstGeom>
+          <a:noFill/>
+        </p:spPr>
+        <p:txBody>
+          <a:bodyPr wrap="square" rtlCol="0">
+            <a:spAutoFit/>
+          </a:bodyPr>
+          <a:lstStyle/>
+          <a:p>
+            <a:r>
+              <a:rPr lang="en-US" altLang="zh-CN" dirty="0"/>
+              <a:t>1</a:t>
+            </a:r>
+            <a:r>
+              <a:rPr lang="zh-CN" altLang="en-US" dirty="0"/>
+              <a:t>、采用全连接网络聚合</a:t>
+            </a:r>
+            <a:r>
+              <a:rPr lang="en-US" altLang="zh-CN" dirty="0"/>
+              <a:t>A</a:t>
+            </a:r>
+            <a:r>
+              <a:rPr lang="zh-CN" altLang="en-US" dirty="0"/>
+              <a:t>节点的邻居、并使用</a:t>
+            </a:r>
+            <a:r>
+              <a:rPr lang="en-US" altLang="zh-CN" dirty="0"/>
+              <a:t>max-mean pooling</a:t>
+            </a:r>
+            <a:r>
+              <a:rPr lang="zh-CN" altLang="en-US" dirty="0"/>
+              <a:t>操作，生成邻居节点的特征表示</a:t>
+            </a:r>
+            <a:endParaRPr lang="en-US" altLang="zh-CN" dirty="0"/>
+          </a:p>
+          <a:p>
+            <a:endParaRPr lang="en-US" altLang="zh-CN" dirty="0"/>
+          </a:p>
+          <a:p>
+            <a:r>
+              <a:rPr lang="en-US" altLang="zh-CN" dirty="0"/>
+              <a:t>2</a:t>
+            </a:r>
+            <a:r>
+              <a:rPr lang="zh-CN" altLang="en-US" dirty="0"/>
+              <a:t>、</a:t>
+            </a:r>
+            <a:r>
+              <a:rPr lang="en-US" altLang="zh-CN" dirty="0" err="1"/>
+              <a:t>concat</a:t>
+            </a:r>
+            <a:r>
+              <a:rPr lang="zh-CN" altLang="en-US" dirty="0"/>
+              <a:t>邻居节点的特征表示和当前节点的特征表示，输入到全连接中</a:t>
+            </a:r>
+            <a:endParaRPr lang="en-US" altLang="zh-CN" dirty="0"/>
+          </a:p>
+        </p:txBody>
+      </p:sp>
+    </p:spTree>
+    <p:extLst>
+      <p:ext uri="{BB962C8B-B14F-4D97-AF65-F5344CB8AC3E}">
+        <p14:creationId xmlns:p14="http://schemas.microsoft.com/office/powerpoint/2010/main" val="495562661"/>
+      </p:ext>
+    </p:extLst>
+  </p:cSld>
+  <p:clrMapOvr>
+    <a:masterClrMapping/>
+  </p:clrMapOvr>
+</p:sld>
+</file>
+
+<file path=ppt/slides/slide34.xml><?xml version="1.0" encoding="utf-8"?>
+<p:sld xmlns:a="http://schemas.openxmlformats.org/drawingml/2006/main" xmlns:r="http://schemas.openxmlformats.org/officeDocument/2006/relationships" xmlns:p="http://schemas.openxmlformats.org/presentationml/2006/main">
+  <p:cSld>
+    <p:spTree>
+      <p:nvGrpSpPr>
+        <p:cNvPr id="1" name=""/>
+        <p:cNvGrpSpPr/>
+        <p:nvPr/>
+      </p:nvGrpSpPr>
+      <p:grpSpPr>
+        <a:xfrm>
+          <a:off x="0" y="0"/>
+          <a:ext cx="0" cy="0"/>
+          <a:chOff x="0" y="0"/>
+          <a:chExt cx="0" cy="0"/>
+        </a:xfrm>
+      </p:grpSpPr>
+      <p:sp>
+        <p:nvSpPr>
+          <p:cNvPr id="2" name="标题 1">
+            <a:extLst>
+              <a:ext uri="{FF2B5EF4-FFF2-40B4-BE49-F238E27FC236}">
+                <a16:creationId xmlns:a16="http://schemas.microsoft.com/office/drawing/2014/main" id="{EB9E70B4-D127-47DB-A0A8-1F98CB8DA732}"/>
+              </a:ext>
+            </a:extLst>
+          </p:cNvPr>
+          <p:cNvSpPr>
+            <a:spLocks noGrp="1"/>
+          </p:cNvSpPr>
+          <p:nvPr>
+            <p:ph type="title"/>
+          </p:nvPr>
+        </p:nvSpPr>
+        <p:spPr/>
+        <p:txBody>
+          <a:bodyPr/>
+          <a:lstStyle/>
+          <a:p>
+            <a:r>
+              <a:rPr lang="en-US" altLang="zh-CN" dirty="0"/>
+              <a:t>Neighborhood </a:t>
+            </a:r>
+            <a:r>
+              <a:rPr lang="zh-CN" altLang="en-US" dirty="0"/>
+              <a:t>选择</a:t>
+            </a:r>
+          </a:p>
+        </p:txBody>
+      </p:sp>
+      <p:sp>
+        <p:nvSpPr>
+          <p:cNvPr id="3" name="内容占位符 2">
+            <a:extLst>
+              <a:ext uri="{FF2B5EF4-FFF2-40B4-BE49-F238E27FC236}">
+                <a16:creationId xmlns:a16="http://schemas.microsoft.com/office/drawing/2014/main" id="{C3FF63F8-FC1B-4C11-BC2C-4EEEAE6CAC1C}"/>
+              </a:ext>
+            </a:extLst>
+          </p:cNvPr>
+          <p:cNvSpPr>
+            <a:spLocks noGrp="1"/>
+          </p:cNvSpPr>
+          <p:nvPr>
+            <p:ph idx="1"/>
+          </p:nvPr>
+        </p:nvSpPr>
+        <p:spPr/>
+        <p:txBody>
+          <a:bodyPr/>
+          <a:lstStyle/>
+          <a:p>
+            <a:r>
+              <a:rPr lang="zh-CN" altLang="en-US" dirty="0"/>
+              <a:t>计算训练所有邻居的计算图，很复杂</a:t>
+            </a:r>
+            <a:endParaRPr lang="en-US" altLang="zh-CN" dirty="0"/>
+          </a:p>
+          <a:p>
+            <a:endParaRPr lang="en-US" altLang="zh-CN" dirty="0"/>
+          </a:p>
+          <a:p>
+            <a:r>
+              <a:rPr lang="zh-CN" altLang="en-US" dirty="0"/>
+              <a:t>采用</a:t>
+            </a:r>
+            <a:r>
+              <a:rPr lang="en-US" altLang="zh-CN" dirty="0"/>
+              <a:t>random walk </a:t>
+            </a:r>
+            <a:r>
+              <a:rPr lang="zh-CN" altLang="en-US" dirty="0"/>
+              <a:t>选取</a:t>
+            </a:r>
+            <a:r>
+              <a:rPr lang="en-US" altLang="zh-CN" dirty="0"/>
+              <a:t>top</a:t>
+            </a:r>
+            <a:r>
+              <a:rPr lang="zh-CN" altLang="en-US" dirty="0"/>
+              <a:t> </a:t>
+            </a:r>
+            <a:r>
+              <a:rPr lang="en-US" altLang="zh-CN" dirty="0"/>
+              <a:t>K</a:t>
+            </a:r>
+            <a:r>
+              <a:rPr lang="zh-CN" altLang="en-US" dirty="0"/>
+              <a:t>个较为相关的邻居</a:t>
+            </a:r>
+          </a:p>
+        </p:txBody>
+      </p:sp>
+    </p:spTree>
+    <p:extLst>
+      <p:ext uri="{BB962C8B-B14F-4D97-AF65-F5344CB8AC3E}">
+        <p14:creationId xmlns:p14="http://schemas.microsoft.com/office/powerpoint/2010/main" val="1224319752"/>
+      </p:ext>
+    </p:extLst>
+  </p:cSld>
+  <p:clrMapOvr>
+    <a:masterClrMapping/>
+  </p:clrMapOvr>
+</p:sld>
+</file>
+
+<file path=ppt/slides/slide35.xml><?xml version="1.0" encoding="utf-8"?>
+<p:sld xmlns:a="http://schemas.openxmlformats.org/drawingml/2006/main" xmlns:r="http://schemas.openxmlformats.org/officeDocument/2006/relationships" xmlns:p="http://schemas.openxmlformats.org/presentationml/2006/main">
+  <p:cSld>
+    <p:spTree>
+      <p:nvGrpSpPr>
+        <p:cNvPr id="1" name=""/>
+        <p:cNvGrpSpPr/>
+        <p:nvPr/>
+      </p:nvGrpSpPr>
+      <p:grpSpPr>
+        <a:xfrm>
+          <a:off x="0" y="0"/>
+          <a:ext cx="0" cy="0"/>
+          <a:chOff x="0" y="0"/>
+          <a:chExt cx="0" cy="0"/>
+        </a:xfrm>
+      </p:grpSpPr>
+      <p:sp>
+        <p:nvSpPr>
+          <p:cNvPr id="2" name="标题 1">
+            <a:extLst>
+              <a:ext uri="{FF2B5EF4-FFF2-40B4-BE49-F238E27FC236}">
+                <a16:creationId xmlns:a16="http://schemas.microsoft.com/office/drawing/2014/main" id="{5EA1ADDD-4E46-4F37-8576-1289147BEE79}"/>
+              </a:ext>
+            </a:extLst>
+          </p:cNvPr>
+          <p:cNvSpPr>
+            <a:spLocks noGrp="1"/>
+          </p:cNvSpPr>
+          <p:nvPr>
+            <p:ph type="title"/>
+          </p:nvPr>
+        </p:nvSpPr>
+        <p:spPr/>
+        <p:txBody>
+          <a:bodyPr/>
+          <a:lstStyle/>
+          <a:p>
+            <a:r>
+              <a:rPr lang="zh-CN" altLang="en-US" dirty="0"/>
+              <a:t>损失函数定义</a:t>
+            </a:r>
+          </a:p>
+        </p:txBody>
+      </p:sp>
+      <p:sp>
+        <p:nvSpPr>
+          <p:cNvPr id="6" name="文本框 5">
+            <a:extLst>
+              <a:ext uri="{FF2B5EF4-FFF2-40B4-BE49-F238E27FC236}">
+                <a16:creationId xmlns:a16="http://schemas.microsoft.com/office/drawing/2014/main" id="{83E197E5-B540-4DD5-A40B-6D3BBC45B11E}"/>
+              </a:ext>
+            </a:extLst>
+          </p:cNvPr>
+          <p:cNvSpPr txBox="1"/>
+          <p:nvPr/>
+        </p:nvSpPr>
+        <p:spPr>
+          <a:xfrm>
+            <a:off x="956345" y="2030136"/>
+            <a:ext cx="4788490" cy="923330"/>
+          </a:xfrm>
+          <a:prstGeom prst="rect">
+            <a:avLst/>
+          </a:prstGeom>
+          <a:noFill/>
+        </p:spPr>
+        <p:txBody>
+          <a:bodyPr wrap="none" rtlCol="0">
+            <a:spAutoFit/>
+          </a:bodyPr>
+          <a:lstStyle/>
+          <a:p>
+            <a:r>
+              <a:rPr lang="zh-CN" altLang="en-US" dirty="0"/>
+              <a:t>具有相同</a:t>
+            </a:r>
+            <a:r>
+              <a:rPr lang="en-US" altLang="zh-CN" dirty="0"/>
+              <a:t>embedding</a:t>
+            </a:r>
+            <a:r>
+              <a:rPr lang="zh-CN" altLang="en-US" dirty="0"/>
+              <a:t>的物品被点击的概率较高</a:t>
+            </a:r>
+            <a:endParaRPr lang="en-US" altLang="zh-CN" dirty="0"/>
+          </a:p>
+          <a:p>
+            <a:endParaRPr lang="en-US" altLang="zh-CN" dirty="0"/>
+          </a:p>
+          <a:p>
+            <a:r>
+              <a:rPr lang="zh-CN" altLang="en-US" dirty="0"/>
+              <a:t>采用</a:t>
+            </a:r>
+            <a:r>
+              <a:rPr lang="en-US" altLang="zh-CN" dirty="0"/>
+              <a:t>Max-margin Loss:</a:t>
+            </a:r>
+            <a:endParaRPr lang="zh-CN" altLang="en-US" dirty="0"/>
+          </a:p>
+        </p:txBody>
+      </p:sp>
+      <p:pic>
+        <p:nvPicPr>
+          <p:cNvPr id="10" name="内容占位符 9">
+            <a:extLst>
+              <a:ext uri="{FF2B5EF4-FFF2-40B4-BE49-F238E27FC236}">
+                <a16:creationId xmlns:a16="http://schemas.microsoft.com/office/drawing/2014/main" id="{DB3029DA-16C6-4D4D-9578-C0071743FC3D}"/>
+              </a:ext>
+            </a:extLst>
+          </p:cNvPr>
+          <p:cNvPicPr>
+            <a:picLocks noGrp="1" noChangeAspect="1"/>
+          </p:cNvPicPr>
+          <p:nvPr>
+            <p:ph idx="1"/>
+          </p:nvPr>
+        </p:nvPicPr>
+        <p:blipFill>
+          <a:blip r:embed="rId2">
+            <a:extLst>
+              <a:ext uri="{28A0092B-C50C-407E-A947-70E740481C1C}">
+                <a14:useLocalDpi xmlns:a14="http://schemas.microsoft.com/office/drawing/2010/main" val="0"/>
+              </a:ext>
+            </a:extLst>
+          </a:blip>
+          <a:stretch>
+            <a:fillRect/>
+          </a:stretch>
+        </p:blipFill>
+        <p:spPr>
+          <a:xfrm>
+            <a:off x="1812022" y="3292914"/>
+            <a:ext cx="7377418" cy="2526840"/>
+          </a:xfrm>
+        </p:spPr>
+      </p:pic>
+    </p:spTree>
+    <p:extLst>
+      <p:ext uri="{BB962C8B-B14F-4D97-AF65-F5344CB8AC3E}">
+        <p14:creationId xmlns:p14="http://schemas.microsoft.com/office/powerpoint/2010/main" val="3387328072"/>
+      </p:ext>
+    </p:extLst>
+  </p:cSld>
+  <p:clrMapOvr>
+    <a:masterClrMapping/>
+  </p:clrMapOvr>
+</p:sld>
+</file>
+
+<file path=ppt/slides/slide36.xml><?xml version="1.0" encoding="utf-8"?>
+<p:sld xmlns:a="http://schemas.openxmlformats.org/drawingml/2006/main" xmlns:r="http://schemas.openxmlformats.org/officeDocument/2006/relationships" xmlns:p="http://schemas.openxmlformats.org/presentationml/2006/main">
+  <p:cSld>
+    <p:spTree>
+      <p:nvGrpSpPr>
+        <p:cNvPr id="1" name=""/>
+        <p:cNvGrpSpPr/>
+        <p:nvPr/>
+      </p:nvGrpSpPr>
+      <p:grpSpPr>
+        <a:xfrm>
+          <a:off x="0" y="0"/>
+          <a:ext cx="0" cy="0"/>
+          <a:chOff x="0" y="0"/>
+          <a:chExt cx="0" cy="0"/>
+        </a:xfrm>
+      </p:grpSpPr>
+      <p:sp>
+        <p:nvSpPr>
+          <p:cNvPr id="2" name="标题 1">
+            <a:extLst>
+              <a:ext uri="{FF2B5EF4-FFF2-40B4-BE49-F238E27FC236}">
+                <a16:creationId xmlns:a16="http://schemas.microsoft.com/office/drawing/2014/main" id="{A32A49F0-2C02-4ADA-9411-D8F03C2E75FD}"/>
+              </a:ext>
+            </a:extLst>
+          </p:cNvPr>
+          <p:cNvSpPr>
+            <a:spLocks noGrp="1"/>
+          </p:cNvSpPr>
+          <p:nvPr>
+            <p:ph type="title"/>
+          </p:nvPr>
+        </p:nvSpPr>
+        <p:spPr/>
+        <p:txBody>
+          <a:bodyPr/>
+          <a:lstStyle/>
+          <a:p>
+            <a:r>
+              <a:rPr lang="en-US" altLang="zh-CN" dirty="0"/>
+              <a:t>The End</a:t>
+            </a:r>
+            <a:endParaRPr lang="zh-CN" altLang="en-US" dirty="0"/>
+          </a:p>
+        </p:txBody>
+      </p:sp>
+      <p:sp>
+        <p:nvSpPr>
+          <p:cNvPr id="3" name="文本占位符 2">
+            <a:extLst>
+              <a:ext uri="{FF2B5EF4-FFF2-40B4-BE49-F238E27FC236}">
+                <a16:creationId xmlns:a16="http://schemas.microsoft.com/office/drawing/2014/main" id="{C6B6EE0D-A59E-4801-B895-41D60F2C8852}"/>
+              </a:ext>
+            </a:extLst>
+          </p:cNvPr>
+          <p:cNvSpPr>
+            <a:spLocks noGrp="1"/>
+          </p:cNvSpPr>
+          <p:nvPr>
+            <p:ph type="body" idx="1"/>
+          </p:nvPr>
+        </p:nvSpPr>
+        <p:spPr/>
+        <p:txBody>
+          <a:bodyPr/>
+          <a:lstStyle/>
+          <a:p>
+            <a:r>
+              <a:rPr lang="en-US" altLang="zh-CN" dirty="0"/>
+              <a:t>Thank you!</a:t>
+            </a:r>
+            <a:endParaRPr lang="zh-CN" altLang="en-US" dirty="0"/>
+          </a:p>
+        </p:txBody>
+      </p:sp>
+    </p:spTree>
+    <p:extLst>
+      <p:ext uri="{BB962C8B-B14F-4D97-AF65-F5344CB8AC3E}">
+        <p14:creationId xmlns:p14="http://schemas.microsoft.com/office/powerpoint/2010/main" val="1006044793"/>
+      </p:ext>
+    </p:extLst>
+  </p:cSld>
+  <p:clrMapOvr>
+    <a:masterClrMapping/>
+  </p:clrMapOvr>
+</p:sld>
+</file>
+
+<file path=ppt/slides/slide4.xml><?xml version="1.0" encoding="utf-8"?>
+<p:sld xmlns:a="http://schemas.openxmlformats.org/drawingml/2006/main" xmlns:r="http://schemas.openxmlformats.org/officeDocument/2006/relationships" xmlns:p="http://schemas.openxmlformats.org/presentationml/2006/main">
+  <p:cSld>
+    <p:spTree>
+      <p:nvGrpSpPr>
+        <p:cNvPr id="1" name=""/>
+        <p:cNvGrpSpPr/>
+        <p:nvPr/>
+      </p:nvGrpSpPr>
+      <p:grpSpPr>
+        <a:xfrm>
+          <a:off x="0" y="0"/>
+          <a:ext cx="0" cy="0"/>
+          <a:chOff x="0" y="0"/>
+          <a:chExt cx="0" cy="0"/>
+        </a:xfrm>
+      </p:grpSpPr>
+      <p:sp>
+        <p:nvSpPr>
+          <p:cNvPr id="2" name="标题 1">
+            <a:extLst>
+              <a:ext uri="{FF2B5EF4-FFF2-40B4-BE49-F238E27FC236}">
+                <a16:creationId xmlns:a16="http://schemas.microsoft.com/office/drawing/2014/main" id="{C6586069-372F-4D17-BD90-6CA8246A4D7F}"/>
+              </a:ext>
+            </a:extLst>
+          </p:cNvPr>
+          <p:cNvSpPr>
+            <a:spLocks noGrp="1"/>
+          </p:cNvSpPr>
+          <p:nvPr>
+            <p:ph type="title"/>
+          </p:nvPr>
+        </p:nvSpPr>
+        <p:spPr/>
+        <p:txBody>
+          <a:bodyPr/>
+          <a:lstStyle/>
+          <a:p>
+            <a:r>
+              <a:rPr lang="en-US" altLang="zh-CN" dirty="0"/>
+              <a:t>Node embedding</a:t>
+            </a:r>
+            <a:endParaRPr lang="zh-CN" altLang="en-US" dirty="0"/>
+          </a:p>
+        </p:txBody>
+      </p:sp>
+      <p:sp>
+        <p:nvSpPr>
+          <p:cNvPr id="3" name="文本占位符 2">
+            <a:extLst>
+              <a:ext uri="{FF2B5EF4-FFF2-40B4-BE49-F238E27FC236}">
+                <a16:creationId xmlns:a16="http://schemas.microsoft.com/office/drawing/2014/main" id="{6E088B57-A6AF-43ED-BE61-E999F65A2DC6}"/>
+              </a:ext>
+            </a:extLst>
+          </p:cNvPr>
+          <p:cNvSpPr>
+            <a:spLocks noGrp="1"/>
+          </p:cNvSpPr>
+          <p:nvPr>
+            <p:ph type="body" idx="1"/>
+          </p:nvPr>
+        </p:nvSpPr>
+        <p:spPr/>
+        <p:txBody>
+          <a:bodyPr/>
+          <a:lstStyle/>
+          <a:p>
+            <a:r>
+              <a:rPr lang="en-US" altLang="zh-CN" dirty="0"/>
+              <a:t>Map nodes to low-dimensional embeddings</a:t>
+            </a:r>
+            <a:endParaRPr lang="zh-CN" altLang="en-US" dirty="0"/>
+          </a:p>
+        </p:txBody>
+      </p:sp>
+    </p:spTree>
+    <p:extLst>
+      <p:ext uri="{BB962C8B-B14F-4D97-AF65-F5344CB8AC3E}">
+        <p14:creationId xmlns:p14="http://schemas.microsoft.com/office/powerpoint/2010/main" val="1959065556"/>
+      </p:ext>
+    </p:extLst>
+  </p:cSld>
+  <p:clrMapOvr>
+    <a:masterClrMapping/>
+  </p:clrMapOvr>
+</p:sld>
+</file>
+
 <file path=ppt/slides/slide5.xml><?xml version="1.0" encoding="utf-8"?>
 <p:sld xmlns:a="http://schemas.openxmlformats.org/drawingml/2006/main" xmlns:r="http://schemas.openxmlformats.org/officeDocument/2006/relationships" xmlns:p="http://schemas.openxmlformats.org/presentationml/2006/main">
   <p:cSld>
@@ -7434,6 +9536,39 @@
             <p:ph type="title"/>
           </p:nvPr>
         </p:nvSpPr>
+        <p:spPr>
+          <a:xfrm>
+            <a:off x="838200" y="365125"/>
+            <a:ext cx="9478818" cy="1460500"/>
+          </a:xfrm>
+        </p:spPr>
+        <p:txBody>
+          <a:bodyPr/>
+          <a:lstStyle/>
+          <a:p>
+            <a:r>
+              <a:rPr lang="zh-CN" altLang="en-US" dirty="0"/>
+              <a:t>编码器定义</a:t>
+            </a:r>
+          </a:p>
+        </p:txBody>
+      </p:sp>
+      <p:sp>
+        <p:nvSpPr>
+          <p:cNvPr id="3" name="内容占位符 2">
+            <a:extLst>
+              <a:ext uri="{FF2B5EF4-FFF2-40B4-BE49-F238E27FC236}">
+                <a16:creationId xmlns:a16="http://schemas.microsoft.com/office/drawing/2014/main" id="{299DE0FA-1316-41ED-8CD1-D786CFEABE7B}"/>
+              </a:ext>
+            </a:extLst>
+          </p:cNvPr>
+          <p:cNvSpPr>
+            <a:spLocks noGrp="1"/>
+          </p:cNvSpPr>
+          <p:nvPr>
+            <p:ph idx="1"/>
+          </p:nvPr>
+        </p:nvSpPr>
         <p:spPr/>
         <p:txBody>
           <a:bodyPr/>
@@ -7441,63 +9576,16 @@
           <a:p>
             <a:r>
               <a:rPr lang="zh-CN" altLang="en-US" dirty="0"/>
-              <a:t>编码器定义</a:t>
-            </a:r>
-          </a:p>
-        </p:txBody>
-      </p:sp>
-      <p:sp>
-        <p:nvSpPr>
-          <p:cNvPr id="3" name="内容占位符 2">
-            <a:extLst>
-              <a:ext uri="{FF2B5EF4-FFF2-40B4-BE49-F238E27FC236}">
-                <a16:creationId xmlns:a16="http://schemas.microsoft.com/office/drawing/2014/main" id="{299DE0FA-1316-41ED-8CD1-D786CFEABE7B}"/>
-              </a:ext>
-            </a:extLst>
-          </p:cNvPr>
-          <p:cNvSpPr>
-            <a:spLocks noGrp="1"/>
-          </p:cNvSpPr>
-          <p:nvPr>
-            <p:ph idx="1"/>
-          </p:nvPr>
-        </p:nvSpPr>
-        <p:spPr/>
-        <p:txBody>
-          <a:bodyPr/>
-          <a:lstStyle/>
-          <a:p>
+              <a:t>编码器：</a:t>
+            </a:r>
             <a:r>
               <a:rPr lang="en-US" altLang="zh-CN" dirty="0"/>
-              <a:t>encoder</a:t>
-            </a:r>
-            <a:r>
-              <a:rPr lang="zh-CN" altLang="en-US" dirty="0"/>
-              <a:t>：</a:t>
-            </a:r>
-            <a:r>
-              <a:rPr lang="en-US" altLang="zh-CN" dirty="0" err="1"/>
-              <a:t>embbeding</a:t>
-            </a:r>
-            <a:r>
-              <a:rPr lang="en-US" altLang="zh-CN" dirty="0"/>
-              <a:t> </a:t>
-            </a:r>
-            <a:r>
-              <a:rPr lang="en-US" altLang="zh-CN" dirty="0" err="1"/>
-              <a:t>vec</a:t>
-            </a:r>
-            <a:r>
-              <a:rPr lang="en-US" altLang="zh-CN" dirty="0"/>
-              <a:t> </a:t>
-            </a:r>
-            <a:r>
-              <a:rPr lang="zh-CN" altLang="en-US" dirty="0"/>
-              <a:t>的查找表</a:t>
-            </a:r>
-          </a:p>
-          <a:p>
-            <a:endParaRPr lang="zh-CN" altLang="en-US" dirty="0"/>
+              <a:t>embedding</a:t>
+            </a:r>
+            <a:r>
+              <a:rPr lang="zh-CN" altLang="en-US" dirty="0"/>
+              <a:t>向量的查找表</a:t>
+            </a:r>
           </a:p>
         </p:txBody>
       </p:sp>
@@ -7851,22 +9939,14 @@
           <a:lstStyle/>
           <a:p>
             <a:r>
-              <a:rPr lang="en-US" altLang="zh-CN" dirty="0"/>
-              <a:t>similarity function</a:t>
-            </a:r>
-            <a:r>
-              <a:rPr lang="zh-CN" altLang="en-US" dirty="0"/>
-              <a:t>：边的权重</a:t>
-            </a:r>
-          </a:p>
-          <a:p>
-            <a:r>
-              <a:rPr lang="en-US" altLang="zh-CN" dirty="0"/>
-              <a:t>Intuition</a:t>
-            </a:r>
-            <a:r>
-              <a:rPr lang="zh-CN" altLang="en-US" dirty="0"/>
-              <a:t>：</a:t>
+              <a:rPr lang="zh-CN" altLang="en-US" dirty="0"/>
+              <a:t>相似函数：边的权重</a:t>
+            </a:r>
+          </a:p>
+          <a:p>
+            <a:r>
+              <a:rPr lang="zh-CN" altLang="en-US" dirty="0"/>
+              <a:t>直观解释：</a:t>
             </a:r>
             <a:r>
               <a:rPr lang="en-US" altLang="zh-CN" dirty="0"/>
@@ -7886,7 +9966,7 @@
             </a:r>
             <a:r>
               <a:rPr lang="zh-CN" altLang="en-US" dirty="0"/>
-              <a:t>边的距离</a:t>
+              <a:t>节点边的距离</a:t>
             </a:r>
           </a:p>
           <a:p>
@@ -8260,7 +10340,7 @@
         <p:spPr/>
         <p:txBody>
           <a:bodyPr>
-            <a:normAutofit fontScale="77500" lnSpcReduction="20000"/>
+            <a:normAutofit lnSpcReduction="10000"/>
           </a:bodyPr>
           <a:lstStyle/>
           <a:p>
@@ -8284,7 +10364,7 @@
             </a:pPr>
             <a:r>
               <a:rPr lang="zh-CN" altLang="en-US" dirty="0"/>
-              <a:t>定义节点相似度</a:t>
+              <a:t>定义节点相似度量函数</a:t>
             </a:r>
           </a:p>
           <a:p>
@@ -8332,23 +10412,7 @@
             </a:r>
             <a:r>
               <a:rPr lang="zh-CN" altLang="en-US" dirty="0"/>
-              <a:t>的复杂度</a:t>
-            </a:r>
-          </a:p>
-          <a:p>
-            <a:pPr marL="835660" lvl="1" indent="-417830" defTabSz="549148">
-              <a:spcBef>
-                <a:spcPts val="3900"/>
-              </a:spcBef>
-              <a:defRPr sz="3384"/>
-            </a:pPr>
-            <a:r>
-              <a:rPr lang="en-US" altLang="zh-CN" dirty="0"/>
-              <a:t>O(|V|)</a:t>
-            </a:r>
-            <a:r>
-              <a:rPr lang="zh-CN" altLang="en-US" dirty="0"/>
-              <a:t>的参数</a:t>
+              <a:t>的时间复杂度</a:t>
             </a:r>
           </a:p>
           <a:p>

--- a/embedding/graph embedding/Representation Learning on Graphs.pptx
+++ b/embedding/graph embedding/Representation Learning on Graphs.pptx
@@ -294,7 +294,7 @@
           <a:p>
             <a:fld id="{0970952A-3E36-4BF0-A887-8C95F2072C57}" type="datetimeFigureOut">
               <a:rPr lang="zh-CN" altLang="en-US" smtClean="0"/>
-              <a:t>2018/12/19</a:t>
+              <a:t>2018/12/20</a:t>
             </a:fld>
             <a:endParaRPr lang="zh-CN" altLang="en-US"/>
           </a:p>
@@ -492,7 +492,7 @@
           <a:p>
             <a:fld id="{0970952A-3E36-4BF0-A887-8C95F2072C57}" type="datetimeFigureOut">
               <a:rPr lang="zh-CN" altLang="en-US" smtClean="0"/>
-              <a:t>2018/12/19</a:t>
+              <a:t>2018/12/20</a:t>
             </a:fld>
             <a:endParaRPr lang="zh-CN" altLang="en-US"/>
           </a:p>
@@ -700,7 +700,7 @@
           <a:p>
             <a:fld id="{0970952A-3E36-4BF0-A887-8C95F2072C57}" type="datetimeFigureOut">
               <a:rPr lang="zh-CN" altLang="en-US" smtClean="0"/>
-              <a:t>2018/12/19</a:t>
+              <a:t>2018/12/20</a:t>
             </a:fld>
             <a:endParaRPr lang="zh-CN" altLang="en-US"/>
           </a:p>
@@ -898,7 +898,7 @@
           <a:p>
             <a:fld id="{6D3E5801-11D0-45A1-931F-AC6DF7231B37}" type="datetimeFigureOut">
               <a:rPr lang="zh-CN" altLang="en-US" smtClean="0"/>
-              <a:t>2018/12/19</a:t>
+              <a:t>2018/12/20</a:t>
             </a:fld>
             <a:endParaRPr lang="zh-CN" altLang="en-US"/>
           </a:p>
@@ -1173,7 +1173,7 @@
           <a:p>
             <a:fld id="{0970952A-3E36-4BF0-A887-8C95F2072C57}" type="datetimeFigureOut">
               <a:rPr lang="zh-CN" altLang="en-US" smtClean="0"/>
-              <a:t>2018/12/19</a:t>
+              <a:t>2018/12/20</a:t>
             </a:fld>
             <a:endParaRPr lang="zh-CN" altLang="en-US"/>
           </a:p>
@@ -1438,7 +1438,7 @@
           <a:p>
             <a:fld id="{0970952A-3E36-4BF0-A887-8C95F2072C57}" type="datetimeFigureOut">
               <a:rPr lang="zh-CN" altLang="en-US" smtClean="0"/>
-              <a:t>2018/12/19</a:t>
+              <a:t>2018/12/20</a:t>
             </a:fld>
             <a:endParaRPr lang="zh-CN" altLang="en-US"/>
           </a:p>
@@ -1850,7 +1850,7 @@
           <a:p>
             <a:fld id="{0970952A-3E36-4BF0-A887-8C95F2072C57}" type="datetimeFigureOut">
               <a:rPr lang="zh-CN" altLang="en-US" smtClean="0"/>
-              <a:t>2018/12/19</a:t>
+              <a:t>2018/12/20</a:t>
             </a:fld>
             <a:endParaRPr lang="zh-CN" altLang="en-US"/>
           </a:p>
@@ -1991,7 +1991,7 @@
           <a:p>
             <a:fld id="{0970952A-3E36-4BF0-A887-8C95F2072C57}" type="datetimeFigureOut">
               <a:rPr lang="zh-CN" altLang="en-US" smtClean="0"/>
-              <a:t>2018/12/19</a:t>
+              <a:t>2018/12/20</a:t>
             </a:fld>
             <a:endParaRPr lang="zh-CN" altLang="en-US"/>
           </a:p>
@@ -2104,7 +2104,7 @@
           <a:p>
             <a:fld id="{0970952A-3E36-4BF0-A887-8C95F2072C57}" type="datetimeFigureOut">
               <a:rPr lang="zh-CN" altLang="en-US" smtClean="0"/>
-              <a:t>2018/12/19</a:t>
+              <a:t>2018/12/20</a:t>
             </a:fld>
             <a:endParaRPr lang="zh-CN" altLang="en-US"/>
           </a:p>
@@ -2415,7 +2415,7 @@
           <a:p>
             <a:fld id="{0970952A-3E36-4BF0-A887-8C95F2072C57}" type="datetimeFigureOut">
               <a:rPr lang="zh-CN" altLang="en-US" smtClean="0"/>
-              <a:t>2018/12/19</a:t>
+              <a:t>2018/12/20</a:t>
             </a:fld>
             <a:endParaRPr lang="zh-CN" altLang="en-US"/>
           </a:p>
@@ -2703,7 +2703,7 @@
           <a:p>
             <a:fld id="{0970952A-3E36-4BF0-A887-8C95F2072C57}" type="datetimeFigureOut">
               <a:rPr lang="zh-CN" altLang="en-US" smtClean="0"/>
-              <a:t>2018/12/19</a:t>
+              <a:t>2018/12/20</a:t>
             </a:fld>
             <a:endParaRPr lang="zh-CN" altLang="en-US"/>
           </a:p>
@@ -2944,7 +2944,7 @@
           <a:p>
             <a:fld id="{0970952A-3E36-4BF0-A887-8C95F2072C57}" type="datetimeFigureOut">
               <a:rPr lang="zh-CN" altLang="en-US" smtClean="0"/>
-              <a:t>2018/12/19</a:t>
+              <a:t>2018/12/20</a:t>
             </a:fld>
             <a:endParaRPr lang="zh-CN" altLang="en-US"/>
           </a:p>
@@ -3559,7 +3559,7 @@
           </a:ln>
           <a:extLst>
             <a:ext uri="{C572A759-6A51-4108-AA02-DFA0A04FC94B}">
-              <ma14:wrappingTextBoxFlag xmlns="" xmlns:ma14="http://schemas.microsoft.com/office/mac/drawingml/2011/main" val="1"/>
+              <ma14:wrappingTextBoxFlag xmlns:ma14="http://schemas.microsoft.com/office/mac/drawingml/2011/main" xmlns="" val="1"/>
             </a:ext>
           </a:extLst>
         </p:spPr>
@@ -4400,8 +4400,8 @@
               <a:t>随机游走时，用超参数</a:t>
             </a:r>
             <a:r>
-              <a:rPr lang="en-US" altLang="zh-CN" dirty="0"/>
-              <a:t>q</a:t>
+              <a:rPr lang="en-US" altLang="zh-CN" dirty="0" err="1"/>
+              <a:t>p,q</a:t>
             </a:r>
             <a:r>
               <a:rPr lang="zh-CN" altLang="en-US" dirty="0"/>
@@ -7994,7 +7994,7 @@
           </a:ln>
           <a:extLst>
             <a:ext uri="{C572A759-6A51-4108-AA02-DFA0A04FC94B}">
-              <ma14:wrappingTextBoxFlag xmlns="" xmlns:ma14="http://schemas.microsoft.com/office/mac/drawingml/2011/main" val="1"/>
+              <ma14:wrappingTextBoxFlag xmlns:ma14="http://schemas.microsoft.com/office/mac/drawingml/2011/main" xmlns="" val="1"/>
             </a:ext>
           </a:extLst>
         </p:spPr>
@@ -8050,7 +8050,7 @@
         <p:spPr>
           <a:xfrm>
             <a:off x="3108859" y="3285371"/>
-            <a:ext cx="636393" cy="287258"/>
+            <a:ext cx="652423" cy="287258"/>
           </a:xfrm>
           <a:prstGeom prst="rect">
             <a:avLst/>
@@ -8060,7 +8060,7 @@
           </a:ln>
           <a:extLst>
             <a:ext uri="{C572A759-6A51-4108-AA02-DFA0A04FC94B}">
-              <ma14:wrappingTextBoxFlag xmlns="" xmlns:ma14="http://schemas.microsoft.com/office/mac/drawingml/2011/main" val="1"/>
+              <ma14:wrappingTextBoxFlag xmlns:ma14="http://schemas.microsoft.com/office/mac/drawingml/2011/main" xmlns="" val="1"/>
             </a:ext>
           </a:extLst>
         </p:spPr>
@@ -8082,6 +8082,16 @@
           </a:lstStyle>
           <a:p>
             <a:r>
+              <a:rPr lang="en-US" sz="1200" dirty="0" err="1">
+                <a:solidFill>
+                  <a:schemeClr val="accent5">
+                    <a:lumMod val="50000"/>
+                  </a:schemeClr>
+                </a:solidFill>
+              </a:rPr>
+              <a:t>d</a:t>
+            </a:r>
+            <a:r>
               <a:rPr sz="1200" dirty="0" err="1">
                 <a:solidFill>
                   <a:schemeClr val="accent5">
@@ -8089,7 +8099,7 @@
                   </a:schemeClr>
                 </a:solidFill>
               </a:rPr>
-              <a:t>k维向量</a:t>
+              <a:t>维向量</a:t>
             </a:r>
             <a:endParaRPr sz="1200" dirty="0">
               <a:solidFill>
